--- a/Summary/20210217_demo_for_ccgb_rotation_update.pptx
+++ b/Summary/20210217_demo_for_ccgb_rotation_update.pptx
@@ -5,7 +5,7 @@
     <p:sldMasterId id="2147483648" r:id="rId1"/>
   </p:sldMasterIdLst>
   <p:notesMasterIdLst>
-    <p:notesMasterId r:id="rId18"/>
+    <p:notesMasterId r:id="rId20"/>
   </p:notesMasterIdLst>
   <p:sldIdLst>
     <p:sldId id="256" r:id="rId2"/>
@@ -14,16 +14,18 @@
     <p:sldId id="288" r:id="rId5"/>
     <p:sldId id="290" r:id="rId6"/>
     <p:sldId id="291" r:id="rId7"/>
-    <p:sldId id="293" r:id="rId8"/>
-    <p:sldId id="294" r:id="rId9"/>
-    <p:sldId id="298" r:id="rId10"/>
-    <p:sldId id="296" r:id="rId11"/>
-    <p:sldId id="299" r:id="rId12"/>
-    <p:sldId id="303" r:id="rId13"/>
-    <p:sldId id="301" r:id="rId14"/>
-    <p:sldId id="302" r:id="rId15"/>
-    <p:sldId id="278" r:id="rId16"/>
-    <p:sldId id="273" r:id="rId17"/>
+    <p:sldId id="295" r:id="rId8"/>
+    <p:sldId id="293" r:id="rId9"/>
+    <p:sldId id="292" r:id="rId10"/>
+    <p:sldId id="294" r:id="rId11"/>
+    <p:sldId id="296" r:id="rId12"/>
+    <p:sldId id="308" r:id="rId13"/>
+    <p:sldId id="304" r:id="rId14"/>
+    <p:sldId id="305" r:id="rId15"/>
+    <p:sldId id="306" r:id="rId16"/>
+    <p:sldId id="307" r:id="rId17"/>
+    <p:sldId id="278" r:id="rId18"/>
+    <p:sldId id="273" r:id="rId19"/>
   </p:sldIdLst>
   <p:sldSz cx="12192000" cy="6858000"/>
   <p:notesSz cx="6858000" cy="9144000"/>
@@ -133,14 +135,16 @@
             <p14:sldId id="288"/>
             <p14:sldId id="290"/>
             <p14:sldId id="291"/>
+            <p14:sldId id="295"/>
             <p14:sldId id="293"/>
+            <p14:sldId id="292"/>
             <p14:sldId id="294"/>
-            <p14:sldId id="298"/>
             <p14:sldId id="296"/>
-            <p14:sldId id="299"/>
-            <p14:sldId id="303"/>
-            <p14:sldId id="301"/>
-            <p14:sldId id="302"/>
+            <p14:sldId id="308"/>
+            <p14:sldId id="304"/>
+            <p14:sldId id="305"/>
+            <p14:sldId id="306"/>
+            <p14:sldId id="307"/>
             <p14:sldId id="278"/>
             <p14:sldId id="273"/>
           </p14:sldIdLst>
@@ -736,7 +740,7 @@
           <a:p>
             <a:fld id="{9D984E8B-8157-4976-ABDF-6DA2CAC3440F}" type="slidenum">
               <a:rPr lang="en-US" smtClean="0"/>
-              <a:t>8</a:t>
+              <a:t>6</a:t>
             </a:fld>
             <a:endParaRPr lang="en-US"/>
           </a:p>
@@ -745,7 +749,7 @@
     </p:spTree>
     <p:extLst>
       <p:ext uri="{BB962C8B-B14F-4D97-AF65-F5344CB8AC3E}">
-        <p14:creationId xmlns:p14="http://schemas.microsoft.com/office/powerpoint/2010/main" val="119786284"/>
+        <p14:creationId xmlns:p14="http://schemas.microsoft.com/office/powerpoint/2010/main" val="3588970973"/>
       </p:ext>
     </p:extLst>
   </p:cSld>
@@ -820,7 +824,7 @@
           <a:p>
             <a:fld id="{9D984E8B-8157-4976-ABDF-6DA2CAC3440F}" type="slidenum">
               <a:rPr lang="en-US" smtClean="0"/>
-              <a:t>9</a:t>
+              <a:t>12</a:t>
             </a:fld>
             <a:endParaRPr lang="en-US"/>
           </a:p>
@@ -829,7 +833,7 @@
     </p:spTree>
     <p:extLst>
       <p:ext uri="{BB962C8B-B14F-4D97-AF65-F5344CB8AC3E}">
-        <p14:creationId xmlns:p14="http://schemas.microsoft.com/office/powerpoint/2010/main" val="1402379873"/>
+        <p14:creationId xmlns:p14="http://schemas.microsoft.com/office/powerpoint/2010/main" val="3462522542"/>
       </p:ext>
     </p:extLst>
   </p:cSld>
@@ -904,175 +908,7 @@
           <a:p>
             <a:fld id="{9D984E8B-8157-4976-ABDF-6DA2CAC3440F}" type="slidenum">
               <a:rPr lang="en-US" smtClean="0"/>
-              <a:t>10</a:t>
-            </a:fld>
-            <a:endParaRPr lang="en-US"/>
-          </a:p>
-        </p:txBody>
-      </p:sp>
-    </p:spTree>
-    <p:extLst>
-      <p:ext uri="{BB962C8B-B14F-4D97-AF65-F5344CB8AC3E}">
-        <p14:creationId xmlns:p14="http://schemas.microsoft.com/office/powerpoint/2010/main" val="1296520410"/>
-      </p:ext>
-    </p:extLst>
-  </p:cSld>
-  <p:clrMapOvr>
-    <a:masterClrMapping/>
-  </p:clrMapOvr>
-</p:notes>
-</file>
-
-<file path=ppt/notesSlides/notesSlide6.xml><?xml version="1.0" encoding="utf-8"?>
-<p:notes xmlns:a="http://schemas.openxmlformats.org/drawingml/2006/main" xmlns:r="http://schemas.openxmlformats.org/officeDocument/2006/relationships" xmlns:p="http://schemas.openxmlformats.org/presentationml/2006/main">
-  <p:cSld>
-    <p:spTree>
-      <p:nvGrpSpPr>
-        <p:cNvPr id="1" name=""/>
-        <p:cNvGrpSpPr/>
-        <p:nvPr/>
-      </p:nvGrpSpPr>
-      <p:grpSpPr>
-        <a:xfrm>
-          <a:off x="0" y="0"/>
-          <a:ext cx="0" cy="0"/>
-          <a:chOff x="0" y="0"/>
-          <a:chExt cx="0" cy="0"/>
-        </a:xfrm>
-      </p:grpSpPr>
-      <p:sp>
-        <p:nvSpPr>
-          <p:cNvPr id="2" name="Slide Image Placeholder 1"/>
-          <p:cNvSpPr>
-            <a:spLocks noGrp="1" noRot="1" noChangeAspect="1"/>
-          </p:cNvSpPr>
-          <p:nvPr>
-            <p:ph type="sldImg"/>
-          </p:nvPr>
-        </p:nvSpPr>
-        <p:spPr/>
-      </p:sp>
-      <p:sp>
-        <p:nvSpPr>
-          <p:cNvPr id="3" name="Notes Placeholder 2"/>
-          <p:cNvSpPr>
-            <a:spLocks noGrp="1"/>
-          </p:cNvSpPr>
-          <p:nvPr>
-            <p:ph type="body" idx="1"/>
-          </p:nvPr>
-        </p:nvSpPr>
-        <p:spPr/>
-        <p:txBody>
-          <a:bodyPr/>
-          <a:lstStyle/>
-          <a:p>
-            <a:endParaRPr lang="en-US" dirty="0"/>
-          </a:p>
-        </p:txBody>
-      </p:sp>
-      <p:sp>
-        <p:nvSpPr>
-          <p:cNvPr id="4" name="Slide Number Placeholder 3"/>
-          <p:cNvSpPr>
-            <a:spLocks noGrp="1"/>
-          </p:cNvSpPr>
-          <p:nvPr>
-            <p:ph type="sldNum" sz="quarter" idx="5"/>
-          </p:nvPr>
-        </p:nvSpPr>
-        <p:spPr/>
-        <p:txBody>
-          <a:bodyPr/>
-          <a:lstStyle/>
-          <a:p>
-            <a:fld id="{9D984E8B-8157-4976-ABDF-6DA2CAC3440F}" type="slidenum">
-              <a:rPr lang="en-US" smtClean="0"/>
-              <a:t>12</a:t>
-            </a:fld>
-            <a:endParaRPr lang="en-US"/>
-          </a:p>
-        </p:txBody>
-      </p:sp>
-    </p:spTree>
-    <p:extLst>
-      <p:ext uri="{BB962C8B-B14F-4D97-AF65-F5344CB8AC3E}">
-        <p14:creationId xmlns:p14="http://schemas.microsoft.com/office/powerpoint/2010/main" val="2874518206"/>
-      </p:ext>
-    </p:extLst>
-  </p:cSld>
-  <p:clrMapOvr>
-    <a:masterClrMapping/>
-  </p:clrMapOvr>
-</p:notes>
-</file>
-
-<file path=ppt/notesSlides/notesSlide7.xml><?xml version="1.0" encoding="utf-8"?>
-<p:notes xmlns:a="http://schemas.openxmlformats.org/drawingml/2006/main" xmlns:r="http://schemas.openxmlformats.org/officeDocument/2006/relationships" xmlns:p="http://schemas.openxmlformats.org/presentationml/2006/main">
-  <p:cSld>
-    <p:spTree>
-      <p:nvGrpSpPr>
-        <p:cNvPr id="1" name=""/>
-        <p:cNvGrpSpPr/>
-        <p:nvPr/>
-      </p:nvGrpSpPr>
-      <p:grpSpPr>
-        <a:xfrm>
-          <a:off x="0" y="0"/>
-          <a:ext cx="0" cy="0"/>
-          <a:chOff x="0" y="0"/>
-          <a:chExt cx="0" cy="0"/>
-        </a:xfrm>
-      </p:grpSpPr>
-      <p:sp>
-        <p:nvSpPr>
-          <p:cNvPr id="2" name="Slide Image Placeholder 1"/>
-          <p:cNvSpPr>
-            <a:spLocks noGrp="1" noRot="1" noChangeAspect="1"/>
-          </p:cNvSpPr>
-          <p:nvPr>
-            <p:ph type="sldImg"/>
-          </p:nvPr>
-        </p:nvSpPr>
-        <p:spPr/>
-      </p:sp>
-      <p:sp>
-        <p:nvSpPr>
-          <p:cNvPr id="3" name="Notes Placeholder 2"/>
-          <p:cNvSpPr>
-            <a:spLocks noGrp="1"/>
-          </p:cNvSpPr>
-          <p:nvPr>
-            <p:ph type="body" idx="1"/>
-          </p:nvPr>
-        </p:nvSpPr>
-        <p:spPr/>
-        <p:txBody>
-          <a:bodyPr/>
-          <a:lstStyle/>
-          <a:p>
-            <a:endParaRPr lang="en-US" dirty="0"/>
-          </a:p>
-        </p:txBody>
-      </p:sp>
-      <p:sp>
-        <p:nvSpPr>
-          <p:cNvPr id="4" name="Slide Number Placeholder 3"/>
-          <p:cNvSpPr>
-            <a:spLocks noGrp="1"/>
-          </p:cNvSpPr>
-          <p:nvPr>
-            <p:ph type="sldNum" sz="quarter" idx="5"/>
-          </p:nvPr>
-        </p:nvSpPr>
-        <p:spPr/>
-        <p:txBody>
-          <a:bodyPr/>
-          <a:lstStyle/>
-          <a:p>
-            <a:fld id="{9D984E8B-8157-4976-ABDF-6DA2CAC3440F}" type="slidenum">
-              <a:rPr lang="en-US" smtClean="0"/>
-              <a:t>15</a:t>
+              <a:t>17</a:t>
             </a:fld>
             <a:endParaRPr lang="en-US"/>
           </a:p>
@@ -4466,7 +4302,7 @@
           <p:cNvPr id="2" name="Title 1">
             <a:extLst>
               <a:ext uri="{FF2B5EF4-FFF2-40B4-BE49-F238E27FC236}">
-                <a16:creationId xmlns:a16="http://schemas.microsoft.com/office/drawing/2014/main" id="{65D628C1-80CE-412C-8D99-87265F8BBF5F}"/>
+                <a16:creationId xmlns:a16="http://schemas.microsoft.com/office/drawing/2014/main" id="{FC0C9624-1DBB-4B7A-B446-0EC6DD7756EB}"/>
               </a:ext>
             </a:extLst>
           </p:cNvPr>
@@ -4483,21 +4319,569 @@
           <a:lstStyle/>
           <a:p>
             <a:r>
-              <a:rPr lang="en-US" dirty="0">
-                <a:latin typeface="Yu Gothic" panose="020B0400000000000000" pitchFamily="34" charset="-128"/>
-                <a:ea typeface="Yu Gothic" panose="020B0400000000000000" pitchFamily="34" charset="-128"/>
-              </a:rPr>
-              <a:t>Implementation plan (for PCA)</a:t>
-            </a:r>
+              <a:rPr lang="en-US" dirty="0"/>
+              <a:t>Bacteroides </a:t>
+            </a:r>
+            <a:r>
+              <a:rPr lang="en-US" dirty="0" err="1"/>
+              <a:t>uniformis</a:t>
+            </a:r>
+            <a:endParaRPr lang="en-US" dirty="0"/>
           </a:p>
         </p:txBody>
       </p:sp>
+      <p:pic>
+        <p:nvPicPr>
+          <p:cNvPr id="4" name="Picture 3">
+            <a:extLst>
+              <a:ext uri="{FF2B5EF4-FFF2-40B4-BE49-F238E27FC236}">
+                <a16:creationId xmlns:a16="http://schemas.microsoft.com/office/drawing/2014/main" id="{296A8C86-B04D-4B61-8B9F-1C02B8E771FF}"/>
+              </a:ext>
+            </a:extLst>
+          </p:cNvPr>
+          <p:cNvPicPr>
+            <a:picLocks noChangeAspect="1"/>
+          </p:cNvPicPr>
+          <p:nvPr/>
+        </p:nvPicPr>
+        <p:blipFill>
+          <a:blip r:embed="rId2"/>
+          <a:stretch>
+            <a:fillRect/>
+          </a:stretch>
+        </p:blipFill>
+        <p:spPr>
+          <a:xfrm>
+            <a:off x="460887" y="1393389"/>
+            <a:ext cx="7541342" cy="3131133"/>
+          </a:xfrm>
+          <a:prstGeom prst="rect">
+            <a:avLst/>
+          </a:prstGeom>
+        </p:spPr>
+      </p:pic>
+      <p:graphicFrame>
+        <p:nvGraphicFramePr>
+          <p:cNvPr id="6" name="Table 4">
+            <a:extLst>
+              <a:ext uri="{FF2B5EF4-FFF2-40B4-BE49-F238E27FC236}">
+                <a16:creationId xmlns:a16="http://schemas.microsoft.com/office/drawing/2014/main" id="{D44A6905-343D-4A93-B937-9CF13DA5DFC3}"/>
+              </a:ext>
+            </a:extLst>
+          </p:cNvPr>
+          <p:cNvGraphicFramePr>
+            <a:graphicFrameLocks noGrp="1"/>
+          </p:cNvGraphicFramePr>
+          <p:nvPr>
+            <p:ph idx="1"/>
+            <p:extLst>
+              <p:ext uri="{D42A27DB-BD31-4B8C-83A1-F6EECF244321}">
+                <p14:modId xmlns:p14="http://schemas.microsoft.com/office/powerpoint/2010/main" val="319149575"/>
+              </p:ext>
+            </p:extLst>
+          </p:nvPr>
+        </p:nvGraphicFramePr>
+        <p:xfrm>
+          <a:off x="838200" y="4524522"/>
+          <a:ext cx="10515600" cy="2225040"/>
+        </p:xfrm>
+        <a:graphic>
+          <a:graphicData uri="http://schemas.openxmlformats.org/drawingml/2006/table">
+            <a:tbl>
+              <a:tblPr firstRow="1" bandRow="1">
+                <a:tableStyleId>{073A0DAA-6AF3-43AB-8588-CEC1D06C72B9}</a:tableStyleId>
+              </a:tblPr>
+              <a:tblGrid>
+                <a:gridCol w="2103120">
+                  <a:extLst>
+                    <a:ext uri="{9D8B030D-6E8A-4147-A177-3AD203B41FA5}">
+                      <a16:colId xmlns:a16="http://schemas.microsoft.com/office/drawing/2014/main" val="2900726404"/>
+                    </a:ext>
+                  </a:extLst>
+                </a:gridCol>
+                <a:gridCol w="2103120">
+                  <a:extLst>
+                    <a:ext uri="{9D8B030D-6E8A-4147-A177-3AD203B41FA5}">
+                      <a16:colId xmlns:a16="http://schemas.microsoft.com/office/drawing/2014/main" val="2297780930"/>
+                    </a:ext>
+                  </a:extLst>
+                </a:gridCol>
+                <a:gridCol w="2103120">
+                  <a:extLst>
+                    <a:ext uri="{9D8B030D-6E8A-4147-A177-3AD203B41FA5}">
+                      <a16:colId xmlns:a16="http://schemas.microsoft.com/office/drawing/2014/main" val="1352057416"/>
+                    </a:ext>
+                  </a:extLst>
+                </a:gridCol>
+                <a:gridCol w="2103120">
+                  <a:extLst>
+                    <a:ext uri="{9D8B030D-6E8A-4147-A177-3AD203B41FA5}">
+                      <a16:colId xmlns:a16="http://schemas.microsoft.com/office/drawing/2014/main" val="1457082074"/>
+                    </a:ext>
+                  </a:extLst>
+                </a:gridCol>
+                <a:gridCol w="2103120">
+                  <a:extLst>
+                    <a:ext uri="{9D8B030D-6E8A-4147-A177-3AD203B41FA5}">
+                      <a16:colId xmlns:a16="http://schemas.microsoft.com/office/drawing/2014/main" val="633438695"/>
+                    </a:ext>
+                  </a:extLst>
+                </a:gridCol>
+              </a:tblGrid>
+              <a:tr h="370840">
+                <a:tc>
+                  <a:txBody>
+                    <a:bodyPr/>
+                    <a:lstStyle/>
+                    <a:p>
+                      <a:r>
+                        <a:rPr lang="en-US" dirty="0"/>
+                        <a:t>Model</a:t>
+                      </a:r>
+                    </a:p>
+                  </a:txBody>
+                  <a:tcPr/>
+                </a:tc>
+                <a:tc>
+                  <a:txBody>
+                    <a:bodyPr/>
+                    <a:lstStyle/>
+                    <a:p>
+                      <a:r>
+                        <a:rPr lang="en-US" dirty="0"/>
+                        <a:t>Exponential growth</a:t>
+                      </a:r>
+                    </a:p>
+                  </a:txBody>
+                  <a:tcPr/>
+                </a:tc>
+                <a:tc>
+                  <a:txBody>
+                    <a:bodyPr/>
+                    <a:lstStyle/>
+                    <a:p>
+                      <a:r>
+                        <a:rPr lang="en-US" dirty="0"/>
+                        <a:t>Two-epoch</a:t>
+                      </a:r>
+                    </a:p>
+                  </a:txBody>
+                  <a:tcPr/>
+                </a:tc>
+                <a:tc>
+                  <a:txBody>
+                    <a:bodyPr/>
+                    <a:lstStyle/>
+                    <a:p>
+                      <a:r>
+                        <a:rPr lang="en-US" dirty="0"/>
+                        <a:t>Bottleneck + growth</a:t>
+                      </a:r>
+                    </a:p>
+                  </a:txBody>
+                  <a:tcPr/>
+                </a:tc>
+                <a:tc>
+                  <a:txBody>
+                    <a:bodyPr/>
+                    <a:lstStyle/>
+                    <a:p>
+                      <a:r>
+                        <a:rPr lang="en-US" dirty="0"/>
+                        <a:t>Three-epoch</a:t>
+                      </a:r>
+                    </a:p>
+                  </a:txBody>
+                  <a:tcPr/>
+                </a:tc>
+                <a:extLst>
+                  <a:ext uri="{0D108BD9-81ED-4DB2-BD59-A6C34878D82A}">
+                    <a16:rowId xmlns:a16="http://schemas.microsoft.com/office/drawing/2014/main" val="3143057051"/>
+                  </a:ext>
+                </a:extLst>
+              </a:tr>
+              <a:tr h="370840">
+                <a:tc>
+                  <a:txBody>
+                    <a:bodyPr/>
+                    <a:lstStyle/>
+                    <a:p>
+                      <a:r>
+                        <a:rPr lang="en-US" dirty="0"/>
+                        <a:t>Log Likelihood</a:t>
+                      </a:r>
+                    </a:p>
+                  </a:txBody>
+                  <a:tcPr/>
+                </a:tc>
+                <a:tc>
+                  <a:txBody>
+                    <a:bodyPr/>
+                    <a:lstStyle/>
+                    <a:p>
+                      <a:r>
+                        <a:rPr lang="en-US" dirty="0"/>
+                        <a:t>-217.295138336</a:t>
+                      </a:r>
+                    </a:p>
+                  </a:txBody>
+                  <a:tcPr/>
+                </a:tc>
+                <a:tc>
+                  <a:txBody>
+                    <a:bodyPr/>
+                    <a:lstStyle/>
+                    <a:p>
+                      <a:r>
+                        <a:rPr lang="en-US" dirty="0"/>
+                        <a:t>-219.788922069</a:t>
+                      </a:r>
+                    </a:p>
+                  </a:txBody>
+                  <a:tcPr/>
+                </a:tc>
+                <a:tc>
+                  <a:txBody>
+                    <a:bodyPr/>
+                    <a:lstStyle/>
+                    <a:p>
+                      <a:r>
+                        <a:rPr lang="en-US" dirty="0"/>
+                        <a:t>-217.323496551</a:t>
+                      </a:r>
+                      <a:endParaRPr lang="en-US" dirty="0">
+                        <a:highlight>
+                          <a:srgbClr val="FFFF00"/>
+                        </a:highlight>
+                      </a:endParaRPr>
+                    </a:p>
+                  </a:txBody>
+                  <a:tcPr/>
+                </a:tc>
+                <a:tc>
+                  <a:txBody>
+                    <a:bodyPr/>
+                    <a:lstStyle/>
+                    <a:p>
+                      <a:r>
+                        <a:rPr lang="en-US" dirty="0"/>
+                        <a:t>-219.821925537</a:t>
+                      </a:r>
+                      <a:endParaRPr lang="en-US" dirty="0">
+                        <a:highlight>
+                          <a:srgbClr val="FFFF00"/>
+                        </a:highlight>
+                      </a:endParaRPr>
+                    </a:p>
+                  </a:txBody>
+                  <a:tcPr/>
+                </a:tc>
+                <a:extLst>
+                  <a:ext uri="{0D108BD9-81ED-4DB2-BD59-A6C34878D82A}">
+                    <a16:rowId xmlns:a16="http://schemas.microsoft.com/office/drawing/2014/main" val="3235037204"/>
+                  </a:ext>
+                </a:extLst>
+              </a:tr>
+              <a:tr h="370840">
+                <a:tc>
+                  <a:txBody>
+                    <a:bodyPr/>
+                    <a:lstStyle/>
+                    <a:p>
+                      <a:r>
+                        <a:rPr lang="en-US" dirty="0" err="1"/>
+                        <a:t>Nu_a</a:t>
+                      </a:r>
+                      <a:endParaRPr lang="en-US" dirty="0"/>
+                    </a:p>
+                  </a:txBody>
+                  <a:tcPr/>
+                </a:tc>
+                <a:tc>
+                  <a:txBody>
+                    <a:bodyPr/>
+                    <a:lstStyle/>
+                    <a:p>
+                      <a:r>
+                        <a:rPr lang="en-US" dirty="0"/>
+                        <a:t>6.69551901</a:t>
+                      </a:r>
+                    </a:p>
+                  </a:txBody>
+                  <a:tcPr/>
+                </a:tc>
+                <a:tc>
+                  <a:txBody>
+                    <a:bodyPr/>
+                    <a:lstStyle/>
+                    <a:p>
+                      <a:r>
+                        <a:rPr lang="en-US" dirty="0"/>
+                        <a:t>2.80634262</a:t>
+                      </a:r>
+                    </a:p>
+                  </a:txBody>
+                  <a:tcPr/>
+                </a:tc>
+                <a:tc>
+                  <a:txBody>
+                    <a:bodyPr/>
+                    <a:lstStyle/>
+                    <a:p>
+                      <a:r>
+                        <a:rPr lang="en-US" dirty="0"/>
+                        <a:t>1.39324194</a:t>
+                      </a:r>
+                    </a:p>
+                  </a:txBody>
+                  <a:tcPr/>
+                </a:tc>
+                <a:tc>
+                  <a:txBody>
+                    <a:bodyPr/>
+                    <a:lstStyle/>
+                    <a:p>
+                      <a:r>
+                        <a:rPr lang="en-US" dirty="0"/>
+                        <a:t>0.13057176</a:t>
+                      </a:r>
+                    </a:p>
+                  </a:txBody>
+                  <a:tcPr/>
+                </a:tc>
+                <a:extLst>
+                  <a:ext uri="{0D108BD9-81ED-4DB2-BD59-A6C34878D82A}">
+                    <a16:rowId xmlns:a16="http://schemas.microsoft.com/office/drawing/2014/main" val="2717148640"/>
+                  </a:ext>
+                </a:extLst>
+              </a:tr>
+              <a:tr h="370840">
+                <a:tc>
+                  <a:txBody>
+                    <a:bodyPr/>
+                    <a:lstStyle/>
+                    <a:p>
+                      <a:r>
+                        <a:rPr lang="en-US" dirty="0" err="1"/>
+                        <a:t>Nu_b</a:t>
+                      </a:r>
+                      <a:endParaRPr lang="en-US" dirty="0"/>
+                    </a:p>
+                  </a:txBody>
+                  <a:tcPr/>
+                </a:tc>
+                <a:tc>
+                  <a:txBody>
+                    <a:bodyPr/>
+                    <a:lstStyle/>
+                    <a:p>
+                      <a:r>
+                        <a:rPr lang="en-US" dirty="0"/>
+                        <a:t>N/A</a:t>
+                      </a:r>
+                    </a:p>
+                  </a:txBody>
+                  <a:tcPr/>
+                </a:tc>
+                <a:tc>
+                  <a:txBody>
+                    <a:bodyPr/>
+                    <a:lstStyle/>
+                    <a:p>
+                      <a:r>
+                        <a:rPr lang="en-US" dirty="0"/>
+                        <a:t>N/A</a:t>
+                      </a:r>
+                    </a:p>
+                  </a:txBody>
+                  <a:tcPr/>
+                </a:tc>
+                <a:tc>
+                  <a:txBody>
+                    <a:bodyPr/>
+                    <a:lstStyle/>
+                    <a:p>
+                      <a:r>
+                        <a:rPr lang="en-US" dirty="0"/>
+                        <a:t>2.3096104</a:t>
+                      </a:r>
+                    </a:p>
+                  </a:txBody>
+                  <a:tcPr/>
+                </a:tc>
+                <a:tc>
+                  <a:txBody>
+                    <a:bodyPr/>
+                    <a:lstStyle/>
+                    <a:p>
+                      <a:r>
+                        <a:rPr lang="en-US" dirty="0"/>
+                        <a:t>0.64729155</a:t>
+                      </a:r>
+                    </a:p>
+                  </a:txBody>
+                  <a:tcPr/>
+                </a:tc>
+                <a:extLst>
+                  <a:ext uri="{0D108BD9-81ED-4DB2-BD59-A6C34878D82A}">
+                    <a16:rowId xmlns:a16="http://schemas.microsoft.com/office/drawing/2014/main" val="3992781458"/>
+                  </a:ext>
+                </a:extLst>
+              </a:tr>
+              <a:tr h="370840">
+                <a:tc>
+                  <a:txBody>
+                    <a:bodyPr/>
+                    <a:lstStyle/>
+                    <a:p>
+                      <a:r>
+                        <a:rPr lang="en-US" dirty="0"/>
+                        <a:t>T_12</a:t>
+                      </a:r>
+                    </a:p>
+                  </a:txBody>
+                  <a:tcPr/>
+                </a:tc>
+                <a:tc>
+                  <a:txBody>
+                    <a:bodyPr/>
+                    <a:lstStyle/>
+                    <a:p>
+                      <a:r>
+                        <a:rPr lang="en-US" dirty="0"/>
+                        <a:t>17.29658449</a:t>
+                      </a:r>
+                    </a:p>
+                  </a:txBody>
+                  <a:tcPr/>
+                </a:tc>
+                <a:tc>
+                  <a:txBody>
+                    <a:bodyPr/>
+                    <a:lstStyle/>
+                    <a:p>
+                      <a:r>
+                        <a:rPr lang="en-US" dirty="0"/>
+                        <a:t>2.15350674</a:t>
+                      </a:r>
+                    </a:p>
+                  </a:txBody>
+                  <a:tcPr/>
+                </a:tc>
+                <a:tc>
+                  <a:txBody>
+                    <a:bodyPr/>
+                    <a:lstStyle/>
+                    <a:p>
+                      <a:r>
+                        <a:rPr lang="en-US" dirty="0"/>
+                        <a:t>1.68463977</a:t>
+                      </a:r>
+                    </a:p>
+                  </a:txBody>
+                  <a:tcPr/>
+                </a:tc>
+                <a:tc>
+                  <a:txBody>
+                    <a:bodyPr/>
+                    <a:lstStyle/>
+                    <a:p>
+                      <a:r>
+                        <a:rPr lang="en-US" dirty="0"/>
+                        <a:t>0.29392339</a:t>
+                      </a:r>
+                    </a:p>
+                  </a:txBody>
+                  <a:tcPr/>
+                </a:tc>
+                <a:extLst>
+                  <a:ext uri="{0D108BD9-81ED-4DB2-BD59-A6C34878D82A}">
+                    <a16:rowId xmlns:a16="http://schemas.microsoft.com/office/drawing/2014/main" val="3283572519"/>
+                  </a:ext>
+                </a:extLst>
+              </a:tr>
+              <a:tr h="370840">
+                <a:tc>
+                  <a:txBody>
+                    <a:bodyPr/>
+                    <a:lstStyle/>
+                    <a:p>
+                      <a:r>
+                        <a:rPr lang="en-US" dirty="0"/>
+                        <a:t>T_23</a:t>
+                      </a:r>
+                    </a:p>
+                  </a:txBody>
+                  <a:tcPr/>
+                </a:tc>
+                <a:tc>
+                  <a:txBody>
+                    <a:bodyPr/>
+                    <a:lstStyle/>
+                    <a:p>
+                      <a:r>
+                        <a:rPr lang="en-US" dirty="0"/>
+                        <a:t>N/A</a:t>
+                      </a:r>
+                    </a:p>
+                  </a:txBody>
+                  <a:tcPr/>
+                </a:tc>
+                <a:tc>
+                  <a:txBody>
+                    <a:bodyPr/>
+                    <a:lstStyle/>
+                    <a:p>
+                      <a:r>
+                        <a:rPr lang="en-US" dirty="0"/>
+                        <a:t>N/A</a:t>
+                      </a:r>
+                    </a:p>
+                  </a:txBody>
+                  <a:tcPr/>
+                </a:tc>
+                <a:tc>
+                  <a:txBody>
+                    <a:bodyPr/>
+                    <a:lstStyle/>
+                    <a:p>
+                      <a:r>
+                        <a:rPr lang="en-US" dirty="0"/>
+                        <a:t>N/A</a:t>
+                      </a:r>
+                    </a:p>
+                  </a:txBody>
+                  <a:tcPr/>
+                </a:tc>
+                <a:tc>
+                  <a:txBody>
+                    <a:bodyPr/>
+                    <a:lstStyle/>
+                    <a:p>
+                      <a:r>
+                        <a:rPr lang="en-US" dirty="0"/>
+                        <a:t>0.50844704</a:t>
+                      </a:r>
+                    </a:p>
+                  </a:txBody>
+                  <a:tcPr/>
+                </a:tc>
+                <a:extLst>
+                  <a:ext uri="{0D108BD9-81ED-4DB2-BD59-A6C34878D82A}">
+                    <a16:rowId xmlns:a16="http://schemas.microsoft.com/office/drawing/2014/main" val="2422470866"/>
+                  </a:ext>
+                </a:extLst>
+              </a:tr>
+            </a:tbl>
+          </a:graphicData>
+        </a:graphic>
+      </p:graphicFrame>
       <p:sp>
         <p:nvSpPr>
-          <p:cNvPr id="3" name="TextBox 2">
+          <p:cNvPr id="7" name="TextBox 6">
             <a:extLst>
               <a:ext uri="{FF2B5EF4-FFF2-40B4-BE49-F238E27FC236}">
-                <a16:creationId xmlns:a16="http://schemas.microsoft.com/office/drawing/2014/main" id="{FAB4FB15-19E2-4133-A4BC-3310B730AD65}"/>
+                <a16:creationId xmlns:a16="http://schemas.microsoft.com/office/drawing/2014/main" id="{B6D0FC50-2775-4DB2-97A6-D086208F4375}"/>
               </a:ext>
             </a:extLst>
           </p:cNvPr>
@@ -4506,8 +4890,8 @@
         </p:nvSpPr>
         <p:spPr>
           <a:xfrm>
-            <a:off x="0" y="1564623"/>
-            <a:ext cx="12321002" cy="4832092"/>
+            <a:off x="7096453" y="1690688"/>
+            <a:ext cx="5095547" cy="1754326"/>
           </a:xfrm>
           <a:prstGeom prst="rect">
             <a:avLst/>
@@ -4515,409 +4899,72 @@
           <a:noFill/>
         </p:spPr>
         <p:txBody>
-          <a:bodyPr wrap="none" rtlCol="0">
+          <a:bodyPr wrap="square" rtlCol="0">
             <a:spAutoFit/>
           </a:bodyPr>
           <a:lstStyle/>
           <a:p>
-            <a:r>
-              <a:rPr lang="en-US" sz="1400" dirty="0">
-                <a:solidFill>
-                  <a:prstClr val="black"/>
-                </a:solidFill>
-                <a:latin typeface="Yu Gothic" panose="020B0400000000000000" pitchFamily="34" charset="-128"/>
-                <a:ea typeface="Yu Gothic" panose="020B0400000000000000" pitchFamily="34" charset="-128"/>
-              </a:rPr>
-              <a:t>This is example input with </a:t>
-            </a:r>
-            <a:r>
-              <a:rPr lang="en-US" sz="1400" dirty="0" err="1">
-                <a:solidFill>
-                  <a:prstClr val="black"/>
-                </a:solidFill>
-                <a:latin typeface="Yu Gothic" panose="020B0400000000000000" pitchFamily="34" charset="-128"/>
-                <a:ea typeface="Yu Gothic" panose="020B0400000000000000" pitchFamily="34" charset="-128"/>
-              </a:rPr>
-              <a:t>Phascolarctobacterium_succinatutens</a:t>
-            </a:r>
-            <a:endParaRPr lang="en-US" sz="1400" dirty="0">
-              <a:solidFill>
-                <a:prstClr val="black"/>
-              </a:solidFill>
-              <a:latin typeface="Yu Gothic" panose="020B0400000000000000" pitchFamily="34" charset="-128"/>
-              <a:ea typeface="Yu Gothic" panose="020B0400000000000000" pitchFamily="34" charset="-128"/>
-            </a:endParaRPr>
-          </a:p>
-          <a:p>
-            <a:endParaRPr lang="en-US" sz="1400" dirty="0">
-              <a:solidFill>
-                <a:prstClr val="black"/>
-              </a:solidFill>
-              <a:latin typeface="Lucida Console" panose="020B0609040504020204" pitchFamily="49" charset="0"/>
-            </a:endParaRPr>
-          </a:p>
-          <a:p>
-            <a:r>
-              <a:rPr lang="en-US" sz="1400" dirty="0">
-                <a:solidFill>
-                  <a:prstClr val="black"/>
-                </a:solidFill>
-                <a:latin typeface="Lucida Console" panose="020B0609040504020204" pitchFamily="49" charset="0"/>
-              </a:rPr>
-              <a:t>given input as:</a:t>
-            </a:r>
-          </a:p>
-          <a:p>
-            <a:r>
-              <a:rPr lang="en-US" sz="1400" dirty="0" err="1">
-                <a:solidFill>
-                  <a:prstClr val="black"/>
-                </a:solidFill>
-                <a:latin typeface="Lucida Console" panose="020B0609040504020204" pitchFamily="49" charset="0"/>
-              </a:rPr>
-              <a:t>site_id</a:t>
-            </a:r>
-            <a:r>
-              <a:rPr lang="en-US" sz="1400" dirty="0">
-                <a:solidFill>
-                  <a:prstClr val="black"/>
-                </a:solidFill>
-                <a:latin typeface="Lucida Console" panose="020B0609040504020204" pitchFamily="49" charset="0"/>
-              </a:rPr>
-              <a:t> 700021824       700033665       700038158       700101366       700111296c      700163628       700164192</a:t>
-            </a:r>
-          </a:p>
-          <a:p>
-            <a:r>
-              <a:rPr lang="en-US" sz="1400" dirty="0">
-                <a:solidFill>
-                  <a:prstClr val="black"/>
-                </a:solidFill>
-                <a:latin typeface="Lucida Console" panose="020B0609040504020204" pitchFamily="49" charset="0"/>
-              </a:rPr>
-              <a:t>NZ_GL830844|162|626939.3.peg.2|2D|R|1   0,13    0,2     0,13    0,3     0,0     0,10    0,9</a:t>
-            </a:r>
-          </a:p>
-          <a:p>
-            <a:r>
-              <a:rPr lang="en-US" sz="1400" dirty="0">
-                <a:solidFill>
-                  <a:prstClr val="black"/>
-                </a:solidFill>
-                <a:latin typeface="Lucida Console" panose="020B0609040504020204" pitchFamily="49" charset="0"/>
-              </a:rPr>
-              <a:t>NZ_GL830844|163|626939.3.peg.2|2D|R|1   0,13    0,2     0,13    0,3     0,0     0,10    0,9</a:t>
-            </a:r>
-          </a:p>
-          <a:p>
-            <a:r>
-              <a:rPr lang="en-US" sz="1400" dirty="0">
-                <a:solidFill>
-                  <a:prstClr val="black"/>
-                </a:solidFill>
-                <a:latin typeface="Lucida Console" panose="020B0609040504020204" pitchFamily="49" charset="0"/>
-              </a:rPr>
-              <a:t>NZ_GL830844|164|626939.3.peg.2|1D|R|1   0,12    0,2     0,14    0,2     0,0     0,9     0,9</a:t>
-            </a:r>
-          </a:p>
-          <a:p>
-            <a:r>
-              <a:rPr lang="en-US" sz="1400" dirty="0">
-                <a:solidFill>
-                  <a:prstClr val="black"/>
-                </a:solidFill>
-                <a:latin typeface="Lucida Console" panose="020B0609040504020204" pitchFamily="49" charset="0"/>
-              </a:rPr>
-              <a:t>NZ_GL830844|165|626939.3.peg.2|2D|R|9.999e-05   0,12    0,2     0,14    0,3     0,0     </a:t>
-            </a:r>
-            <a:r>
-              <a:rPr lang="en-US" sz="1400" dirty="0">
-                <a:solidFill>
-                  <a:prstClr val="black"/>
-                </a:solidFill>
-                <a:highlight>
-                  <a:srgbClr val="FFFF00"/>
-                </a:highlight>
-                <a:latin typeface="Lucida Console" panose="020B0609040504020204" pitchFamily="49" charset="0"/>
-              </a:rPr>
-              <a:t>9,9</a:t>
-            </a:r>
-            <a:r>
-              <a:rPr lang="en-US" sz="1400" dirty="0">
-                <a:solidFill>
-                  <a:prstClr val="black"/>
-                </a:solidFill>
-                <a:latin typeface="Lucida Console" panose="020B0609040504020204" pitchFamily="49" charset="0"/>
-              </a:rPr>
-              <a:t>     0,9</a:t>
-            </a:r>
-          </a:p>
-          <a:p>
-            <a:r>
-              <a:rPr lang="en-US" sz="1400" dirty="0">
-                <a:solidFill>
-                  <a:prstClr val="black"/>
-                </a:solidFill>
-                <a:latin typeface="Lucida Console" panose="020B0609040504020204" pitchFamily="49" charset="0"/>
-              </a:rPr>
-              <a:t>…</a:t>
-            </a:r>
-          </a:p>
-          <a:p>
-            <a:r>
-              <a:rPr lang="en-US" sz="1400" dirty="0">
-                <a:solidFill>
-                  <a:prstClr val="black"/>
-                </a:solidFill>
-                <a:latin typeface="Lucida Console" panose="020B0609040504020204" pitchFamily="49" charset="0"/>
-              </a:rPr>
-              <a:t>NZ_GL830844|195|626939.3.peg.2|2D|R|9.999e-05   </a:t>
-            </a:r>
-            <a:r>
-              <a:rPr lang="en-US" sz="1400" dirty="0">
-                <a:solidFill>
-                  <a:prstClr val="black"/>
-                </a:solidFill>
-                <a:highlight>
-                  <a:srgbClr val="FFFF00"/>
-                </a:highlight>
-                <a:latin typeface="Lucida Console" panose="020B0609040504020204" pitchFamily="49" charset="0"/>
-              </a:rPr>
-              <a:t>17,17   5,5     15,15   5,5</a:t>
-            </a:r>
-            <a:r>
-              <a:rPr lang="en-US" sz="1400" dirty="0">
-                <a:solidFill>
-                  <a:prstClr val="black"/>
-                </a:solidFill>
-                <a:latin typeface="Lucida Console" panose="020B0609040504020204" pitchFamily="49" charset="0"/>
-              </a:rPr>
-              <a:t>     0,0     </a:t>
-            </a:r>
-            <a:r>
-              <a:rPr lang="en-US" sz="1400" dirty="0">
-                <a:solidFill>
-                  <a:prstClr val="black"/>
-                </a:solidFill>
-                <a:highlight>
-                  <a:srgbClr val="FFFF00"/>
-                </a:highlight>
-                <a:latin typeface="Lucida Console" panose="020B0609040504020204" pitchFamily="49" charset="0"/>
-              </a:rPr>
-              <a:t>13,13   8,8</a:t>
-            </a:r>
-          </a:p>
-          <a:p>
-            <a:r>
-              <a:rPr lang="en-US" sz="1400" dirty="0">
-                <a:solidFill>
-                  <a:prstClr val="black"/>
-                </a:solidFill>
-                <a:latin typeface="Lucida Console" panose="020B0609040504020204" pitchFamily="49" charset="0"/>
-              </a:rPr>
-              <a:t>…</a:t>
-            </a:r>
-          </a:p>
-          <a:p>
-            <a:r>
-              <a:rPr lang="en-US" sz="1400" dirty="0">
-                <a:solidFill>
-                  <a:prstClr val="black"/>
-                </a:solidFill>
-                <a:latin typeface="Lucida Console" panose="020B0609040504020204" pitchFamily="49" charset="0"/>
-              </a:rPr>
-              <a:t>NZ_GL830844|234|626939.3.peg.2|2D|R|9.999e-05   0,16    0,3     0,21    0,4     0,51    </a:t>
-            </a:r>
-            <a:r>
-              <a:rPr lang="en-US" sz="1400" dirty="0">
-                <a:solidFill>
-                  <a:prstClr val="black"/>
-                </a:solidFill>
-                <a:highlight>
-                  <a:srgbClr val="FFFF00"/>
-                </a:highlight>
-                <a:latin typeface="Lucida Console" panose="020B0609040504020204" pitchFamily="49" charset="0"/>
-              </a:rPr>
-              <a:t>12,12</a:t>
-            </a:r>
-            <a:r>
-              <a:rPr lang="en-US" sz="1400" dirty="0">
-                <a:solidFill>
-                  <a:prstClr val="black"/>
-                </a:solidFill>
-                <a:latin typeface="Lucida Console" panose="020B0609040504020204" pitchFamily="49" charset="0"/>
-              </a:rPr>
-              <a:t>   0,7</a:t>
-            </a:r>
-          </a:p>
-          <a:p>
-            <a:r>
-              <a:rPr lang="en-US" sz="1400" dirty="0">
-                <a:solidFill>
-                  <a:prstClr val="black"/>
-                </a:solidFill>
-                <a:latin typeface="Lucida Console" panose="020B0609040504020204" pitchFamily="49" charset="0"/>
-              </a:rPr>
-              <a:t>…</a:t>
-            </a:r>
-          </a:p>
-          <a:p>
-            <a:r>
-              <a:rPr lang="en-US" sz="1400" dirty="0">
-                <a:solidFill>
-                  <a:prstClr val="black"/>
-                </a:solidFill>
-                <a:latin typeface="Lucida Console" panose="020B0609040504020204" pitchFamily="49" charset="0"/>
-              </a:rPr>
-              <a:t>NZ_GL830844|278|626939.3.peg.2|1D|R|0.0069993   0,12    0,3     0,22    0,4     0,19    0,10    2,7</a:t>
-            </a:r>
-          </a:p>
-          <a:p>
-            <a:endParaRPr lang="en-US" sz="1400" dirty="0">
-              <a:solidFill>
-                <a:prstClr val="black"/>
-              </a:solidFill>
-              <a:latin typeface="Lucida Console" panose="020B0609040504020204" pitchFamily="49" charset="0"/>
-            </a:endParaRPr>
-          </a:p>
-          <a:p>
-            <a:endParaRPr lang="en-US" sz="1400" dirty="0">
-              <a:solidFill>
-                <a:prstClr val="black"/>
-              </a:solidFill>
-              <a:latin typeface="Lucida Console" panose="020B0609040504020204" pitchFamily="49" charset="0"/>
-            </a:endParaRPr>
-          </a:p>
-          <a:p>
-            <a:r>
-              <a:rPr lang="en-US" sz="1400" dirty="0">
-                <a:solidFill>
-                  <a:prstClr val="black"/>
-                </a:solidFill>
-                <a:latin typeface="Lucida Console" panose="020B0609040504020204" pitchFamily="49" charset="0"/>
-              </a:rPr>
-              <a:t>results in output as:</a:t>
-            </a:r>
-          </a:p>
-          <a:p>
-            <a:r>
-              <a:rPr lang="en-US" sz="1400" dirty="0">
-                <a:solidFill>
-                  <a:prstClr val="black"/>
-                </a:solidFill>
-                <a:latin typeface="Lucida Console" panose="020B0609040504020204" pitchFamily="49" charset="0"/>
-              </a:rPr>
-              <a:t>700021824, 700033665, 700038158, 700101366, 700111296c, 700163628, 700164192</a:t>
-            </a:r>
-          </a:p>
-          <a:p>
-            <a:r>
-              <a:rPr lang="en-US" sz="1400" dirty="0">
-                <a:solidFill>
-                  <a:prstClr val="black"/>
-                </a:solidFill>
-                <a:latin typeface="Lucida Console" panose="020B0609040504020204" pitchFamily="49" charset="0"/>
-              </a:rPr>
-              <a:t>0, 0, 0, 0, 0, </a:t>
-            </a:r>
-            <a:r>
-              <a:rPr lang="en-US" sz="1400" dirty="0">
-                <a:solidFill>
-                  <a:prstClr val="black"/>
-                </a:solidFill>
-                <a:highlight>
-                  <a:srgbClr val="FFFF00"/>
-                </a:highlight>
-                <a:latin typeface="Lucida Console" panose="020B0609040504020204" pitchFamily="49" charset="0"/>
-              </a:rPr>
-              <a:t>1,</a:t>
-            </a:r>
-            <a:r>
-              <a:rPr lang="en-US" sz="1400" dirty="0">
-                <a:solidFill>
-                  <a:prstClr val="black"/>
-                </a:solidFill>
-                <a:latin typeface="Lucida Console" panose="020B0609040504020204" pitchFamily="49" charset="0"/>
-              </a:rPr>
-              <a:t> 0</a:t>
-            </a:r>
-          </a:p>
-          <a:p>
-            <a:r>
-              <a:rPr lang="en-US" sz="1400" dirty="0">
-                <a:solidFill>
-                  <a:prstClr val="black"/>
-                </a:solidFill>
-                <a:highlight>
-                  <a:srgbClr val="FFFF00"/>
-                </a:highlight>
-                <a:latin typeface="Lucida Console" panose="020B0609040504020204" pitchFamily="49" charset="0"/>
-              </a:rPr>
-              <a:t>1, 1, 1, 1,</a:t>
-            </a:r>
-            <a:r>
-              <a:rPr lang="en-US" sz="1400" dirty="0">
-                <a:solidFill>
-                  <a:prstClr val="black"/>
-                </a:solidFill>
-                <a:latin typeface="Lucida Console" panose="020B0609040504020204" pitchFamily="49" charset="0"/>
-              </a:rPr>
-              <a:t> 0, </a:t>
-            </a:r>
-            <a:r>
-              <a:rPr lang="en-US" sz="1400" dirty="0">
-                <a:solidFill>
-                  <a:prstClr val="black"/>
-                </a:solidFill>
-                <a:highlight>
-                  <a:srgbClr val="FFFF00"/>
-                </a:highlight>
-                <a:latin typeface="Lucida Console" panose="020B0609040504020204" pitchFamily="49" charset="0"/>
-              </a:rPr>
-              <a:t>1, 1</a:t>
-            </a:r>
-          </a:p>
-          <a:p>
-            <a:r>
-              <a:rPr lang="en-US" sz="1400" dirty="0">
-                <a:solidFill>
-                  <a:prstClr val="black"/>
-                </a:solidFill>
-                <a:latin typeface="Lucida Console" panose="020B0609040504020204" pitchFamily="49" charset="0"/>
-              </a:rPr>
-              <a:t>0, 0, 0, 0, 0, </a:t>
-            </a:r>
-            <a:r>
-              <a:rPr lang="en-US" sz="1400" dirty="0">
-                <a:solidFill>
-                  <a:prstClr val="black"/>
-                </a:solidFill>
-                <a:highlight>
-                  <a:srgbClr val="FFFF00"/>
-                </a:highlight>
-                <a:latin typeface="Lucida Console" panose="020B0609040504020204" pitchFamily="49" charset="0"/>
-              </a:rPr>
-              <a:t>1,</a:t>
-            </a:r>
-            <a:r>
-              <a:rPr lang="en-US" sz="1400" dirty="0">
-                <a:solidFill>
-                  <a:prstClr val="black"/>
-                </a:solidFill>
-                <a:latin typeface="Lucida Console" panose="020B0609040504020204" pitchFamily="49" charset="0"/>
-              </a:rPr>
-              <a:t> 0</a:t>
-            </a:r>
-          </a:p>
-          <a:p>
-            <a:r>
-              <a:rPr lang="en-US" sz="1400" dirty="0">
-                <a:solidFill>
-                  <a:prstClr val="black"/>
-                </a:solidFill>
-                <a:latin typeface="Lucida Console" panose="020B0609040504020204" pitchFamily="49" charset="0"/>
-              </a:rPr>
-              <a:t>0, 0, 0, 0, 0, 0, 0</a:t>
+            <a:pPr marL="285750" indent="-285750">
+              <a:buFont typeface="Arial" panose="020B0604020202020204" pitchFamily="34" charset="0"/>
+              <a:buChar char="•"/>
+            </a:pPr>
+            <a:r>
+              <a:rPr lang="en-US" dirty="0" err="1"/>
+              <a:t>Nu_a</a:t>
+            </a:r>
+            <a:r>
+              <a:rPr lang="en-US" dirty="0"/>
+              <a:t>: contemporary population relative to ancestral population before first epoch</a:t>
+            </a:r>
+          </a:p>
+          <a:p>
+            <a:pPr marL="285750" indent="-285750">
+              <a:buFont typeface="Arial" panose="020B0604020202020204" pitchFamily="34" charset="0"/>
+              <a:buChar char="•"/>
+            </a:pPr>
+            <a:r>
+              <a:rPr lang="en-US" dirty="0" err="1"/>
+              <a:t>Nu_b</a:t>
+            </a:r>
+            <a:r>
+              <a:rPr lang="en-US" dirty="0"/>
+              <a:t>: contemporary population relative to ancestral population before second epoch</a:t>
+            </a:r>
+          </a:p>
+          <a:p>
+            <a:pPr marL="285750" indent="-285750">
+              <a:buFont typeface="Arial" panose="020B0604020202020204" pitchFamily="34" charset="0"/>
+              <a:buChar char="•"/>
+            </a:pPr>
+            <a:r>
+              <a:rPr lang="en-US" dirty="0"/>
+              <a:t>T_1: Duration of first epoch (units of 2 * </a:t>
+            </a:r>
+            <a:r>
+              <a:rPr lang="en-US" dirty="0" err="1"/>
+              <a:t>N_a</a:t>
+            </a:r>
+            <a:r>
+              <a:rPr lang="en-US" dirty="0"/>
+              <a:t>)</a:t>
+            </a:r>
+          </a:p>
+          <a:p>
+            <a:pPr marL="285750" indent="-285750">
+              <a:buFont typeface="Arial" panose="020B0604020202020204" pitchFamily="34" charset="0"/>
+              <a:buChar char="•"/>
+            </a:pPr>
+            <a:r>
+              <a:rPr lang="en-US" dirty="0"/>
+              <a:t>T_2: Duration of second epoch (units of 2 * </a:t>
+            </a:r>
+            <a:r>
+              <a:rPr lang="en-US" dirty="0" err="1"/>
+              <a:t>N_a</a:t>
+            </a:r>
+            <a:r>
+              <a:rPr lang="en-US" dirty="0"/>
+              <a:t>)</a:t>
             </a:r>
           </a:p>
         </p:txBody>
@@ -4925,7 +4972,7 @@
     </p:spTree>
     <p:extLst>
       <p:ext uri="{BB962C8B-B14F-4D97-AF65-F5344CB8AC3E}">
-        <p14:creationId xmlns:p14="http://schemas.microsoft.com/office/powerpoint/2010/main" val="3721008250"/>
+        <p14:creationId xmlns:p14="http://schemas.microsoft.com/office/powerpoint/2010/main" val="916713409"/>
       </p:ext>
     </p:extLst>
   </p:cSld>
@@ -4957,7 +5004,7 @@
           <p:cNvPr id="2" name="Title 1">
             <a:extLst>
               <a:ext uri="{FF2B5EF4-FFF2-40B4-BE49-F238E27FC236}">
-                <a16:creationId xmlns:a16="http://schemas.microsoft.com/office/drawing/2014/main" id="{FCF76A6E-09F9-40D8-989E-F4E540C896BB}"/>
+                <a16:creationId xmlns:a16="http://schemas.microsoft.com/office/drawing/2014/main" id="{FC0C9624-1DBB-4B7A-B446-0EC6DD7756EB}"/>
               </a:ext>
             </a:extLst>
           </p:cNvPr>
@@ -4974,48 +5021,45 @@
           <a:lstStyle/>
           <a:p>
             <a:r>
-              <a:rPr lang="en-US" dirty="0">
-                <a:latin typeface="Yu Gothic" panose="020B0400000000000000" pitchFamily="34" charset="-128"/>
-                <a:ea typeface="Yu Gothic" panose="020B0400000000000000" pitchFamily="34" charset="-128"/>
-              </a:rPr>
-              <a:t>Results</a:t>
-            </a:r>
+              <a:rPr lang="en-US" dirty="0"/>
+              <a:t>Eubacterium </a:t>
+            </a:r>
+            <a:r>
+              <a:rPr lang="en-US" dirty="0" err="1"/>
+              <a:t>rectale</a:t>
+            </a:r>
+            <a:endParaRPr lang="en-US" dirty="0"/>
           </a:p>
         </p:txBody>
       </p:sp>
       <p:pic>
         <p:nvPicPr>
-          <p:cNvPr id="5" name="Content Placeholder 4" descr="Chart, scatter chart&#10;&#10;Description automatically generated">
+          <p:cNvPr id="4" name="Picture 3">
             <a:extLst>
               <a:ext uri="{FF2B5EF4-FFF2-40B4-BE49-F238E27FC236}">
-                <a16:creationId xmlns:a16="http://schemas.microsoft.com/office/drawing/2014/main" id="{441FE4C7-4CB5-4A96-8F7B-788DBAEA11E3}"/>
+                <a16:creationId xmlns:a16="http://schemas.microsoft.com/office/drawing/2014/main" id="{30B4062A-D74F-4548-A313-D966B06F6AD1}"/>
               </a:ext>
             </a:extLst>
           </p:cNvPr>
           <p:cNvPicPr>
-            <a:picLocks noGrp="1" noChangeAspect="1"/>
+            <a:picLocks noChangeAspect="1"/>
           </p:cNvPicPr>
-          <p:nvPr>
-            <p:ph idx="1"/>
-          </p:nvPr>
+          <p:nvPr/>
         </p:nvPicPr>
         <p:blipFill>
-          <a:blip r:embed="rId2">
-            <a:extLst>
-              <a:ext uri="{28A0092B-C50C-407E-A947-70E740481C1C}">
-                <a14:useLocalDpi xmlns:a14="http://schemas.microsoft.com/office/drawing/2010/main" val="0"/>
-              </a:ext>
-            </a:extLst>
-          </a:blip>
+          <a:blip r:embed="rId2"/>
           <a:stretch>
             <a:fillRect/>
           </a:stretch>
         </p:blipFill>
         <p:spPr>
           <a:xfrm>
-            <a:off x="4952974" y="1500178"/>
-            <a:ext cx="6400826" cy="4351338"/>
+            <a:off x="673685" y="1365888"/>
+            <a:ext cx="6422768" cy="2622168"/>
           </a:xfrm>
+          <a:prstGeom prst="rect">
+            <a:avLst/>
+          </a:prstGeom>
         </p:spPr>
       </p:pic>
       <p:sp>
@@ -5023,7 +5067,7 @@
           <p:cNvPr id="6" name="TextBox 5">
             <a:extLst>
               <a:ext uri="{FF2B5EF4-FFF2-40B4-BE49-F238E27FC236}">
-                <a16:creationId xmlns:a16="http://schemas.microsoft.com/office/drawing/2014/main" id="{95D0C310-C071-429D-8ADB-ACE3C8443A5D}"/>
+                <a16:creationId xmlns:a16="http://schemas.microsoft.com/office/drawing/2014/main" id="{800B2470-8A14-490B-8A6D-A41088728B65}"/>
               </a:ext>
             </a:extLst>
           </p:cNvPr>
@@ -5032,8 +5076,8 @@
         </p:nvSpPr>
         <p:spPr>
           <a:xfrm>
-            <a:off x="474406" y="1690688"/>
-            <a:ext cx="4302781" cy="3970318"/>
+            <a:off x="7096453" y="1690688"/>
+            <a:ext cx="5095547" cy="1754326"/>
           </a:xfrm>
           <a:prstGeom prst="rect">
             <a:avLst/>
@@ -5041,242 +5085,596 @@
           <a:noFill/>
         </p:spPr>
         <p:txBody>
-          <a:bodyPr wrap="none" rtlCol="0">
+          <a:bodyPr wrap="square" rtlCol="0">
             <a:spAutoFit/>
           </a:bodyPr>
           <a:lstStyle/>
           <a:p>
-            <a:r>
-              <a:rPr lang="en-US" dirty="0">
-                <a:latin typeface="Yu Gothic" panose="020B0400000000000000" pitchFamily="34" charset="-128"/>
-                <a:ea typeface="Yu Gothic" panose="020B0400000000000000" pitchFamily="34" charset="-128"/>
-              </a:rPr>
-              <a:t>Here is what the PCA looks like for </a:t>
-            </a:r>
-          </a:p>
-          <a:p>
-            <a:r>
-              <a:rPr lang="en-US" sz="1800" dirty="0" err="1">
-                <a:solidFill>
-                  <a:prstClr val="black"/>
-                </a:solidFill>
-                <a:latin typeface="Yu Gothic" panose="020B0400000000000000" pitchFamily="34" charset="-128"/>
-                <a:ea typeface="Yu Gothic" panose="020B0400000000000000" pitchFamily="34" charset="-128"/>
-              </a:rPr>
-              <a:t>Phascolarctobacterium_succinatutens</a:t>
-            </a:r>
-            <a:r>
-              <a:rPr lang="en-US" sz="1800" dirty="0">
-                <a:solidFill>
-                  <a:prstClr val="black"/>
-                </a:solidFill>
-                <a:latin typeface="Yu Gothic" panose="020B0400000000000000" pitchFamily="34" charset="-128"/>
-                <a:ea typeface="Yu Gothic" panose="020B0400000000000000" pitchFamily="34" charset="-128"/>
-              </a:rPr>
-              <a:t>.</a:t>
-            </a:r>
-          </a:p>
-          <a:p>
-            <a:endParaRPr lang="en-US" dirty="0">
-              <a:solidFill>
-                <a:prstClr val="black"/>
-              </a:solidFill>
-              <a:latin typeface="Yu Gothic" panose="020B0400000000000000" pitchFamily="34" charset="-128"/>
-              <a:ea typeface="Yu Gothic" panose="020B0400000000000000" pitchFamily="34" charset="-128"/>
-            </a:endParaRPr>
-          </a:p>
-          <a:p>
-            <a:r>
-              <a:rPr lang="en-US" dirty="0">
-                <a:solidFill>
-                  <a:prstClr val="black"/>
-                </a:solidFill>
-                <a:latin typeface="Yu Gothic" panose="020B0400000000000000" pitchFamily="34" charset="-128"/>
-                <a:ea typeface="Yu Gothic" panose="020B0400000000000000" pitchFamily="34" charset="-128"/>
-              </a:rPr>
-              <a:t>Note that this was a sparse data</a:t>
-            </a:r>
-          </a:p>
-          <a:p>
-            <a:r>
-              <a:rPr lang="en-US" dirty="0">
-                <a:solidFill>
-                  <a:prstClr val="black"/>
-                </a:solidFill>
-                <a:latin typeface="Yu Gothic" panose="020B0400000000000000" pitchFamily="34" charset="-128"/>
-                <a:ea typeface="Yu Gothic" panose="020B0400000000000000" pitchFamily="34" charset="-128"/>
-              </a:rPr>
-              <a:t>set that I used for testing.</a:t>
-            </a:r>
-          </a:p>
-          <a:p>
-            <a:endParaRPr lang="en-US" dirty="0">
-              <a:solidFill>
-                <a:prstClr val="black"/>
-              </a:solidFill>
-              <a:latin typeface="Yu Gothic" panose="020B0400000000000000" pitchFamily="34" charset="-128"/>
-              <a:ea typeface="Yu Gothic" panose="020B0400000000000000" pitchFamily="34" charset="-128"/>
-            </a:endParaRPr>
-          </a:p>
-          <a:p>
-            <a:r>
-              <a:rPr lang="en-US" dirty="0">
-                <a:solidFill>
-                  <a:prstClr val="black"/>
-                </a:solidFill>
-                <a:latin typeface="Yu Gothic" panose="020B0400000000000000" pitchFamily="34" charset="-128"/>
-                <a:ea typeface="Yu Gothic" panose="020B0400000000000000" pitchFamily="34" charset="-128"/>
-              </a:rPr>
-              <a:t>I expect to see more from higher</a:t>
-            </a:r>
-          </a:p>
-          <a:p>
-            <a:r>
-              <a:rPr lang="en-US" dirty="0">
-                <a:solidFill>
-                  <a:prstClr val="black"/>
-                </a:solidFill>
-                <a:latin typeface="Yu Gothic" panose="020B0400000000000000" pitchFamily="34" charset="-128"/>
-                <a:ea typeface="Yu Gothic" panose="020B0400000000000000" pitchFamily="34" charset="-128"/>
-              </a:rPr>
-              <a:t>density data, e.g., B. </a:t>
-            </a:r>
-            <a:r>
-              <a:rPr lang="en-US" dirty="0" err="1">
-                <a:solidFill>
-                  <a:prstClr val="black"/>
-                </a:solidFill>
-                <a:latin typeface="Yu Gothic" panose="020B0400000000000000" pitchFamily="34" charset="-128"/>
-                <a:ea typeface="Yu Gothic" panose="020B0400000000000000" pitchFamily="34" charset="-128"/>
-              </a:rPr>
-              <a:t>vulgatus</a:t>
-            </a:r>
-            <a:r>
-              <a:rPr lang="en-US" dirty="0">
-                <a:solidFill>
-                  <a:prstClr val="black"/>
-                </a:solidFill>
-                <a:latin typeface="Yu Gothic" panose="020B0400000000000000" pitchFamily="34" charset="-128"/>
-                <a:ea typeface="Yu Gothic" panose="020B0400000000000000" pitchFamily="34" charset="-128"/>
-              </a:rPr>
-              <a:t>,</a:t>
-            </a:r>
-          </a:p>
-          <a:p>
-            <a:r>
-              <a:rPr lang="en-US" dirty="0">
-                <a:solidFill>
-                  <a:prstClr val="black"/>
-                </a:solidFill>
-                <a:latin typeface="Yu Gothic" panose="020B0400000000000000" pitchFamily="34" charset="-128"/>
-                <a:ea typeface="Yu Gothic" panose="020B0400000000000000" pitchFamily="34" charset="-128"/>
-              </a:rPr>
-              <a:t>and am currently running that, but</a:t>
-            </a:r>
-          </a:p>
-          <a:p>
-            <a:r>
-              <a:rPr lang="en-US" dirty="0">
-                <a:solidFill>
-                  <a:prstClr val="black"/>
-                </a:solidFill>
-                <a:latin typeface="Yu Gothic" panose="020B0400000000000000" pitchFamily="34" charset="-128"/>
-                <a:ea typeface="Yu Gothic" panose="020B0400000000000000" pitchFamily="34" charset="-128"/>
-              </a:rPr>
-              <a:t>it will take a bit more time (</a:t>
-            </a:r>
-            <a:r>
-              <a:rPr lang="en-US" dirty="0" err="1">
-                <a:solidFill>
-                  <a:prstClr val="black"/>
-                </a:solidFill>
-                <a:latin typeface="Yu Gothic" panose="020B0400000000000000" pitchFamily="34" charset="-128"/>
-                <a:ea typeface="Yu Gothic" panose="020B0400000000000000" pitchFamily="34" charset="-128"/>
-              </a:rPr>
-              <a:t>B.vulgatus</a:t>
-            </a:r>
-            <a:endParaRPr lang="en-US" dirty="0">
-              <a:solidFill>
-                <a:prstClr val="black"/>
-              </a:solidFill>
-              <a:latin typeface="Yu Gothic" panose="020B0400000000000000" pitchFamily="34" charset="-128"/>
-              <a:ea typeface="Yu Gothic" panose="020B0400000000000000" pitchFamily="34" charset="-128"/>
-            </a:endParaRPr>
-          </a:p>
-          <a:p>
-            <a:r>
-              <a:rPr lang="en-US" dirty="0">
-                <a:solidFill>
-                  <a:prstClr val="black"/>
-                </a:solidFill>
-                <a:latin typeface="Yu Gothic" panose="020B0400000000000000" pitchFamily="34" charset="-128"/>
-                <a:ea typeface="Yu Gothic" panose="020B0400000000000000" pitchFamily="34" charset="-128"/>
-              </a:rPr>
-              <a:t>has about 200 times as much data as</a:t>
-            </a:r>
-          </a:p>
-          <a:p>
-            <a:r>
-              <a:rPr lang="en-US" dirty="0">
-                <a:solidFill>
-                  <a:prstClr val="black"/>
-                </a:solidFill>
-                <a:latin typeface="Yu Gothic" panose="020B0400000000000000" pitchFamily="34" charset="-128"/>
-                <a:ea typeface="Yu Gothic" panose="020B0400000000000000" pitchFamily="34" charset="-128"/>
-              </a:rPr>
-              <a:t>P. </a:t>
-            </a:r>
-            <a:r>
-              <a:rPr lang="en-US" dirty="0" err="1">
-                <a:solidFill>
-                  <a:prstClr val="black"/>
-                </a:solidFill>
-                <a:latin typeface="Yu Gothic" panose="020B0400000000000000" pitchFamily="34" charset="-128"/>
-                <a:ea typeface="Yu Gothic" panose="020B0400000000000000" pitchFamily="34" charset="-128"/>
-              </a:rPr>
-              <a:t>succinatutens</a:t>
-            </a:r>
-            <a:r>
-              <a:rPr lang="en-US" dirty="0">
-                <a:solidFill>
-                  <a:prstClr val="black"/>
-                </a:solidFill>
-                <a:latin typeface="Yu Gothic" panose="020B0400000000000000" pitchFamily="34" charset="-128"/>
-                <a:ea typeface="Yu Gothic" panose="020B0400000000000000" pitchFamily="34" charset="-128"/>
-              </a:rPr>
-              <a:t>). I might want to</a:t>
-            </a:r>
-          </a:p>
-          <a:p>
-            <a:r>
-              <a:rPr lang="en-US" dirty="0">
-                <a:solidFill>
-                  <a:prstClr val="black"/>
-                </a:solidFill>
-                <a:latin typeface="Yu Gothic" panose="020B0400000000000000" pitchFamily="34" charset="-128"/>
-                <a:ea typeface="Yu Gothic" panose="020B0400000000000000" pitchFamily="34" charset="-128"/>
-              </a:rPr>
-              <a:t>refactor code down the line</a:t>
-            </a:r>
-          </a:p>
-          <a:p>
-            <a:r>
-              <a:rPr lang="en-US" dirty="0">
-                <a:solidFill>
-                  <a:prstClr val="black"/>
-                </a:solidFill>
-                <a:latin typeface="Yu Gothic" panose="020B0400000000000000" pitchFamily="34" charset="-128"/>
-                <a:ea typeface="Yu Gothic" panose="020B0400000000000000" pitchFamily="34" charset="-128"/>
-              </a:rPr>
-              <a:t>to make things run faster.</a:t>
+            <a:pPr marL="285750" indent="-285750">
+              <a:buFont typeface="Arial" panose="020B0604020202020204" pitchFamily="34" charset="0"/>
+              <a:buChar char="•"/>
+            </a:pPr>
+            <a:r>
+              <a:rPr lang="en-US" dirty="0" err="1"/>
+              <a:t>Nu_a</a:t>
+            </a:r>
+            <a:r>
+              <a:rPr lang="en-US" dirty="0"/>
+              <a:t>: contemporary population relative to ancestral population before first epoch</a:t>
+            </a:r>
+          </a:p>
+          <a:p>
+            <a:pPr marL="285750" indent="-285750">
+              <a:buFont typeface="Arial" panose="020B0604020202020204" pitchFamily="34" charset="0"/>
+              <a:buChar char="•"/>
+            </a:pPr>
+            <a:r>
+              <a:rPr lang="en-US" dirty="0" err="1"/>
+              <a:t>Nu_b</a:t>
+            </a:r>
+            <a:r>
+              <a:rPr lang="en-US" dirty="0"/>
+              <a:t>: contemporary population relative to ancestral population before second epoch</a:t>
+            </a:r>
+          </a:p>
+          <a:p>
+            <a:pPr marL="285750" indent="-285750">
+              <a:buFont typeface="Arial" panose="020B0604020202020204" pitchFamily="34" charset="0"/>
+              <a:buChar char="•"/>
+            </a:pPr>
+            <a:r>
+              <a:rPr lang="en-US" dirty="0"/>
+              <a:t>T_1: Duration of first epoch (units of 2 * </a:t>
+            </a:r>
+            <a:r>
+              <a:rPr lang="en-US" dirty="0" err="1"/>
+              <a:t>N_a</a:t>
+            </a:r>
+            <a:r>
+              <a:rPr lang="en-US" dirty="0"/>
+              <a:t>)</a:t>
+            </a:r>
+          </a:p>
+          <a:p>
+            <a:pPr marL="285750" indent="-285750">
+              <a:buFont typeface="Arial" panose="020B0604020202020204" pitchFamily="34" charset="0"/>
+              <a:buChar char="•"/>
+            </a:pPr>
+            <a:r>
+              <a:rPr lang="en-US" dirty="0"/>
+              <a:t>T_2: Duration of second epoch (units of 2 * </a:t>
+            </a:r>
+            <a:r>
+              <a:rPr lang="en-US" dirty="0" err="1"/>
+              <a:t>N_a</a:t>
+            </a:r>
+            <a:r>
+              <a:rPr lang="en-US" dirty="0"/>
+              <a:t>)</a:t>
             </a:r>
           </a:p>
         </p:txBody>
       </p:sp>
+      <p:graphicFrame>
+        <p:nvGraphicFramePr>
+          <p:cNvPr id="7" name="Table 4">
+            <a:extLst>
+              <a:ext uri="{FF2B5EF4-FFF2-40B4-BE49-F238E27FC236}">
+                <a16:creationId xmlns:a16="http://schemas.microsoft.com/office/drawing/2014/main" id="{06D0BF44-F2DB-436F-AFA0-8D66714183F7}"/>
+              </a:ext>
+            </a:extLst>
+          </p:cNvPr>
+          <p:cNvGraphicFramePr>
+            <a:graphicFrameLocks noGrp="1"/>
+          </p:cNvGraphicFramePr>
+          <p:nvPr>
+            <p:ph idx="1"/>
+            <p:extLst>
+              <p:ext uri="{D42A27DB-BD31-4B8C-83A1-F6EECF244321}">
+                <p14:modId xmlns:p14="http://schemas.microsoft.com/office/powerpoint/2010/main" val="3706295191"/>
+              </p:ext>
+            </p:extLst>
+          </p:nvPr>
+        </p:nvGraphicFramePr>
+        <p:xfrm>
+          <a:off x="838200" y="4539094"/>
+          <a:ext cx="10515600" cy="2225040"/>
+        </p:xfrm>
+        <a:graphic>
+          <a:graphicData uri="http://schemas.openxmlformats.org/drawingml/2006/table">
+            <a:tbl>
+              <a:tblPr firstRow="1" bandRow="1">
+                <a:tableStyleId>{073A0DAA-6AF3-43AB-8588-CEC1D06C72B9}</a:tableStyleId>
+              </a:tblPr>
+              <a:tblGrid>
+                <a:gridCol w="2103120">
+                  <a:extLst>
+                    <a:ext uri="{9D8B030D-6E8A-4147-A177-3AD203B41FA5}">
+                      <a16:colId xmlns:a16="http://schemas.microsoft.com/office/drawing/2014/main" val="2900726404"/>
+                    </a:ext>
+                  </a:extLst>
+                </a:gridCol>
+                <a:gridCol w="2103120">
+                  <a:extLst>
+                    <a:ext uri="{9D8B030D-6E8A-4147-A177-3AD203B41FA5}">
+                      <a16:colId xmlns:a16="http://schemas.microsoft.com/office/drawing/2014/main" val="2297780930"/>
+                    </a:ext>
+                  </a:extLst>
+                </a:gridCol>
+                <a:gridCol w="2103120">
+                  <a:extLst>
+                    <a:ext uri="{9D8B030D-6E8A-4147-A177-3AD203B41FA5}">
+                      <a16:colId xmlns:a16="http://schemas.microsoft.com/office/drawing/2014/main" val="1352057416"/>
+                    </a:ext>
+                  </a:extLst>
+                </a:gridCol>
+                <a:gridCol w="2103120">
+                  <a:extLst>
+                    <a:ext uri="{9D8B030D-6E8A-4147-A177-3AD203B41FA5}">
+                      <a16:colId xmlns:a16="http://schemas.microsoft.com/office/drawing/2014/main" val="1457082074"/>
+                    </a:ext>
+                  </a:extLst>
+                </a:gridCol>
+                <a:gridCol w="2103120">
+                  <a:extLst>
+                    <a:ext uri="{9D8B030D-6E8A-4147-A177-3AD203B41FA5}">
+                      <a16:colId xmlns:a16="http://schemas.microsoft.com/office/drawing/2014/main" val="633438695"/>
+                    </a:ext>
+                  </a:extLst>
+                </a:gridCol>
+              </a:tblGrid>
+              <a:tr h="370840">
+                <a:tc>
+                  <a:txBody>
+                    <a:bodyPr/>
+                    <a:lstStyle/>
+                    <a:p>
+                      <a:r>
+                        <a:rPr lang="en-US" dirty="0"/>
+                        <a:t>Model</a:t>
+                      </a:r>
+                    </a:p>
+                  </a:txBody>
+                  <a:tcPr/>
+                </a:tc>
+                <a:tc>
+                  <a:txBody>
+                    <a:bodyPr/>
+                    <a:lstStyle/>
+                    <a:p>
+                      <a:r>
+                        <a:rPr lang="en-US" dirty="0"/>
+                        <a:t>Exponential growth</a:t>
+                      </a:r>
+                    </a:p>
+                  </a:txBody>
+                  <a:tcPr/>
+                </a:tc>
+                <a:tc>
+                  <a:txBody>
+                    <a:bodyPr/>
+                    <a:lstStyle/>
+                    <a:p>
+                      <a:r>
+                        <a:rPr lang="en-US" dirty="0"/>
+                        <a:t>Two-epoch</a:t>
+                      </a:r>
+                    </a:p>
+                  </a:txBody>
+                  <a:tcPr/>
+                </a:tc>
+                <a:tc>
+                  <a:txBody>
+                    <a:bodyPr/>
+                    <a:lstStyle/>
+                    <a:p>
+                      <a:r>
+                        <a:rPr lang="en-US" dirty="0"/>
+                        <a:t>Bottleneck + growth</a:t>
+                      </a:r>
+                    </a:p>
+                  </a:txBody>
+                  <a:tcPr/>
+                </a:tc>
+                <a:tc>
+                  <a:txBody>
+                    <a:bodyPr/>
+                    <a:lstStyle/>
+                    <a:p>
+                      <a:r>
+                        <a:rPr lang="en-US" dirty="0"/>
+                        <a:t>Three-epoch</a:t>
+                      </a:r>
+                    </a:p>
+                  </a:txBody>
+                  <a:tcPr/>
+                </a:tc>
+                <a:extLst>
+                  <a:ext uri="{0D108BD9-81ED-4DB2-BD59-A6C34878D82A}">
+                    <a16:rowId xmlns:a16="http://schemas.microsoft.com/office/drawing/2014/main" val="3143057051"/>
+                  </a:ext>
+                </a:extLst>
+              </a:tr>
+              <a:tr h="370840">
+                <a:tc>
+                  <a:txBody>
+                    <a:bodyPr/>
+                    <a:lstStyle/>
+                    <a:p>
+                      <a:r>
+                        <a:rPr lang="en-US" dirty="0"/>
+                        <a:t>Log Likelihood</a:t>
+                      </a:r>
+                    </a:p>
+                  </a:txBody>
+                  <a:tcPr/>
+                </a:tc>
+                <a:tc>
+                  <a:txBody>
+                    <a:bodyPr/>
+                    <a:lstStyle/>
+                    <a:p>
+                      <a:r>
+                        <a:rPr lang="en-US" dirty="0"/>
+                        <a:t>-205.765950246</a:t>
+                      </a:r>
+                    </a:p>
+                  </a:txBody>
+                  <a:tcPr/>
+                </a:tc>
+                <a:tc>
+                  <a:txBody>
+                    <a:bodyPr/>
+                    <a:lstStyle/>
+                    <a:p>
+                      <a:r>
+                        <a:rPr lang="en-US" dirty="0"/>
+                        <a:t>-195.375739908</a:t>
+                      </a:r>
+                      <a:endParaRPr lang="en-US" dirty="0">
+                        <a:highlight>
+                          <a:srgbClr val="FFFF00"/>
+                        </a:highlight>
+                      </a:endParaRPr>
+                    </a:p>
+                  </a:txBody>
+                  <a:tcPr/>
+                </a:tc>
+                <a:tc>
+                  <a:txBody>
+                    <a:bodyPr/>
+                    <a:lstStyle/>
+                    <a:p>
+                      <a:r>
+                        <a:rPr lang="en-US" dirty="0"/>
+                        <a:t>-195.963644837</a:t>
+                      </a:r>
+                      <a:endParaRPr lang="en-US" dirty="0">
+                        <a:highlight>
+                          <a:srgbClr val="FFFF00"/>
+                        </a:highlight>
+                      </a:endParaRPr>
+                    </a:p>
+                  </a:txBody>
+                  <a:tcPr/>
+                </a:tc>
+                <a:tc>
+                  <a:txBody>
+                    <a:bodyPr/>
+                    <a:lstStyle/>
+                    <a:p>
+                      <a:r>
+                        <a:rPr lang="en-US" dirty="0"/>
+                        <a:t>-195.048421331</a:t>
+                      </a:r>
+                    </a:p>
+                  </a:txBody>
+                  <a:tcPr/>
+                </a:tc>
+                <a:extLst>
+                  <a:ext uri="{0D108BD9-81ED-4DB2-BD59-A6C34878D82A}">
+                    <a16:rowId xmlns:a16="http://schemas.microsoft.com/office/drawing/2014/main" val="3235037204"/>
+                  </a:ext>
+                </a:extLst>
+              </a:tr>
+              <a:tr h="370840">
+                <a:tc>
+                  <a:txBody>
+                    <a:bodyPr/>
+                    <a:lstStyle/>
+                    <a:p>
+                      <a:r>
+                        <a:rPr lang="en-US" dirty="0" err="1"/>
+                        <a:t>Nu_a</a:t>
+                      </a:r>
+                      <a:endParaRPr lang="en-US" dirty="0"/>
+                    </a:p>
+                  </a:txBody>
+                  <a:tcPr/>
+                </a:tc>
+                <a:tc>
+                  <a:txBody>
+                    <a:bodyPr/>
+                    <a:lstStyle/>
+                    <a:p>
+                      <a:r>
+                        <a:rPr lang="en-US" dirty="0"/>
+                        <a:t>7.31029292</a:t>
+                      </a:r>
+                    </a:p>
+                  </a:txBody>
+                  <a:tcPr/>
+                </a:tc>
+                <a:tc>
+                  <a:txBody>
+                    <a:bodyPr/>
+                    <a:lstStyle/>
+                    <a:p>
+                      <a:r>
+                        <a:rPr lang="en-US" dirty="0"/>
+                        <a:t>2.1856705</a:t>
+                      </a:r>
+                    </a:p>
+                  </a:txBody>
+                  <a:tcPr/>
+                </a:tc>
+                <a:tc>
+                  <a:txBody>
+                    <a:bodyPr/>
+                    <a:lstStyle/>
+                    <a:p>
+                      <a:r>
+                        <a:rPr lang="en-US" dirty="0"/>
+                        <a:t>1.98581751</a:t>
+                      </a:r>
+                    </a:p>
+                  </a:txBody>
+                  <a:tcPr/>
+                </a:tc>
+                <a:tc>
+                  <a:txBody>
+                    <a:bodyPr/>
+                    <a:lstStyle/>
+                    <a:p>
+                      <a:r>
+                        <a:rPr lang="en-US" dirty="0"/>
+                        <a:t>5.67294569</a:t>
+                      </a:r>
+                    </a:p>
+                  </a:txBody>
+                  <a:tcPr/>
+                </a:tc>
+                <a:extLst>
+                  <a:ext uri="{0D108BD9-81ED-4DB2-BD59-A6C34878D82A}">
+                    <a16:rowId xmlns:a16="http://schemas.microsoft.com/office/drawing/2014/main" val="2717148640"/>
+                  </a:ext>
+                </a:extLst>
+              </a:tr>
+              <a:tr h="370840">
+                <a:tc>
+                  <a:txBody>
+                    <a:bodyPr/>
+                    <a:lstStyle/>
+                    <a:p>
+                      <a:r>
+                        <a:rPr lang="en-US" dirty="0" err="1"/>
+                        <a:t>Nu_b</a:t>
+                      </a:r>
+                      <a:endParaRPr lang="en-US" dirty="0"/>
+                    </a:p>
+                  </a:txBody>
+                  <a:tcPr/>
+                </a:tc>
+                <a:tc>
+                  <a:txBody>
+                    <a:bodyPr/>
+                    <a:lstStyle/>
+                    <a:p>
+                      <a:r>
+                        <a:rPr lang="en-US" dirty="0"/>
+                        <a:t>N/A</a:t>
+                      </a:r>
+                    </a:p>
+                  </a:txBody>
+                  <a:tcPr/>
+                </a:tc>
+                <a:tc>
+                  <a:txBody>
+                    <a:bodyPr/>
+                    <a:lstStyle/>
+                    <a:p>
+                      <a:r>
+                        <a:rPr lang="en-US" dirty="0"/>
+                        <a:t>N/A</a:t>
+                      </a:r>
+                    </a:p>
+                  </a:txBody>
+                  <a:tcPr/>
+                </a:tc>
+                <a:tc>
+                  <a:txBody>
+                    <a:bodyPr/>
+                    <a:lstStyle/>
+                    <a:p>
+                      <a:r>
+                        <a:rPr lang="en-US" dirty="0"/>
+                        <a:t>1.98256884</a:t>
+                      </a:r>
+                    </a:p>
+                  </a:txBody>
+                  <a:tcPr/>
+                </a:tc>
+                <a:tc>
+                  <a:txBody>
+                    <a:bodyPr/>
+                    <a:lstStyle/>
+                    <a:p>
+                      <a:r>
+                        <a:rPr lang="en-US" dirty="0"/>
+                        <a:t>9.43310158</a:t>
+                      </a:r>
+                    </a:p>
+                  </a:txBody>
+                  <a:tcPr/>
+                </a:tc>
+                <a:extLst>
+                  <a:ext uri="{0D108BD9-81ED-4DB2-BD59-A6C34878D82A}">
+                    <a16:rowId xmlns:a16="http://schemas.microsoft.com/office/drawing/2014/main" val="3992781458"/>
+                  </a:ext>
+                </a:extLst>
+              </a:tr>
+              <a:tr h="370840">
+                <a:tc>
+                  <a:txBody>
+                    <a:bodyPr/>
+                    <a:lstStyle/>
+                    <a:p>
+                      <a:r>
+                        <a:rPr lang="en-US" dirty="0"/>
+                        <a:t>T_12</a:t>
+                      </a:r>
+                    </a:p>
+                  </a:txBody>
+                  <a:tcPr/>
+                </a:tc>
+                <a:tc>
+                  <a:txBody>
+                    <a:bodyPr/>
+                    <a:lstStyle/>
+                    <a:p>
+                      <a:r>
+                        <a:rPr lang="en-US" dirty="0"/>
+                        <a:t>25.36171078</a:t>
+                      </a:r>
+                    </a:p>
+                  </a:txBody>
+                  <a:tcPr/>
+                </a:tc>
+                <a:tc>
+                  <a:txBody>
+                    <a:bodyPr/>
+                    <a:lstStyle/>
+                    <a:p>
+                      <a:r>
+                        <a:rPr lang="en-US" dirty="0"/>
+                        <a:t>1.56531566</a:t>
+                      </a:r>
+                    </a:p>
+                  </a:txBody>
+                  <a:tcPr/>
+                </a:tc>
+                <a:tc>
+                  <a:txBody>
+                    <a:bodyPr/>
+                    <a:lstStyle/>
+                    <a:p>
+                      <a:r>
+                        <a:rPr lang="en-US" dirty="0"/>
+                        <a:t>1.22253381</a:t>
+                      </a:r>
+                    </a:p>
+                  </a:txBody>
+                  <a:tcPr/>
+                </a:tc>
+                <a:tc>
+                  <a:txBody>
+                    <a:bodyPr/>
+                    <a:lstStyle/>
+                    <a:p>
+                      <a:r>
+                        <a:rPr lang="en-US" dirty="0"/>
+                        <a:t>5.84565073</a:t>
+                      </a:r>
+                    </a:p>
+                  </a:txBody>
+                  <a:tcPr/>
+                </a:tc>
+                <a:extLst>
+                  <a:ext uri="{0D108BD9-81ED-4DB2-BD59-A6C34878D82A}">
+                    <a16:rowId xmlns:a16="http://schemas.microsoft.com/office/drawing/2014/main" val="3283572519"/>
+                  </a:ext>
+                </a:extLst>
+              </a:tr>
+              <a:tr h="370840">
+                <a:tc>
+                  <a:txBody>
+                    <a:bodyPr/>
+                    <a:lstStyle/>
+                    <a:p>
+                      <a:r>
+                        <a:rPr lang="en-US" dirty="0"/>
+                        <a:t>T_23</a:t>
+                      </a:r>
+                    </a:p>
+                  </a:txBody>
+                  <a:tcPr/>
+                </a:tc>
+                <a:tc>
+                  <a:txBody>
+                    <a:bodyPr/>
+                    <a:lstStyle/>
+                    <a:p>
+                      <a:r>
+                        <a:rPr lang="en-US" dirty="0"/>
+                        <a:t>N/A</a:t>
+                      </a:r>
+                    </a:p>
+                  </a:txBody>
+                  <a:tcPr/>
+                </a:tc>
+                <a:tc>
+                  <a:txBody>
+                    <a:bodyPr/>
+                    <a:lstStyle/>
+                    <a:p>
+                      <a:r>
+                        <a:rPr lang="en-US" dirty="0"/>
+                        <a:t>N/A</a:t>
+                      </a:r>
+                    </a:p>
+                  </a:txBody>
+                  <a:tcPr/>
+                </a:tc>
+                <a:tc>
+                  <a:txBody>
+                    <a:bodyPr/>
+                    <a:lstStyle/>
+                    <a:p>
+                      <a:r>
+                        <a:rPr lang="en-US" dirty="0"/>
+                        <a:t>N/A</a:t>
+                      </a:r>
+                    </a:p>
+                  </a:txBody>
+                  <a:tcPr/>
+                </a:tc>
+                <a:tc>
+                  <a:txBody>
+                    <a:bodyPr/>
+                    <a:lstStyle/>
+                    <a:p>
+                      <a:r>
+                        <a:rPr lang="en-US" dirty="0"/>
+                        <a:t>7.36221575</a:t>
+                      </a:r>
+                    </a:p>
+                  </a:txBody>
+                  <a:tcPr/>
+                </a:tc>
+                <a:extLst>
+                  <a:ext uri="{0D108BD9-81ED-4DB2-BD59-A6C34878D82A}">
+                    <a16:rowId xmlns:a16="http://schemas.microsoft.com/office/drawing/2014/main" val="2422470866"/>
+                  </a:ext>
+                </a:extLst>
+              </a:tr>
+            </a:tbl>
+          </a:graphicData>
+        </a:graphic>
+      </p:graphicFrame>
     </p:spTree>
     <p:extLst>
       <p:ext uri="{BB962C8B-B14F-4D97-AF65-F5344CB8AC3E}">
-        <p14:creationId xmlns:p14="http://schemas.microsoft.com/office/powerpoint/2010/main" val="3010393464"/>
+        <p14:creationId xmlns:p14="http://schemas.microsoft.com/office/powerpoint/2010/main" val="3087052385"/>
       </p:ext>
     </p:extLst>
   </p:cSld>
@@ -5325,196 +5723,217 @@
           <a:lstStyle/>
           <a:p>
             <a:r>
-              <a:rPr lang="en-US" dirty="0">
-                <a:latin typeface="Yu Gothic" panose="020B0400000000000000" pitchFamily="34" charset="-128"/>
-                <a:ea typeface="Yu Gothic" panose="020B0400000000000000" pitchFamily="34" charset="-128"/>
-              </a:rPr>
-              <a:t>Implementation plan (for PCA)</a:t>
+              <a:rPr lang="en-US" dirty="0"/>
+              <a:t>Implementation details (for following slides)</a:t>
             </a:r>
           </a:p>
         </p:txBody>
       </p:sp>
       <p:sp>
         <p:nvSpPr>
-          <p:cNvPr id="3" name="TextBox 2">
+          <p:cNvPr id="3" name="Content Placeholder 2">
             <a:extLst>
               <a:ext uri="{FF2B5EF4-FFF2-40B4-BE49-F238E27FC236}">
-                <a16:creationId xmlns:a16="http://schemas.microsoft.com/office/drawing/2014/main" id="{FAB4FB15-19E2-4133-A4BC-3310B730AD65}"/>
+                <a16:creationId xmlns:a16="http://schemas.microsoft.com/office/drawing/2014/main" id="{E5DEB96E-5753-4F3F-BEAE-0BD8F8946CEB}"/>
               </a:ext>
             </a:extLst>
           </p:cNvPr>
-          <p:cNvSpPr txBox="1"/>
-          <p:nvPr/>
+          <p:cNvSpPr>
+            <a:spLocks noGrp="1"/>
+          </p:cNvSpPr>
+          <p:nvPr>
+            <p:ph idx="1"/>
+          </p:nvPr>
         </p:nvSpPr>
-        <p:spPr>
-          <a:xfrm>
-            <a:off x="0" y="1564623"/>
-            <a:ext cx="11780789" cy="1754326"/>
-          </a:xfrm>
-          <a:prstGeom prst="rect">
-            <a:avLst/>
-          </a:prstGeom>
-          <a:noFill/>
-        </p:spPr>
+        <p:spPr/>
         <p:txBody>
-          <a:bodyPr wrap="none" rtlCol="0">
-            <a:spAutoFit/>
+          <a:bodyPr>
+            <a:normAutofit fontScale="92500" lnSpcReduction="10000"/>
           </a:bodyPr>
           <a:lstStyle/>
           <a:p>
-            <a:pPr marL="285750" indent="-285750">
-              <a:buFont typeface="Arial" panose="020B0604020202020204" pitchFamily="34" charset="0"/>
-              <a:buChar char="•"/>
-            </a:pPr>
+            <a:r>
+              <a:rPr lang="en-US" dirty="0"/>
+              <a:t>Input synonymous SFS’s: output from `plot_within_clade_sfs.py`.</a:t>
+            </a:r>
+          </a:p>
+          <a:p>
+            <a:pPr lvl="1"/>
+            <a:r>
+              <a:rPr lang="en-US" dirty="0">
+                <a:highlight>
+                  <a:srgbClr val="FFFF00"/>
+                </a:highlight>
+              </a:rPr>
+              <a:t>High recombination / mutation species:</a:t>
+            </a:r>
+          </a:p>
+          <a:p>
+            <a:pPr lvl="2"/>
+            <a:r>
+              <a:rPr lang="en-US" dirty="0">
+                <a:highlight>
+                  <a:srgbClr val="FFFF00"/>
+                </a:highlight>
+              </a:rPr>
+              <a:t>P. </a:t>
+            </a:r>
+            <a:r>
+              <a:rPr lang="en-US" dirty="0" err="1">
+                <a:highlight>
+                  <a:srgbClr val="FFFF00"/>
+                </a:highlight>
+              </a:rPr>
+              <a:t>copri</a:t>
+            </a:r>
+            <a:r>
+              <a:rPr lang="en-US" dirty="0">
+                <a:highlight>
+                  <a:srgbClr val="FFFF00"/>
+                </a:highlight>
+              </a:rPr>
+              <a:t>, A. </a:t>
+            </a:r>
+            <a:r>
+              <a:rPr lang="en-US" dirty="0" err="1">
+                <a:highlight>
+                  <a:srgbClr val="FFFF00"/>
+                </a:highlight>
+              </a:rPr>
+              <a:t>shahii</a:t>
+            </a:r>
+            <a:r>
+              <a:rPr lang="en-US" dirty="0">
+                <a:highlight>
+                  <a:srgbClr val="FFFF00"/>
+                </a:highlight>
+              </a:rPr>
+              <a:t>, O. </a:t>
+            </a:r>
+            <a:r>
+              <a:rPr lang="en-US" dirty="0" err="1">
+                <a:highlight>
+                  <a:srgbClr val="FFFF00"/>
+                </a:highlight>
+              </a:rPr>
+              <a:t>splanchnicus</a:t>
+            </a:r>
+            <a:r>
+              <a:rPr lang="en-US" dirty="0">
+                <a:highlight>
+                  <a:srgbClr val="FFFF00"/>
+                </a:highlight>
+              </a:rPr>
+              <a:t>, </a:t>
+            </a:r>
+            <a:r>
+              <a:rPr lang="en-US" dirty="0" err="1">
+                <a:highlight>
+                  <a:srgbClr val="FFFF00"/>
+                </a:highlight>
+              </a:rPr>
+              <a:t>Coprococcus</a:t>
+            </a:r>
+            <a:r>
+              <a:rPr lang="en-US" dirty="0">
+                <a:highlight>
+                  <a:srgbClr val="FFFF00"/>
+                </a:highlight>
+              </a:rPr>
+              <a:t> species</a:t>
+            </a:r>
+          </a:p>
+          <a:p>
+            <a:r>
+              <a:rPr lang="en-US" dirty="0"/>
+              <a:t>Four demographic models </a:t>
+            </a:r>
+          </a:p>
+          <a:p>
+            <a:pPr lvl="1"/>
+            <a:r>
+              <a:rPr lang="en-US" dirty="0"/>
+              <a:t>exponential growth, two-epoch, bottleneck + growth, three-epoch</a:t>
+            </a:r>
+          </a:p>
+          <a:p>
+            <a:r>
+              <a:rPr lang="en-US" dirty="0"/>
+              <a:t>For each input species</a:t>
+            </a:r>
+          </a:p>
+          <a:p>
+            <a:pPr lvl="1"/>
+            <a:r>
+              <a:rPr lang="en-US" dirty="0"/>
+              <a:t>For each model:</a:t>
+            </a:r>
+          </a:p>
+          <a:p>
+            <a:pPr lvl="2"/>
+            <a:r>
+              <a:rPr lang="en-US" dirty="0"/>
+              <a:t>Take </a:t>
+            </a:r>
             <a:r>
               <a:rPr lang="en-US" dirty="0">
                 <a:solidFill>
-                  <a:prstClr val="black"/>
+                  <a:srgbClr val="FF0000"/>
                 </a:solidFill>
-                <a:latin typeface="Yu Gothic" panose="020B0400000000000000" pitchFamily="34" charset="-128"/>
-                <a:ea typeface="Yu Gothic" panose="020B0400000000000000" pitchFamily="34" charset="-128"/>
               </a:rPr>
-              <a:t>For the following plots, I used a minimum depth of 5.</a:t>
-            </a:r>
-          </a:p>
-          <a:p>
-            <a:pPr marL="285750" indent="-285750">
-              <a:buFont typeface="Arial" panose="020B0604020202020204" pitchFamily="34" charset="0"/>
-              <a:buChar char="•"/>
-            </a:pPr>
+              <a:t>15</a:t>
+            </a:r>
+            <a:r>
+              <a:rPr lang="en-US" dirty="0"/>
+              <a:t> initial guesses for parameter space (parameters differ by model)</a:t>
+            </a:r>
+          </a:p>
+          <a:p>
+            <a:pPr lvl="2"/>
+            <a:r>
+              <a:rPr lang="en-US" dirty="0"/>
+              <a:t>For each initial guess:</a:t>
+            </a:r>
+          </a:p>
+          <a:p>
+            <a:pPr lvl="3"/>
+            <a:r>
+              <a:rPr lang="en-US" dirty="0"/>
+              <a:t>Iterate through gradient ascent to find maximum likelihood for &lt;= </a:t>
+            </a:r>
             <a:r>
               <a:rPr lang="en-US" dirty="0">
                 <a:solidFill>
-                  <a:prstClr val="black"/>
+                  <a:srgbClr val="FF0000"/>
                 </a:solidFill>
-                <a:latin typeface="Yu Gothic" panose="020B0400000000000000" pitchFamily="34" charset="-128"/>
-                <a:ea typeface="Yu Gothic" panose="020B0400000000000000" pitchFamily="34" charset="-128"/>
               </a:rPr>
-              <a:t>The way this was applied was that sites were only included if </a:t>
-            </a:r>
-            <a:r>
-              <a:rPr lang="en-US" i="1" dirty="0">
-                <a:solidFill>
-                  <a:prstClr val="black"/>
-                </a:solidFill>
-                <a:latin typeface="Yu Gothic" panose="020B0400000000000000" pitchFamily="34" charset="-128"/>
-                <a:ea typeface="Yu Gothic" panose="020B0400000000000000" pitchFamily="34" charset="-128"/>
-              </a:rPr>
-              <a:t>every</a:t>
-            </a:r>
-            <a:r>
-              <a:rPr lang="en-US" dirty="0">
-                <a:solidFill>
-                  <a:prstClr val="black"/>
-                </a:solidFill>
-                <a:latin typeface="Yu Gothic" panose="020B0400000000000000" pitchFamily="34" charset="-128"/>
-                <a:ea typeface="Yu Gothic" panose="020B0400000000000000" pitchFamily="34" charset="-128"/>
-              </a:rPr>
-              <a:t> individual had a depth of at least 5.</a:t>
-            </a:r>
-          </a:p>
-          <a:p>
-            <a:pPr marL="285750" indent="-285750">
-              <a:buFont typeface="Arial" panose="020B0604020202020204" pitchFamily="34" charset="0"/>
-              <a:buChar char="•"/>
-            </a:pPr>
-            <a:r>
-              <a:rPr lang="en-US" dirty="0">
-                <a:solidFill>
-                  <a:prstClr val="black"/>
-                </a:solidFill>
-                <a:latin typeface="Yu Gothic" panose="020B0400000000000000" pitchFamily="34" charset="-128"/>
-                <a:ea typeface="Yu Gothic" panose="020B0400000000000000" pitchFamily="34" charset="-128"/>
-              </a:rPr>
-              <a:t>Applying this with higher thresholds, e.g., 20 and 10, resulted in no sites being added (since at least one</a:t>
-            </a:r>
-            <a:br>
-              <a:rPr lang="en-US" dirty="0">
-                <a:solidFill>
-                  <a:prstClr val="black"/>
-                </a:solidFill>
-                <a:latin typeface="Yu Gothic" panose="020B0400000000000000" pitchFamily="34" charset="-128"/>
-                <a:ea typeface="Yu Gothic" panose="020B0400000000000000" pitchFamily="34" charset="-128"/>
-              </a:rPr>
-            </a:br>
-            <a:r>
-              <a:rPr lang="en-US" dirty="0">
-                <a:solidFill>
-                  <a:prstClr val="black"/>
-                </a:solidFill>
-                <a:latin typeface="Yu Gothic" panose="020B0400000000000000" pitchFamily="34" charset="-128"/>
-                <a:ea typeface="Yu Gothic" panose="020B0400000000000000" pitchFamily="34" charset="-128"/>
-              </a:rPr>
-              <a:t>individual might not meet the minimum depth </a:t>
-            </a:r>
-            <a:r>
-              <a:rPr lang="en-US" dirty="0" err="1">
-                <a:solidFill>
-                  <a:prstClr val="black"/>
-                </a:solidFill>
-                <a:latin typeface="Yu Gothic" panose="020B0400000000000000" pitchFamily="34" charset="-128"/>
-                <a:ea typeface="Yu Gothic" panose="020B0400000000000000" pitchFamily="34" charset="-128"/>
-              </a:rPr>
-              <a:t>reuirement</a:t>
-            </a:r>
-            <a:r>
-              <a:rPr lang="en-US" dirty="0">
-                <a:solidFill>
-                  <a:prstClr val="black"/>
-                </a:solidFill>
-                <a:latin typeface="Yu Gothic" panose="020B0400000000000000" pitchFamily="34" charset="-128"/>
-                <a:ea typeface="Yu Gothic" panose="020B0400000000000000" pitchFamily="34" charset="-128"/>
-              </a:rPr>
-              <a:t>).</a:t>
-            </a:r>
-          </a:p>
-          <a:p>
-            <a:pPr marL="285750" indent="-285750">
-              <a:buFont typeface="Arial" panose="020B0604020202020204" pitchFamily="34" charset="0"/>
-              <a:buChar char="•"/>
-            </a:pPr>
-            <a:r>
-              <a:rPr lang="en-US" dirty="0">
-                <a:solidFill>
-                  <a:prstClr val="black"/>
-                </a:solidFill>
-                <a:latin typeface="Yu Gothic" panose="020B0400000000000000" pitchFamily="34" charset="-128"/>
-                <a:ea typeface="Yu Gothic" panose="020B0400000000000000" pitchFamily="34" charset="-128"/>
-              </a:rPr>
-              <a:t>I think moving forward a smarter way to do the minimum depth would be to exclude data from individuals, </a:t>
-            </a:r>
-            <a:br>
-              <a:rPr lang="en-US" dirty="0">
-                <a:solidFill>
-                  <a:prstClr val="black"/>
-                </a:solidFill>
-                <a:latin typeface="Yu Gothic" panose="020B0400000000000000" pitchFamily="34" charset="-128"/>
-                <a:ea typeface="Yu Gothic" panose="020B0400000000000000" pitchFamily="34" charset="-128"/>
-              </a:rPr>
-            </a:br>
-            <a:r>
-              <a:rPr lang="en-US" dirty="0">
-                <a:solidFill>
-                  <a:prstClr val="black"/>
-                </a:solidFill>
-                <a:latin typeface="Yu Gothic" panose="020B0400000000000000" pitchFamily="34" charset="-128"/>
-                <a:ea typeface="Yu Gothic" panose="020B0400000000000000" pitchFamily="34" charset="-128"/>
-              </a:rPr>
-              <a:t>e.g., N/A, but not the entire SNP.</a:t>
-            </a:r>
-            <a:endParaRPr lang="en-US" dirty="0">
-              <a:solidFill>
-                <a:prstClr val="black"/>
-              </a:solidFill>
-              <a:latin typeface="Lucida Console" panose="020B0609040504020204" pitchFamily="49" charset="0"/>
-            </a:endParaRPr>
+              <a:t>50</a:t>
+            </a:r>
+            <a:r>
+              <a:rPr lang="en-US" dirty="0"/>
+              <a:t> steps</a:t>
+            </a:r>
+          </a:p>
+          <a:p>
+            <a:pPr lvl="3"/>
+            <a:r>
+              <a:rPr lang="en-US" dirty="0"/>
+              <a:t>Compute model params and log likelihood</a:t>
+            </a:r>
+          </a:p>
+          <a:p>
+            <a:pPr lvl="2"/>
+            <a:r>
+              <a:rPr lang="en-US" dirty="0"/>
+              <a:t>Output log likelihood and model params of best initial guess + iterations</a:t>
+            </a:r>
           </a:p>
         </p:txBody>
       </p:sp>
     </p:spTree>
     <p:extLst>
       <p:ext uri="{BB962C8B-B14F-4D97-AF65-F5344CB8AC3E}">
-        <p14:creationId xmlns:p14="http://schemas.microsoft.com/office/powerpoint/2010/main" val="2750546325"/>
+        <p14:creationId xmlns:p14="http://schemas.microsoft.com/office/powerpoint/2010/main" val="992816537"/>
       </p:ext>
     </p:extLst>
   </p:cSld>
@@ -5546,7 +5965,7 @@
           <p:cNvPr id="2" name="Title 1">
             <a:extLst>
               <a:ext uri="{FF2B5EF4-FFF2-40B4-BE49-F238E27FC236}">
-                <a16:creationId xmlns:a16="http://schemas.microsoft.com/office/drawing/2014/main" id="{F5B33CB0-1300-40D3-A93D-42EDA635FAE0}"/>
+                <a16:creationId xmlns:a16="http://schemas.microsoft.com/office/drawing/2014/main" id="{FC0C9624-1DBB-4B7A-B446-0EC6DD7756EB}"/>
               </a:ext>
             </a:extLst>
           </p:cNvPr>
@@ -5563,61 +5982,496 @@
           <a:lstStyle/>
           <a:p>
             <a:r>
+              <a:rPr lang="en-US" dirty="0" err="1"/>
+              <a:t>Prevotella</a:t>
+            </a:r>
+            <a:r>
               <a:rPr lang="en-US" dirty="0"/>
-              <a:t>Bacteroides </a:t>
+              <a:t> </a:t>
             </a:r>
             <a:r>
               <a:rPr lang="en-US" dirty="0" err="1"/>
-              <a:t>vulgatus</a:t>
-            </a:r>
-            <a:r>
-              <a:rPr lang="en-US" dirty="0"/>
-              <a:t> (min depth = 5)</a:t>
-            </a:r>
+              <a:t>copri</a:t>
+            </a:r>
+            <a:endParaRPr lang="en-US" dirty="0"/>
           </a:p>
         </p:txBody>
       </p:sp>
-      <p:pic>
-        <p:nvPicPr>
-          <p:cNvPr id="5" name="Content Placeholder 4" descr="Chart, scatter chart&#10;&#10;Description automatically generated">
+      <p:graphicFrame>
+        <p:nvGraphicFramePr>
+          <p:cNvPr id="6" name="Table 4">
             <a:extLst>
               <a:ext uri="{FF2B5EF4-FFF2-40B4-BE49-F238E27FC236}">
-                <a16:creationId xmlns:a16="http://schemas.microsoft.com/office/drawing/2014/main" id="{9E0FC9A3-8BEA-474E-8304-CB29A0848022}"/>
+                <a16:creationId xmlns:a16="http://schemas.microsoft.com/office/drawing/2014/main" id="{A9705451-B491-4190-AD26-9043A7325C40}"/>
               </a:ext>
             </a:extLst>
           </p:cNvPr>
-          <p:cNvPicPr>
-            <a:picLocks noGrp="1" noChangeAspect="1"/>
-          </p:cNvPicPr>
+          <p:cNvGraphicFramePr>
+            <a:graphicFrameLocks noGrp="1"/>
+          </p:cNvGraphicFramePr>
           <p:nvPr>
             <p:ph idx="1"/>
+            <p:extLst>
+              <p:ext uri="{D42A27DB-BD31-4B8C-83A1-F6EECF244321}">
+                <p14:modId xmlns:p14="http://schemas.microsoft.com/office/powerpoint/2010/main" val="2011150529"/>
+              </p:ext>
+            </p:extLst>
           </p:nvPr>
-        </p:nvPicPr>
-        <p:blipFill>
-          <a:blip r:embed="rId2">
-            <a:extLst>
-              <a:ext uri="{28A0092B-C50C-407E-A947-70E740481C1C}">
-                <a14:useLocalDpi xmlns:a14="http://schemas.microsoft.com/office/drawing/2010/main" val="0"/>
-              </a:ext>
-            </a:extLst>
-          </a:blip>
-          <a:stretch>
-            <a:fillRect/>
-          </a:stretch>
-        </p:blipFill>
-        <p:spPr>
-          <a:xfrm>
-            <a:off x="5235665" y="1786296"/>
-            <a:ext cx="6400826" cy="4351338"/>
-          </a:xfrm>
-        </p:spPr>
-      </p:pic>
+        </p:nvGraphicFramePr>
+        <p:xfrm>
+          <a:off x="838200" y="4431284"/>
+          <a:ext cx="10515600" cy="2225040"/>
+        </p:xfrm>
+        <a:graphic>
+          <a:graphicData uri="http://schemas.openxmlformats.org/drawingml/2006/table">
+            <a:tbl>
+              <a:tblPr firstRow="1" bandRow="1">
+                <a:tableStyleId>{073A0DAA-6AF3-43AB-8588-CEC1D06C72B9}</a:tableStyleId>
+              </a:tblPr>
+              <a:tblGrid>
+                <a:gridCol w="2103120">
+                  <a:extLst>
+                    <a:ext uri="{9D8B030D-6E8A-4147-A177-3AD203B41FA5}">
+                      <a16:colId xmlns:a16="http://schemas.microsoft.com/office/drawing/2014/main" val="2900726404"/>
+                    </a:ext>
+                  </a:extLst>
+                </a:gridCol>
+                <a:gridCol w="2103120">
+                  <a:extLst>
+                    <a:ext uri="{9D8B030D-6E8A-4147-A177-3AD203B41FA5}">
+                      <a16:colId xmlns:a16="http://schemas.microsoft.com/office/drawing/2014/main" val="2297780930"/>
+                    </a:ext>
+                  </a:extLst>
+                </a:gridCol>
+                <a:gridCol w="2103120">
+                  <a:extLst>
+                    <a:ext uri="{9D8B030D-6E8A-4147-A177-3AD203B41FA5}">
+                      <a16:colId xmlns:a16="http://schemas.microsoft.com/office/drawing/2014/main" val="1352057416"/>
+                    </a:ext>
+                  </a:extLst>
+                </a:gridCol>
+                <a:gridCol w="2103120">
+                  <a:extLst>
+                    <a:ext uri="{9D8B030D-6E8A-4147-A177-3AD203B41FA5}">
+                      <a16:colId xmlns:a16="http://schemas.microsoft.com/office/drawing/2014/main" val="1457082074"/>
+                    </a:ext>
+                  </a:extLst>
+                </a:gridCol>
+                <a:gridCol w="2103120">
+                  <a:extLst>
+                    <a:ext uri="{9D8B030D-6E8A-4147-A177-3AD203B41FA5}">
+                      <a16:colId xmlns:a16="http://schemas.microsoft.com/office/drawing/2014/main" val="633438695"/>
+                    </a:ext>
+                  </a:extLst>
+                </a:gridCol>
+              </a:tblGrid>
+              <a:tr h="370840">
+                <a:tc>
+                  <a:txBody>
+                    <a:bodyPr/>
+                    <a:lstStyle/>
+                    <a:p>
+                      <a:r>
+                        <a:rPr lang="en-US" dirty="0"/>
+                        <a:t>Model</a:t>
+                      </a:r>
+                    </a:p>
+                  </a:txBody>
+                  <a:tcPr/>
+                </a:tc>
+                <a:tc>
+                  <a:txBody>
+                    <a:bodyPr/>
+                    <a:lstStyle/>
+                    <a:p>
+                      <a:r>
+                        <a:rPr lang="en-US" dirty="0"/>
+                        <a:t>Exponential growth</a:t>
+                      </a:r>
+                    </a:p>
+                  </a:txBody>
+                  <a:tcPr/>
+                </a:tc>
+                <a:tc>
+                  <a:txBody>
+                    <a:bodyPr/>
+                    <a:lstStyle/>
+                    <a:p>
+                      <a:r>
+                        <a:rPr lang="en-US" dirty="0"/>
+                        <a:t>Two-epoch</a:t>
+                      </a:r>
+                    </a:p>
+                  </a:txBody>
+                  <a:tcPr/>
+                </a:tc>
+                <a:tc>
+                  <a:txBody>
+                    <a:bodyPr/>
+                    <a:lstStyle/>
+                    <a:p>
+                      <a:r>
+                        <a:rPr lang="en-US" dirty="0"/>
+                        <a:t>Bottleneck + growth</a:t>
+                      </a:r>
+                    </a:p>
+                  </a:txBody>
+                  <a:tcPr/>
+                </a:tc>
+                <a:tc>
+                  <a:txBody>
+                    <a:bodyPr/>
+                    <a:lstStyle/>
+                    <a:p>
+                      <a:r>
+                        <a:rPr lang="en-US" dirty="0"/>
+                        <a:t>Three-epoch</a:t>
+                      </a:r>
+                    </a:p>
+                  </a:txBody>
+                  <a:tcPr/>
+                </a:tc>
+                <a:extLst>
+                  <a:ext uri="{0D108BD9-81ED-4DB2-BD59-A6C34878D82A}">
+                    <a16:rowId xmlns:a16="http://schemas.microsoft.com/office/drawing/2014/main" val="3143057051"/>
+                  </a:ext>
+                </a:extLst>
+              </a:tr>
+              <a:tr h="370840">
+                <a:tc>
+                  <a:txBody>
+                    <a:bodyPr/>
+                    <a:lstStyle/>
+                    <a:p>
+                      <a:r>
+                        <a:rPr lang="en-US" dirty="0"/>
+                        <a:t>Log Likelihood</a:t>
+                      </a:r>
+                    </a:p>
+                  </a:txBody>
+                  <a:tcPr/>
+                </a:tc>
+                <a:tc>
+                  <a:txBody>
+                    <a:bodyPr/>
+                    <a:lstStyle/>
+                    <a:p>
+                      <a:endParaRPr lang="en-US" dirty="0"/>
+                    </a:p>
+                  </a:txBody>
+                  <a:tcPr/>
+                </a:tc>
+                <a:tc>
+                  <a:txBody>
+                    <a:bodyPr/>
+                    <a:lstStyle/>
+                    <a:p>
+                      <a:endParaRPr lang="en-US" dirty="0">
+                        <a:highlight>
+                          <a:srgbClr val="FFFF00"/>
+                        </a:highlight>
+                      </a:endParaRPr>
+                    </a:p>
+                  </a:txBody>
+                  <a:tcPr/>
+                </a:tc>
+                <a:tc>
+                  <a:txBody>
+                    <a:bodyPr/>
+                    <a:lstStyle/>
+                    <a:p>
+                      <a:endParaRPr lang="en-US" dirty="0">
+                        <a:highlight>
+                          <a:srgbClr val="FFFF00"/>
+                        </a:highlight>
+                      </a:endParaRPr>
+                    </a:p>
+                  </a:txBody>
+                  <a:tcPr/>
+                </a:tc>
+                <a:tc>
+                  <a:txBody>
+                    <a:bodyPr/>
+                    <a:lstStyle/>
+                    <a:p>
+                      <a:endParaRPr lang="en-US" dirty="0"/>
+                    </a:p>
+                  </a:txBody>
+                  <a:tcPr/>
+                </a:tc>
+                <a:extLst>
+                  <a:ext uri="{0D108BD9-81ED-4DB2-BD59-A6C34878D82A}">
+                    <a16:rowId xmlns:a16="http://schemas.microsoft.com/office/drawing/2014/main" val="3235037204"/>
+                  </a:ext>
+                </a:extLst>
+              </a:tr>
+              <a:tr h="370840">
+                <a:tc>
+                  <a:txBody>
+                    <a:bodyPr/>
+                    <a:lstStyle/>
+                    <a:p>
+                      <a:r>
+                        <a:rPr lang="en-US" dirty="0" err="1"/>
+                        <a:t>Nu_a</a:t>
+                      </a:r>
+                      <a:endParaRPr lang="en-US" dirty="0"/>
+                    </a:p>
+                  </a:txBody>
+                  <a:tcPr/>
+                </a:tc>
+                <a:tc>
+                  <a:txBody>
+                    <a:bodyPr/>
+                    <a:lstStyle/>
+                    <a:p>
+                      <a:endParaRPr lang="en-US" dirty="0"/>
+                    </a:p>
+                  </a:txBody>
+                  <a:tcPr/>
+                </a:tc>
+                <a:tc>
+                  <a:txBody>
+                    <a:bodyPr/>
+                    <a:lstStyle/>
+                    <a:p>
+                      <a:endParaRPr lang="en-US" dirty="0"/>
+                    </a:p>
+                  </a:txBody>
+                  <a:tcPr/>
+                </a:tc>
+                <a:tc>
+                  <a:txBody>
+                    <a:bodyPr/>
+                    <a:lstStyle/>
+                    <a:p>
+                      <a:endParaRPr lang="en-US" dirty="0"/>
+                    </a:p>
+                  </a:txBody>
+                  <a:tcPr/>
+                </a:tc>
+                <a:tc>
+                  <a:txBody>
+                    <a:bodyPr/>
+                    <a:lstStyle/>
+                    <a:p>
+                      <a:endParaRPr lang="en-US" dirty="0"/>
+                    </a:p>
+                  </a:txBody>
+                  <a:tcPr/>
+                </a:tc>
+                <a:extLst>
+                  <a:ext uri="{0D108BD9-81ED-4DB2-BD59-A6C34878D82A}">
+                    <a16:rowId xmlns:a16="http://schemas.microsoft.com/office/drawing/2014/main" val="2717148640"/>
+                  </a:ext>
+                </a:extLst>
+              </a:tr>
+              <a:tr h="370840">
+                <a:tc>
+                  <a:txBody>
+                    <a:bodyPr/>
+                    <a:lstStyle/>
+                    <a:p>
+                      <a:r>
+                        <a:rPr lang="en-US" dirty="0" err="1"/>
+                        <a:t>Nu_b</a:t>
+                      </a:r>
+                      <a:endParaRPr lang="en-US" dirty="0"/>
+                    </a:p>
+                  </a:txBody>
+                  <a:tcPr/>
+                </a:tc>
+                <a:tc>
+                  <a:txBody>
+                    <a:bodyPr/>
+                    <a:lstStyle/>
+                    <a:p>
+                      <a:r>
+                        <a:rPr lang="en-US" dirty="0"/>
+                        <a:t>N/A</a:t>
+                      </a:r>
+                    </a:p>
+                  </a:txBody>
+                  <a:tcPr/>
+                </a:tc>
+                <a:tc>
+                  <a:txBody>
+                    <a:bodyPr/>
+                    <a:lstStyle/>
+                    <a:p>
+                      <a:r>
+                        <a:rPr lang="en-US" dirty="0"/>
+                        <a:t>N/A</a:t>
+                      </a:r>
+                    </a:p>
+                  </a:txBody>
+                  <a:tcPr/>
+                </a:tc>
+                <a:tc>
+                  <a:txBody>
+                    <a:bodyPr/>
+                    <a:lstStyle/>
+                    <a:p>
+                      <a:endParaRPr lang="en-US" dirty="0"/>
+                    </a:p>
+                  </a:txBody>
+                  <a:tcPr/>
+                </a:tc>
+                <a:tc>
+                  <a:txBody>
+                    <a:bodyPr/>
+                    <a:lstStyle/>
+                    <a:p>
+                      <a:endParaRPr lang="en-US" dirty="0"/>
+                    </a:p>
+                  </a:txBody>
+                  <a:tcPr/>
+                </a:tc>
+                <a:extLst>
+                  <a:ext uri="{0D108BD9-81ED-4DB2-BD59-A6C34878D82A}">
+                    <a16:rowId xmlns:a16="http://schemas.microsoft.com/office/drawing/2014/main" val="3992781458"/>
+                  </a:ext>
+                </a:extLst>
+              </a:tr>
+              <a:tr h="370840">
+                <a:tc>
+                  <a:txBody>
+                    <a:bodyPr/>
+                    <a:lstStyle/>
+                    <a:p>
+                      <a:r>
+                        <a:rPr lang="en-US" dirty="0"/>
+                        <a:t>T_12</a:t>
+                      </a:r>
+                    </a:p>
+                  </a:txBody>
+                  <a:tcPr/>
+                </a:tc>
+                <a:tc>
+                  <a:txBody>
+                    <a:bodyPr/>
+                    <a:lstStyle/>
+                    <a:p>
+                      <a:endParaRPr lang="en-US" dirty="0"/>
+                    </a:p>
+                  </a:txBody>
+                  <a:tcPr/>
+                </a:tc>
+                <a:tc>
+                  <a:txBody>
+                    <a:bodyPr/>
+                    <a:lstStyle/>
+                    <a:p>
+                      <a:endParaRPr lang="en-US" dirty="0"/>
+                    </a:p>
+                  </a:txBody>
+                  <a:tcPr/>
+                </a:tc>
+                <a:tc>
+                  <a:txBody>
+                    <a:bodyPr/>
+                    <a:lstStyle/>
+                    <a:p>
+                      <a:endParaRPr lang="en-US" dirty="0"/>
+                    </a:p>
+                  </a:txBody>
+                  <a:tcPr/>
+                </a:tc>
+                <a:tc>
+                  <a:txBody>
+                    <a:bodyPr/>
+                    <a:lstStyle/>
+                    <a:p>
+                      <a:endParaRPr lang="en-US" dirty="0"/>
+                    </a:p>
+                  </a:txBody>
+                  <a:tcPr/>
+                </a:tc>
+                <a:extLst>
+                  <a:ext uri="{0D108BD9-81ED-4DB2-BD59-A6C34878D82A}">
+                    <a16:rowId xmlns:a16="http://schemas.microsoft.com/office/drawing/2014/main" val="3283572519"/>
+                  </a:ext>
+                </a:extLst>
+              </a:tr>
+              <a:tr h="370840">
+                <a:tc>
+                  <a:txBody>
+                    <a:bodyPr/>
+                    <a:lstStyle/>
+                    <a:p>
+                      <a:r>
+                        <a:rPr lang="en-US" dirty="0"/>
+                        <a:t>T_23</a:t>
+                      </a:r>
+                    </a:p>
+                  </a:txBody>
+                  <a:tcPr/>
+                </a:tc>
+                <a:tc>
+                  <a:txBody>
+                    <a:bodyPr/>
+                    <a:lstStyle/>
+                    <a:p>
+                      <a:r>
+                        <a:rPr lang="en-US" dirty="0"/>
+                        <a:t>N/A</a:t>
+                      </a:r>
+                    </a:p>
+                  </a:txBody>
+                  <a:tcPr/>
+                </a:tc>
+                <a:tc>
+                  <a:txBody>
+                    <a:bodyPr/>
+                    <a:lstStyle/>
+                    <a:p>
+                      <a:r>
+                        <a:rPr lang="en-US" dirty="0"/>
+                        <a:t>N/A</a:t>
+                      </a:r>
+                    </a:p>
+                  </a:txBody>
+                  <a:tcPr/>
+                </a:tc>
+                <a:tc>
+                  <a:txBody>
+                    <a:bodyPr/>
+                    <a:lstStyle/>
+                    <a:p>
+                      <a:r>
+                        <a:rPr lang="en-US" dirty="0"/>
+                        <a:t>N/A</a:t>
+                      </a:r>
+                    </a:p>
+                  </a:txBody>
+                  <a:tcPr/>
+                </a:tc>
+                <a:tc>
+                  <a:txBody>
+                    <a:bodyPr/>
+                    <a:lstStyle/>
+                    <a:p>
+                      <a:endParaRPr lang="en-US" dirty="0"/>
+                    </a:p>
+                  </a:txBody>
+                  <a:tcPr/>
+                </a:tc>
+                <a:extLst>
+                  <a:ext uri="{0D108BD9-81ED-4DB2-BD59-A6C34878D82A}">
+                    <a16:rowId xmlns:a16="http://schemas.microsoft.com/office/drawing/2014/main" val="2422470866"/>
+                  </a:ext>
+                </a:extLst>
+              </a:tr>
+            </a:tbl>
+          </a:graphicData>
+        </a:graphic>
+      </p:graphicFrame>
       <p:sp>
         <p:nvSpPr>
-          <p:cNvPr id="6" name="TextBox 5">
+          <p:cNvPr id="7" name="TextBox 6">
             <a:extLst>
               <a:ext uri="{FF2B5EF4-FFF2-40B4-BE49-F238E27FC236}">
-                <a16:creationId xmlns:a16="http://schemas.microsoft.com/office/drawing/2014/main" id="{B226AE41-FF47-4CF4-B4BA-695DAED9505A}"/>
+                <a16:creationId xmlns:a16="http://schemas.microsoft.com/office/drawing/2014/main" id="{8769094E-C9E5-486A-8807-B68125BFE64A}"/>
               </a:ext>
             </a:extLst>
           </p:cNvPr>
@@ -5626,8 +6480,8 @@
         </p:nvSpPr>
         <p:spPr>
           <a:xfrm>
-            <a:off x="275303" y="2369574"/>
-            <a:ext cx="4325479" cy="923330"/>
+            <a:off x="7096453" y="1690688"/>
+            <a:ext cx="5095547" cy="1754326"/>
           </a:xfrm>
           <a:prstGeom prst="rect">
             <a:avLst/>
@@ -5635,7 +6489,7 @@
           <a:noFill/>
         </p:spPr>
         <p:txBody>
-          <a:bodyPr wrap="none" rtlCol="0">
+          <a:bodyPr wrap="square" rtlCol="0">
             <a:spAutoFit/>
           </a:bodyPr>
           <a:lstStyle/>
@@ -5645,26 +6499,100 @@
               <a:buChar char="•"/>
             </a:pPr>
             <a:r>
+              <a:rPr lang="en-US" dirty="0" err="1"/>
+              <a:t>Nu_a</a:t>
+            </a:r>
+            <a:r>
               <a:rPr lang="en-US" dirty="0"/>
-              <a:t>There’s definitively some structure, but it</a:t>
-            </a:r>
-            <a:br>
+              <a:t>: contemporary population relative to ancestral population before first epoch</a:t>
+            </a:r>
+          </a:p>
+          <a:p>
+            <a:pPr marL="285750" indent="-285750">
+              <a:buFont typeface="Arial" panose="020B0604020202020204" pitchFamily="34" charset="0"/>
+              <a:buChar char="•"/>
+            </a:pPr>
+            <a:r>
+              <a:rPr lang="en-US" dirty="0" err="1"/>
+              <a:t>Nu_b</a:t>
+            </a:r>
+            <a:r>
               <a:rPr lang="en-US" dirty="0"/>
-            </a:br>
+              <a:t>: contemporary population relative to ancestral population before second epoch</a:t>
+            </a:r>
+          </a:p>
+          <a:p>
+            <a:pPr marL="285750" indent="-285750">
+              <a:buFont typeface="Arial" panose="020B0604020202020204" pitchFamily="34" charset="0"/>
+              <a:buChar char="•"/>
+            </a:pPr>
             <a:r>
               <a:rPr lang="en-US" dirty="0"/>
-              <a:t>looks pretty wacky.</a:t>
-            </a:r>
-          </a:p>
-          <a:p>
-            <a:endParaRPr lang="en-US" dirty="0"/>
+              <a:t>T_1: Duration of first epoch (units of 2 * </a:t>
+            </a:r>
+            <a:r>
+              <a:rPr lang="en-US" dirty="0" err="1"/>
+              <a:t>N_a</a:t>
+            </a:r>
+            <a:r>
+              <a:rPr lang="en-US" dirty="0"/>
+              <a:t>)</a:t>
+            </a:r>
+          </a:p>
+          <a:p>
+            <a:pPr marL="285750" indent="-285750">
+              <a:buFont typeface="Arial" panose="020B0604020202020204" pitchFamily="34" charset="0"/>
+              <a:buChar char="•"/>
+            </a:pPr>
+            <a:r>
+              <a:rPr lang="en-US" dirty="0"/>
+              <a:t>T_2: Duration of second epoch (units of 2 * </a:t>
+            </a:r>
+            <a:r>
+              <a:rPr lang="en-US" dirty="0" err="1"/>
+              <a:t>N_a</a:t>
+            </a:r>
+            <a:r>
+              <a:rPr lang="en-US" dirty="0"/>
+              <a:t>)</a:t>
+            </a:r>
           </a:p>
         </p:txBody>
       </p:sp>
+      <p:pic>
+        <p:nvPicPr>
+          <p:cNvPr id="5" name="Picture 4">
+            <a:extLst>
+              <a:ext uri="{FF2B5EF4-FFF2-40B4-BE49-F238E27FC236}">
+                <a16:creationId xmlns:a16="http://schemas.microsoft.com/office/drawing/2014/main" id="{9936C105-2946-4DF2-BDFB-F5C9A228A366}"/>
+              </a:ext>
+            </a:extLst>
+          </p:cNvPr>
+          <p:cNvPicPr>
+            <a:picLocks noChangeAspect="1"/>
+          </p:cNvPicPr>
+          <p:nvPr/>
+        </p:nvPicPr>
+        <p:blipFill>
+          <a:blip r:embed="rId2"/>
+          <a:stretch>
+            <a:fillRect/>
+          </a:stretch>
+        </p:blipFill>
+        <p:spPr>
+          <a:xfrm>
+            <a:off x="642170" y="1359621"/>
+            <a:ext cx="6289572" cy="2660063"/>
+          </a:xfrm>
+          <a:prstGeom prst="rect">
+            <a:avLst/>
+          </a:prstGeom>
+        </p:spPr>
+      </p:pic>
     </p:spTree>
     <p:extLst>
       <p:ext uri="{BB962C8B-B14F-4D97-AF65-F5344CB8AC3E}">
-        <p14:creationId xmlns:p14="http://schemas.microsoft.com/office/powerpoint/2010/main" val="2625271165"/>
+        <p14:creationId xmlns:p14="http://schemas.microsoft.com/office/powerpoint/2010/main" val="1033536776"/>
       </p:ext>
     </p:extLst>
   </p:cSld>
@@ -5696,7 +6624,7 @@
           <p:cNvPr id="2" name="Title 1">
             <a:extLst>
               <a:ext uri="{FF2B5EF4-FFF2-40B4-BE49-F238E27FC236}">
-                <a16:creationId xmlns:a16="http://schemas.microsoft.com/office/drawing/2014/main" id="{F5B33CB0-1300-40D3-A93D-42EDA635FAE0}"/>
+                <a16:creationId xmlns:a16="http://schemas.microsoft.com/office/drawing/2014/main" id="{FC0C9624-1DBB-4B7A-B446-0EC6DD7756EB}"/>
               </a:ext>
             </a:extLst>
           </p:cNvPr>
@@ -5714,7 +6642,7 @@
           <a:p>
             <a:r>
               <a:rPr lang="en-US" dirty="0" err="1"/>
-              <a:t>Alistipes</a:t>
+              <a:t>Odoribacter</a:t>
             </a:r>
             <a:r>
               <a:rPr lang="en-US" dirty="0"/>
@@ -5722,56 +6650,617 @@
             </a:r>
             <a:r>
               <a:rPr lang="en-US" dirty="0" err="1"/>
-              <a:t>putredinis</a:t>
-            </a:r>
-            <a:r>
-              <a:rPr lang="en-US" dirty="0"/>
-              <a:t> (min depth = 5)</a:t>
-            </a:r>
+              <a:t>splanchnicus</a:t>
+            </a:r>
+            <a:endParaRPr lang="en-US" dirty="0"/>
           </a:p>
         </p:txBody>
       </p:sp>
-      <p:pic>
-        <p:nvPicPr>
-          <p:cNvPr id="7" name="Content Placeholder 6" descr="Chart, scatter chart&#10;&#10;Description automatically generated">
+      <p:graphicFrame>
+        <p:nvGraphicFramePr>
+          <p:cNvPr id="4" name="Table 4">
             <a:extLst>
               <a:ext uri="{FF2B5EF4-FFF2-40B4-BE49-F238E27FC236}">
-                <a16:creationId xmlns:a16="http://schemas.microsoft.com/office/drawing/2014/main" id="{23D5EE3C-7204-4B27-8F77-A4B78C0F5EFC}"/>
+                <a16:creationId xmlns:a16="http://schemas.microsoft.com/office/drawing/2014/main" id="{CED22545-7642-43E5-9E8E-C73593CC5F0F}"/>
               </a:ext>
             </a:extLst>
           </p:cNvPr>
-          <p:cNvPicPr>
-            <a:picLocks noGrp="1" noChangeAspect="1"/>
-          </p:cNvPicPr>
+          <p:cNvGraphicFramePr>
+            <a:graphicFrameLocks noGrp="1"/>
+          </p:cNvGraphicFramePr>
           <p:nvPr>
             <p:ph idx="1"/>
+            <p:extLst>
+              <p:ext uri="{D42A27DB-BD31-4B8C-83A1-F6EECF244321}">
+                <p14:modId xmlns:p14="http://schemas.microsoft.com/office/powerpoint/2010/main" val="3159587094"/>
+              </p:ext>
+            </p:extLst>
           </p:nvPr>
-        </p:nvPicPr>
-        <p:blipFill>
-          <a:blip r:embed="rId2">
-            <a:extLst>
-              <a:ext uri="{28A0092B-C50C-407E-A947-70E740481C1C}">
-                <a14:useLocalDpi xmlns:a14="http://schemas.microsoft.com/office/drawing/2010/main" val="0"/>
-              </a:ext>
-            </a:extLst>
-          </a:blip>
-          <a:stretch>
-            <a:fillRect/>
-          </a:stretch>
-        </p:blipFill>
-        <p:spPr>
-          <a:xfrm>
-            <a:off x="5294658" y="1690688"/>
-            <a:ext cx="6400826" cy="4351338"/>
-          </a:xfrm>
-        </p:spPr>
-      </p:pic>
+        </p:nvGraphicFramePr>
+        <p:xfrm>
+          <a:off x="828368" y="4397539"/>
+          <a:ext cx="10515600" cy="2225040"/>
+        </p:xfrm>
+        <a:graphic>
+          <a:graphicData uri="http://schemas.openxmlformats.org/drawingml/2006/table">
+            <a:tbl>
+              <a:tblPr firstRow="1" bandRow="1">
+                <a:tableStyleId>{073A0DAA-6AF3-43AB-8588-CEC1D06C72B9}</a:tableStyleId>
+              </a:tblPr>
+              <a:tblGrid>
+                <a:gridCol w="2103120">
+                  <a:extLst>
+                    <a:ext uri="{9D8B030D-6E8A-4147-A177-3AD203B41FA5}">
+                      <a16:colId xmlns:a16="http://schemas.microsoft.com/office/drawing/2014/main" val="2900726404"/>
+                    </a:ext>
+                  </a:extLst>
+                </a:gridCol>
+                <a:gridCol w="2103120">
+                  <a:extLst>
+                    <a:ext uri="{9D8B030D-6E8A-4147-A177-3AD203B41FA5}">
+                      <a16:colId xmlns:a16="http://schemas.microsoft.com/office/drawing/2014/main" val="2297780930"/>
+                    </a:ext>
+                  </a:extLst>
+                </a:gridCol>
+                <a:gridCol w="2103120">
+                  <a:extLst>
+                    <a:ext uri="{9D8B030D-6E8A-4147-A177-3AD203B41FA5}">
+                      <a16:colId xmlns:a16="http://schemas.microsoft.com/office/drawing/2014/main" val="1352057416"/>
+                    </a:ext>
+                  </a:extLst>
+                </a:gridCol>
+                <a:gridCol w="2103120">
+                  <a:extLst>
+                    <a:ext uri="{9D8B030D-6E8A-4147-A177-3AD203B41FA5}">
+                      <a16:colId xmlns:a16="http://schemas.microsoft.com/office/drawing/2014/main" val="1457082074"/>
+                    </a:ext>
+                  </a:extLst>
+                </a:gridCol>
+                <a:gridCol w="2103120">
+                  <a:extLst>
+                    <a:ext uri="{9D8B030D-6E8A-4147-A177-3AD203B41FA5}">
+                      <a16:colId xmlns:a16="http://schemas.microsoft.com/office/drawing/2014/main" val="633438695"/>
+                    </a:ext>
+                  </a:extLst>
+                </a:gridCol>
+              </a:tblGrid>
+              <a:tr h="370840">
+                <a:tc>
+                  <a:txBody>
+                    <a:bodyPr/>
+                    <a:lstStyle/>
+                    <a:p>
+                      <a:r>
+                        <a:rPr lang="en-US" dirty="0"/>
+                        <a:t>Model</a:t>
+                      </a:r>
+                    </a:p>
+                  </a:txBody>
+                  <a:tcPr/>
+                </a:tc>
+                <a:tc>
+                  <a:txBody>
+                    <a:bodyPr/>
+                    <a:lstStyle/>
+                    <a:p>
+                      <a:r>
+                        <a:rPr lang="en-US" dirty="0"/>
+                        <a:t>Exponential growth</a:t>
+                      </a:r>
+                    </a:p>
+                  </a:txBody>
+                  <a:tcPr/>
+                </a:tc>
+                <a:tc>
+                  <a:txBody>
+                    <a:bodyPr/>
+                    <a:lstStyle/>
+                    <a:p>
+                      <a:r>
+                        <a:rPr lang="en-US" dirty="0"/>
+                        <a:t>Two-epoch</a:t>
+                      </a:r>
+                    </a:p>
+                  </a:txBody>
+                  <a:tcPr/>
+                </a:tc>
+                <a:tc>
+                  <a:txBody>
+                    <a:bodyPr/>
+                    <a:lstStyle/>
+                    <a:p>
+                      <a:r>
+                        <a:rPr lang="en-US" dirty="0"/>
+                        <a:t>Bottleneck + growth</a:t>
+                      </a:r>
+                    </a:p>
+                  </a:txBody>
+                  <a:tcPr/>
+                </a:tc>
+                <a:tc>
+                  <a:txBody>
+                    <a:bodyPr/>
+                    <a:lstStyle/>
+                    <a:p>
+                      <a:r>
+                        <a:rPr lang="en-US" dirty="0"/>
+                        <a:t>Three-epoch</a:t>
+                      </a:r>
+                    </a:p>
+                  </a:txBody>
+                  <a:tcPr/>
+                </a:tc>
+                <a:extLst>
+                  <a:ext uri="{0D108BD9-81ED-4DB2-BD59-A6C34878D82A}">
+                    <a16:rowId xmlns:a16="http://schemas.microsoft.com/office/drawing/2014/main" val="3143057051"/>
+                  </a:ext>
+                </a:extLst>
+              </a:tr>
+              <a:tr h="370840">
+                <a:tc>
+                  <a:txBody>
+                    <a:bodyPr/>
+                    <a:lstStyle/>
+                    <a:p>
+                      <a:r>
+                        <a:rPr lang="en-US" dirty="0"/>
+                        <a:t>Log Likelihood</a:t>
+                      </a:r>
+                    </a:p>
+                  </a:txBody>
+                  <a:tcPr/>
+                </a:tc>
+                <a:tc>
+                  <a:txBody>
+                    <a:bodyPr/>
+                    <a:lstStyle/>
+                    <a:p>
+                      <a:r>
+                        <a:rPr lang="en-US" dirty="0"/>
+                        <a:t>-79.5072733364</a:t>
+                      </a:r>
+                    </a:p>
+                  </a:txBody>
+                  <a:tcPr/>
+                </a:tc>
+                <a:tc>
+                  <a:txBody>
+                    <a:bodyPr/>
+                    <a:lstStyle/>
+                    <a:p>
+                      <a:r>
+                        <a:rPr lang="en-US" dirty="0"/>
+                        <a:t>-78.4987541152</a:t>
+                      </a:r>
+                      <a:endParaRPr lang="en-US" dirty="0">
+                        <a:highlight>
+                          <a:srgbClr val="FFFF00"/>
+                        </a:highlight>
+                      </a:endParaRPr>
+                    </a:p>
+                  </a:txBody>
+                  <a:tcPr/>
+                </a:tc>
+                <a:tc>
+                  <a:txBody>
+                    <a:bodyPr/>
+                    <a:lstStyle/>
+                    <a:p>
+                      <a:r>
+                        <a:rPr lang="en-US" dirty="0">
+                          <a:solidFill>
+                            <a:schemeClr val="tx1"/>
+                          </a:solidFill>
+                        </a:rPr>
+                        <a:t>-72.4113238931</a:t>
+                      </a:r>
+                      <a:endParaRPr lang="en-US" dirty="0">
+                        <a:solidFill>
+                          <a:schemeClr val="tx1"/>
+                        </a:solidFill>
+                        <a:highlight>
+                          <a:srgbClr val="FFFF00"/>
+                        </a:highlight>
+                      </a:endParaRPr>
+                    </a:p>
+                  </a:txBody>
+                  <a:tcPr/>
+                </a:tc>
+                <a:tc>
+                  <a:txBody>
+                    <a:bodyPr/>
+                    <a:lstStyle/>
+                    <a:p>
+                      <a:r>
+                        <a:rPr lang="en-US" sz="1800" kern="1200" dirty="0">
+                          <a:solidFill>
+                            <a:schemeClr val="tx1"/>
+                          </a:solidFill>
+                          <a:latin typeface="+mn-lt"/>
+                          <a:ea typeface="+mn-ea"/>
+                          <a:cs typeface="+mn-cs"/>
+                        </a:rPr>
+                        <a:t>-71.7398615765</a:t>
+                      </a:r>
+                      <a:endParaRPr lang="en-US" dirty="0">
+                        <a:solidFill>
+                          <a:schemeClr val="tx1"/>
+                        </a:solidFill>
+                      </a:endParaRPr>
+                    </a:p>
+                  </a:txBody>
+                  <a:tcPr/>
+                </a:tc>
+                <a:extLst>
+                  <a:ext uri="{0D108BD9-81ED-4DB2-BD59-A6C34878D82A}">
+                    <a16:rowId xmlns:a16="http://schemas.microsoft.com/office/drawing/2014/main" val="3235037204"/>
+                  </a:ext>
+                </a:extLst>
+              </a:tr>
+              <a:tr h="370840">
+                <a:tc>
+                  <a:txBody>
+                    <a:bodyPr/>
+                    <a:lstStyle/>
+                    <a:p>
+                      <a:r>
+                        <a:rPr lang="en-US" dirty="0" err="1"/>
+                        <a:t>Nu_a</a:t>
+                      </a:r>
+                      <a:endParaRPr lang="en-US" dirty="0"/>
+                    </a:p>
+                  </a:txBody>
+                  <a:tcPr/>
+                </a:tc>
+                <a:tc>
+                  <a:txBody>
+                    <a:bodyPr/>
+                    <a:lstStyle/>
+                    <a:p>
+                      <a:r>
+                        <a:rPr lang="en-US" dirty="0"/>
+                        <a:t>1.25970836</a:t>
+                      </a:r>
+                    </a:p>
+                  </a:txBody>
+                  <a:tcPr/>
+                </a:tc>
+                <a:tc>
+                  <a:txBody>
+                    <a:bodyPr/>
+                    <a:lstStyle/>
+                    <a:p>
+                      <a:r>
+                        <a:rPr lang="en-US" dirty="0"/>
+                        <a:t>1.27668903</a:t>
+                      </a:r>
+                    </a:p>
+                  </a:txBody>
+                  <a:tcPr/>
+                </a:tc>
+                <a:tc>
+                  <a:txBody>
+                    <a:bodyPr/>
+                    <a:lstStyle/>
+                    <a:p>
+                      <a:r>
+                        <a:rPr lang="en-US" dirty="0">
+                          <a:solidFill>
+                            <a:schemeClr val="tx1"/>
+                          </a:solidFill>
+                        </a:rPr>
+                        <a:t>2.72055134</a:t>
+                      </a:r>
+                    </a:p>
+                  </a:txBody>
+                  <a:tcPr/>
+                </a:tc>
+                <a:tc>
+                  <a:txBody>
+                    <a:bodyPr/>
+                    <a:lstStyle/>
+                    <a:p>
+                      <a:r>
+                        <a:rPr lang="en-US" sz="1800" kern="1200" dirty="0">
+                          <a:solidFill>
+                            <a:schemeClr val="tx1"/>
+                          </a:solidFill>
+                          <a:latin typeface="+mn-lt"/>
+                          <a:ea typeface="+mn-ea"/>
+                          <a:cs typeface="+mn-cs"/>
+                        </a:rPr>
+                        <a:t>2.87225645</a:t>
+                      </a:r>
+                      <a:endParaRPr lang="en-US" dirty="0">
+                        <a:solidFill>
+                          <a:schemeClr val="tx1"/>
+                        </a:solidFill>
+                      </a:endParaRPr>
+                    </a:p>
+                  </a:txBody>
+                  <a:tcPr/>
+                </a:tc>
+                <a:extLst>
+                  <a:ext uri="{0D108BD9-81ED-4DB2-BD59-A6C34878D82A}">
+                    <a16:rowId xmlns:a16="http://schemas.microsoft.com/office/drawing/2014/main" val="2717148640"/>
+                  </a:ext>
+                </a:extLst>
+              </a:tr>
+              <a:tr h="370840">
+                <a:tc>
+                  <a:txBody>
+                    <a:bodyPr/>
+                    <a:lstStyle/>
+                    <a:p>
+                      <a:r>
+                        <a:rPr lang="en-US" dirty="0" err="1"/>
+                        <a:t>Nu_b</a:t>
+                      </a:r>
+                      <a:endParaRPr lang="en-US" dirty="0"/>
+                    </a:p>
+                  </a:txBody>
+                  <a:tcPr/>
+                </a:tc>
+                <a:tc>
+                  <a:txBody>
+                    <a:bodyPr/>
+                    <a:lstStyle/>
+                    <a:p>
+                      <a:r>
+                        <a:rPr lang="en-US" dirty="0"/>
+                        <a:t>N/A</a:t>
+                      </a:r>
+                    </a:p>
+                  </a:txBody>
+                  <a:tcPr/>
+                </a:tc>
+                <a:tc>
+                  <a:txBody>
+                    <a:bodyPr/>
+                    <a:lstStyle/>
+                    <a:p>
+                      <a:r>
+                        <a:rPr lang="en-US" dirty="0"/>
+                        <a:t>N/A</a:t>
+                      </a:r>
+                    </a:p>
+                  </a:txBody>
+                  <a:tcPr/>
+                </a:tc>
+                <a:tc>
+                  <a:txBody>
+                    <a:bodyPr/>
+                    <a:lstStyle/>
+                    <a:p>
+                      <a:r>
+                        <a:rPr lang="en-US" dirty="0">
+                          <a:solidFill>
+                            <a:schemeClr val="tx1"/>
+                          </a:solidFill>
+                        </a:rPr>
+                        <a:t>1.16513409</a:t>
+                      </a:r>
+                    </a:p>
+                  </a:txBody>
+                  <a:tcPr/>
+                </a:tc>
+                <a:tc>
+                  <a:txBody>
+                    <a:bodyPr/>
+                    <a:lstStyle/>
+                    <a:p>
+                      <a:r>
+                        <a:rPr lang="en-US" sz="1800" kern="1200" dirty="0">
+                          <a:solidFill>
+                            <a:schemeClr val="tx1"/>
+                          </a:solidFill>
+                          <a:latin typeface="+mn-lt"/>
+                          <a:ea typeface="+mn-ea"/>
+                          <a:cs typeface="+mn-cs"/>
+                        </a:rPr>
+                        <a:t>1.22885559</a:t>
+                      </a:r>
+                      <a:endParaRPr lang="en-US" dirty="0">
+                        <a:solidFill>
+                          <a:schemeClr val="tx1"/>
+                        </a:solidFill>
+                      </a:endParaRPr>
+                    </a:p>
+                  </a:txBody>
+                  <a:tcPr/>
+                </a:tc>
+                <a:extLst>
+                  <a:ext uri="{0D108BD9-81ED-4DB2-BD59-A6C34878D82A}">
+                    <a16:rowId xmlns:a16="http://schemas.microsoft.com/office/drawing/2014/main" val="3992781458"/>
+                  </a:ext>
+                </a:extLst>
+              </a:tr>
+              <a:tr h="370840">
+                <a:tc>
+                  <a:txBody>
+                    <a:bodyPr/>
+                    <a:lstStyle/>
+                    <a:p>
+                      <a:r>
+                        <a:rPr lang="en-US" dirty="0"/>
+                        <a:t>T_12</a:t>
+                      </a:r>
+                    </a:p>
+                  </a:txBody>
+                  <a:tcPr/>
+                </a:tc>
+                <a:tc>
+                  <a:txBody>
+                    <a:bodyPr/>
+                    <a:lstStyle/>
+                    <a:p>
+                      <a:r>
+                        <a:rPr lang="en-US" dirty="0"/>
+                        <a:t>3.48244616</a:t>
+                      </a:r>
+                    </a:p>
+                  </a:txBody>
+                  <a:tcPr/>
+                </a:tc>
+                <a:tc>
+                  <a:txBody>
+                    <a:bodyPr/>
+                    <a:lstStyle/>
+                    <a:p>
+                      <a:r>
+                        <a:rPr lang="en-US" dirty="0"/>
+                        <a:t>1.50769258</a:t>
+                      </a:r>
+                    </a:p>
+                  </a:txBody>
+                  <a:tcPr/>
+                </a:tc>
+                <a:tc>
+                  <a:txBody>
+                    <a:bodyPr/>
+                    <a:lstStyle/>
+                    <a:p>
+                      <a:r>
+                        <a:rPr lang="en-US" dirty="0">
+                          <a:solidFill>
+                            <a:schemeClr val="tx1"/>
+                          </a:solidFill>
+                        </a:rPr>
+                        <a:t>0.89676622</a:t>
+                      </a:r>
+                    </a:p>
+                  </a:txBody>
+                  <a:tcPr/>
+                </a:tc>
+                <a:tc>
+                  <a:txBody>
+                    <a:bodyPr/>
+                    <a:lstStyle/>
+                    <a:p>
+                      <a:r>
+                        <a:rPr lang="en-US" sz="1800" kern="1200" dirty="0">
+                          <a:solidFill>
+                            <a:schemeClr val="tx1"/>
+                          </a:solidFill>
+                          <a:latin typeface="+mn-lt"/>
+                          <a:ea typeface="+mn-ea"/>
+                          <a:cs typeface="+mn-cs"/>
+                        </a:rPr>
+                        <a:t>0.49102279</a:t>
+                      </a:r>
+                      <a:endParaRPr lang="en-US" dirty="0">
+                        <a:solidFill>
+                          <a:schemeClr val="tx1"/>
+                        </a:solidFill>
+                      </a:endParaRPr>
+                    </a:p>
+                  </a:txBody>
+                  <a:tcPr/>
+                </a:tc>
+                <a:extLst>
+                  <a:ext uri="{0D108BD9-81ED-4DB2-BD59-A6C34878D82A}">
+                    <a16:rowId xmlns:a16="http://schemas.microsoft.com/office/drawing/2014/main" val="3283572519"/>
+                  </a:ext>
+                </a:extLst>
+              </a:tr>
+              <a:tr h="370840">
+                <a:tc>
+                  <a:txBody>
+                    <a:bodyPr/>
+                    <a:lstStyle/>
+                    <a:p>
+                      <a:r>
+                        <a:rPr lang="en-US" dirty="0"/>
+                        <a:t>T_23</a:t>
+                      </a:r>
+                    </a:p>
+                  </a:txBody>
+                  <a:tcPr/>
+                </a:tc>
+                <a:tc>
+                  <a:txBody>
+                    <a:bodyPr/>
+                    <a:lstStyle/>
+                    <a:p>
+                      <a:r>
+                        <a:rPr lang="en-US" dirty="0"/>
+                        <a:t>N/A</a:t>
+                      </a:r>
+                    </a:p>
+                  </a:txBody>
+                  <a:tcPr/>
+                </a:tc>
+                <a:tc>
+                  <a:txBody>
+                    <a:bodyPr/>
+                    <a:lstStyle/>
+                    <a:p>
+                      <a:r>
+                        <a:rPr lang="en-US" dirty="0"/>
+                        <a:t>N/A</a:t>
+                      </a:r>
+                    </a:p>
+                  </a:txBody>
+                  <a:tcPr/>
+                </a:tc>
+                <a:tc>
+                  <a:txBody>
+                    <a:bodyPr/>
+                    <a:lstStyle/>
+                    <a:p>
+                      <a:r>
+                        <a:rPr lang="en-US" dirty="0">
+                          <a:solidFill>
+                            <a:schemeClr val="tx1"/>
+                          </a:solidFill>
+                        </a:rPr>
+                        <a:t>N/A</a:t>
+                      </a:r>
+                    </a:p>
+                  </a:txBody>
+                  <a:tcPr/>
+                </a:tc>
+                <a:tc>
+                  <a:txBody>
+                    <a:bodyPr/>
+                    <a:lstStyle/>
+                    <a:p>
+                      <a:r>
+                        <a:rPr lang="en-US" sz="1800" kern="1200" dirty="0">
+                          <a:solidFill>
+                            <a:schemeClr val="tx1"/>
+                          </a:solidFill>
+                          <a:latin typeface="+mn-lt"/>
+                          <a:ea typeface="+mn-ea"/>
+                          <a:cs typeface="+mn-cs"/>
+                        </a:rPr>
+                        <a:t>0.33065142</a:t>
+                      </a:r>
+                      <a:endParaRPr lang="en-US" dirty="0">
+                        <a:solidFill>
+                          <a:schemeClr val="tx1"/>
+                        </a:solidFill>
+                      </a:endParaRPr>
+                    </a:p>
+                  </a:txBody>
+                  <a:tcPr/>
+                </a:tc>
+                <a:extLst>
+                  <a:ext uri="{0D108BD9-81ED-4DB2-BD59-A6C34878D82A}">
+                    <a16:rowId xmlns:a16="http://schemas.microsoft.com/office/drawing/2014/main" val="2422470866"/>
+                  </a:ext>
+                </a:extLst>
+              </a:tr>
+            </a:tbl>
+          </a:graphicData>
+        </a:graphic>
+      </p:graphicFrame>
       <p:sp>
         <p:nvSpPr>
-          <p:cNvPr id="8" name="TextBox 7">
+          <p:cNvPr id="6" name="TextBox 5">
             <a:extLst>
               <a:ext uri="{FF2B5EF4-FFF2-40B4-BE49-F238E27FC236}">
-                <a16:creationId xmlns:a16="http://schemas.microsoft.com/office/drawing/2014/main" id="{26C81938-BB8A-48B9-A736-575BBF768046}"/>
+                <a16:creationId xmlns:a16="http://schemas.microsoft.com/office/drawing/2014/main" id="{7419C400-D799-4ACD-BC31-78961011E4A8}"/>
               </a:ext>
             </a:extLst>
           </p:cNvPr>
@@ -5780,8 +7269,8 @@
         </p:nvSpPr>
         <p:spPr>
           <a:xfrm>
-            <a:off x="275303" y="2369574"/>
-            <a:ext cx="2549224" cy="369332"/>
+            <a:off x="7096453" y="1690688"/>
+            <a:ext cx="5095547" cy="1754326"/>
           </a:xfrm>
           <a:prstGeom prst="rect">
             <a:avLst/>
@@ -5789,7 +7278,7 @@
           <a:noFill/>
         </p:spPr>
         <p:txBody>
-          <a:bodyPr wrap="none" rtlCol="0">
+          <a:bodyPr wrap="square" rtlCol="0">
             <a:spAutoFit/>
           </a:bodyPr>
           <a:lstStyle/>
@@ -5799,24 +7288,100 @@
               <a:buChar char="•"/>
             </a:pPr>
             <a:r>
+              <a:rPr lang="en-US" dirty="0" err="1"/>
+              <a:t>Nu_a</a:t>
+            </a:r>
+            <a:r>
               <a:rPr lang="en-US" dirty="0"/>
-              <a:t>Looks more “PCA-</a:t>
-            </a:r>
+              <a:t>: contemporary population relative to ancestral population before first epoch</a:t>
+            </a:r>
+          </a:p>
+          <a:p>
+            <a:pPr marL="285750" indent="-285750">
+              <a:buFont typeface="Arial" panose="020B0604020202020204" pitchFamily="34" charset="0"/>
+              <a:buChar char="•"/>
+            </a:pPr>
             <a:r>
               <a:rPr lang="en-US" dirty="0" err="1"/>
-              <a:t>ish</a:t>
+              <a:t>Nu_b</a:t>
             </a:r>
             <a:r>
               <a:rPr lang="en-US" dirty="0"/>
-              <a:t>”.</a:t>
+              <a:t>: contemporary population relative to ancestral population before second epoch</a:t>
+            </a:r>
+          </a:p>
+          <a:p>
+            <a:pPr marL="285750" indent="-285750">
+              <a:buFont typeface="Arial" panose="020B0604020202020204" pitchFamily="34" charset="0"/>
+              <a:buChar char="•"/>
+            </a:pPr>
+            <a:r>
+              <a:rPr lang="en-US" dirty="0"/>
+              <a:t>T_1: Duration of first epoch (units of 2 * </a:t>
+            </a:r>
+            <a:r>
+              <a:rPr lang="en-US" dirty="0" err="1"/>
+              <a:t>N_a</a:t>
+            </a:r>
+            <a:r>
+              <a:rPr lang="en-US" dirty="0"/>
+              <a:t>)</a:t>
+            </a:r>
+          </a:p>
+          <a:p>
+            <a:pPr marL="285750" indent="-285750">
+              <a:buFont typeface="Arial" panose="020B0604020202020204" pitchFamily="34" charset="0"/>
+              <a:buChar char="•"/>
+            </a:pPr>
+            <a:r>
+              <a:rPr lang="en-US" dirty="0"/>
+              <a:t>T_2: Duration of second epoch (units of 2 * </a:t>
+            </a:r>
+            <a:r>
+              <a:rPr lang="en-US" dirty="0" err="1"/>
+              <a:t>N_a</a:t>
+            </a:r>
+            <a:r>
+              <a:rPr lang="en-US" dirty="0"/>
+              <a:t>)</a:t>
             </a:r>
           </a:p>
         </p:txBody>
       </p:sp>
+      <p:pic>
+        <p:nvPicPr>
+          <p:cNvPr id="7" name="Picture 6">
+            <a:extLst>
+              <a:ext uri="{FF2B5EF4-FFF2-40B4-BE49-F238E27FC236}">
+                <a16:creationId xmlns:a16="http://schemas.microsoft.com/office/drawing/2014/main" id="{ED3A4AF3-B1E8-4E4A-A229-642431A76653}"/>
+              </a:ext>
+            </a:extLst>
+          </p:cNvPr>
+          <p:cNvPicPr>
+            <a:picLocks noChangeAspect="1"/>
+          </p:cNvPicPr>
+          <p:nvPr/>
+        </p:nvPicPr>
+        <p:blipFill>
+          <a:blip r:embed="rId2"/>
+          <a:stretch>
+            <a:fillRect/>
+          </a:stretch>
+        </p:blipFill>
+        <p:spPr>
+          <a:xfrm>
+            <a:off x="347202" y="1424177"/>
+            <a:ext cx="6486218" cy="2621310"/>
+          </a:xfrm>
+          <a:prstGeom prst="rect">
+            <a:avLst/>
+          </a:prstGeom>
+        </p:spPr>
+      </p:pic>
     </p:spTree>
     <p:extLst>
       <p:ext uri="{BB962C8B-B14F-4D97-AF65-F5344CB8AC3E}">
-        <p14:creationId xmlns:p14="http://schemas.microsoft.com/office/powerpoint/2010/main" val="3546803781"/>
+        <p14:creationId xmlns:p14="http://schemas.microsoft.com/office/powerpoint/2010/main" val="2929669748"/>
       </p:ext>
     </p:extLst>
   </p:cSld>
@@ -5827,6 +7392,1382 @@
 </file>
 
 <file path=ppt/slides/slide15.xml><?xml version="1.0" encoding="utf-8"?>
+<p:sld xmlns:a="http://schemas.openxmlformats.org/drawingml/2006/main" xmlns:r="http://schemas.openxmlformats.org/officeDocument/2006/relationships" xmlns:p="http://schemas.openxmlformats.org/presentationml/2006/main">
+  <p:cSld>
+    <p:spTree>
+      <p:nvGrpSpPr>
+        <p:cNvPr id="1" name=""/>
+        <p:cNvGrpSpPr/>
+        <p:nvPr/>
+      </p:nvGrpSpPr>
+      <p:grpSpPr>
+        <a:xfrm>
+          <a:off x="0" y="0"/>
+          <a:ext cx="0" cy="0"/>
+          <a:chOff x="0" y="0"/>
+          <a:chExt cx="0" cy="0"/>
+        </a:xfrm>
+      </p:grpSpPr>
+      <p:sp>
+        <p:nvSpPr>
+          <p:cNvPr id="2" name="Title 1">
+            <a:extLst>
+              <a:ext uri="{FF2B5EF4-FFF2-40B4-BE49-F238E27FC236}">
+                <a16:creationId xmlns:a16="http://schemas.microsoft.com/office/drawing/2014/main" id="{FC0C9624-1DBB-4B7A-B446-0EC6DD7756EB}"/>
+              </a:ext>
+            </a:extLst>
+          </p:cNvPr>
+          <p:cNvSpPr>
+            <a:spLocks noGrp="1"/>
+          </p:cNvSpPr>
+          <p:nvPr>
+            <p:ph type="title"/>
+          </p:nvPr>
+        </p:nvSpPr>
+        <p:spPr/>
+        <p:txBody>
+          <a:bodyPr/>
+          <a:lstStyle/>
+          <a:p>
+            <a:r>
+              <a:rPr lang="en-US" dirty="0" err="1"/>
+              <a:t>Alistipes</a:t>
+            </a:r>
+            <a:r>
+              <a:rPr lang="en-US" dirty="0"/>
+              <a:t> </a:t>
+            </a:r>
+            <a:r>
+              <a:rPr lang="en-US" dirty="0" err="1"/>
+              <a:t>shahii</a:t>
+            </a:r>
+            <a:endParaRPr lang="en-US" dirty="0"/>
+          </a:p>
+        </p:txBody>
+      </p:sp>
+      <p:graphicFrame>
+        <p:nvGraphicFramePr>
+          <p:cNvPr id="6" name="Table 4">
+            <a:extLst>
+              <a:ext uri="{FF2B5EF4-FFF2-40B4-BE49-F238E27FC236}">
+                <a16:creationId xmlns:a16="http://schemas.microsoft.com/office/drawing/2014/main" id="{D44A6905-343D-4A93-B937-9CF13DA5DFC3}"/>
+              </a:ext>
+            </a:extLst>
+          </p:cNvPr>
+          <p:cNvGraphicFramePr>
+            <a:graphicFrameLocks noGrp="1"/>
+          </p:cNvGraphicFramePr>
+          <p:nvPr>
+            <p:ph idx="1"/>
+            <p:extLst>
+              <p:ext uri="{D42A27DB-BD31-4B8C-83A1-F6EECF244321}">
+                <p14:modId xmlns:p14="http://schemas.microsoft.com/office/powerpoint/2010/main" val="2954193161"/>
+              </p:ext>
+            </p:extLst>
+          </p:nvPr>
+        </p:nvGraphicFramePr>
+        <p:xfrm>
+          <a:off x="838200" y="4524522"/>
+          <a:ext cx="10515600" cy="2225040"/>
+        </p:xfrm>
+        <a:graphic>
+          <a:graphicData uri="http://schemas.openxmlformats.org/drawingml/2006/table">
+            <a:tbl>
+              <a:tblPr firstRow="1" bandRow="1">
+                <a:tableStyleId>{073A0DAA-6AF3-43AB-8588-CEC1D06C72B9}</a:tableStyleId>
+              </a:tblPr>
+              <a:tblGrid>
+                <a:gridCol w="2103120">
+                  <a:extLst>
+                    <a:ext uri="{9D8B030D-6E8A-4147-A177-3AD203B41FA5}">
+                      <a16:colId xmlns:a16="http://schemas.microsoft.com/office/drawing/2014/main" val="2900726404"/>
+                    </a:ext>
+                  </a:extLst>
+                </a:gridCol>
+                <a:gridCol w="2103120">
+                  <a:extLst>
+                    <a:ext uri="{9D8B030D-6E8A-4147-A177-3AD203B41FA5}">
+                      <a16:colId xmlns:a16="http://schemas.microsoft.com/office/drawing/2014/main" val="2297780930"/>
+                    </a:ext>
+                  </a:extLst>
+                </a:gridCol>
+                <a:gridCol w="2103120">
+                  <a:extLst>
+                    <a:ext uri="{9D8B030D-6E8A-4147-A177-3AD203B41FA5}">
+                      <a16:colId xmlns:a16="http://schemas.microsoft.com/office/drawing/2014/main" val="1352057416"/>
+                    </a:ext>
+                  </a:extLst>
+                </a:gridCol>
+                <a:gridCol w="2103120">
+                  <a:extLst>
+                    <a:ext uri="{9D8B030D-6E8A-4147-A177-3AD203B41FA5}">
+                      <a16:colId xmlns:a16="http://schemas.microsoft.com/office/drawing/2014/main" val="1457082074"/>
+                    </a:ext>
+                  </a:extLst>
+                </a:gridCol>
+                <a:gridCol w="2103120">
+                  <a:extLst>
+                    <a:ext uri="{9D8B030D-6E8A-4147-A177-3AD203B41FA5}">
+                      <a16:colId xmlns:a16="http://schemas.microsoft.com/office/drawing/2014/main" val="633438695"/>
+                    </a:ext>
+                  </a:extLst>
+                </a:gridCol>
+              </a:tblGrid>
+              <a:tr h="370840">
+                <a:tc>
+                  <a:txBody>
+                    <a:bodyPr/>
+                    <a:lstStyle/>
+                    <a:p>
+                      <a:r>
+                        <a:rPr lang="en-US" dirty="0"/>
+                        <a:t>Model</a:t>
+                      </a:r>
+                    </a:p>
+                  </a:txBody>
+                  <a:tcPr/>
+                </a:tc>
+                <a:tc>
+                  <a:txBody>
+                    <a:bodyPr/>
+                    <a:lstStyle/>
+                    <a:p>
+                      <a:r>
+                        <a:rPr lang="en-US" dirty="0"/>
+                        <a:t>Exponential growth</a:t>
+                      </a:r>
+                    </a:p>
+                  </a:txBody>
+                  <a:tcPr/>
+                </a:tc>
+                <a:tc>
+                  <a:txBody>
+                    <a:bodyPr/>
+                    <a:lstStyle/>
+                    <a:p>
+                      <a:r>
+                        <a:rPr lang="en-US" dirty="0"/>
+                        <a:t>Two-epoch</a:t>
+                      </a:r>
+                    </a:p>
+                  </a:txBody>
+                  <a:tcPr/>
+                </a:tc>
+                <a:tc>
+                  <a:txBody>
+                    <a:bodyPr/>
+                    <a:lstStyle/>
+                    <a:p>
+                      <a:r>
+                        <a:rPr lang="en-US" dirty="0"/>
+                        <a:t>Bottleneck + growth</a:t>
+                      </a:r>
+                    </a:p>
+                  </a:txBody>
+                  <a:tcPr/>
+                </a:tc>
+                <a:tc>
+                  <a:txBody>
+                    <a:bodyPr/>
+                    <a:lstStyle/>
+                    <a:p>
+                      <a:r>
+                        <a:rPr lang="en-US" dirty="0"/>
+                        <a:t>Three-epoch</a:t>
+                      </a:r>
+                    </a:p>
+                  </a:txBody>
+                  <a:tcPr/>
+                </a:tc>
+                <a:extLst>
+                  <a:ext uri="{0D108BD9-81ED-4DB2-BD59-A6C34878D82A}">
+                    <a16:rowId xmlns:a16="http://schemas.microsoft.com/office/drawing/2014/main" val="3143057051"/>
+                  </a:ext>
+                </a:extLst>
+              </a:tr>
+              <a:tr h="370840">
+                <a:tc>
+                  <a:txBody>
+                    <a:bodyPr/>
+                    <a:lstStyle/>
+                    <a:p>
+                      <a:r>
+                        <a:rPr lang="en-US" dirty="0"/>
+                        <a:t>Log Likelihood</a:t>
+                      </a:r>
+                    </a:p>
+                  </a:txBody>
+                  <a:tcPr/>
+                </a:tc>
+                <a:tc>
+                  <a:txBody>
+                    <a:bodyPr/>
+                    <a:lstStyle/>
+                    <a:p>
+                      <a:r>
+                        <a:rPr lang="en-US" dirty="0"/>
+                        <a:t>-147.46475957</a:t>
+                      </a:r>
+                    </a:p>
+                  </a:txBody>
+                  <a:tcPr/>
+                </a:tc>
+                <a:tc>
+                  <a:txBody>
+                    <a:bodyPr/>
+                    <a:lstStyle/>
+                    <a:p>
+                      <a:r>
+                        <a:rPr lang="en-US" dirty="0"/>
+                        <a:t>-145.123391468</a:t>
+                      </a:r>
+                    </a:p>
+                  </a:txBody>
+                  <a:tcPr/>
+                </a:tc>
+                <a:tc>
+                  <a:txBody>
+                    <a:bodyPr/>
+                    <a:lstStyle/>
+                    <a:p>
+                      <a:r>
+                        <a:rPr lang="en-US" dirty="0"/>
+                        <a:t>-142.935960178</a:t>
+                      </a:r>
+                      <a:endParaRPr lang="en-US" dirty="0">
+                        <a:highlight>
+                          <a:srgbClr val="FFFF00"/>
+                        </a:highlight>
+                      </a:endParaRPr>
+                    </a:p>
+                  </a:txBody>
+                  <a:tcPr/>
+                </a:tc>
+                <a:tc>
+                  <a:txBody>
+                    <a:bodyPr/>
+                    <a:lstStyle/>
+                    <a:p>
+                      <a:endParaRPr lang="en-US" dirty="0">
+                        <a:highlight>
+                          <a:srgbClr val="FFFF00"/>
+                        </a:highlight>
+                      </a:endParaRPr>
+                    </a:p>
+                  </a:txBody>
+                  <a:tcPr/>
+                </a:tc>
+                <a:extLst>
+                  <a:ext uri="{0D108BD9-81ED-4DB2-BD59-A6C34878D82A}">
+                    <a16:rowId xmlns:a16="http://schemas.microsoft.com/office/drawing/2014/main" val="3235037204"/>
+                  </a:ext>
+                </a:extLst>
+              </a:tr>
+              <a:tr h="370840">
+                <a:tc>
+                  <a:txBody>
+                    <a:bodyPr/>
+                    <a:lstStyle/>
+                    <a:p>
+                      <a:r>
+                        <a:rPr lang="en-US" dirty="0" err="1"/>
+                        <a:t>Nu_a</a:t>
+                      </a:r>
+                      <a:endParaRPr lang="en-US" dirty="0"/>
+                    </a:p>
+                  </a:txBody>
+                  <a:tcPr/>
+                </a:tc>
+                <a:tc>
+                  <a:txBody>
+                    <a:bodyPr/>
+                    <a:lstStyle/>
+                    <a:p>
+                      <a:r>
+                        <a:rPr lang="en-US" dirty="0"/>
+                        <a:t>5.13299045</a:t>
+                      </a:r>
+                    </a:p>
+                  </a:txBody>
+                  <a:tcPr/>
+                </a:tc>
+                <a:tc>
+                  <a:txBody>
+                    <a:bodyPr/>
+                    <a:lstStyle/>
+                    <a:p>
+                      <a:r>
+                        <a:rPr lang="en-US" dirty="0"/>
+                        <a:t>3.80385035</a:t>
+                      </a:r>
+                    </a:p>
+                  </a:txBody>
+                  <a:tcPr/>
+                </a:tc>
+                <a:tc>
+                  <a:txBody>
+                    <a:bodyPr/>
+                    <a:lstStyle/>
+                    <a:p>
+                      <a:r>
+                        <a:rPr lang="en-US" dirty="0"/>
+                        <a:t>0.46397566</a:t>
+                      </a:r>
+                    </a:p>
+                  </a:txBody>
+                  <a:tcPr/>
+                </a:tc>
+                <a:tc>
+                  <a:txBody>
+                    <a:bodyPr/>
+                    <a:lstStyle/>
+                    <a:p>
+                      <a:endParaRPr lang="en-US" dirty="0"/>
+                    </a:p>
+                  </a:txBody>
+                  <a:tcPr/>
+                </a:tc>
+                <a:extLst>
+                  <a:ext uri="{0D108BD9-81ED-4DB2-BD59-A6C34878D82A}">
+                    <a16:rowId xmlns:a16="http://schemas.microsoft.com/office/drawing/2014/main" val="2717148640"/>
+                  </a:ext>
+                </a:extLst>
+              </a:tr>
+              <a:tr h="370840">
+                <a:tc>
+                  <a:txBody>
+                    <a:bodyPr/>
+                    <a:lstStyle/>
+                    <a:p>
+                      <a:r>
+                        <a:rPr lang="en-US" dirty="0" err="1"/>
+                        <a:t>Nu_b</a:t>
+                      </a:r>
+                      <a:endParaRPr lang="en-US" dirty="0"/>
+                    </a:p>
+                  </a:txBody>
+                  <a:tcPr/>
+                </a:tc>
+                <a:tc>
+                  <a:txBody>
+                    <a:bodyPr/>
+                    <a:lstStyle/>
+                    <a:p>
+                      <a:r>
+                        <a:rPr lang="en-US" dirty="0"/>
+                        <a:t>N/A</a:t>
+                      </a:r>
+                    </a:p>
+                  </a:txBody>
+                  <a:tcPr/>
+                </a:tc>
+                <a:tc>
+                  <a:txBody>
+                    <a:bodyPr/>
+                    <a:lstStyle/>
+                    <a:p>
+                      <a:r>
+                        <a:rPr lang="en-US" dirty="0"/>
+                        <a:t>N/A</a:t>
+                      </a:r>
+                    </a:p>
+                  </a:txBody>
+                  <a:tcPr/>
+                </a:tc>
+                <a:tc>
+                  <a:txBody>
+                    <a:bodyPr/>
+                    <a:lstStyle/>
+                    <a:p>
+                      <a:r>
+                        <a:rPr lang="en-US" dirty="0"/>
+                        <a:t>4.41839408</a:t>
+                      </a:r>
+                    </a:p>
+                  </a:txBody>
+                  <a:tcPr/>
+                </a:tc>
+                <a:tc>
+                  <a:txBody>
+                    <a:bodyPr/>
+                    <a:lstStyle/>
+                    <a:p>
+                      <a:endParaRPr lang="en-US" dirty="0"/>
+                    </a:p>
+                  </a:txBody>
+                  <a:tcPr/>
+                </a:tc>
+                <a:extLst>
+                  <a:ext uri="{0D108BD9-81ED-4DB2-BD59-A6C34878D82A}">
+                    <a16:rowId xmlns:a16="http://schemas.microsoft.com/office/drawing/2014/main" val="3992781458"/>
+                  </a:ext>
+                </a:extLst>
+              </a:tr>
+              <a:tr h="370840">
+                <a:tc>
+                  <a:txBody>
+                    <a:bodyPr/>
+                    <a:lstStyle/>
+                    <a:p>
+                      <a:r>
+                        <a:rPr lang="en-US" dirty="0"/>
+                        <a:t>T_12</a:t>
+                      </a:r>
+                    </a:p>
+                  </a:txBody>
+                  <a:tcPr/>
+                </a:tc>
+                <a:tc>
+                  <a:txBody>
+                    <a:bodyPr/>
+                    <a:lstStyle/>
+                    <a:p>
+                      <a:r>
+                        <a:rPr lang="en-US" dirty="0"/>
+                        <a:t>0.09838097</a:t>
+                      </a:r>
+                    </a:p>
+                  </a:txBody>
+                  <a:tcPr/>
+                </a:tc>
+                <a:tc>
+                  <a:txBody>
+                    <a:bodyPr/>
+                    <a:lstStyle/>
+                    <a:p>
+                      <a:r>
+                        <a:rPr lang="en-US" dirty="0"/>
+                        <a:t>0.07048171</a:t>
+                      </a:r>
+                    </a:p>
+                  </a:txBody>
+                  <a:tcPr/>
+                </a:tc>
+                <a:tc>
+                  <a:txBody>
+                    <a:bodyPr/>
+                    <a:lstStyle/>
+                    <a:p>
+                      <a:r>
+                        <a:rPr lang="en-US" dirty="0"/>
+                        <a:t>0.17523284</a:t>
+                      </a:r>
+                    </a:p>
+                  </a:txBody>
+                  <a:tcPr/>
+                </a:tc>
+                <a:tc>
+                  <a:txBody>
+                    <a:bodyPr/>
+                    <a:lstStyle/>
+                    <a:p>
+                      <a:endParaRPr lang="en-US" dirty="0"/>
+                    </a:p>
+                  </a:txBody>
+                  <a:tcPr/>
+                </a:tc>
+                <a:extLst>
+                  <a:ext uri="{0D108BD9-81ED-4DB2-BD59-A6C34878D82A}">
+                    <a16:rowId xmlns:a16="http://schemas.microsoft.com/office/drawing/2014/main" val="3283572519"/>
+                  </a:ext>
+                </a:extLst>
+              </a:tr>
+              <a:tr h="370840">
+                <a:tc>
+                  <a:txBody>
+                    <a:bodyPr/>
+                    <a:lstStyle/>
+                    <a:p>
+                      <a:r>
+                        <a:rPr lang="en-US" dirty="0"/>
+                        <a:t>T_23</a:t>
+                      </a:r>
+                    </a:p>
+                  </a:txBody>
+                  <a:tcPr/>
+                </a:tc>
+                <a:tc>
+                  <a:txBody>
+                    <a:bodyPr/>
+                    <a:lstStyle/>
+                    <a:p>
+                      <a:r>
+                        <a:rPr lang="en-US" dirty="0"/>
+                        <a:t>N/A</a:t>
+                      </a:r>
+                    </a:p>
+                  </a:txBody>
+                  <a:tcPr/>
+                </a:tc>
+                <a:tc>
+                  <a:txBody>
+                    <a:bodyPr/>
+                    <a:lstStyle/>
+                    <a:p>
+                      <a:r>
+                        <a:rPr lang="en-US" dirty="0"/>
+                        <a:t>N/A</a:t>
+                      </a:r>
+                    </a:p>
+                  </a:txBody>
+                  <a:tcPr/>
+                </a:tc>
+                <a:tc>
+                  <a:txBody>
+                    <a:bodyPr/>
+                    <a:lstStyle/>
+                    <a:p>
+                      <a:r>
+                        <a:rPr lang="en-US" dirty="0"/>
+                        <a:t>N/A</a:t>
+                      </a:r>
+                    </a:p>
+                  </a:txBody>
+                  <a:tcPr/>
+                </a:tc>
+                <a:tc>
+                  <a:txBody>
+                    <a:bodyPr/>
+                    <a:lstStyle/>
+                    <a:p>
+                      <a:endParaRPr lang="en-US" dirty="0"/>
+                    </a:p>
+                  </a:txBody>
+                  <a:tcPr/>
+                </a:tc>
+                <a:extLst>
+                  <a:ext uri="{0D108BD9-81ED-4DB2-BD59-A6C34878D82A}">
+                    <a16:rowId xmlns:a16="http://schemas.microsoft.com/office/drawing/2014/main" val="2422470866"/>
+                  </a:ext>
+                </a:extLst>
+              </a:tr>
+            </a:tbl>
+          </a:graphicData>
+        </a:graphic>
+      </p:graphicFrame>
+      <p:sp>
+        <p:nvSpPr>
+          <p:cNvPr id="7" name="TextBox 6">
+            <a:extLst>
+              <a:ext uri="{FF2B5EF4-FFF2-40B4-BE49-F238E27FC236}">
+                <a16:creationId xmlns:a16="http://schemas.microsoft.com/office/drawing/2014/main" id="{B6D0FC50-2775-4DB2-97A6-D086208F4375}"/>
+              </a:ext>
+            </a:extLst>
+          </p:cNvPr>
+          <p:cNvSpPr txBox="1"/>
+          <p:nvPr/>
+        </p:nvSpPr>
+        <p:spPr>
+          <a:xfrm>
+            <a:off x="7096453" y="1690688"/>
+            <a:ext cx="5095547" cy="1754326"/>
+          </a:xfrm>
+          <a:prstGeom prst="rect">
+            <a:avLst/>
+          </a:prstGeom>
+          <a:noFill/>
+        </p:spPr>
+        <p:txBody>
+          <a:bodyPr wrap="square" rtlCol="0">
+            <a:spAutoFit/>
+          </a:bodyPr>
+          <a:lstStyle/>
+          <a:p>
+            <a:pPr marL="285750" indent="-285750">
+              <a:buFont typeface="Arial" panose="020B0604020202020204" pitchFamily="34" charset="0"/>
+              <a:buChar char="•"/>
+            </a:pPr>
+            <a:r>
+              <a:rPr lang="en-US" dirty="0" err="1"/>
+              <a:t>Nu_a</a:t>
+            </a:r>
+            <a:r>
+              <a:rPr lang="en-US" dirty="0"/>
+              <a:t>: contemporary population relative to ancestral population before first epoch</a:t>
+            </a:r>
+          </a:p>
+          <a:p>
+            <a:pPr marL="285750" indent="-285750">
+              <a:buFont typeface="Arial" panose="020B0604020202020204" pitchFamily="34" charset="0"/>
+              <a:buChar char="•"/>
+            </a:pPr>
+            <a:r>
+              <a:rPr lang="en-US" dirty="0" err="1"/>
+              <a:t>Nu_b</a:t>
+            </a:r>
+            <a:r>
+              <a:rPr lang="en-US" dirty="0"/>
+              <a:t>: contemporary population relative to ancestral population before second epoch</a:t>
+            </a:r>
+          </a:p>
+          <a:p>
+            <a:pPr marL="285750" indent="-285750">
+              <a:buFont typeface="Arial" panose="020B0604020202020204" pitchFamily="34" charset="0"/>
+              <a:buChar char="•"/>
+            </a:pPr>
+            <a:r>
+              <a:rPr lang="en-US" dirty="0"/>
+              <a:t>T_1: Duration of first epoch (units of 2 * </a:t>
+            </a:r>
+            <a:r>
+              <a:rPr lang="en-US" dirty="0" err="1"/>
+              <a:t>N_a</a:t>
+            </a:r>
+            <a:r>
+              <a:rPr lang="en-US" dirty="0"/>
+              <a:t>)</a:t>
+            </a:r>
+          </a:p>
+          <a:p>
+            <a:pPr marL="285750" indent="-285750">
+              <a:buFont typeface="Arial" panose="020B0604020202020204" pitchFamily="34" charset="0"/>
+              <a:buChar char="•"/>
+            </a:pPr>
+            <a:r>
+              <a:rPr lang="en-US" dirty="0"/>
+              <a:t>T_2: Duration of second epoch (units of 2 * </a:t>
+            </a:r>
+            <a:r>
+              <a:rPr lang="en-US" dirty="0" err="1"/>
+              <a:t>N_a</a:t>
+            </a:r>
+            <a:r>
+              <a:rPr lang="en-US" dirty="0"/>
+              <a:t>)</a:t>
+            </a:r>
+          </a:p>
+        </p:txBody>
+      </p:sp>
+      <p:pic>
+        <p:nvPicPr>
+          <p:cNvPr id="5" name="Picture 4">
+            <a:extLst>
+              <a:ext uri="{FF2B5EF4-FFF2-40B4-BE49-F238E27FC236}">
+                <a16:creationId xmlns:a16="http://schemas.microsoft.com/office/drawing/2014/main" id="{9DFDF5B3-DA0D-4F2B-B2EE-7A2B8D756699}"/>
+              </a:ext>
+            </a:extLst>
+          </p:cNvPr>
+          <p:cNvPicPr>
+            <a:picLocks noChangeAspect="1"/>
+          </p:cNvPicPr>
+          <p:nvPr/>
+        </p:nvPicPr>
+        <p:blipFill>
+          <a:blip r:embed="rId2"/>
+          <a:stretch>
+            <a:fillRect/>
+          </a:stretch>
+        </p:blipFill>
+        <p:spPr>
+          <a:xfrm>
+            <a:off x="366866" y="1378089"/>
+            <a:ext cx="6962458" cy="2839950"/>
+          </a:xfrm>
+          <a:prstGeom prst="rect">
+            <a:avLst/>
+          </a:prstGeom>
+        </p:spPr>
+      </p:pic>
+    </p:spTree>
+    <p:extLst>
+      <p:ext uri="{BB962C8B-B14F-4D97-AF65-F5344CB8AC3E}">
+        <p14:creationId xmlns:p14="http://schemas.microsoft.com/office/powerpoint/2010/main" val="358536208"/>
+      </p:ext>
+    </p:extLst>
+  </p:cSld>
+  <p:clrMapOvr>
+    <a:masterClrMapping/>
+  </p:clrMapOvr>
+</p:sld>
+</file>
+
+<file path=ppt/slides/slide16.xml><?xml version="1.0" encoding="utf-8"?>
+<p:sld xmlns:a="http://schemas.openxmlformats.org/drawingml/2006/main" xmlns:r="http://schemas.openxmlformats.org/officeDocument/2006/relationships" xmlns:p="http://schemas.openxmlformats.org/presentationml/2006/main">
+  <p:cSld>
+    <p:spTree>
+      <p:nvGrpSpPr>
+        <p:cNvPr id="1" name=""/>
+        <p:cNvGrpSpPr/>
+        <p:nvPr/>
+      </p:nvGrpSpPr>
+      <p:grpSpPr>
+        <a:xfrm>
+          <a:off x="0" y="0"/>
+          <a:ext cx="0" cy="0"/>
+          <a:chOff x="0" y="0"/>
+          <a:chExt cx="0" cy="0"/>
+        </a:xfrm>
+      </p:grpSpPr>
+      <p:sp>
+        <p:nvSpPr>
+          <p:cNvPr id="2" name="Title 1">
+            <a:extLst>
+              <a:ext uri="{FF2B5EF4-FFF2-40B4-BE49-F238E27FC236}">
+                <a16:creationId xmlns:a16="http://schemas.microsoft.com/office/drawing/2014/main" id="{FC0C9624-1DBB-4B7A-B446-0EC6DD7756EB}"/>
+              </a:ext>
+            </a:extLst>
+          </p:cNvPr>
+          <p:cNvSpPr>
+            <a:spLocks noGrp="1"/>
+          </p:cNvSpPr>
+          <p:nvPr>
+            <p:ph type="title"/>
+          </p:nvPr>
+        </p:nvSpPr>
+        <p:spPr/>
+        <p:txBody>
+          <a:bodyPr/>
+          <a:lstStyle/>
+          <a:p>
+            <a:r>
+              <a:rPr lang="en-US" dirty="0" err="1"/>
+              <a:t>Coprococcus</a:t>
+            </a:r>
+            <a:r>
+              <a:rPr lang="en-US" dirty="0"/>
+              <a:t> species</a:t>
+            </a:r>
+          </a:p>
+        </p:txBody>
+      </p:sp>
+      <p:sp>
+        <p:nvSpPr>
+          <p:cNvPr id="6" name="TextBox 5">
+            <a:extLst>
+              <a:ext uri="{FF2B5EF4-FFF2-40B4-BE49-F238E27FC236}">
+                <a16:creationId xmlns:a16="http://schemas.microsoft.com/office/drawing/2014/main" id="{800B2470-8A14-490B-8A6D-A41088728B65}"/>
+              </a:ext>
+            </a:extLst>
+          </p:cNvPr>
+          <p:cNvSpPr txBox="1"/>
+          <p:nvPr/>
+        </p:nvSpPr>
+        <p:spPr>
+          <a:xfrm>
+            <a:off x="7096453" y="1690688"/>
+            <a:ext cx="5095547" cy="1754326"/>
+          </a:xfrm>
+          <a:prstGeom prst="rect">
+            <a:avLst/>
+          </a:prstGeom>
+          <a:noFill/>
+        </p:spPr>
+        <p:txBody>
+          <a:bodyPr wrap="square" rtlCol="0">
+            <a:spAutoFit/>
+          </a:bodyPr>
+          <a:lstStyle/>
+          <a:p>
+            <a:pPr marL="285750" indent="-285750">
+              <a:buFont typeface="Arial" panose="020B0604020202020204" pitchFamily="34" charset="0"/>
+              <a:buChar char="•"/>
+            </a:pPr>
+            <a:r>
+              <a:rPr lang="en-US" dirty="0" err="1"/>
+              <a:t>Nu_a</a:t>
+            </a:r>
+            <a:r>
+              <a:rPr lang="en-US" dirty="0"/>
+              <a:t>: contemporary population relative to ancestral population before first epoch</a:t>
+            </a:r>
+          </a:p>
+          <a:p>
+            <a:pPr marL="285750" indent="-285750">
+              <a:buFont typeface="Arial" panose="020B0604020202020204" pitchFamily="34" charset="0"/>
+              <a:buChar char="•"/>
+            </a:pPr>
+            <a:r>
+              <a:rPr lang="en-US" dirty="0" err="1"/>
+              <a:t>Nu_b</a:t>
+            </a:r>
+            <a:r>
+              <a:rPr lang="en-US" dirty="0"/>
+              <a:t>: contemporary population relative to ancestral population before second epoch</a:t>
+            </a:r>
+          </a:p>
+          <a:p>
+            <a:pPr marL="285750" indent="-285750">
+              <a:buFont typeface="Arial" panose="020B0604020202020204" pitchFamily="34" charset="0"/>
+              <a:buChar char="•"/>
+            </a:pPr>
+            <a:r>
+              <a:rPr lang="en-US" dirty="0"/>
+              <a:t>T_1: Duration of first epoch (units of 2 * </a:t>
+            </a:r>
+            <a:r>
+              <a:rPr lang="en-US" dirty="0" err="1"/>
+              <a:t>N_a</a:t>
+            </a:r>
+            <a:r>
+              <a:rPr lang="en-US" dirty="0"/>
+              <a:t>)</a:t>
+            </a:r>
+          </a:p>
+          <a:p>
+            <a:pPr marL="285750" indent="-285750">
+              <a:buFont typeface="Arial" panose="020B0604020202020204" pitchFamily="34" charset="0"/>
+              <a:buChar char="•"/>
+            </a:pPr>
+            <a:r>
+              <a:rPr lang="en-US" dirty="0"/>
+              <a:t>T_2: Duration of second epoch (units of 2 * </a:t>
+            </a:r>
+            <a:r>
+              <a:rPr lang="en-US" dirty="0" err="1"/>
+              <a:t>N_a</a:t>
+            </a:r>
+            <a:r>
+              <a:rPr lang="en-US" dirty="0"/>
+              <a:t>)</a:t>
+            </a:r>
+          </a:p>
+        </p:txBody>
+      </p:sp>
+      <p:graphicFrame>
+        <p:nvGraphicFramePr>
+          <p:cNvPr id="7" name="Table 4">
+            <a:extLst>
+              <a:ext uri="{FF2B5EF4-FFF2-40B4-BE49-F238E27FC236}">
+                <a16:creationId xmlns:a16="http://schemas.microsoft.com/office/drawing/2014/main" id="{06D0BF44-F2DB-436F-AFA0-8D66714183F7}"/>
+              </a:ext>
+            </a:extLst>
+          </p:cNvPr>
+          <p:cNvGraphicFramePr>
+            <a:graphicFrameLocks noGrp="1"/>
+          </p:cNvGraphicFramePr>
+          <p:nvPr>
+            <p:ph idx="1"/>
+            <p:extLst>
+              <p:ext uri="{D42A27DB-BD31-4B8C-83A1-F6EECF244321}">
+                <p14:modId xmlns:p14="http://schemas.microsoft.com/office/powerpoint/2010/main" val="1991837065"/>
+              </p:ext>
+            </p:extLst>
+          </p:nvPr>
+        </p:nvGraphicFramePr>
+        <p:xfrm>
+          <a:off x="838200" y="4539094"/>
+          <a:ext cx="10500487" cy="2225040"/>
+        </p:xfrm>
+        <a:graphic>
+          <a:graphicData uri="http://schemas.openxmlformats.org/drawingml/2006/table">
+            <a:tbl>
+              <a:tblPr firstRow="1" bandRow="1">
+                <a:tableStyleId>{073A0DAA-6AF3-43AB-8588-CEC1D06C72B9}</a:tableStyleId>
+              </a:tblPr>
+              <a:tblGrid>
+                <a:gridCol w="2103120">
+                  <a:extLst>
+                    <a:ext uri="{9D8B030D-6E8A-4147-A177-3AD203B41FA5}">
+                      <a16:colId xmlns:a16="http://schemas.microsoft.com/office/drawing/2014/main" val="2900726404"/>
+                    </a:ext>
+                  </a:extLst>
+                </a:gridCol>
+                <a:gridCol w="2088007">
+                  <a:extLst>
+                    <a:ext uri="{9D8B030D-6E8A-4147-A177-3AD203B41FA5}">
+                      <a16:colId xmlns:a16="http://schemas.microsoft.com/office/drawing/2014/main" val="2297780930"/>
+                    </a:ext>
+                  </a:extLst>
+                </a:gridCol>
+                <a:gridCol w="2103120">
+                  <a:extLst>
+                    <a:ext uri="{9D8B030D-6E8A-4147-A177-3AD203B41FA5}">
+                      <a16:colId xmlns:a16="http://schemas.microsoft.com/office/drawing/2014/main" val="1352057416"/>
+                    </a:ext>
+                  </a:extLst>
+                </a:gridCol>
+                <a:gridCol w="2103120">
+                  <a:extLst>
+                    <a:ext uri="{9D8B030D-6E8A-4147-A177-3AD203B41FA5}">
+                      <a16:colId xmlns:a16="http://schemas.microsoft.com/office/drawing/2014/main" val="1457082074"/>
+                    </a:ext>
+                  </a:extLst>
+                </a:gridCol>
+                <a:gridCol w="2103120">
+                  <a:extLst>
+                    <a:ext uri="{9D8B030D-6E8A-4147-A177-3AD203B41FA5}">
+                      <a16:colId xmlns:a16="http://schemas.microsoft.com/office/drawing/2014/main" val="633438695"/>
+                    </a:ext>
+                  </a:extLst>
+                </a:gridCol>
+              </a:tblGrid>
+              <a:tr h="370840">
+                <a:tc>
+                  <a:txBody>
+                    <a:bodyPr/>
+                    <a:lstStyle/>
+                    <a:p>
+                      <a:r>
+                        <a:rPr lang="en-US" dirty="0"/>
+                        <a:t>Model</a:t>
+                      </a:r>
+                    </a:p>
+                  </a:txBody>
+                  <a:tcPr/>
+                </a:tc>
+                <a:tc>
+                  <a:txBody>
+                    <a:bodyPr/>
+                    <a:lstStyle/>
+                    <a:p>
+                      <a:r>
+                        <a:rPr lang="en-US" dirty="0"/>
+                        <a:t>Exponential growth</a:t>
+                      </a:r>
+                    </a:p>
+                  </a:txBody>
+                  <a:tcPr/>
+                </a:tc>
+                <a:tc>
+                  <a:txBody>
+                    <a:bodyPr/>
+                    <a:lstStyle/>
+                    <a:p>
+                      <a:r>
+                        <a:rPr lang="en-US" dirty="0"/>
+                        <a:t>Two-epoch</a:t>
+                      </a:r>
+                    </a:p>
+                  </a:txBody>
+                  <a:tcPr/>
+                </a:tc>
+                <a:tc>
+                  <a:txBody>
+                    <a:bodyPr/>
+                    <a:lstStyle/>
+                    <a:p>
+                      <a:r>
+                        <a:rPr lang="en-US" dirty="0"/>
+                        <a:t>Bottleneck + growth</a:t>
+                      </a:r>
+                    </a:p>
+                  </a:txBody>
+                  <a:tcPr/>
+                </a:tc>
+                <a:tc>
+                  <a:txBody>
+                    <a:bodyPr/>
+                    <a:lstStyle/>
+                    <a:p>
+                      <a:r>
+                        <a:rPr lang="en-US" dirty="0"/>
+                        <a:t>Three-epoch</a:t>
+                      </a:r>
+                    </a:p>
+                  </a:txBody>
+                  <a:tcPr/>
+                </a:tc>
+                <a:extLst>
+                  <a:ext uri="{0D108BD9-81ED-4DB2-BD59-A6C34878D82A}">
+                    <a16:rowId xmlns:a16="http://schemas.microsoft.com/office/drawing/2014/main" val="3143057051"/>
+                  </a:ext>
+                </a:extLst>
+              </a:tr>
+              <a:tr h="370840">
+                <a:tc>
+                  <a:txBody>
+                    <a:bodyPr/>
+                    <a:lstStyle/>
+                    <a:p>
+                      <a:r>
+                        <a:rPr lang="en-US" dirty="0"/>
+                        <a:t>Log Likelihood</a:t>
+                      </a:r>
+                    </a:p>
+                  </a:txBody>
+                  <a:tcPr/>
+                </a:tc>
+                <a:tc>
+                  <a:txBody>
+                    <a:bodyPr/>
+                    <a:lstStyle/>
+                    <a:p>
+                      <a:r>
+                        <a:rPr lang="en-US" dirty="0"/>
+                        <a:t>-41.8555238016</a:t>
+                      </a:r>
+                    </a:p>
+                  </a:txBody>
+                  <a:tcPr/>
+                </a:tc>
+                <a:tc>
+                  <a:txBody>
+                    <a:bodyPr/>
+                    <a:lstStyle/>
+                    <a:p>
+                      <a:r>
+                        <a:rPr lang="en-US" dirty="0"/>
+                        <a:t>-36.8580257978</a:t>
+                      </a:r>
+                      <a:endParaRPr lang="en-US" dirty="0">
+                        <a:highlight>
+                          <a:srgbClr val="FFFF00"/>
+                        </a:highlight>
+                      </a:endParaRPr>
+                    </a:p>
+                  </a:txBody>
+                  <a:tcPr/>
+                </a:tc>
+                <a:tc>
+                  <a:txBody>
+                    <a:bodyPr/>
+                    <a:lstStyle/>
+                    <a:p>
+                      <a:r>
+                        <a:rPr lang="en-US" dirty="0"/>
+                        <a:t>-32.4812368669</a:t>
+                      </a:r>
+                      <a:endParaRPr lang="en-US" dirty="0">
+                        <a:highlight>
+                          <a:srgbClr val="FFFF00"/>
+                        </a:highlight>
+                      </a:endParaRPr>
+                    </a:p>
+                  </a:txBody>
+                  <a:tcPr/>
+                </a:tc>
+                <a:tc>
+                  <a:txBody>
+                    <a:bodyPr/>
+                    <a:lstStyle/>
+                    <a:p>
+                      <a:endParaRPr lang="en-US" dirty="0"/>
+                    </a:p>
+                  </a:txBody>
+                  <a:tcPr/>
+                </a:tc>
+                <a:extLst>
+                  <a:ext uri="{0D108BD9-81ED-4DB2-BD59-A6C34878D82A}">
+                    <a16:rowId xmlns:a16="http://schemas.microsoft.com/office/drawing/2014/main" val="3235037204"/>
+                  </a:ext>
+                </a:extLst>
+              </a:tr>
+              <a:tr h="370840">
+                <a:tc>
+                  <a:txBody>
+                    <a:bodyPr/>
+                    <a:lstStyle/>
+                    <a:p>
+                      <a:r>
+                        <a:rPr lang="en-US" dirty="0" err="1"/>
+                        <a:t>Nu_a</a:t>
+                      </a:r>
+                      <a:endParaRPr lang="en-US" dirty="0"/>
+                    </a:p>
+                  </a:txBody>
+                  <a:tcPr/>
+                </a:tc>
+                <a:tc>
+                  <a:txBody>
+                    <a:bodyPr/>
+                    <a:lstStyle/>
+                    <a:p>
+                      <a:r>
+                        <a:rPr lang="en-US" dirty="0"/>
+                        <a:t>3.54675343</a:t>
+                      </a:r>
+                    </a:p>
+                  </a:txBody>
+                  <a:tcPr/>
+                </a:tc>
+                <a:tc>
+                  <a:txBody>
+                    <a:bodyPr/>
+                    <a:lstStyle/>
+                    <a:p>
+                      <a:r>
+                        <a:rPr lang="en-US" dirty="0"/>
+                        <a:t>25.94229854</a:t>
+                      </a:r>
+                    </a:p>
+                  </a:txBody>
+                  <a:tcPr/>
+                </a:tc>
+                <a:tc>
+                  <a:txBody>
+                    <a:bodyPr/>
+                    <a:lstStyle/>
+                    <a:p>
+                      <a:r>
+                        <a:rPr lang="en-US" dirty="0"/>
+                        <a:t>5.72218052</a:t>
+                      </a:r>
+                    </a:p>
+                  </a:txBody>
+                  <a:tcPr/>
+                </a:tc>
+                <a:tc>
+                  <a:txBody>
+                    <a:bodyPr/>
+                    <a:lstStyle/>
+                    <a:p>
+                      <a:endParaRPr lang="en-US" dirty="0"/>
+                    </a:p>
+                  </a:txBody>
+                  <a:tcPr/>
+                </a:tc>
+                <a:extLst>
+                  <a:ext uri="{0D108BD9-81ED-4DB2-BD59-A6C34878D82A}">
+                    <a16:rowId xmlns:a16="http://schemas.microsoft.com/office/drawing/2014/main" val="2717148640"/>
+                  </a:ext>
+                </a:extLst>
+              </a:tr>
+              <a:tr h="370840">
+                <a:tc>
+                  <a:txBody>
+                    <a:bodyPr/>
+                    <a:lstStyle/>
+                    <a:p>
+                      <a:r>
+                        <a:rPr lang="en-US" dirty="0" err="1"/>
+                        <a:t>Nu_b</a:t>
+                      </a:r>
+                      <a:endParaRPr lang="en-US" dirty="0"/>
+                    </a:p>
+                  </a:txBody>
+                  <a:tcPr/>
+                </a:tc>
+                <a:tc>
+                  <a:txBody>
+                    <a:bodyPr/>
+                    <a:lstStyle/>
+                    <a:p>
+                      <a:r>
+                        <a:rPr lang="en-US" dirty="0"/>
+                        <a:t>N/A</a:t>
+                      </a:r>
+                    </a:p>
+                  </a:txBody>
+                  <a:tcPr/>
+                </a:tc>
+                <a:tc>
+                  <a:txBody>
+                    <a:bodyPr/>
+                    <a:lstStyle/>
+                    <a:p>
+                      <a:r>
+                        <a:rPr lang="en-US" dirty="0"/>
+                        <a:t>N/A</a:t>
+                      </a:r>
+                    </a:p>
+                  </a:txBody>
+                  <a:tcPr/>
+                </a:tc>
+                <a:tc>
+                  <a:txBody>
+                    <a:bodyPr/>
+                    <a:lstStyle/>
+                    <a:p>
+                      <a:r>
+                        <a:rPr lang="en-US" dirty="0"/>
+                        <a:t>1.95484218</a:t>
+                      </a:r>
+                    </a:p>
+                  </a:txBody>
+                  <a:tcPr/>
+                </a:tc>
+                <a:tc>
+                  <a:txBody>
+                    <a:bodyPr/>
+                    <a:lstStyle/>
+                    <a:p>
+                      <a:endParaRPr lang="en-US" dirty="0"/>
+                    </a:p>
+                  </a:txBody>
+                  <a:tcPr/>
+                </a:tc>
+                <a:extLst>
+                  <a:ext uri="{0D108BD9-81ED-4DB2-BD59-A6C34878D82A}">
+                    <a16:rowId xmlns:a16="http://schemas.microsoft.com/office/drawing/2014/main" val="3992781458"/>
+                  </a:ext>
+                </a:extLst>
+              </a:tr>
+              <a:tr h="370840">
+                <a:tc>
+                  <a:txBody>
+                    <a:bodyPr/>
+                    <a:lstStyle/>
+                    <a:p>
+                      <a:r>
+                        <a:rPr lang="en-US" dirty="0"/>
+                        <a:t>T_12</a:t>
+                      </a:r>
+                    </a:p>
+                  </a:txBody>
+                  <a:tcPr/>
+                </a:tc>
+                <a:tc>
+                  <a:txBody>
+                    <a:bodyPr/>
+                    <a:lstStyle/>
+                    <a:p>
+                      <a:r>
+                        <a:rPr lang="en-US" dirty="0"/>
+                        <a:t>4.63322821</a:t>
+                      </a:r>
+                    </a:p>
+                  </a:txBody>
+                  <a:tcPr/>
+                </a:tc>
+                <a:tc>
+                  <a:txBody>
+                    <a:bodyPr/>
+                    <a:lstStyle/>
+                    <a:p>
+                      <a:r>
+                        <a:rPr lang="en-US" dirty="0"/>
+                        <a:t>28.36962305</a:t>
+                      </a:r>
+                    </a:p>
+                  </a:txBody>
+                  <a:tcPr/>
+                </a:tc>
+                <a:tc>
+                  <a:txBody>
+                    <a:bodyPr/>
+                    <a:lstStyle/>
+                    <a:p>
+                      <a:r>
+                        <a:rPr lang="en-US" dirty="0"/>
+                        <a:t>1.15575146</a:t>
+                      </a:r>
+                    </a:p>
+                  </a:txBody>
+                  <a:tcPr/>
+                </a:tc>
+                <a:tc>
+                  <a:txBody>
+                    <a:bodyPr/>
+                    <a:lstStyle/>
+                    <a:p>
+                      <a:endParaRPr lang="en-US" dirty="0"/>
+                    </a:p>
+                  </a:txBody>
+                  <a:tcPr/>
+                </a:tc>
+                <a:extLst>
+                  <a:ext uri="{0D108BD9-81ED-4DB2-BD59-A6C34878D82A}">
+                    <a16:rowId xmlns:a16="http://schemas.microsoft.com/office/drawing/2014/main" val="3283572519"/>
+                  </a:ext>
+                </a:extLst>
+              </a:tr>
+              <a:tr h="370840">
+                <a:tc>
+                  <a:txBody>
+                    <a:bodyPr/>
+                    <a:lstStyle/>
+                    <a:p>
+                      <a:r>
+                        <a:rPr lang="en-US" dirty="0"/>
+                        <a:t>T_23</a:t>
+                      </a:r>
+                    </a:p>
+                  </a:txBody>
+                  <a:tcPr/>
+                </a:tc>
+                <a:tc>
+                  <a:txBody>
+                    <a:bodyPr/>
+                    <a:lstStyle/>
+                    <a:p>
+                      <a:r>
+                        <a:rPr lang="en-US" dirty="0"/>
+                        <a:t>N/A</a:t>
+                      </a:r>
+                    </a:p>
+                  </a:txBody>
+                  <a:tcPr/>
+                </a:tc>
+                <a:tc>
+                  <a:txBody>
+                    <a:bodyPr/>
+                    <a:lstStyle/>
+                    <a:p>
+                      <a:r>
+                        <a:rPr lang="en-US" dirty="0"/>
+                        <a:t>N/A</a:t>
+                      </a:r>
+                    </a:p>
+                  </a:txBody>
+                  <a:tcPr/>
+                </a:tc>
+                <a:tc>
+                  <a:txBody>
+                    <a:bodyPr/>
+                    <a:lstStyle/>
+                    <a:p>
+                      <a:r>
+                        <a:rPr lang="en-US" dirty="0"/>
+                        <a:t>N/A</a:t>
+                      </a:r>
+                    </a:p>
+                  </a:txBody>
+                  <a:tcPr/>
+                </a:tc>
+                <a:tc>
+                  <a:txBody>
+                    <a:bodyPr/>
+                    <a:lstStyle/>
+                    <a:p>
+                      <a:endParaRPr lang="en-US" dirty="0"/>
+                    </a:p>
+                  </a:txBody>
+                  <a:tcPr/>
+                </a:tc>
+                <a:extLst>
+                  <a:ext uri="{0D108BD9-81ED-4DB2-BD59-A6C34878D82A}">
+                    <a16:rowId xmlns:a16="http://schemas.microsoft.com/office/drawing/2014/main" val="2422470866"/>
+                  </a:ext>
+                </a:extLst>
+              </a:tr>
+            </a:tbl>
+          </a:graphicData>
+        </a:graphic>
+      </p:graphicFrame>
+      <p:pic>
+        <p:nvPicPr>
+          <p:cNvPr id="5" name="Picture 4">
+            <a:extLst>
+              <a:ext uri="{FF2B5EF4-FFF2-40B4-BE49-F238E27FC236}">
+                <a16:creationId xmlns:a16="http://schemas.microsoft.com/office/drawing/2014/main" id="{35820423-6764-4F4E-961E-44FECA0C1C83}"/>
+              </a:ext>
+            </a:extLst>
+          </p:cNvPr>
+          <p:cNvPicPr>
+            <a:picLocks noChangeAspect="1"/>
+          </p:cNvPicPr>
+          <p:nvPr/>
+        </p:nvPicPr>
+        <p:blipFill>
+          <a:blip r:embed="rId2"/>
+          <a:stretch>
+            <a:fillRect/>
+          </a:stretch>
+        </p:blipFill>
+        <p:spPr>
+          <a:xfrm>
+            <a:off x="135654" y="1379677"/>
+            <a:ext cx="6782757" cy="2810182"/>
+          </a:xfrm>
+          <a:prstGeom prst="rect">
+            <a:avLst/>
+          </a:prstGeom>
+        </p:spPr>
+      </p:pic>
+    </p:spTree>
+    <p:extLst>
+      <p:ext uri="{BB962C8B-B14F-4D97-AF65-F5344CB8AC3E}">
+        <p14:creationId xmlns:p14="http://schemas.microsoft.com/office/powerpoint/2010/main" val="3417224387"/>
+      </p:ext>
+    </p:extLst>
+  </p:cSld>
+  <p:clrMapOvr>
+    <a:masterClrMapping/>
+  </p:clrMapOvr>
+</p:sld>
+</file>
+
+<file path=ppt/slides/slide17.xml><?xml version="1.0" encoding="utf-8"?>
 <p:sld xmlns:a="http://schemas.openxmlformats.org/drawingml/2006/main" xmlns:r="http://schemas.openxmlformats.org/officeDocument/2006/relationships" xmlns:p="http://schemas.openxmlformats.org/presentationml/2006/main">
   <p:cSld>
     <p:spTree>
@@ -5894,34 +8835,11 @@
           </a:bodyPr>
           <a:lstStyle/>
           <a:p>
-            <a:r>
-              <a:rPr lang="en-US" dirty="0">
-                <a:latin typeface="Yu Gothic" panose="020B0400000000000000" pitchFamily="34" charset="-128"/>
-                <a:ea typeface="Yu Gothic" panose="020B0400000000000000" pitchFamily="34" charset="-128"/>
-                <a:sym typeface="Wingdings" panose="05000000000000000000" pitchFamily="2" charset="2"/>
-              </a:rPr>
-              <a:t>Run MIDAS on downloaded data.</a:t>
-            </a:r>
-          </a:p>
-          <a:p>
-            <a:r>
-              <a:rPr lang="en-US" dirty="0">
-                <a:latin typeface="Yu Gothic" panose="020B0400000000000000" pitchFamily="34" charset="-128"/>
-                <a:ea typeface="Yu Gothic" panose="020B0400000000000000" pitchFamily="34" charset="-128"/>
-                <a:sym typeface="Wingdings" panose="05000000000000000000" pitchFamily="2" charset="2"/>
-              </a:rPr>
-              <a:t>Check in with Nandita to make sure I’m using the write input</a:t>
-            </a:r>
-          </a:p>
-          <a:p>
-            <a:r>
-              <a:rPr lang="en-US" dirty="0">
-                <a:latin typeface="Yu Gothic" panose="020B0400000000000000" pitchFamily="34" charset="-128"/>
-                <a:ea typeface="Yu Gothic" panose="020B0400000000000000" pitchFamily="34" charset="-128"/>
-                <a:sym typeface="Wingdings" panose="05000000000000000000" pitchFamily="2" charset="2"/>
-              </a:rPr>
-              <a:t>Run PCA on other samples</a:t>
-            </a:r>
+            <a:endParaRPr lang="en-US" dirty="0">
+              <a:latin typeface="Yu Gothic" panose="020B0400000000000000" pitchFamily="34" charset="-128"/>
+              <a:ea typeface="Yu Gothic" panose="020B0400000000000000" pitchFamily="34" charset="-128"/>
+              <a:sym typeface="Wingdings" panose="05000000000000000000" pitchFamily="2" charset="2"/>
+            </a:endParaRPr>
           </a:p>
         </p:txBody>
       </p:sp>
@@ -5938,7 +8856,7 @@
 </p:sld>
 </file>
 
-<file path=ppt/slides/slide16.xml><?xml version="1.0" encoding="utf-8"?>
+<file path=ppt/slides/slide18.xml><?xml version="1.0" encoding="utf-8"?>
 <p:sld xmlns:a="http://schemas.openxmlformats.org/drawingml/2006/main" xmlns:r="http://schemas.openxmlformats.org/officeDocument/2006/relationships" xmlns:p="http://schemas.openxmlformats.org/presentationml/2006/main">
   <p:cSld>
     <p:spTree>
@@ -6118,7 +9036,10 @@
           <a:bodyPr/>
           <a:lstStyle/>
           <a:p>
-            <a:endParaRPr lang="en-US" dirty="0"/>
+            <a:r>
+              <a:rPr lang="en-US" dirty="0"/>
+              <a:t>Hope you had a nice holiday weekend!</a:t>
+            </a:r>
           </a:p>
         </p:txBody>
       </p:sp>
@@ -6567,7 +9488,7 @@
         <p:spPr/>
         <p:txBody>
           <a:bodyPr>
-            <a:normAutofit/>
+            <a:normAutofit fontScale="85000" lnSpcReduction="10000"/>
           </a:bodyPr>
           <a:lstStyle/>
           <a:p>
@@ -6577,7 +9498,131 @@
                 <a:ea typeface="Yu Gothic" panose="020B0400000000000000" pitchFamily="34" charset="-128"/>
                 <a:sym typeface="Wingdings" panose="05000000000000000000" pitchFamily="2" charset="2"/>
               </a:rPr>
-              <a:t>I </a:t>
+              <a:t>Fixed bug and re-implemented pipeline</a:t>
+            </a:r>
+          </a:p>
+          <a:p>
+            <a:pPr lvl="1"/>
+            <a:r>
+              <a:rPr lang="en-US" dirty="0">
+                <a:latin typeface="Yu Gothic" panose="020B0400000000000000" pitchFamily="34" charset="-128"/>
+                <a:ea typeface="Yu Gothic" panose="020B0400000000000000" pitchFamily="34" charset="-128"/>
+                <a:sym typeface="Wingdings" panose="05000000000000000000" pitchFamily="2" charset="2"/>
+              </a:rPr>
+              <a:t>TLDR part of the pipeline is in python2, and part of it is in python3 which messes with some data structures, particularly when used for string manipulation</a:t>
+            </a:r>
+          </a:p>
+          <a:p>
+            <a:pPr lvl="2"/>
+            <a:r>
+              <a:rPr lang="en-US" dirty="0">
+                <a:latin typeface="Yu Gothic" panose="020B0400000000000000" pitchFamily="34" charset="-128"/>
+                <a:ea typeface="Yu Gothic" panose="020B0400000000000000" pitchFamily="34" charset="-128"/>
+                <a:sym typeface="Wingdings" panose="05000000000000000000" pitchFamily="2" charset="2"/>
+              </a:rPr>
+              <a:t>Resulted in some technically not-allowed SFS’s, i.e., data in masked sites.</a:t>
+            </a:r>
+          </a:p>
+          <a:p>
+            <a:pPr lvl="1"/>
+            <a:r>
+              <a:rPr lang="en-US" dirty="0">
+                <a:latin typeface="Yu Gothic" panose="020B0400000000000000" pitchFamily="34" charset="-128"/>
+                <a:ea typeface="Yu Gothic" panose="020B0400000000000000" pitchFamily="34" charset="-128"/>
+                <a:sym typeface="Wingdings" panose="05000000000000000000" pitchFamily="2" charset="2"/>
+              </a:rPr>
+              <a:t>I believe that sparsity of data, e.g., in P. </a:t>
+            </a:r>
+            <a:r>
+              <a:rPr lang="en-US" dirty="0" err="1">
+                <a:latin typeface="Yu Gothic" panose="020B0400000000000000" pitchFamily="34" charset="-128"/>
+                <a:ea typeface="Yu Gothic" panose="020B0400000000000000" pitchFamily="34" charset="-128"/>
+                <a:sym typeface="Wingdings" panose="05000000000000000000" pitchFamily="2" charset="2"/>
+              </a:rPr>
+              <a:t>copri</a:t>
+            </a:r>
+            <a:r>
+              <a:rPr lang="en-US" dirty="0">
+                <a:latin typeface="Yu Gothic" panose="020B0400000000000000" pitchFamily="34" charset="-128"/>
+                <a:ea typeface="Yu Gothic" panose="020B0400000000000000" pitchFamily="34" charset="-128"/>
+                <a:sym typeface="Wingdings" panose="05000000000000000000" pitchFamily="2" charset="2"/>
+              </a:rPr>
+              <a:t>, is not due to this bug.</a:t>
+            </a:r>
+          </a:p>
+          <a:p>
+            <a:pPr lvl="1"/>
+            <a:r>
+              <a:rPr lang="en-US" dirty="0">
+                <a:latin typeface="Yu Gothic" panose="020B0400000000000000" pitchFamily="34" charset="-128"/>
+                <a:ea typeface="Yu Gothic" panose="020B0400000000000000" pitchFamily="34" charset="-128"/>
+                <a:sym typeface="Wingdings" panose="05000000000000000000" pitchFamily="2" charset="2"/>
+              </a:rPr>
+              <a:t>Inference performance has either improved or stayed the same in terms of log-likelihood, but computational performance has worsened, e.g., computational time.</a:t>
+            </a:r>
+          </a:p>
+          <a:p>
+            <a:pPr lvl="2"/>
+            <a:r>
+              <a:rPr lang="en-US" dirty="0">
+                <a:latin typeface="Yu Gothic" panose="020B0400000000000000" pitchFamily="34" charset="-128"/>
+                <a:ea typeface="Yu Gothic" panose="020B0400000000000000" pitchFamily="34" charset="-128"/>
+                <a:sym typeface="Wingdings" panose="05000000000000000000" pitchFamily="2" charset="2"/>
+              </a:rPr>
+              <a:t>Inference for different models is now parallelized so that it runs in a reasonable timeframe.</a:t>
+            </a:r>
+          </a:p>
+          <a:p>
+            <a:pPr lvl="1"/>
+            <a:r>
+              <a:rPr lang="en-US" dirty="0">
+                <a:latin typeface="Yu Gothic" panose="020B0400000000000000" pitchFamily="34" charset="-128"/>
+                <a:ea typeface="Yu Gothic" panose="020B0400000000000000" pitchFamily="34" charset="-128"/>
+                <a:sym typeface="Wingdings" panose="05000000000000000000" pitchFamily="2" charset="2"/>
+              </a:rPr>
+              <a:t>Initial params and boundaries were changed.</a:t>
+            </a:r>
+          </a:p>
+          <a:p>
+            <a:r>
+              <a:rPr lang="en-US" dirty="0">
+                <a:latin typeface="Yu Gothic" panose="020B0400000000000000" pitchFamily="34" charset="-128"/>
+                <a:ea typeface="Yu Gothic" panose="020B0400000000000000" pitchFamily="34" charset="-128"/>
+                <a:sym typeface="Wingdings" panose="05000000000000000000" pitchFamily="2" charset="2"/>
+              </a:rPr>
+              <a:t>Reran </a:t>
+            </a:r>
+            <a:r>
+              <a:rPr lang="en-US" dirty="0" err="1">
+                <a:latin typeface="Yu Gothic" panose="020B0400000000000000" pitchFamily="34" charset="-128"/>
+                <a:ea typeface="Yu Gothic" panose="020B0400000000000000" pitchFamily="34" charset="-128"/>
+                <a:sym typeface="Wingdings" panose="05000000000000000000" pitchFamily="2" charset="2"/>
+              </a:rPr>
+              <a:t>Dadi</a:t>
+            </a:r>
+            <a:r>
+              <a:rPr lang="en-US" dirty="0">
+                <a:latin typeface="Yu Gothic" panose="020B0400000000000000" pitchFamily="34" charset="-128"/>
+                <a:ea typeface="Yu Gothic" panose="020B0400000000000000" pitchFamily="34" charset="-128"/>
+                <a:sym typeface="Wingdings" panose="05000000000000000000" pitchFamily="2" charset="2"/>
+              </a:rPr>
+              <a:t> + computed expected </a:t>
+            </a:r>
+            <a:r>
+              <a:rPr lang="en-US" dirty="0" err="1">
+                <a:latin typeface="Yu Gothic" panose="020B0400000000000000" pitchFamily="34" charset="-128"/>
+                <a:ea typeface="Yu Gothic" panose="020B0400000000000000" pitchFamily="34" charset="-128"/>
+                <a:sym typeface="Wingdings" panose="05000000000000000000" pitchFamily="2" charset="2"/>
+              </a:rPr>
+              <a:t>sfs</a:t>
+            </a:r>
+            <a:r>
+              <a:rPr lang="en-US" dirty="0">
+                <a:latin typeface="Yu Gothic" panose="020B0400000000000000" pitchFamily="34" charset="-128"/>
+                <a:ea typeface="Yu Gothic" panose="020B0400000000000000" pitchFamily="34" charset="-128"/>
+                <a:sym typeface="Wingdings" panose="05000000000000000000" pitchFamily="2" charset="2"/>
+              </a:rPr>
+              <a:t> on </a:t>
             </a:r>
             <a:r>
               <a:rPr lang="en-US" i="1" dirty="0">
@@ -6585,7 +9630,7 @@
                 <a:ea typeface="Yu Gothic" panose="020B0400000000000000" pitchFamily="34" charset="-128"/>
                 <a:sym typeface="Wingdings" panose="05000000000000000000" pitchFamily="2" charset="2"/>
               </a:rPr>
-              <a:t>believe</a:t>
+              <a:t>non-bugged</a:t>
             </a:r>
             <a:r>
               <a:rPr lang="en-US" dirty="0">
@@ -6593,7 +9638,7 @@
                 <a:ea typeface="Yu Gothic" panose="020B0400000000000000" pitchFamily="34" charset="-128"/>
                 <a:sym typeface="Wingdings" panose="05000000000000000000" pitchFamily="2" charset="2"/>
               </a:rPr>
-              <a:t> I found the post-processed </a:t>
+              <a:t> </a:t>
             </a:r>
             <a:r>
               <a:rPr lang="en-US" dirty="0" err="1">
@@ -6601,7 +9646,7 @@
                 <a:ea typeface="Yu Gothic" panose="020B0400000000000000" pitchFamily="34" charset="-128"/>
                 <a:sym typeface="Wingdings" panose="05000000000000000000" pitchFamily="2" charset="2"/>
               </a:rPr>
-              <a:t>snp</a:t>
+              <a:t>sfs’s</a:t>
             </a:r>
             <a:r>
               <a:rPr lang="en-US" dirty="0">
@@ -6609,7 +9654,7 @@
                 <a:ea typeface="Yu Gothic" panose="020B0400000000000000" pitchFamily="34" charset="-128"/>
                 <a:sym typeface="Wingdings" panose="05000000000000000000" pitchFamily="2" charset="2"/>
               </a:rPr>
-              <a:t> data, from which we can perform PCA</a:t>
+              <a:t>.</a:t>
             </a:r>
           </a:p>
           <a:p>
@@ -6620,28 +9665,17 @@
                 <a:ea typeface="Yu Gothic" panose="020B0400000000000000" pitchFamily="34" charset="-128"/>
                 <a:sym typeface="Wingdings" panose="05000000000000000000" pitchFamily="2" charset="2"/>
               </a:rPr>
-              <a:t>Code map and/or road map on following slides</a:t>
-            </a:r>
-          </a:p>
-          <a:p>
-            <a:pPr lvl="1"/>
+              <a:t>Some results still pending.</a:t>
+            </a:r>
+          </a:p>
+          <a:p>
             <a:r>
               <a:rPr lang="en-US" dirty="0">
                 <a:latin typeface="Yu Gothic" panose="020B0400000000000000" pitchFamily="34" charset="-128"/>
                 <a:ea typeface="Yu Gothic" panose="020B0400000000000000" pitchFamily="34" charset="-128"/>
                 <a:sym typeface="Wingdings" panose="05000000000000000000" pitchFamily="2" charset="2"/>
               </a:rPr>
-              <a:t>We should def chat about this to make sure I understand things</a:t>
-            </a:r>
-          </a:p>
-          <a:p>
-            <a:r>
-              <a:rPr lang="en-US" dirty="0">
-                <a:latin typeface="Yu Gothic" panose="020B0400000000000000" pitchFamily="34" charset="-128"/>
-                <a:ea typeface="Yu Gothic" panose="020B0400000000000000" pitchFamily="34" charset="-128"/>
-                <a:sym typeface="Wingdings" panose="05000000000000000000" pitchFamily="2" charset="2"/>
-              </a:rPr>
-              <a:t>Preliminary PCA script (this should work even if I have the wrong data, but I would have to do some formatting).</a:t>
+              <a:t>Still working on some of the fancier PCA stuff, e.g., probabilistic PCA to deal with missing data.</a:t>
             </a:r>
           </a:p>
         </p:txBody>
@@ -6698,730 +9732,225 @@
           <a:lstStyle/>
           <a:p>
             <a:r>
-              <a:rPr lang="en-US" dirty="0">
-                <a:latin typeface="Yu Gothic" panose="020B0400000000000000" pitchFamily="34" charset="-128"/>
-                <a:ea typeface="Yu Gothic" panose="020B0400000000000000" pitchFamily="34" charset="-128"/>
-              </a:rPr>
-              <a:t>Implementation plan (for PCA)</a:t>
+              <a:rPr lang="en-US" dirty="0"/>
+              <a:t>Implementation details (for following slides)</a:t>
             </a:r>
           </a:p>
         </p:txBody>
       </p:sp>
       <p:sp>
         <p:nvSpPr>
-          <p:cNvPr id="4" name="TextBox 3">
+          <p:cNvPr id="3" name="Content Placeholder 2">
             <a:extLst>
               <a:ext uri="{FF2B5EF4-FFF2-40B4-BE49-F238E27FC236}">
-                <a16:creationId xmlns:a16="http://schemas.microsoft.com/office/drawing/2014/main" id="{C96CEAB2-0351-4BA7-A902-B3326FA49DB8}"/>
+                <a16:creationId xmlns:a16="http://schemas.microsoft.com/office/drawing/2014/main" id="{E5DEB96E-5753-4F3F-BEAE-0BD8F8946CEB}"/>
               </a:ext>
             </a:extLst>
           </p:cNvPr>
-          <p:cNvSpPr txBox="1"/>
-          <p:nvPr/>
+          <p:cNvSpPr>
+            <a:spLocks noGrp="1"/>
+          </p:cNvSpPr>
+          <p:nvPr>
+            <p:ph idx="1"/>
+          </p:nvPr>
         </p:nvSpPr>
-        <p:spPr>
-          <a:xfrm>
-            <a:off x="8337755" y="1506022"/>
-            <a:ext cx="3317614" cy="338554"/>
-          </a:xfrm>
-          <a:prstGeom prst="rect">
-            <a:avLst/>
-          </a:prstGeom>
-          <a:noFill/>
-          <a:ln>
-            <a:solidFill>
-              <a:schemeClr val="tx1"/>
-            </a:solidFill>
-          </a:ln>
-        </p:spPr>
+        <p:spPr/>
         <p:txBody>
-          <a:bodyPr wrap="square" rtlCol="0">
-            <a:spAutoFit/>
+          <a:bodyPr>
+            <a:normAutofit fontScale="92500" lnSpcReduction="10000"/>
           </a:bodyPr>
           <a:lstStyle/>
           <a:p>
             <a:r>
-              <a:rPr lang="en-US" sz="1600" dirty="0">
-                <a:latin typeface="Lucida Console" panose="020B0609040504020204" pitchFamily="49" charset="0"/>
+              <a:rPr lang="en-US" dirty="0"/>
+              <a:t>Input synonymous SFS’s: output from `plot_within_clade_sfs.py`.</a:t>
+            </a:r>
+          </a:p>
+          <a:p>
+            <a:pPr lvl="1"/>
+            <a:r>
+              <a:rPr lang="en-US" dirty="0">
+                <a:highlight>
+                  <a:srgbClr val="FFFF00"/>
+                </a:highlight>
               </a:rPr>
-              <a:t>SFS graphic (output)</a:t>
-            </a:r>
-          </a:p>
-        </p:txBody>
-      </p:sp>
-      <p:sp>
-        <p:nvSpPr>
-          <p:cNvPr id="5" name="TextBox 4">
-            <a:extLst>
-              <a:ext uri="{FF2B5EF4-FFF2-40B4-BE49-F238E27FC236}">
-                <a16:creationId xmlns:a16="http://schemas.microsoft.com/office/drawing/2014/main" id="{5AF69968-BDB4-4178-90F5-049E37F8BA7F}"/>
-              </a:ext>
-            </a:extLst>
-          </p:cNvPr>
-          <p:cNvSpPr txBox="1"/>
-          <p:nvPr/>
-        </p:nvSpPr>
-        <p:spPr>
-          <a:xfrm>
-            <a:off x="3967455" y="1506022"/>
-            <a:ext cx="3934957" cy="338554"/>
-          </a:xfrm>
-          <a:prstGeom prst="rect">
-            <a:avLst/>
-          </a:prstGeom>
-          <a:noFill/>
-          <a:ln>
-            <a:solidFill>
-              <a:schemeClr val="tx1"/>
-            </a:solidFill>
-          </a:ln>
-        </p:spPr>
-        <p:txBody>
-          <a:bodyPr wrap="square" rtlCol="0">
-            <a:spAutoFit/>
-          </a:bodyPr>
-          <a:lstStyle/>
-          <a:p>
-            <a:r>
-              <a:rPr lang="en-US" sz="1600" dirty="0">
-                <a:latin typeface="Lucida Console" panose="020B0609040504020204" pitchFamily="49" charset="0"/>
+              <a:t>High prevalence species:</a:t>
+            </a:r>
+          </a:p>
+          <a:p>
+            <a:pPr lvl="2"/>
+            <a:r>
+              <a:rPr lang="en-US" dirty="0">
+                <a:highlight>
+                  <a:srgbClr val="FFFF00"/>
+                </a:highlight>
               </a:rPr>
-              <a:t>plot_within_clade_sfs.py</a:t>
-            </a:r>
-          </a:p>
-        </p:txBody>
-      </p:sp>
-      <p:cxnSp>
-        <p:nvCxnSpPr>
-          <p:cNvPr id="7" name="Straight Arrow Connector 6">
-            <a:extLst>
-              <a:ext uri="{FF2B5EF4-FFF2-40B4-BE49-F238E27FC236}">
-                <a16:creationId xmlns:a16="http://schemas.microsoft.com/office/drawing/2014/main" id="{508FEFFD-E48C-4AB4-ADF3-26BA5EF89A0A}"/>
-              </a:ext>
-            </a:extLst>
-          </p:cNvPr>
-          <p:cNvCxnSpPr>
-            <a:cxnSpLocks/>
-            <a:stCxn id="5" idx="3"/>
-            <a:endCxn id="4" idx="1"/>
-          </p:cNvCxnSpPr>
-          <p:nvPr/>
-        </p:nvCxnSpPr>
-        <p:spPr>
-          <a:xfrm>
-            <a:off x="7902412" y="1675299"/>
-            <a:ext cx="435343" cy="0"/>
-          </a:xfrm>
-          <a:prstGeom prst="straightConnector1">
-            <a:avLst/>
-          </a:prstGeom>
-          <a:ln>
-            <a:tailEnd type="triangle"/>
-          </a:ln>
-        </p:spPr>
-        <p:style>
-          <a:lnRef idx="1">
-            <a:schemeClr val="dk1"/>
-          </a:lnRef>
-          <a:fillRef idx="0">
-            <a:schemeClr val="dk1"/>
-          </a:fillRef>
-          <a:effectRef idx="0">
-            <a:schemeClr val="dk1"/>
-          </a:effectRef>
-          <a:fontRef idx="minor">
-            <a:schemeClr val="tx1"/>
-          </a:fontRef>
-        </p:style>
-      </p:cxnSp>
-      <p:sp>
-        <p:nvSpPr>
-          <p:cNvPr id="8" name="TextBox 7">
-            <a:extLst>
-              <a:ext uri="{FF2B5EF4-FFF2-40B4-BE49-F238E27FC236}">
-                <a16:creationId xmlns:a16="http://schemas.microsoft.com/office/drawing/2014/main" id="{B1783F62-42E8-42FD-91E8-BF3D50C8876C}"/>
-              </a:ext>
-            </a:extLst>
-          </p:cNvPr>
-          <p:cNvSpPr txBox="1"/>
-          <p:nvPr/>
-        </p:nvSpPr>
-        <p:spPr>
-          <a:xfrm>
-            <a:off x="91227" y="1506022"/>
-            <a:ext cx="3153417" cy="338554"/>
-          </a:xfrm>
-          <a:prstGeom prst="rect">
-            <a:avLst/>
-          </a:prstGeom>
-          <a:noFill/>
-          <a:ln>
-            <a:solidFill>
-              <a:schemeClr val="tx1"/>
-            </a:solidFill>
-          </a:ln>
-        </p:spPr>
-        <p:txBody>
-          <a:bodyPr wrap="square" rtlCol="0">
-            <a:spAutoFit/>
-          </a:bodyPr>
-          <a:lstStyle/>
-          <a:p>
-            <a:r>
-              <a:rPr lang="en-US" sz="1600" dirty="0">
-                <a:latin typeface="Lucida Console" panose="020B0609040504020204" pitchFamily="49" charset="0"/>
+              <a:t>B. </a:t>
+            </a:r>
+            <a:r>
+              <a:rPr lang="en-US" dirty="0" err="1">
+                <a:highlight>
+                  <a:srgbClr val="FFFF00"/>
+                </a:highlight>
               </a:rPr>
-              <a:t>plot_within_clade_sfs.py</a:t>
-            </a:r>
-          </a:p>
-        </p:txBody>
-      </p:sp>
-      <p:cxnSp>
-        <p:nvCxnSpPr>
-          <p:cNvPr id="9" name="Straight Arrow Connector 8">
-            <a:extLst>
-              <a:ext uri="{FF2B5EF4-FFF2-40B4-BE49-F238E27FC236}">
-                <a16:creationId xmlns:a16="http://schemas.microsoft.com/office/drawing/2014/main" id="{F6E38B1D-04F0-4136-AAAC-BBE8D52059CF}"/>
-              </a:ext>
-            </a:extLst>
-          </p:cNvPr>
-          <p:cNvCxnSpPr>
-            <a:cxnSpLocks/>
-            <a:stCxn id="8" idx="3"/>
-            <a:endCxn id="5" idx="1"/>
-          </p:cNvCxnSpPr>
-          <p:nvPr/>
-        </p:nvCxnSpPr>
-        <p:spPr>
-          <a:xfrm>
-            <a:off x="3244644" y="1675299"/>
-            <a:ext cx="722811" cy="0"/>
-          </a:xfrm>
-          <a:prstGeom prst="straightConnector1">
-            <a:avLst/>
-          </a:prstGeom>
-          <a:ln>
-            <a:tailEnd type="triangle"/>
-          </a:ln>
-        </p:spPr>
-        <p:style>
-          <a:lnRef idx="1">
-            <a:schemeClr val="dk1"/>
-          </a:lnRef>
-          <a:fillRef idx="0">
-            <a:schemeClr val="dk1"/>
-          </a:fillRef>
-          <a:effectRef idx="0">
-            <a:schemeClr val="dk1"/>
-          </a:effectRef>
-          <a:fontRef idx="minor">
-            <a:schemeClr val="tx1"/>
-          </a:fontRef>
-        </p:style>
-      </p:cxnSp>
-      <p:sp>
-        <p:nvSpPr>
-          <p:cNvPr id="11" name="TextBox 10">
-            <a:extLst>
-              <a:ext uri="{FF2B5EF4-FFF2-40B4-BE49-F238E27FC236}">
-                <a16:creationId xmlns:a16="http://schemas.microsoft.com/office/drawing/2014/main" id="{E40B8796-BB41-4C5C-A509-0322D36CD6FA}"/>
-              </a:ext>
-            </a:extLst>
-          </p:cNvPr>
-          <p:cNvSpPr txBox="1"/>
-          <p:nvPr/>
-        </p:nvSpPr>
-        <p:spPr>
-          <a:xfrm>
-            <a:off x="91227" y="2739971"/>
-            <a:ext cx="5267354" cy="338554"/>
-          </a:xfrm>
-          <a:prstGeom prst="rect">
-            <a:avLst/>
-          </a:prstGeom>
-          <a:noFill/>
-          <a:ln>
-            <a:solidFill>
-              <a:schemeClr val="tx1"/>
-            </a:solidFill>
-          </a:ln>
-        </p:spPr>
-        <p:txBody>
-          <a:bodyPr wrap="square" rtlCol="0">
-            <a:spAutoFit/>
-          </a:bodyPr>
-          <a:lstStyle/>
-          <a:p>
-            <a:r>
-              <a:rPr lang="en-US" sz="1600" dirty="0">
-                <a:latin typeface="Lucida Console" panose="020B0609040504020204" pitchFamily="49" charset="0"/>
+              <a:t>vulgatus</a:t>
+            </a:r>
+            <a:r>
+              <a:rPr lang="en-US" dirty="0">
+                <a:highlight>
+                  <a:srgbClr val="FFFF00"/>
+                </a:highlight>
               </a:rPr>
-              <a:t>diversity_utils.calculate_haploid_samples</a:t>
-            </a:r>
-          </a:p>
-        </p:txBody>
-      </p:sp>
-      <p:cxnSp>
-        <p:nvCxnSpPr>
-          <p:cNvPr id="12" name="Straight Arrow Connector 11">
-            <a:extLst>
-              <a:ext uri="{FF2B5EF4-FFF2-40B4-BE49-F238E27FC236}">
-                <a16:creationId xmlns:a16="http://schemas.microsoft.com/office/drawing/2014/main" id="{54FB8BA0-E9EB-4FF2-81C1-376C32CBD3E8}"/>
-              </a:ext>
-            </a:extLst>
-          </p:cNvPr>
-          <p:cNvCxnSpPr>
-            <a:cxnSpLocks/>
-            <a:stCxn id="11" idx="0"/>
-            <a:endCxn id="8" idx="2"/>
-          </p:cNvCxnSpPr>
-          <p:nvPr/>
-        </p:nvCxnSpPr>
-        <p:spPr>
-          <a:xfrm flipH="1" flipV="1">
-            <a:off x="1667936" y="1844576"/>
-            <a:ext cx="1056968" cy="895395"/>
-          </a:xfrm>
-          <a:prstGeom prst="straightConnector1">
-            <a:avLst/>
-          </a:prstGeom>
-          <a:ln>
-            <a:tailEnd type="triangle"/>
-          </a:ln>
-        </p:spPr>
-        <p:style>
-          <a:lnRef idx="1">
-            <a:schemeClr val="dk1"/>
-          </a:lnRef>
-          <a:fillRef idx="0">
-            <a:schemeClr val="dk1"/>
-          </a:fillRef>
-          <a:effectRef idx="0">
-            <a:schemeClr val="dk1"/>
-          </a:effectRef>
-          <a:fontRef idx="minor">
-            <a:schemeClr val="tx1"/>
-          </a:fontRef>
-        </p:style>
-      </p:cxnSp>
-      <p:sp>
-        <p:nvSpPr>
-          <p:cNvPr id="21" name="Left Brace 20">
-            <a:extLst>
-              <a:ext uri="{FF2B5EF4-FFF2-40B4-BE49-F238E27FC236}">
-                <a16:creationId xmlns:a16="http://schemas.microsoft.com/office/drawing/2014/main" id="{03DD7760-EE8D-4293-B8B5-325F236E0ED0}"/>
-              </a:ext>
-            </a:extLst>
-          </p:cNvPr>
-          <p:cNvSpPr/>
-          <p:nvPr/>
-        </p:nvSpPr>
-        <p:spPr>
-          <a:xfrm>
-            <a:off x="5447071" y="2113935"/>
-            <a:ext cx="727587" cy="1877962"/>
-          </a:xfrm>
-          <a:prstGeom prst="leftBrace">
-            <a:avLst/>
-          </a:prstGeom>
-        </p:spPr>
-        <p:style>
-          <a:lnRef idx="1">
-            <a:schemeClr val="dk1"/>
-          </a:lnRef>
-          <a:fillRef idx="0">
-            <a:schemeClr val="dk1"/>
-          </a:fillRef>
-          <a:effectRef idx="0">
-            <a:schemeClr val="dk1"/>
-          </a:effectRef>
-          <a:fontRef idx="minor">
-            <a:schemeClr val="tx1"/>
-          </a:fontRef>
-        </p:style>
-        <p:txBody>
-          <a:bodyPr rtlCol="0" anchor="ctr"/>
-          <a:lstStyle/>
-          <a:p>
-            <a:pPr algn="ctr"/>
-            <a:endParaRPr lang="en-US"/>
-          </a:p>
-        </p:txBody>
-      </p:sp>
-      <p:sp>
-        <p:nvSpPr>
-          <p:cNvPr id="22" name="TextBox 21">
-            <a:extLst>
-              <a:ext uri="{FF2B5EF4-FFF2-40B4-BE49-F238E27FC236}">
-                <a16:creationId xmlns:a16="http://schemas.microsoft.com/office/drawing/2014/main" id="{118E1E02-FF15-425E-A176-ED3287DAB750}"/>
-              </a:ext>
-            </a:extLst>
-          </p:cNvPr>
-          <p:cNvSpPr txBox="1"/>
-          <p:nvPr/>
-        </p:nvSpPr>
-        <p:spPr>
-          <a:xfrm>
-            <a:off x="6005331" y="2292273"/>
-            <a:ext cx="5095288" cy="338554"/>
-          </a:xfrm>
-          <a:prstGeom prst="rect">
-            <a:avLst/>
-          </a:prstGeom>
-          <a:noFill/>
-          <a:ln>
-            <a:solidFill>
-              <a:schemeClr val="tx1"/>
-            </a:solidFill>
-          </a:ln>
-        </p:spPr>
-        <p:txBody>
-          <a:bodyPr wrap="square" rtlCol="0">
-            <a:spAutoFit/>
-          </a:bodyPr>
-          <a:lstStyle/>
-          <a:p>
-            <a:r>
-              <a:rPr lang="en-US" sz="1600" dirty="0" err="1">
-                <a:latin typeface="Lucida Console" panose="020B0609040504020204" pitchFamily="49" charset="0"/>
+              <a:t>, B. </a:t>
+            </a:r>
+            <a:r>
+              <a:rPr lang="en-US" dirty="0" err="1">
+                <a:highlight>
+                  <a:srgbClr val="FFFF00"/>
+                </a:highlight>
               </a:rPr>
-              <a:t>calculate_highcoverage_samples</a:t>
-            </a:r>
-            <a:r>
-              <a:rPr lang="en-US" sz="1600" dirty="0">
-                <a:latin typeface="Lucida Console" panose="020B0609040504020204" pitchFamily="49" charset="0"/>
+              <a:t>ovatus</a:t>
+            </a:r>
+            <a:r>
+              <a:rPr lang="en-US" dirty="0">
+                <a:highlight>
+                  <a:srgbClr val="FFFF00"/>
+                </a:highlight>
               </a:rPr>
-              <a:t> (Method)</a:t>
-            </a:r>
-          </a:p>
-        </p:txBody>
-      </p:sp>
-      <p:sp>
-        <p:nvSpPr>
-          <p:cNvPr id="23" name="TextBox 22">
-            <a:extLst>
-              <a:ext uri="{FF2B5EF4-FFF2-40B4-BE49-F238E27FC236}">
-                <a16:creationId xmlns:a16="http://schemas.microsoft.com/office/drawing/2014/main" id="{123978FE-2FF3-4274-9836-F0284E60FCE2}"/>
-              </a:ext>
-            </a:extLst>
-          </p:cNvPr>
-          <p:cNvSpPr txBox="1"/>
-          <p:nvPr/>
-        </p:nvSpPr>
-        <p:spPr>
-          <a:xfrm>
-            <a:off x="6005330" y="2770534"/>
-            <a:ext cx="5213276" cy="338554"/>
-          </a:xfrm>
-          <a:prstGeom prst="rect">
-            <a:avLst/>
-          </a:prstGeom>
-          <a:noFill/>
-          <a:ln w="57150">
-            <a:solidFill>
-              <a:srgbClr val="FFFF00"/>
-            </a:solidFill>
-          </a:ln>
-        </p:spPr>
-        <p:txBody>
-          <a:bodyPr wrap="square" rtlCol="0">
-            <a:spAutoFit/>
-          </a:bodyPr>
-          <a:lstStyle/>
-          <a:p>
-            <a:r>
-              <a:rPr lang="en-US" sz="1600" dirty="0" err="1">
-                <a:latin typeface="Lucida Console" panose="020B0609040504020204" pitchFamily="49" charset="0"/>
+              <a:t>, A. </a:t>
+            </a:r>
+            <a:r>
+              <a:rPr lang="en-US" dirty="0" err="1">
+                <a:highlight>
+                  <a:srgbClr val="FFFF00"/>
+                </a:highlight>
               </a:rPr>
-              <a:t>parse_midas_data.parse_within_sample_sfs</a:t>
-            </a:r>
-            <a:endParaRPr lang="en-US" sz="1600" dirty="0">
-              <a:latin typeface="Lucida Console" panose="020B0609040504020204" pitchFamily="49" charset="0"/>
-            </a:endParaRPr>
-          </a:p>
-        </p:txBody>
-      </p:sp>
-      <p:sp>
-        <p:nvSpPr>
-          <p:cNvPr id="24" name="TextBox 23">
-            <a:extLst>
-              <a:ext uri="{FF2B5EF4-FFF2-40B4-BE49-F238E27FC236}">
-                <a16:creationId xmlns:a16="http://schemas.microsoft.com/office/drawing/2014/main" id="{95C91272-2602-4B6D-A675-F069463CC392}"/>
-              </a:ext>
-            </a:extLst>
-          </p:cNvPr>
-          <p:cNvSpPr txBox="1"/>
-          <p:nvPr/>
-        </p:nvSpPr>
-        <p:spPr>
-          <a:xfrm>
-            <a:off x="6005330" y="3243438"/>
-            <a:ext cx="5624368" cy="584775"/>
-          </a:xfrm>
-          <a:prstGeom prst="rect">
-            <a:avLst/>
-          </a:prstGeom>
-          <a:noFill/>
-          <a:ln>
-            <a:solidFill>
-              <a:schemeClr val="tx1"/>
-            </a:solidFill>
-          </a:ln>
-        </p:spPr>
-        <p:txBody>
-          <a:bodyPr wrap="square" rtlCol="0">
-            <a:spAutoFit/>
-          </a:bodyPr>
-          <a:lstStyle/>
-          <a:p>
-            <a:r>
-              <a:rPr lang="en-US" sz="1600" dirty="0" err="1">
-                <a:latin typeface="Lucida Console" panose="020B0609040504020204" pitchFamily="49" charset="0"/>
+              <a:t>putredinis</a:t>
+            </a:r>
+            <a:r>
+              <a:rPr lang="en-US" dirty="0">
+                <a:highlight>
+                  <a:srgbClr val="FFFF00"/>
+                </a:highlight>
               </a:rPr>
-              <a:t>sfs_utils.calculate_polymorphism_rates_from_sfs_map</a:t>
-            </a:r>
-            <a:endParaRPr lang="en-US" sz="1600" dirty="0">
-              <a:latin typeface="Lucida Console" panose="020B0609040504020204" pitchFamily="49" charset="0"/>
-            </a:endParaRPr>
-          </a:p>
-        </p:txBody>
-      </p:sp>
-      <p:sp>
-        <p:nvSpPr>
-          <p:cNvPr id="26" name="TextBox 25">
-            <a:extLst>
-              <a:ext uri="{FF2B5EF4-FFF2-40B4-BE49-F238E27FC236}">
-                <a16:creationId xmlns:a16="http://schemas.microsoft.com/office/drawing/2014/main" id="{9CD3321B-6480-4773-BC44-646DCAFDE031}"/>
-              </a:ext>
-            </a:extLst>
-          </p:cNvPr>
-          <p:cNvSpPr txBox="1"/>
-          <p:nvPr/>
-        </p:nvSpPr>
-        <p:spPr>
-          <a:xfrm>
-            <a:off x="247175" y="4494607"/>
-            <a:ext cx="11127378" cy="1169551"/>
-          </a:xfrm>
-          <a:prstGeom prst="rect">
-            <a:avLst/>
-          </a:prstGeom>
-          <a:noFill/>
-        </p:spPr>
-        <p:txBody>
-          <a:bodyPr wrap="square">
-            <a:spAutoFit/>
-          </a:bodyPr>
-          <a:lstStyle/>
-          <a:p>
-            <a:r>
-              <a:rPr lang="en-US" sz="1400" dirty="0">
-                <a:latin typeface="Lucida Console" panose="020B0609040504020204" pitchFamily="49" charset="0"/>
+              <a:t>, B. </a:t>
+            </a:r>
+            <a:r>
+              <a:rPr lang="en-US" dirty="0" err="1">
+                <a:highlight>
+                  <a:srgbClr val="FFFF00"/>
+                </a:highlight>
               </a:rPr>
-              <a:t>def </a:t>
-            </a:r>
-            <a:r>
-              <a:rPr lang="en-US" sz="1400" dirty="0" err="1">
-                <a:latin typeface="Lucida Console" panose="020B0609040504020204" pitchFamily="49" charset="0"/>
+              <a:t>uniformis</a:t>
+            </a:r>
+            <a:r>
+              <a:rPr lang="en-US" dirty="0">
+                <a:highlight>
+                  <a:srgbClr val="FFFF00"/>
+                </a:highlight>
               </a:rPr>
-              <a:t>parse_within_sample_sfs</a:t>
-            </a:r>
-            <a:r>
-              <a:rPr lang="en-US" sz="1400" dirty="0">
-                <a:latin typeface="Lucida Console" panose="020B0609040504020204" pitchFamily="49" charset="0"/>
+              <a:t>, E. </a:t>
+            </a:r>
+            <a:r>
+              <a:rPr lang="en-US" dirty="0" err="1">
+                <a:highlight>
+                  <a:srgbClr val="FFFF00"/>
+                </a:highlight>
               </a:rPr>
-              <a:t>(</a:t>
-            </a:r>
-            <a:r>
-              <a:rPr lang="en-US" sz="1400" dirty="0" err="1">
-                <a:latin typeface="Lucida Console" panose="020B0609040504020204" pitchFamily="49" charset="0"/>
+              <a:t>rectale</a:t>
+            </a:r>
+            <a:r>
+              <a:rPr lang="en-US" dirty="0">
+                <a:highlight>
+                  <a:srgbClr val="FFFF00"/>
+                </a:highlight>
               </a:rPr>
-              <a:t>species_name</a:t>
-            </a:r>
-            <a:r>
-              <a:rPr lang="en-US" sz="1400" dirty="0">
-                <a:latin typeface="Lucida Console" panose="020B0609040504020204" pitchFamily="49" charset="0"/>
-              </a:rPr>
-              <a:t>, </a:t>
-            </a:r>
-            <a:r>
-              <a:rPr lang="en-US" sz="1400" dirty="0" err="1">
-                <a:latin typeface="Lucida Console" panose="020B0609040504020204" pitchFamily="49" charset="0"/>
-              </a:rPr>
-              <a:t>allowed_variant_types</a:t>
-            </a:r>
-            <a:r>
-              <a:rPr lang="en-US" sz="1400" dirty="0">
-                <a:latin typeface="Lucida Console" panose="020B0609040504020204" pitchFamily="49" charset="0"/>
-              </a:rPr>
-              <a:t>=set(['1D','2D','3D','4D'])):</a:t>
-            </a:r>
-          </a:p>
-          <a:p>
-            <a:endParaRPr lang="en-US" sz="1400" dirty="0">
-              <a:latin typeface="Lucida Console" panose="020B0609040504020204" pitchFamily="49" charset="0"/>
-            </a:endParaRPr>
-          </a:p>
-          <a:p>
-            <a:r>
-              <a:rPr lang="en-US" sz="1400" dirty="0">
-                <a:latin typeface="Lucida Console" panose="020B0609040504020204" pitchFamily="49" charset="0"/>
-              </a:rPr>
-              <a:t>    # First write (filtered) genome-wide coverage distribution</a:t>
-            </a:r>
-          </a:p>
-          <a:p>
-            <a:r>
-              <a:rPr lang="en-US" sz="1400" dirty="0">
+              <a:t>.</a:t>
+            </a:r>
+          </a:p>
+          <a:p>
+            <a:r>
+              <a:rPr lang="en-US" dirty="0"/>
+              <a:t>Four demographic models </a:t>
+            </a:r>
+          </a:p>
+          <a:p>
+            <a:pPr lvl="1"/>
+            <a:r>
+              <a:rPr lang="en-US" dirty="0"/>
+              <a:t>exponential growth, two-epoch, bottleneck + growth, three-epoch</a:t>
+            </a:r>
+          </a:p>
+          <a:p>
+            <a:r>
+              <a:rPr lang="en-US" dirty="0"/>
+              <a:t>For each input species</a:t>
+            </a:r>
+          </a:p>
+          <a:p>
+            <a:pPr lvl="1"/>
+            <a:r>
+              <a:rPr lang="en-US" dirty="0"/>
+              <a:t>For each model:</a:t>
+            </a:r>
+          </a:p>
+          <a:p>
+            <a:pPr lvl="2"/>
+            <a:r>
+              <a:rPr lang="en-US" dirty="0"/>
+              <a:t>Take </a:t>
+            </a:r>
+            <a:r>
+              <a:rPr lang="en-US" dirty="0">
                 <a:solidFill>
                   <a:srgbClr val="FF0000"/>
                 </a:solidFill>
-                <a:latin typeface="Lucida Console" panose="020B0609040504020204" pitchFamily="49" charset="0"/>
               </a:rPr>
-              <a:t>    </a:t>
-            </a:r>
-            <a:r>
-              <a:rPr lang="en-US" sz="1400" dirty="0" err="1">
+              <a:t>15</a:t>
+            </a:r>
+            <a:r>
+              <a:rPr lang="en-US" dirty="0"/>
+              <a:t> initial guesses for parameter space (parameters differ by model)</a:t>
+            </a:r>
+          </a:p>
+          <a:p>
+            <a:pPr lvl="2"/>
+            <a:r>
+              <a:rPr lang="en-US" dirty="0"/>
+              <a:t>For each initial guess:</a:t>
+            </a:r>
+          </a:p>
+          <a:p>
+            <a:pPr lvl="3"/>
+            <a:r>
+              <a:rPr lang="en-US" dirty="0"/>
+              <a:t>Iterate through gradient ascent to find maximum likelihood for &lt;= </a:t>
+            </a:r>
+            <a:r>
+              <a:rPr lang="en-US" dirty="0">
                 <a:solidFill>
                   <a:srgbClr val="FF0000"/>
                 </a:solidFill>
-                <a:latin typeface="Lucida Console" panose="020B0609040504020204" pitchFamily="49" charset="0"/>
               </a:rPr>
-              <a:t>sfs_file</a:t>
-            </a:r>
-            <a:r>
-              <a:rPr lang="en-US" sz="1400" dirty="0">
-                <a:solidFill>
-                  <a:srgbClr val="FF0000"/>
-                </a:solidFill>
-                <a:latin typeface="Lucida Console" panose="020B0609040504020204" pitchFamily="49" charset="0"/>
-              </a:rPr>
-              <a:t> = bz2.BZ2File("%</a:t>
-            </a:r>
-            <a:r>
-              <a:rPr lang="en-US" sz="1400" dirty="0" err="1">
-                <a:solidFill>
-                  <a:srgbClr val="FF0000"/>
-                </a:solidFill>
-                <a:latin typeface="Lucida Console" panose="020B0609040504020204" pitchFamily="49" charset="0"/>
-              </a:rPr>
-              <a:t>ssnps</a:t>
-            </a:r>
-            <a:r>
-              <a:rPr lang="en-US" sz="1400" dirty="0">
-                <a:solidFill>
-                  <a:srgbClr val="FF0000"/>
-                </a:solidFill>
-                <a:latin typeface="Lucida Console" panose="020B0609040504020204" pitchFamily="49" charset="0"/>
-              </a:rPr>
-              <a:t>/%s/within_sample_sfs.txt.bz2" % (</a:t>
-            </a:r>
-            <a:r>
-              <a:rPr lang="en-US" sz="1400" dirty="0" err="1">
-                <a:solidFill>
-                  <a:srgbClr val="FF0000"/>
-                </a:solidFill>
-                <a:latin typeface="Lucida Console" panose="020B0609040504020204" pitchFamily="49" charset="0"/>
-              </a:rPr>
-              <a:t>data_directory</a:t>
-            </a:r>
-            <a:r>
-              <a:rPr lang="en-US" sz="1400" dirty="0">
-                <a:solidFill>
-                  <a:srgbClr val="FF0000"/>
-                </a:solidFill>
-                <a:latin typeface="Lucida Console" panose="020B0609040504020204" pitchFamily="49" charset="0"/>
-              </a:rPr>
-              <a:t>, </a:t>
-            </a:r>
-            <a:r>
-              <a:rPr lang="en-US" sz="1400" dirty="0" err="1">
-                <a:solidFill>
-                  <a:srgbClr val="FF0000"/>
-                </a:solidFill>
-                <a:latin typeface="Lucida Console" panose="020B0609040504020204" pitchFamily="49" charset="0"/>
-              </a:rPr>
-              <a:t>species_name</a:t>
-            </a:r>
-            <a:r>
-              <a:rPr lang="en-US" sz="1400" dirty="0">
-                <a:solidFill>
-                  <a:srgbClr val="FF0000"/>
-                </a:solidFill>
-                <a:latin typeface="Lucida Console" panose="020B0609040504020204" pitchFamily="49" charset="0"/>
-              </a:rPr>
-              <a:t>),"r")    </a:t>
-            </a:r>
-          </a:p>
-          <a:p>
-            <a:r>
-              <a:rPr lang="en-US" sz="1400" dirty="0">
-                <a:latin typeface="Lucida Console" panose="020B0609040504020204" pitchFamily="49" charset="0"/>
-              </a:rPr>
-              <a:t>    </a:t>
-            </a:r>
-            <a:r>
-              <a:rPr lang="en-US" sz="1400" dirty="0" err="1">
-                <a:latin typeface="Lucida Console" panose="020B0609040504020204" pitchFamily="49" charset="0"/>
-              </a:rPr>
-              <a:t>sfs_file.readline</a:t>
-            </a:r>
-            <a:r>
-              <a:rPr lang="en-US" sz="1400" dirty="0">
-                <a:latin typeface="Lucida Console" panose="020B0609040504020204" pitchFamily="49" charset="0"/>
-              </a:rPr>
-              <a:t>() # header</a:t>
-            </a:r>
-          </a:p>
-        </p:txBody>
-      </p:sp>
-      <p:sp>
-        <p:nvSpPr>
-          <p:cNvPr id="27" name="TextBox 26">
-            <a:extLst>
-              <a:ext uri="{FF2B5EF4-FFF2-40B4-BE49-F238E27FC236}">
-                <a16:creationId xmlns:a16="http://schemas.microsoft.com/office/drawing/2014/main" id="{054B8289-F903-4D12-80A2-7BFED2064F21}"/>
-              </a:ext>
-            </a:extLst>
-          </p:cNvPr>
-          <p:cNvSpPr txBox="1"/>
-          <p:nvPr/>
-        </p:nvSpPr>
-        <p:spPr>
-          <a:xfrm>
-            <a:off x="247175" y="6066503"/>
-            <a:ext cx="9032922" cy="369332"/>
-          </a:xfrm>
-          <a:prstGeom prst="rect">
-            <a:avLst/>
-          </a:prstGeom>
-          <a:noFill/>
-        </p:spPr>
-        <p:txBody>
-          <a:bodyPr wrap="none" rtlCol="0">
-            <a:spAutoFit/>
-          </a:bodyPr>
-          <a:lstStyle/>
-          <a:p>
-            <a:r>
-              <a:rPr lang="en-US" b="1" dirty="0"/>
-              <a:t>It appears that the </a:t>
-            </a:r>
-            <a:r>
-              <a:rPr lang="en-US" b="1" dirty="0" err="1"/>
-              <a:t>sfs</a:t>
-            </a:r>
-            <a:r>
-              <a:rPr lang="en-US" b="1" dirty="0"/>
-              <a:t> is computed from a within-sample </a:t>
-            </a:r>
-            <a:r>
-              <a:rPr lang="en-US" b="1" dirty="0" err="1"/>
-              <a:t>sfs</a:t>
-            </a:r>
-            <a:r>
-              <a:rPr lang="en-US" b="1" dirty="0"/>
-              <a:t> that has already been processed</a:t>
+              <a:t>50</a:t>
+            </a:r>
+            <a:r>
+              <a:rPr lang="en-US" dirty="0"/>
+              <a:t> steps</a:t>
+            </a:r>
+          </a:p>
+          <a:p>
+            <a:pPr lvl="3"/>
+            <a:r>
+              <a:rPr lang="en-US" dirty="0"/>
+              <a:t>Compute model params and log likelihood</a:t>
+            </a:r>
+          </a:p>
+          <a:p>
+            <a:pPr lvl="2"/>
+            <a:r>
+              <a:rPr lang="en-US" dirty="0"/>
+              <a:t>Output log likelihood and model params of best initial guess + iterations</a:t>
             </a:r>
           </a:p>
         </p:txBody>
@@ -7461,7 +9990,7 @@
           <p:cNvPr id="2" name="Title 1">
             <a:extLst>
               <a:ext uri="{FF2B5EF4-FFF2-40B4-BE49-F238E27FC236}">
-                <a16:creationId xmlns:a16="http://schemas.microsoft.com/office/drawing/2014/main" id="{65D628C1-80CE-412C-8D99-87265F8BBF5F}"/>
+                <a16:creationId xmlns:a16="http://schemas.microsoft.com/office/drawing/2014/main" id="{FC0C9624-1DBB-4B7A-B446-0EC6DD7756EB}"/>
               </a:ext>
             </a:extLst>
           </p:cNvPr>
@@ -7478,21 +10007,554 @@
           <a:lstStyle/>
           <a:p>
             <a:r>
-              <a:rPr lang="en-US" dirty="0">
-                <a:latin typeface="Yu Gothic" panose="020B0400000000000000" pitchFamily="34" charset="-128"/>
-                <a:ea typeface="Yu Gothic" panose="020B0400000000000000" pitchFamily="34" charset="-128"/>
-              </a:rPr>
-              <a:t>Implementation plan (for PCA)</a:t>
-            </a:r>
+              <a:rPr lang="en-US" dirty="0"/>
+              <a:t>Bacteroides </a:t>
+            </a:r>
+            <a:r>
+              <a:rPr lang="en-US" dirty="0" err="1"/>
+              <a:t>vulgatus</a:t>
+            </a:r>
+            <a:endParaRPr lang="en-US" dirty="0"/>
           </a:p>
         </p:txBody>
       </p:sp>
+      <p:pic>
+        <p:nvPicPr>
+          <p:cNvPr id="4" name="Picture 3">
+            <a:extLst>
+              <a:ext uri="{FF2B5EF4-FFF2-40B4-BE49-F238E27FC236}">
+                <a16:creationId xmlns:a16="http://schemas.microsoft.com/office/drawing/2014/main" id="{9DB340DB-FA02-4114-ABE9-205AE7B9DF6A}"/>
+              </a:ext>
+            </a:extLst>
+          </p:cNvPr>
+          <p:cNvPicPr>
+            <a:picLocks noChangeAspect="1"/>
+          </p:cNvPicPr>
+          <p:nvPr/>
+        </p:nvPicPr>
+        <p:blipFill>
+          <a:blip r:embed="rId2"/>
+          <a:stretch>
+            <a:fillRect/>
+          </a:stretch>
+        </p:blipFill>
+        <p:spPr>
+          <a:xfrm>
+            <a:off x="245805" y="1351179"/>
+            <a:ext cx="8186891" cy="3373375"/>
+          </a:xfrm>
+          <a:prstGeom prst="rect">
+            <a:avLst/>
+          </a:prstGeom>
+        </p:spPr>
+      </p:pic>
+      <p:graphicFrame>
+        <p:nvGraphicFramePr>
+          <p:cNvPr id="6" name="Table 4">
+            <a:extLst>
+              <a:ext uri="{FF2B5EF4-FFF2-40B4-BE49-F238E27FC236}">
+                <a16:creationId xmlns:a16="http://schemas.microsoft.com/office/drawing/2014/main" id="{43C8BB81-281C-4708-87FA-66B8AFDEA2BD}"/>
+              </a:ext>
+            </a:extLst>
+          </p:cNvPr>
+          <p:cNvGraphicFramePr>
+            <a:graphicFrameLocks noGrp="1"/>
+          </p:cNvGraphicFramePr>
+          <p:nvPr>
+            <p:ph idx="1"/>
+            <p:extLst>
+              <p:ext uri="{D42A27DB-BD31-4B8C-83A1-F6EECF244321}">
+                <p14:modId xmlns:p14="http://schemas.microsoft.com/office/powerpoint/2010/main" val="626195314"/>
+              </p:ext>
+            </p:extLst>
+          </p:nvPr>
+        </p:nvGraphicFramePr>
+        <p:xfrm>
+          <a:off x="838200" y="4539094"/>
+          <a:ext cx="10515600" cy="2225040"/>
+        </p:xfrm>
+        <a:graphic>
+          <a:graphicData uri="http://schemas.openxmlformats.org/drawingml/2006/table">
+            <a:tbl>
+              <a:tblPr firstRow="1" bandRow="1">
+                <a:tableStyleId>{073A0DAA-6AF3-43AB-8588-CEC1D06C72B9}</a:tableStyleId>
+              </a:tblPr>
+              <a:tblGrid>
+                <a:gridCol w="2103120">
+                  <a:extLst>
+                    <a:ext uri="{9D8B030D-6E8A-4147-A177-3AD203B41FA5}">
+                      <a16:colId xmlns:a16="http://schemas.microsoft.com/office/drawing/2014/main" val="2900726404"/>
+                    </a:ext>
+                  </a:extLst>
+                </a:gridCol>
+                <a:gridCol w="2103120">
+                  <a:extLst>
+                    <a:ext uri="{9D8B030D-6E8A-4147-A177-3AD203B41FA5}">
+                      <a16:colId xmlns:a16="http://schemas.microsoft.com/office/drawing/2014/main" val="2297780930"/>
+                    </a:ext>
+                  </a:extLst>
+                </a:gridCol>
+                <a:gridCol w="2103120">
+                  <a:extLst>
+                    <a:ext uri="{9D8B030D-6E8A-4147-A177-3AD203B41FA5}">
+                      <a16:colId xmlns:a16="http://schemas.microsoft.com/office/drawing/2014/main" val="1352057416"/>
+                    </a:ext>
+                  </a:extLst>
+                </a:gridCol>
+                <a:gridCol w="2103120">
+                  <a:extLst>
+                    <a:ext uri="{9D8B030D-6E8A-4147-A177-3AD203B41FA5}">
+                      <a16:colId xmlns:a16="http://schemas.microsoft.com/office/drawing/2014/main" val="1457082074"/>
+                    </a:ext>
+                  </a:extLst>
+                </a:gridCol>
+                <a:gridCol w="2103120">
+                  <a:extLst>
+                    <a:ext uri="{9D8B030D-6E8A-4147-A177-3AD203B41FA5}">
+                      <a16:colId xmlns:a16="http://schemas.microsoft.com/office/drawing/2014/main" val="633438695"/>
+                    </a:ext>
+                  </a:extLst>
+                </a:gridCol>
+              </a:tblGrid>
+              <a:tr h="370840">
+                <a:tc>
+                  <a:txBody>
+                    <a:bodyPr/>
+                    <a:lstStyle/>
+                    <a:p>
+                      <a:r>
+                        <a:rPr lang="en-US" dirty="0"/>
+                        <a:t>Model</a:t>
+                      </a:r>
+                    </a:p>
+                  </a:txBody>
+                  <a:tcPr/>
+                </a:tc>
+                <a:tc>
+                  <a:txBody>
+                    <a:bodyPr/>
+                    <a:lstStyle/>
+                    <a:p>
+                      <a:r>
+                        <a:rPr lang="en-US" dirty="0"/>
+                        <a:t>Exponential growth</a:t>
+                      </a:r>
+                    </a:p>
+                  </a:txBody>
+                  <a:tcPr/>
+                </a:tc>
+                <a:tc>
+                  <a:txBody>
+                    <a:bodyPr/>
+                    <a:lstStyle/>
+                    <a:p>
+                      <a:r>
+                        <a:rPr lang="en-US" dirty="0"/>
+                        <a:t>Two-epoch</a:t>
+                      </a:r>
+                    </a:p>
+                  </a:txBody>
+                  <a:tcPr/>
+                </a:tc>
+                <a:tc>
+                  <a:txBody>
+                    <a:bodyPr/>
+                    <a:lstStyle/>
+                    <a:p>
+                      <a:r>
+                        <a:rPr lang="en-US" dirty="0"/>
+                        <a:t>Bottleneck + growth</a:t>
+                      </a:r>
+                    </a:p>
+                  </a:txBody>
+                  <a:tcPr/>
+                </a:tc>
+                <a:tc>
+                  <a:txBody>
+                    <a:bodyPr/>
+                    <a:lstStyle/>
+                    <a:p>
+                      <a:r>
+                        <a:rPr lang="en-US" dirty="0"/>
+                        <a:t>Three-epoch</a:t>
+                      </a:r>
+                    </a:p>
+                  </a:txBody>
+                  <a:tcPr/>
+                </a:tc>
+                <a:extLst>
+                  <a:ext uri="{0D108BD9-81ED-4DB2-BD59-A6C34878D82A}">
+                    <a16:rowId xmlns:a16="http://schemas.microsoft.com/office/drawing/2014/main" val="3143057051"/>
+                  </a:ext>
+                </a:extLst>
+              </a:tr>
+              <a:tr h="370840">
+                <a:tc>
+                  <a:txBody>
+                    <a:bodyPr/>
+                    <a:lstStyle/>
+                    <a:p>
+                      <a:r>
+                        <a:rPr lang="en-US" dirty="0"/>
+                        <a:t>Log Likelihood</a:t>
+                      </a:r>
+                    </a:p>
+                  </a:txBody>
+                  <a:tcPr/>
+                </a:tc>
+                <a:tc>
+                  <a:txBody>
+                    <a:bodyPr/>
+                    <a:lstStyle/>
+                    <a:p>
+                      <a:r>
+                        <a:rPr lang="en-US" dirty="0"/>
+                        <a:t>-120.722757756</a:t>
+                      </a:r>
+                    </a:p>
+                  </a:txBody>
+                  <a:tcPr/>
+                </a:tc>
+                <a:tc>
+                  <a:txBody>
+                    <a:bodyPr/>
+                    <a:lstStyle/>
+                    <a:p>
+                      <a:r>
+                        <a:rPr lang="en-US" dirty="0"/>
+                        <a:t>-121.994069176</a:t>
+                      </a:r>
+                      <a:endParaRPr lang="en-US" dirty="0">
+                        <a:highlight>
+                          <a:srgbClr val="FFFF00"/>
+                        </a:highlight>
+                      </a:endParaRPr>
+                    </a:p>
+                  </a:txBody>
+                  <a:tcPr/>
+                </a:tc>
+                <a:tc>
+                  <a:txBody>
+                    <a:bodyPr/>
+                    <a:lstStyle/>
+                    <a:p>
+                      <a:r>
+                        <a:rPr lang="en-US" dirty="0"/>
+                        <a:t>-120.726052275</a:t>
+                      </a:r>
+                      <a:endParaRPr lang="en-US" dirty="0">
+                        <a:highlight>
+                          <a:srgbClr val="FFFF00"/>
+                        </a:highlight>
+                      </a:endParaRPr>
+                    </a:p>
+                  </a:txBody>
+                  <a:tcPr/>
+                </a:tc>
+                <a:tc>
+                  <a:txBody>
+                    <a:bodyPr/>
+                    <a:lstStyle/>
+                    <a:p>
+                      <a:endParaRPr lang="en-US" dirty="0"/>
+                    </a:p>
+                  </a:txBody>
+                  <a:tcPr/>
+                </a:tc>
+                <a:extLst>
+                  <a:ext uri="{0D108BD9-81ED-4DB2-BD59-A6C34878D82A}">
+                    <a16:rowId xmlns:a16="http://schemas.microsoft.com/office/drawing/2014/main" val="3235037204"/>
+                  </a:ext>
+                </a:extLst>
+              </a:tr>
+              <a:tr h="370840">
+                <a:tc>
+                  <a:txBody>
+                    <a:bodyPr/>
+                    <a:lstStyle/>
+                    <a:p>
+                      <a:r>
+                        <a:rPr lang="en-US" dirty="0" err="1"/>
+                        <a:t>Nu_a</a:t>
+                      </a:r>
+                      <a:endParaRPr lang="en-US" dirty="0"/>
+                    </a:p>
+                  </a:txBody>
+                  <a:tcPr/>
+                </a:tc>
+                <a:tc>
+                  <a:txBody>
+                    <a:bodyPr/>
+                    <a:lstStyle/>
+                    <a:p>
+                      <a:r>
+                        <a:rPr lang="en-US" dirty="0"/>
+                        <a:t>1.62764391</a:t>
+                      </a:r>
+                    </a:p>
+                  </a:txBody>
+                  <a:tcPr/>
+                </a:tc>
+                <a:tc>
+                  <a:txBody>
+                    <a:bodyPr/>
+                    <a:lstStyle/>
+                    <a:p>
+                      <a:r>
+                        <a:rPr lang="en-US" dirty="0"/>
+                        <a:t>1.49516307</a:t>
+                      </a:r>
+                    </a:p>
+                  </a:txBody>
+                  <a:tcPr/>
+                </a:tc>
+                <a:tc>
+                  <a:txBody>
+                    <a:bodyPr/>
+                    <a:lstStyle/>
+                    <a:p>
+                      <a:r>
+                        <a:rPr lang="en-US" dirty="0"/>
+                        <a:t>1.07053664</a:t>
+                      </a:r>
+                    </a:p>
+                  </a:txBody>
+                  <a:tcPr/>
+                </a:tc>
+                <a:tc>
+                  <a:txBody>
+                    <a:bodyPr/>
+                    <a:lstStyle/>
+                    <a:p>
+                      <a:endParaRPr lang="en-US" dirty="0"/>
+                    </a:p>
+                  </a:txBody>
+                  <a:tcPr/>
+                </a:tc>
+                <a:extLst>
+                  <a:ext uri="{0D108BD9-81ED-4DB2-BD59-A6C34878D82A}">
+                    <a16:rowId xmlns:a16="http://schemas.microsoft.com/office/drawing/2014/main" val="2717148640"/>
+                  </a:ext>
+                </a:extLst>
+              </a:tr>
+              <a:tr h="370840">
+                <a:tc>
+                  <a:txBody>
+                    <a:bodyPr/>
+                    <a:lstStyle/>
+                    <a:p>
+                      <a:r>
+                        <a:rPr lang="en-US" dirty="0" err="1"/>
+                        <a:t>Nu_b</a:t>
+                      </a:r>
+                      <a:endParaRPr lang="en-US" dirty="0"/>
+                    </a:p>
+                  </a:txBody>
+                  <a:tcPr/>
+                </a:tc>
+                <a:tc>
+                  <a:txBody>
+                    <a:bodyPr/>
+                    <a:lstStyle/>
+                    <a:p>
+                      <a:r>
+                        <a:rPr lang="en-US" dirty="0"/>
+                        <a:t>N/A</a:t>
+                      </a:r>
+                    </a:p>
+                  </a:txBody>
+                  <a:tcPr/>
+                </a:tc>
+                <a:tc>
+                  <a:txBody>
+                    <a:bodyPr/>
+                    <a:lstStyle/>
+                    <a:p>
+                      <a:r>
+                        <a:rPr lang="en-US" dirty="0"/>
+                        <a:t>N/A</a:t>
+                      </a:r>
+                    </a:p>
+                  </a:txBody>
+                  <a:tcPr/>
+                </a:tc>
+                <a:tc>
+                  <a:txBody>
+                    <a:bodyPr/>
+                    <a:lstStyle/>
+                    <a:p>
+                      <a:r>
+                        <a:rPr lang="en-US" dirty="0"/>
+                        <a:t>1.63127485</a:t>
+                      </a:r>
+                    </a:p>
+                  </a:txBody>
+                  <a:tcPr/>
+                </a:tc>
+                <a:tc>
+                  <a:txBody>
+                    <a:bodyPr/>
+                    <a:lstStyle/>
+                    <a:p>
+                      <a:endParaRPr lang="en-US" dirty="0"/>
+                    </a:p>
+                  </a:txBody>
+                  <a:tcPr/>
+                </a:tc>
+                <a:extLst>
+                  <a:ext uri="{0D108BD9-81ED-4DB2-BD59-A6C34878D82A}">
+                    <a16:rowId xmlns:a16="http://schemas.microsoft.com/office/drawing/2014/main" val="3992781458"/>
+                  </a:ext>
+                </a:extLst>
+              </a:tr>
+              <a:tr h="370840">
+                <a:tc>
+                  <a:txBody>
+                    <a:bodyPr/>
+                    <a:lstStyle/>
+                    <a:p>
+                      <a:r>
+                        <a:rPr lang="en-US" dirty="0"/>
+                        <a:t>T_12</a:t>
+                      </a:r>
+                    </a:p>
+                  </a:txBody>
+                  <a:tcPr/>
+                </a:tc>
+                <a:tc>
+                  <a:txBody>
+                    <a:bodyPr/>
+                    <a:lstStyle/>
+                    <a:p>
+                      <a:r>
+                        <a:rPr lang="en-US" dirty="0"/>
+                        <a:t>1.09100781</a:t>
+                      </a:r>
+                    </a:p>
+                  </a:txBody>
+                  <a:tcPr/>
+                </a:tc>
+                <a:tc>
+                  <a:txBody>
+                    <a:bodyPr/>
+                    <a:lstStyle/>
+                    <a:p>
+                      <a:r>
+                        <a:rPr lang="en-US" dirty="0"/>
+                        <a:t>0.44708506</a:t>
+                      </a:r>
+                    </a:p>
+                  </a:txBody>
+                  <a:tcPr/>
+                </a:tc>
+                <a:tc>
+                  <a:txBody>
+                    <a:bodyPr/>
+                    <a:lstStyle/>
+                    <a:p>
+                      <a:r>
+                        <a:rPr lang="en-US" dirty="0"/>
+                        <a:t>0.98098777</a:t>
+                      </a:r>
+                    </a:p>
+                  </a:txBody>
+                  <a:tcPr/>
+                </a:tc>
+                <a:tc>
+                  <a:txBody>
+                    <a:bodyPr/>
+                    <a:lstStyle/>
+                    <a:p>
+                      <a:endParaRPr lang="en-US" dirty="0"/>
+                    </a:p>
+                  </a:txBody>
+                  <a:tcPr/>
+                </a:tc>
+                <a:extLst>
+                  <a:ext uri="{0D108BD9-81ED-4DB2-BD59-A6C34878D82A}">
+                    <a16:rowId xmlns:a16="http://schemas.microsoft.com/office/drawing/2014/main" val="3283572519"/>
+                  </a:ext>
+                </a:extLst>
+              </a:tr>
+              <a:tr h="370840">
+                <a:tc>
+                  <a:txBody>
+                    <a:bodyPr/>
+                    <a:lstStyle/>
+                    <a:p>
+                      <a:r>
+                        <a:rPr lang="en-US" dirty="0"/>
+                        <a:t>T_23</a:t>
+                      </a:r>
+                    </a:p>
+                  </a:txBody>
+                  <a:tcPr/>
+                </a:tc>
+                <a:tc>
+                  <a:txBody>
+                    <a:bodyPr/>
+                    <a:lstStyle/>
+                    <a:p>
+                      <a:r>
+                        <a:rPr lang="en-US" dirty="0"/>
+                        <a:t>N/A</a:t>
+                      </a:r>
+                    </a:p>
+                  </a:txBody>
+                  <a:tcPr/>
+                </a:tc>
+                <a:tc>
+                  <a:txBody>
+                    <a:bodyPr/>
+                    <a:lstStyle/>
+                    <a:p>
+                      <a:r>
+                        <a:rPr lang="en-US" dirty="0"/>
+                        <a:t>N/A</a:t>
+                      </a:r>
+                    </a:p>
+                  </a:txBody>
+                  <a:tcPr/>
+                </a:tc>
+                <a:tc>
+                  <a:txBody>
+                    <a:bodyPr/>
+                    <a:lstStyle/>
+                    <a:p>
+                      <a:r>
+                        <a:rPr lang="en-US" dirty="0"/>
+                        <a:t>N/A</a:t>
+                      </a:r>
+                    </a:p>
+                  </a:txBody>
+                  <a:tcPr/>
+                </a:tc>
+                <a:tc>
+                  <a:txBody>
+                    <a:bodyPr/>
+                    <a:lstStyle/>
+                    <a:p>
+                      <a:endParaRPr lang="en-US" dirty="0"/>
+                    </a:p>
+                  </a:txBody>
+                  <a:tcPr/>
+                </a:tc>
+                <a:extLst>
+                  <a:ext uri="{0D108BD9-81ED-4DB2-BD59-A6C34878D82A}">
+                    <a16:rowId xmlns:a16="http://schemas.microsoft.com/office/drawing/2014/main" val="2422470866"/>
+                  </a:ext>
+                </a:extLst>
+              </a:tr>
+            </a:tbl>
+          </a:graphicData>
+        </a:graphic>
+      </p:graphicFrame>
       <p:sp>
         <p:nvSpPr>
-          <p:cNvPr id="16" name="TextBox 15">
+          <p:cNvPr id="7" name="TextBox 6">
             <a:extLst>
               <a:ext uri="{FF2B5EF4-FFF2-40B4-BE49-F238E27FC236}">
-                <a16:creationId xmlns:a16="http://schemas.microsoft.com/office/drawing/2014/main" id="{C930BCAD-D6E5-4F2F-9E3A-284C325737ED}"/>
+                <a16:creationId xmlns:a16="http://schemas.microsoft.com/office/drawing/2014/main" id="{3E71FB0F-0EB4-45FF-86AA-08675F67D12A}"/>
               </a:ext>
             </a:extLst>
           </p:cNvPr>
@@ -7501,97 +10563,8 @@
         </p:nvSpPr>
         <p:spPr>
           <a:xfrm>
-            <a:off x="189550" y="1491273"/>
-            <a:ext cx="3300902" cy="338554"/>
-          </a:xfrm>
-          <a:prstGeom prst="rect">
-            <a:avLst/>
-          </a:prstGeom>
-          <a:noFill/>
-          <a:ln>
-            <a:solidFill>
-              <a:schemeClr val="tx1"/>
-            </a:solidFill>
-          </a:ln>
-        </p:spPr>
-        <p:txBody>
-          <a:bodyPr wrap="square" rtlCol="0">
-            <a:spAutoFit/>
-          </a:bodyPr>
-          <a:lstStyle/>
-          <a:p>
-            <a:r>
-              <a:rPr lang="en-US" sz="1600" dirty="0">
-                <a:latin typeface="Lucida Console" panose="020B0609040504020204" pitchFamily="49" charset="0"/>
-              </a:rPr>
-              <a:t>postprocess_midas_data.py</a:t>
-            </a:r>
-          </a:p>
-        </p:txBody>
-      </p:sp>
-      <p:sp>
-        <p:nvSpPr>
-          <p:cNvPr id="17" name="Left Brace 16">
-            <a:extLst>
-              <a:ext uri="{FF2B5EF4-FFF2-40B4-BE49-F238E27FC236}">
-                <a16:creationId xmlns:a16="http://schemas.microsoft.com/office/drawing/2014/main" id="{94E7C3B7-4C14-403C-BE6C-2E7FB74DEDC6}"/>
-              </a:ext>
-            </a:extLst>
-          </p:cNvPr>
-          <p:cNvSpPr/>
-          <p:nvPr/>
-        </p:nvSpPr>
-        <p:spPr>
-          <a:xfrm rot="5400000">
-            <a:off x="5843148" y="-3656245"/>
-            <a:ext cx="338553" cy="11434918"/>
-          </a:xfrm>
-          <a:prstGeom prst="leftBrace">
-            <a:avLst>
-              <a:gd name="adj1" fmla="val 8333"/>
-              <a:gd name="adj2" fmla="val 82244"/>
-            </a:avLst>
-          </a:prstGeom>
-        </p:spPr>
-        <p:style>
-          <a:lnRef idx="1">
-            <a:schemeClr val="dk1"/>
-          </a:lnRef>
-          <a:fillRef idx="0">
-            <a:schemeClr val="dk1"/>
-          </a:fillRef>
-          <a:effectRef idx="0">
-            <a:schemeClr val="dk1"/>
-          </a:effectRef>
-          <a:fontRef idx="minor">
-            <a:schemeClr val="tx1"/>
-          </a:fontRef>
-        </p:style>
-        <p:txBody>
-          <a:bodyPr rtlCol="0" anchor="ctr"/>
-          <a:lstStyle/>
-          <a:p>
-            <a:pPr algn="ctr"/>
-            <a:endParaRPr lang="en-US"/>
-          </a:p>
-        </p:txBody>
-      </p:sp>
-      <p:sp>
-        <p:nvSpPr>
-          <p:cNvPr id="3" name="TextBox 2">
-            <a:extLst>
-              <a:ext uri="{FF2B5EF4-FFF2-40B4-BE49-F238E27FC236}">
-                <a16:creationId xmlns:a16="http://schemas.microsoft.com/office/drawing/2014/main" id="{FAB4FB15-19E2-4133-A4BC-3310B730AD65}"/>
-              </a:ext>
-            </a:extLst>
-          </p:cNvPr>
-          <p:cNvSpPr txBox="1"/>
-          <p:nvPr/>
-        </p:nvSpPr>
-        <p:spPr>
-          <a:xfrm>
-            <a:off x="-50882" y="2272545"/>
-            <a:ext cx="11998798" cy="1169551"/>
+            <a:off x="7096453" y="1690688"/>
+            <a:ext cx="5095547" cy="1754326"/>
           </a:xfrm>
           <a:prstGeom prst="rect">
             <a:avLst/>
@@ -7599,349 +10572,80 @@
           <a:noFill/>
         </p:spPr>
         <p:txBody>
-          <a:bodyPr wrap="none" rtlCol="0">
-            <a:spAutoFit/>
-          </a:bodyPr>
-          <a:lstStyle/>
-          <a:p>
-            <a:r>
-              <a:rPr lang="en-US" sz="1400" dirty="0">
-                <a:latin typeface="Lucida Console" panose="020B0609040504020204" pitchFamily="49" charset="0"/>
-              </a:rPr>
-              <a:t># Calculate within person SFS</a:t>
-            </a:r>
-          </a:p>
-          <a:p>
-            <a:r>
-              <a:rPr lang="en-US" sz="1400" dirty="0">
-                <a:latin typeface="Lucida Console" panose="020B0609040504020204" pitchFamily="49" charset="0"/>
-              </a:rPr>
-              <a:t># this produces within_sample_sfs.txt.bz2. </a:t>
-            </a:r>
-          </a:p>
-          <a:p>
-            <a:r>
-              <a:rPr lang="en-US" sz="1400" dirty="0" err="1">
-                <a:latin typeface="Lucida Console" panose="020B0609040504020204" pitchFamily="49" charset="0"/>
-              </a:rPr>
-              <a:t>sys.stderr.write</a:t>
-            </a:r>
-            <a:r>
-              <a:rPr lang="en-US" sz="1400" dirty="0">
-                <a:latin typeface="Lucida Console" panose="020B0609040504020204" pitchFamily="49" charset="0"/>
-              </a:rPr>
-              <a:t>('Calculating within-sample SFSs...\n’)</a:t>
-            </a:r>
-          </a:p>
-          <a:p>
-            <a:r>
-              <a:rPr lang="en-US" sz="1400" dirty="0">
-                <a:latin typeface="Lucida Console" panose="020B0609040504020204" pitchFamily="49" charset="0"/>
-              </a:rPr>
-              <a:t># </a:t>
-            </a:r>
-            <a:r>
-              <a:rPr lang="en-US" sz="1400" dirty="0" err="1">
-                <a:latin typeface="Lucida Console" panose="020B0609040504020204" pitchFamily="49" charset="0"/>
-              </a:rPr>
-              <a:t>os.system</a:t>
-            </a:r>
-            <a:r>
-              <a:rPr lang="en-US" sz="1400" dirty="0">
-                <a:latin typeface="Lucida Console" panose="020B0609040504020204" pitchFamily="49" charset="0"/>
-              </a:rPr>
-              <a:t>('python %s</a:t>
-            </a:r>
-            <a:r>
-              <a:rPr lang="en-US" sz="1400" dirty="0">
-                <a:solidFill>
-                  <a:srgbClr val="FF0000"/>
-                </a:solidFill>
-                <a:latin typeface="Lucida Console" panose="020B0609040504020204" pitchFamily="49" charset="0"/>
-              </a:rPr>
-              <a:t>calculate_within_person_sfs.py</a:t>
-            </a:r>
-            <a:r>
-              <a:rPr lang="en-US" sz="1400" dirty="0">
-                <a:latin typeface="Lucida Console" panose="020B0609040504020204" pitchFamily="49" charset="0"/>
-              </a:rPr>
-              <a:t> %s' % (</a:t>
-            </a:r>
-            <a:r>
-              <a:rPr lang="en-US" sz="1400" dirty="0" err="1">
-                <a:latin typeface="Lucida Console" panose="020B0609040504020204" pitchFamily="49" charset="0"/>
-              </a:rPr>
-              <a:t>parse_midas_data.scripts_directory</a:t>
-            </a:r>
-            <a:r>
-              <a:rPr lang="en-US" sz="1400" dirty="0">
-                <a:latin typeface="Lucida Console" panose="020B0609040504020204" pitchFamily="49" charset="0"/>
-              </a:rPr>
-              <a:t>, </a:t>
-            </a:r>
-            <a:r>
-              <a:rPr lang="en-US" sz="1400" dirty="0" err="1">
-                <a:latin typeface="Lucida Console" panose="020B0609040504020204" pitchFamily="49" charset="0"/>
-              </a:rPr>
-              <a:t>species_name</a:t>
-            </a:r>
-            <a:r>
-              <a:rPr lang="en-US" sz="1400" dirty="0">
-                <a:latin typeface="Lucida Console" panose="020B0609040504020204" pitchFamily="49" charset="0"/>
-              </a:rPr>
-              <a:t>))</a:t>
-            </a:r>
-          </a:p>
-          <a:p>
-            <a:r>
-              <a:rPr lang="en-US" sz="1400" dirty="0" err="1">
-                <a:latin typeface="Lucida Console" panose="020B0609040504020204" pitchFamily="49" charset="0"/>
-              </a:rPr>
-              <a:t>sys.stderr.write</a:t>
-            </a:r>
-            <a:r>
-              <a:rPr lang="en-US" sz="1400" dirty="0">
-                <a:latin typeface="Lucida Console" panose="020B0609040504020204" pitchFamily="49" charset="0"/>
-              </a:rPr>
-              <a:t>('Done calculating within-sample SFSs!\n')</a:t>
-            </a:r>
-          </a:p>
-        </p:txBody>
-      </p:sp>
-      <p:sp>
-        <p:nvSpPr>
-          <p:cNvPr id="19" name="TextBox 18">
-            <a:extLst>
-              <a:ext uri="{FF2B5EF4-FFF2-40B4-BE49-F238E27FC236}">
-                <a16:creationId xmlns:a16="http://schemas.microsoft.com/office/drawing/2014/main" id="{923C625C-F844-421D-83CD-FEB6A47F4452}"/>
-              </a:ext>
-            </a:extLst>
-          </p:cNvPr>
-          <p:cNvSpPr txBox="1"/>
-          <p:nvPr/>
-        </p:nvSpPr>
-        <p:spPr>
-          <a:xfrm>
-            <a:off x="194468" y="4032914"/>
-            <a:ext cx="4298874" cy="338554"/>
-          </a:xfrm>
-          <a:prstGeom prst="rect">
-            <a:avLst/>
-          </a:prstGeom>
-          <a:noFill/>
-          <a:ln>
-            <a:solidFill>
-              <a:schemeClr val="tx1"/>
-            </a:solidFill>
-          </a:ln>
-        </p:spPr>
-        <p:txBody>
           <a:bodyPr wrap="square" rtlCol="0">
             <a:spAutoFit/>
           </a:bodyPr>
           <a:lstStyle/>
           <a:p>
-            <a:r>
-              <a:rPr lang="en-US" sz="1600" dirty="0">
-                <a:latin typeface="Lucida Console" panose="020B0609040504020204" pitchFamily="49" charset="0"/>
-              </a:rPr>
-              <a:t>calculate_within_person_sfs.py</a:t>
+            <a:pPr marL="285750" indent="-285750">
+              <a:buFont typeface="Arial" panose="020B0604020202020204" pitchFamily="34" charset="0"/>
+              <a:buChar char="•"/>
+            </a:pPr>
+            <a:r>
+              <a:rPr lang="en-US" dirty="0" err="1"/>
+              <a:t>Nu_a</a:t>
+            </a:r>
+            <a:r>
+              <a:rPr lang="en-US" dirty="0"/>
+              <a:t>: contemporary population relative to ancestral population before first epoch</a:t>
+            </a:r>
+          </a:p>
+          <a:p>
+            <a:pPr marL="285750" indent="-285750">
+              <a:buFont typeface="Arial" panose="020B0604020202020204" pitchFamily="34" charset="0"/>
+              <a:buChar char="•"/>
+            </a:pPr>
+            <a:r>
+              <a:rPr lang="en-US" dirty="0" err="1"/>
+              <a:t>Nu_b</a:t>
+            </a:r>
+            <a:r>
+              <a:rPr lang="en-US" dirty="0"/>
+              <a:t>: contemporary population relative to ancestral population before second epoch</a:t>
+            </a:r>
+          </a:p>
+          <a:p>
+            <a:pPr marL="285750" indent="-285750">
+              <a:buFont typeface="Arial" panose="020B0604020202020204" pitchFamily="34" charset="0"/>
+              <a:buChar char="•"/>
+            </a:pPr>
+            <a:r>
+              <a:rPr lang="en-US" dirty="0"/>
+              <a:t>T_1: Duration of first epoch (units of 2 * </a:t>
+            </a:r>
+            <a:r>
+              <a:rPr lang="en-US" dirty="0" err="1"/>
+              <a:t>N_a</a:t>
+            </a:r>
+            <a:r>
+              <a:rPr lang="en-US" dirty="0"/>
+              <a:t>)</a:t>
+            </a:r>
+          </a:p>
+          <a:p>
+            <a:pPr marL="285750" indent="-285750">
+              <a:buFont typeface="Arial" panose="020B0604020202020204" pitchFamily="34" charset="0"/>
+              <a:buChar char="•"/>
+            </a:pPr>
+            <a:r>
+              <a:rPr lang="en-US" dirty="0"/>
+              <a:t>T_2: Duration of second epoch (units of 2 * </a:t>
+            </a:r>
+            <a:r>
+              <a:rPr lang="en-US" dirty="0" err="1"/>
+              <a:t>N_a</a:t>
+            </a:r>
+            <a:r>
+              <a:rPr lang="en-US" dirty="0"/>
+              <a:t>)</a:t>
             </a:r>
           </a:p>
         </p:txBody>
       </p:sp>
-      <p:sp>
-        <p:nvSpPr>
-          <p:cNvPr id="20" name="Left Brace 19">
-            <a:extLst>
-              <a:ext uri="{FF2B5EF4-FFF2-40B4-BE49-F238E27FC236}">
-                <a16:creationId xmlns:a16="http://schemas.microsoft.com/office/drawing/2014/main" id="{65D95712-99DD-4A92-A57D-FB789E09D5C2}"/>
-              </a:ext>
-            </a:extLst>
-          </p:cNvPr>
-          <p:cNvSpPr/>
-          <p:nvPr/>
-        </p:nvSpPr>
-        <p:spPr>
-          <a:xfrm rot="5400000">
-            <a:off x="5848066" y="-1114604"/>
-            <a:ext cx="338553" cy="11434918"/>
-          </a:xfrm>
-          <a:prstGeom prst="leftBrace">
-            <a:avLst>
-              <a:gd name="adj1" fmla="val 8333"/>
-              <a:gd name="adj2" fmla="val 82244"/>
-            </a:avLst>
-          </a:prstGeom>
-        </p:spPr>
-        <p:style>
-          <a:lnRef idx="1">
-            <a:schemeClr val="dk1"/>
-          </a:lnRef>
-          <a:fillRef idx="0">
-            <a:schemeClr val="dk1"/>
-          </a:fillRef>
-          <a:effectRef idx="0">
-            <a:schemeClr val="dk1"/>
-          </a:effectRef>
-          <a:fontRef idx="minor">
-            <a:schemeClr val="tx1"/>
-          </a:fontRef>
-        </p:style>
-        <p:txBody>
-          <a:bodyPr rtlCol="0" anchor="ctr"/>
-          <a:lstStyle/>
-          <a:p>
-            <a:pPr algn="ctr"/>
-            <a:endParaRPr lang="en-US"/>
-          </a:p>
-        </p:txBody>
-      </p:sp>
-      <p:sp>
-        <p:nvSpPr>
-          <p:cNvPr id="25" name="TextBox 24">
-            <a:extLst>
-              <a:ext uri="{FF2B5EF4-FFF2-40B4-BE49-F238E27FC236}">
-                <a16:creationId xmlns:a16="http://schemas.microsoft.com/office/drawing/2014/main" id="{7F2CB4DD-DFF7-44D5-B705-9BBDBACCD4FA}"/>
-              </a:ext>
-            </a:extLst>
-          </p:cNvPr>
-          <p:cNvSpPr txBox="1"/>
-          <p:nvPr/>
-        </p:nvSpPr>
-        <p:spPr>
-          <a:xfrm>
-            <a:off x="-45964" y="4814186"/>
-            <a:ext cx="12321002" cy="523220"/>
-          </a:xfrm>
-          <a:prstGeom prst="rect">
-            <a:avLst/>
-          </a:prstGeom>
-          <a:noFill/>
-        </p:spPr>
-        <p:txBody>
-          <a:bodyPr wrap="none" rtlCol="0">
-            <a:spAutoFit/>
-          </a:bodyPr>
-          <a:lstStyle/>
-          <a:p>
-            <a:r>
-              <a:rPr lang="en-US" sz="1400" dirty="0">
-                <a:latin typeface="Lucida Console" panose="020B0609040504020204" pitchFamily="49" charset="0"/>
-              </a:rPr>
-              <a:t># Open </a:t>
-            </a:r>
-            <a:r>
-              <a:rPr lang="en-US" sz="1400" b="1" dirty="0">
-                <a:latin typeface="Lucida Console" panose="020B0609040504020204" pitchFamily="49" charset="0"/>
-              </a:rPr>
-              <a:t>post-processed</a:t>
-            </a:r>
-            <a:r>
-              <a:rPr lang="en-US" sz="1400" dirty="0">
-                <a:latin typeface="Lucida Console" panose="020B0609040504020204" pitchFamily="49" charset="0"/>
-              </a:rPr>
-              <a:t> MIDAS output</a:t>
-            </a:r>
-          </a:p>
-          <a:p>
-            <a:r>
-              <a:rPr lang="en-US" sz="1400" dirty="0" err="1">
-                <a:latin typeface="Lucida Console" panose="020B0609040504020204" pitchFamily="49" charset="0"/>
-              </a:rPr>
-              <a:t>snp_file</a:t>
-            </a:r>
-            <a:r>
-              <a:rPr lang="en-US" sz="1400" dirty="0">
-                <a:latin typeface="Lucida Console" panose="020B0609040504020204" pitchFamily="49" charset="0"/>
-              </a:rPr>
-              <a:t> =  bz2.BZ2File("%</a:t>
-            </a:r>
-            <a:r>
-              <a:rPr lang="en-US" sz="1400" dirty="0" err="1">
-                <a:latin typeface="Lucida Console" panose="020B0609040504020204" pitchFamily="49" charset="0"/>
-              </a:rPr>
-              <a:t>ssnps</a:t>
-            </a:r>
-            <a:r>
-              <a:rPr lang="en-US" sz="1400" dirty="0">
-                <a:latin typeface="Lucida Console" panose="020B0609040504020204" pitchFamily="49" charset="0"/>
-              </a:rPr>
-              <a:t>/%s/annotated_snps.txt.bz2" % (</a:t>
-            </a:r>
-            <a:r>
-              <a:rPr lang="en-US" sz="1400" dirty="0" err="1">
-                <a:latin typeface="Lucida Console" panose="020B0609040504020204" pitchFamily="49" charset="0"/>
-              </a:rPr>
-              <a:t>parse_midas_data.data_directory</a:t>
-            </a:r>
-            <a:r>
-              <a:rPr lang="en-US" sz="1400" dirty="0">
-                <a:latin typeface="Lucida Console" panose="020B0609040504020204" pitchFamily="49" charset="0"/>
-              </a:rPr>
-              <a:t>, </a:t>
-            </a:r>
-            <a:r>
-              <a:rPr lang="en-US" sz="1400" dirty="0" err="1">
-                <a:latin typeface="Lucida Console" panose="020B0609040504020204" pitchFamily="49" charset="0"/>
-              </a:rPr>
-              <a:t>species_name</a:t>
-            </a:r>
-            <a:r>
-              <a:rPr lang="en-US" sz="1400" dirty="0">
-                <a:latin typeface="Lucida Console" panose="020B0609040504020204" pitchFamily="49" charset="0"/>
-              </a:rPr>
-              <a:t>),"r")</a:t>
-            </a:r>
-          </a:p>
-        </p:txBody>
-      </p:sp>
-      <p:cxnSp>
-        <p:nvCxnSpPr>
-          <p:cNvPr id="10" name="Straight Arrow Connector 9">
-            <a:extLst>
-              <a:ext uri="{FF2B5EF4-FFF2-40B4-BE49-F238E27FC236}">
-                <a16:creationId xmlns:a16="http://schemas.microsoft.com/office/drawing/2014/main" id="{16A86059-D224-4752-833C-2542F08964C2}"/>
-              </a:ext>
-            </a:extLst>
-          </p:cNvPr>
-          <p:cNvCxnSpPr>
-            <a:cxnSpLocks/>
-            <a:endCxn id="19" idx="0"/>
-          </p:cNvCxnSpPr>
-          <p:nvPr/>
-        </p:nvCxnSpPr>
-        <p:spPr>
-          <a:xfrm flipH="1">
-            <a:off x="2343905" y="3185652"/>
-            <a:ext cx="497618" cy="847262"/>
-          </a:xfrm>
-          <a:prstGeom prst="straightConnector1">
-            <a:avLst/>
-          </a:prstGeom>
-          <a:ln w="57150">
-            <a:tailEnd type="triangle"/>
-          </a:ln>
-        </p:spPr>
-        <p:style>
-          <a:lnRef idx="1">
-            <a:schemeClr val="dk1"/>
-          </a:lnRef>
-          <a:fillRef idx="0">
-            <a:schemeClr val="dk1"/>
-          </a:fillRef>
-          <a:effectRef idx="0">
-            <a:schemeClr val="dk1"/>
-          </a:effectRef>
-          <a:fontRef idx="minor">
-            <a:schemeClr val="tx1"/>
-          </a:fontRef>
-        </p:style>
-      </p:cxnSp>
     </p:spTree>
     <p:extLst>
       <p:ext uri="{BB962C8B-B14F-4D97-AF65-F5344CB8AC3E}">
-        <p14:creationId xmlns:p14="http://schemas.microsoft.com/office/powerpoint/2010/main" val="3254429067"/>
+        <p14:creationId xmlns:p14="http://schemas.microsoft.com/office/powerpoint/2010/main" val="1722285914"/>
       </p:ext>
     </p:extLst>
   </p:cSld>
@@ -7973,7 +10677,7 @@
           <p:cNvPr id="2" name="Title 1">
             <a:extLst>
               <a:ext uri="{FF2B5EF4-FFF2-40B4-BE49-F238E27FC236}">
-                <a16:creationId xmlns:a16="http://schemas.microsoft.com/office/drawing/2014/main" id="{65D628C1-80CE-412C-8D99-87265F8BBF5F}"/>
+                <a16:creationId xmlns:a16="http://schemas.microsoft.com/office/drawing/2014/main" id="{FC0C9624-1DBB-4B7A-B446-0EC6DD7756EB}"/>
               </a:ext>
             </a:extLst>
           </p:cNvPr>
@@ -7990,21 +10694,554 @@
           <a:lstStyle/>
           <a:p>
             <a:r>
-              <a:rPr lang="en-US" dirty="0">
-                <a:latin typeface="Yu Gothic" panose="020B0400000000000000" pitchFamily="34" charset="-128"/>
-                <a:ea typeface="Yu Gothic" panose="020B0400000000000000" pitchFamily="34" charset="-128"/>
-              </a:rPr>
-              <a:t>Implementation plan (for PCA)</a:t>
-            </a:r>
+              <a:rPr lang="en-US" dirty="0"/>
+              <a:t>Bacteroides </a:t>
+            </a:r>
+            <a:r>
+              <a:rPr lang="en-US" dirty="0" err="1"/>
+              <a:t>ovatus</a:t>
+            </a:r>
+            <a:endParaRPr lang="en-US" dirty="0"/>
           </a:p>
         </p:txBody>
       </p:sp>
+      <p:pic>
+        <p:nvPicPr>
+          <p:cNvPr id="4" name="Picture 3">
+            <a:extLst>
+              <a:ext uri="{FF2B5EF4-FFF2-40B4-BE49-F238E27FC236}">
+                <a16:creationId xmlns:a16="http://schemas.microsoft.com/office/drawing/2014/main" id="{8865A12F-B336-4C8D-BF76-1BE69927E054}"/>
+              </a:ext>
+            </a:extLst>
+          </p:cNvPr>
+          <p:cNvPicPr>
+            <a:picLocks noChangeAspect="1"/>
+          </p:cNvPicPr>
+          <p:nvPr/>
+        </p:nvPicPr>
+        <p:blipFill>
+          <a:blip r:embed="rId2"/>
+          <a:stretch>
+            <a:fillRect/>
+          </a:stretch>
+        </p:blipFill>
+        <p:spPr>
+          <a:xfrm>
+            <a:off x="256878" y="1428443"/>
+            <a:ext cx="7420897" cy="3002841"/>
+          </a:xfrm>
+          <a:prstGeom prst="rect">
+            <a:avLst/>
+          </a:prstGeom>
+        </p:spPr>
+      </p:pic>
+      <p:graphicFrame>
+        <p:nvGraphicFramePr>
+          <p:cNvPr id="6" name="Table 4">
+            <a:extLst>
+              <a:ext uri="{FF2B5EF4-FFF2-40B4-BE49-F238E27FC236}">
+                <a16:creationId xmlns:a16="http://schemas.microsoft.com/office/drawing/2014/main" id="{A9705451-B491-4190-AD26-9043A7325C40}"/>
+              </a:ext>
+            </a:extLst>
+          </p:cNvPr>
+          <p:cNvGraphicFramePr>
+            <a:graphicFrameLocks noGrp="1"/>
+          </p:cNvGraphicFramePr>
+          <p:nvPr>
+            <p:ph idx="1"/>
+            <p:extLst>
+              <p:ext uri="{D42A27DB-BD31-4B8C-83A1-F6EECF244321}">
+                <p14:modId xmlns:p14="http://schemas.microsoft.com/office/powerpoint/2010/main" val="2905816402"/>
+              </p:ext>
+            </p:extLst>
+          </p:nvPr>
+        </p:nvGraphicFramePr>
+        <p:xfrm>
+          <a:off x="838200" y="4431284"/>
+          <a:ext cx="10515600" cy="2225040"/>
+        </p:xfrm>
+        <a:graphic>
+          <a:graphicData uri="http://schemas.openxmlformats.org/drawingml/2006/table">
+            <a:tbl>
+              <a:tblPr firstRow="1" bandRow="1">
+                <a:tableStyleId>{073A0DAA-6AF3-43AB-8588-CEC1D06C72B9}</a:tableStyleId>
+              </a:tblPr>
+              <a:tblGrid>
+                <a:gridCol w="2103120">
+                  <a:extLst>
+                    <a:ext uri="{9D8B030D-6E8A-4147-A177-3AD203B41FA5}">
+                      <a16:colId xmlns:a16="http://schemas.microsoft.com/office/drawing/2014/main" val="2900726404"/>
+                    </a:ext>
+                  </a:extLst>
+                </a:gridCol>
+                <a:gridCol w="2103120">
+                  <a:extLst>
+                    <a:ext uri="{9D8B030D-6E8A-4147-A177-3AD203B41FA5}">
+                      <a16:colId xmlns:a16="http://schemas.microsoft.com/office/drawing/2014/main" val="2297780930"/>
+                    </a:ext>
+                  </a:extLst>
+                </a:gridCol>
+                <a:gridCol w="2103120">
+                  <a:extLst>
+                    <a:ext uri="{9D8B030D-6E8A-4147-A177-3AD203B41FA5}">
+                      <a16:colId xmlns:a16="http://schemas.microsoft.com/office/drawing/2014/main" val="1352057416"/>
+                    </a:ext>
+                  </a:extLst>
+                </a:gridCol>
+                <a:gridCol w="2103120">
+                  <a:extLst>
+                    <a:ext uri="{9D8B030D-6E8A-4147-A177-3AD203B41FA5}">
+                      <a16:colId xmlns:a16="http://schemas.microsoft.com/office/drawing/2014/main" val="1457082074"/>
+                    </a:ext>
+                  </a:extLst>
+                </a:gridCol>
+                <a:gridCol w="2103120">
+                  <a:extLst>
+                    <a:ext uri="{9D8B030D-6E8A-4147-A177-3AD203B41FA5}">
+                      <a16:colId xmlns:a16="http://schemas.microsoft.com/office/drawing/2014/main" val="633438695"/>
+                    </a:ext>
+                  </a:extLst>
+                </a:gridCol>
+              </a:tblGrid>
+              <a:tr h="370840">
+                <a:tc>
+                  <a:txBody>
+                    <a:bodyPr/>
+                    <a:lstStyle/>
+                    <a:p>
+                      <a:r>
+                        <a:rPr lang="en-US" dirty="0"/>
+                        <a:t>Model</a:t>
+                      </a:r>
+                    </a:p>
+                  </a:txBody>
+                  <a:tcPr/>
+                </a:tc>
+                <a:tc>
+                  <a:txBody>
+                    <a:bodyPr/>
+                    <a:lstStyle/>
+                    <a:p>
+                      <a:r>
+                        <a:rPr lang="en-US" dirty="0"/>
+                        <a:t>Exponential growth</a:t>
+                      </a:r>
+                    </a:p>
+                  </a:txBody>
+                  <a:tcPr/>
+                </a:tc>
+                <a:tc>
+                  <a:txBody>
+                    <a:bodyPr/>
+                    <a:lstStyle/>
+                    <a:p>
+                      <a:r>
+                        <a:rPr lang="en-US" dirty="0"/>
+                        <a:t>Two-epoch</a:t>
+                      </a:r>
+                    </a:p>
+                  </a:txBody>
+                  <a:tcPr/>
+                </a:tc>
+                <a:tc>
+                  <a:txBody>
+                    <a:bodyPr/>
+                    <a:lstStyle/>
+                    <a:p>
+                      <a:r>
+                        <a:rPr lang="en-US" dirty="0"/>
+                        <a:t>Bottleneck + growth</a:t>
+                      </a:r>
+                    </a:p>
+                  </a:txBody>
+                  <a:tcPr/>
+                </a:tc>
+                <a:tc>
+                  <a:txBody>
+                    <a:bodyPr/>
+                    <a:lstStyle/>
+                    <a:p>
+                      <a:r>
+                        <a:rPr lang="en-US" dirty="0"/>
+                        <a:t>Three-epoch</a:t>
+                      </a:r>
+                    </a:p>
+                  </a:txBody>
+                  <a:tcPr/>
+                </a:tc>
+                <a:extLst>
+                  <a:ext uri="{0D108BD9-81ED-4DB2-BD59-A6C34878D82A}">
+                    <a16:rowId xmlns:a16="http://schemas.microsoft.com/office/drawing/2014/main" val="3143057051"/>
+                  </a:ext>
+                </a:extLst>
+              </a:tr>
+              <a:tr h="370840">
+                <a:tc>
+                  <a:txBody>
+                    <a:bodyPr/>
+                    <a:lstStyle/>
+                    <a:p>
+                      <a:r>
+                        <a:rPr lang="en-US" dirty="0"/>
+                        <a:t>Log Likelihood</a:t>
+                      </a:r>
+                    </a:p>
+                  </a:txBody>
+                  <a:tcPr/>
+                </a:tc>
+                <a:tc>
+                  <a:txBody>
+                    <a:bodyPr/>
+                    <a:lstStyle/>
+                    <a:p>
+                      <a:r>
+                        <a:rPr lang="en-US" dirty="0"/>
+                        <a:t>-145.678269157</a:t>
+                      </a:r>
+                    </a:p>
+                  </a:txBody>
+                  <a:tcPr/>
+                </a:tc>
+                <a:tc>
+                  <a:txBody>
+                    <a:bodyPr/>
+                    <a:lstStyle/>
+                    <a:p>
+                      <a:r>
+                        <a:rPr lang="en-US" dirty="0"/>
+                        <a:t>-142.249802587</a:t>
+                      </a:r>
+                      <a:endParaRPr lang="en-US" dirty="0">
+                        <a:highlight>
+                          <a:srgbClr val="FFFF00"/>
+                        </a:highlight>
+                      </a:endParaRPr>
+                    </a:p>
+                  </a:txBody>
+                  <a:tcPr/>
+                </a:tc>
+                <a:tc>
+                  <a:txBody>
+                    <a:bodyPr/>
+                    <a:lstStyle/>
+                    <a:p>
+                      <a:r>
+                        <a:rPr lang="en-US" dirty="0"/>
+                        <a:t>-141.923362261</a:t>
+                      </a:r>
+                      <a:endParaRPr lang="en-US" dirty="0">
+                        <a:highlight>
+                          <a:srgbClr val="FFFF00"/>
+                        </a:highlight>
+                      </a:endParaRPr>
+                    </a:p>
+                  </a:txBody>
+                  <a:tcPr/>
+                </a:tc>
+                <a:tc>
+                  <a:txBody>
+                    <a:bodyPr/>
+                    <a:lstStyle/>
+                    <a:p>
+                      <a:endParaRPr lang="en-US" dirty="0"/>
+                    </a:p>
+                  </a:txBody>
+                  <a:tcPr/>
+                </a:tc>
+                <a:extLst>
+                  <a:ext uri="{0D108BD9-81ED-4DB2-BD59-A6C34878D82A}">
+                    <a16:rowId xmlns:a16="http://schemas.microsoft.com/office/drawing/2014/main" val="3235037204"/>
+                  </a:ext>
+                </a:extLst>
+              </a:tr>
+              <a:tr h="370840">
+                <a:tc>
+                  <a:txBody>
+                    <a:bodyPr/>
+                    <a:lstStyle/>
+                    <a:p>
+                      <a:r>
+                        <a:rPr lang="en-US" dirty="0" err="1"/>
+                        <a:t>Nu_a</a:t>
+                      </a:r>
+                      <a:endParaRPr lang="en-US" dirty="0"/>
+                    </a:p>
+                  </a:txBody>
+                  <a:tcPr/>
+                </a:tc>
+                <a:tc>
+                  <a:txBody>
+                    <a:bodyPr/>
+                    <a:lstStyle/>
+                    <a:p>
+                      <a:r>
+                        <a:rPr lang="en-US" dirty="0"/>
+                        <a:t>2.02416132</a:t>
+                      </a:r>
+                    </a:p>
+                  </a:txBody>
+                  <a:tcPr/>
+                </a:tc>
+                <a:tc>
+                  <a:txBody>
+                    <a:bodyPr/>
+                    <a:lstStyle/>
+                    <a:p>
+                      <a:r>
+                        <a:rPr lang="en-US" dirty="0"/>
+                        <a:t>12.62499552</a:t>
+                      </a:r>
+                    </a:p>
+                  </a:txBody>
+                  <a:tcPr/>
+                </a:tc>
+                <a:tc>
+                  <a:txBody>
+                    <a:bodyPr/>
+                    <a:lstStyle/>
+                    <a:p>
+                      <a:r>
+                        <a:rPr lang="en-US" dirty="0"/>
+                        <a:t>2.24845827</a:t>
+                      </a:r>
+                    </a:p>
+                  </a:txBody>
+                  <a:tcPr/>
+                </a:tc>
+                <a:tc>
+                  <a:txBody>
+                    <a:bodyPr/>
+                    <a:lstStyle/>
+                    <a:p>
+                      <a:endParaRPr lang="en-US" dirty="0"/>
+                    </a:p>
+                  </a:txBody>
+                  <a:tcPr/>
+                </a:tc>
+                <a:extLst>
+                  <a:ext uri="{0D108BD9-81ED-4DB2-BD59-A6C34878D82A}">
+                    <a16:rowId xmlns:a16="http://schemas.microsoft.com/office/drawing/2014/main" val="2717148640"/>
+                  </a:ext>
+                </a:extLst>
+              </a:tr>
+              <a:tr h="370840">
+                <a:tc>
+                  <a:txBody>
+                    <a:bodyPr/>
+                    <a:lstStyle/>
+                    <a:p>
+                      <a:r>
+                        <a:rPr lang="en-US" dirty="0" err="1"/>
+                        <a:t>Nu_b</a:t>
+                      </a:r>
+                      <a:endParaRPr lang="en-US" dirty="0"/>
+                    </a:p>
+                  </a:txBody>
+                  <a:tcPr/>
+                </a:tc>
+                <a:tc>
+                  <a:txBody>
+                    <a:bodyPr/>
+                    <a:lstStyle/>
+                    <a:p>
+                      <a:r>
+                        <a:rPr lang="en-US" dirty="0"/>
+                        <a:t>N/A</a:t>
+                      </a:r>
+                    </a:p>
+                  </a:txBody>
+                  <a:tcPr/>
+                </a:tc>
+                <a:tc>
+                  <a:txBody>
+                    <a:bodyPr/>
+                    <a:lstStyle/>
+                    <a:p>
+                      <a:r>
+                        <a:rPr lang="en-US" dirty="0"/>
+                        <a:t>N/A</a:t>
+                      </a:r>
+                    </a:p>
+                  </a:txBody>
+                  <a:tcPr/>
+                </a:tc>
+                <a:tc>
+                  <a:txBody>
+                    <a:bodyPr/>
+                    <a:lstStyle/>
+                    <a:p>
+                      <a:r>
+                        <a:rPr lang="en-US" dirty="0"/>
+                        <a:t>1.79912316</a:t>
+                      </a:r>
+                    </a:p>
+                  </a:txBody>
+                  <a:tcPr/>
+                </a:tc>
+                <a:tc>
+                  <a:txBody>
+                    <a:bodyPr/>
+                    <a:lstStyle/>
+                    <a:p>
+                      <a:endParaRPr lang="en-US" dirty="0"/>
+                    </a:p>
+                  </a:txBody>
+                  <a:tcPr/>
+                </a:tc>
+                <a:extLst>
+                  <a:ext uri="{0D108BD9-81ED-4DB2-BD59-A6C34878D82A}">
+                    <a16:rowId xmlns:a16="http://schemas.microsoft.com/office/drawing/2014/main" val="3992781458"/>
+                  </a:ext>
+                </a:extLst>
+              </a:tr>
+              <a:tr h="370840">
+                <a:tc>
+                  <a:txBody>
+                    <a:bodyPr/>
+                    <a:lstStyle/>
+                    <a:p>
+                      <a:r>
+                        <a:rPr lang="en-US" dirty="0"/>
+                        <a:t>T_12</a:t>
+                      </a:r>
+                    </a:p>
+                  </a:txBody>
+                  <a:tcPr/>
+                </a:tc>
+                <a:tc>
+                  <a:txBody>
+                    <a:bodyPr/>
+                    <a:lstStyle/>
+                    <a:p>
+                      <a:r>
+                        <a:rPr lang="en-US" dirty="0"/>
+                        <a:t>3.17342171</a:t>
+                      </a:r>
+                    </a:p>
+                  </a:txBody>
+                  <a:tcPr/>
+                </a:tc>
+                <a:tc>
+                  <a:txBody>
+                    <a:bodyPr/>
+                    <a:lstStyle/>
+                    <a:p>
+                      <a:r>
+                        <a:rPr lang="en-US" dirty="0"/>
+                        <a:t>18.01177973</a:t>
+                      </a:r>
+                    </a:p>
+                  </a:txBody>
+                  <a:tcPr/>
+                </a:tc>
+                <a:tc>
+                  <a:txBody>
+                    <a:bodyPr/>
+                    <a:lstStyle/>
+                    <a:p>
+                      <a:r>
+                        <a:rPr lang="en-US" dirty="0"/>
+                        <a:t>1.23976291</a:t>
+                      </a:r>
+                    </a:p>
+                  </a:txBody>
+                  <a:tcPr/>
+                </a:tc>
+                <a:tc>
+                  <a:txBody>
+                    <a:bodyPr/>
+                    <a:lstStyle/>
+                    <a:p>
+                      <a:endParaRPr lang="en-US" dirty="0"/>
+                    </a:p>
+                  </a:txBody>
+                  <a:tcPr/>
+                </a:tc>
+                <a:extLst>
+                  <a:ext uri="{0D108BD9-81ED-4DB2-BD59-A6C34878D82A}">
+                    <a16:rowId xmlns:a16="http://schemas.microsoft.com/office/drawing/2014/main" val="3283572519"/>
+                  </a:ext>
+                </a:extLst>
+              </a:tr>
+              <a:tr h="370840">
+                <a:tc>
+                  <a:txBody>
+                    <a:bodyPr/>
+                    <a:lstStyle/>
+                    <a:p>
+                      <a:r>
+                        <a:rPr lang="en-US" dirty="0"/>
+                        <a:t>T_23</a:t>
+                      </a:r>
+                    </a:p>
+                  </a:txBody>
+                  <a:tcPr/>
+                </a:tc>
+                <a:tc>
+                  <a:txBody>
+                    <a:bodyPr/>
+                    <a:lstStyle/>
+                    <a:p>
+                      <a:r>
+                        <a:rPr lang="en-US" dirty="0"/>
+                        <a:t>N/A</a:t>
+                      </a:r>
+                    </a:p>
+                  </a:txBody>
+                  <a:tcPr/>
+                </a:tc>
+                <a:tc>
+                  <a:txBody>
+                    <a:bodyPr/>
+                    <a:lstStyle/>
+                    <a:p>
+                      <a:r>
+                        <a:rPr lang="en-US" dirty="0"/>
+                        <a:t>N/A</a:t>
+                      </a:r>
+                    </a:p>
+                  </a:txBody>
+                  <a:tcPr/>
+                </a:tc>
+                <a:tc>
+                  <a:txBody>
+                    <a:bodyPr/>
+                    <a:lstStyle/>
+                    <a:p>
+                      <a:r>
+                        <a:rPr lang="en-US" dirty="0"/>
+                        <a:t>N/A</a:t>
+                      </a:r>
+                    </a:p>
+                  </a:txBody>
+                  <a:tcPr/>
+                </a:tc>
+                <a:tc>
+                  <a:txBody>
+                    <a:bodyPr/>
+                    <a:lstStyle/>
+                    <a:p>
+                      <a:endParaRPr lang="en-US" dirty="0"/>
+                    </a:p>
+                  </a:txBody>
+                  <a:tcPr/>
+                </a:tc>
+                <a:extLst>
+                  <a:ext uri="{0D108BD9-81ED-4DB2-BD59-A6C34878D82A}">
+                    <a16:rowId xmlns:a16="http://schemas.microsoft.com/office/drawing/2014/main" val="2422470866"/>
+                  </a:ext>
+                </a:extLst>
+              </a:tr>
+            </a:tbl>
+          </a:graphicData>
+        </a:graphic>
+      </p:graphicFrame>
       <p:sp>
         <p:nvSpPr>
-          <p:cNvPr id="16" name="TextBox 15">
+          <p:cNvPr id="7" name="TextBox 6">
             <a:extLst>
               <a:ext uri="{FF2B5EF4-FFF2-40B4-BE49-F238E27FC236}">
-                <a16:creationId xmlns:a16="http://schemas.microsoft.com/office/drawing/2014/main" id="{C930BCAD-D6E5-4F2F-9E3A-284C325737ED}"/>
+                <a16:creationId xmlns:a16="http://schemas.microsoft.com/office/drawing/2014/main" id="{8769094E-C9E5-486A-8807-B68125BFE64A}"/>
               </a:ext>
             </a:extLst>
           </p:cNvPr>
@@ -8013,97 +11250,8 @@
         </p:nvSpPr>
         <p:spPr>
           <a:xfrm>
-            <a:off x="189550" y="1491273"/>
-            <a:ext cx="3025598" cy="338554"/>
-          </a:xfrm>
-          <a:prstGeom prst="rect">
-            <a:avLst/>
-          </a:prstGeom>
-          <a:noFill/>
-          <a:ln>
-            <a:solidFill>
-              <a:schemeClr val="tx1"/>
-            </a:solidFill>
-          </a:ln>
-        </p:spPr>
-        <p:txBody>
-          <a:bodyPr wrap="square" rtlCol="0">
-            <a:spAutoFit/>
-          </a:bodyPr>
-          <a:lstStyle/>
-          <a:p>
-            <a:r>
-              <a:rPr lang="en-US" sz="1600" dirty="0">
-                <a:latin typeface="Lucida Console" panose="020B0609040504020204" pitchFamily="49" charset="0"/>
-              </a:rPr>
-              <a:t>annotated_snps.txt.bz2</a:t>
-            </a:r>
-          </a:p>
-        </p:txBody>
-      </p:sp>
-      <p:sp>
-        <p:nvSpPr>
-          <p:cNvPr id="17" name="Left Brace 16">
-            <a:extLst>
-              <a:ext uri="{FF2B5EF4-FFF2-40B4-BE49-F238E27FC236}">
-                <a16:creationId xmlns:a16="http://schemas.microsoft.com/office/drawing/2014/main" id="{94E7C3B7-4C14-403C-BE6C-2E7FB74DEDC6}"/>
-              </a:ext>
-            </a:extLst>
-          </p:cNvPr>
-          <p:cNvSpPr/>
-          <p:nvPr/>
-        </p:nvSpPr>
-        <p:spPr>
-          <a:xfrm rot="5400000">
-            <a:off x="5843148" y="-3656245"/>
-            <a:ext cx="338553" cy="11434918"/>
-          </a:xfrm>
-          <a:prstGeom prst="leftBrace">
-            <a:avLst>
-              <a:gd name="adj1" fmla="val 8333"/>
-              <a:gd name="adj2" fmla="val 82244"/>
-            </a:avLst>
-          </a:prstGeom>
-        </p:spPr>
-        <p:style>
-          <a:lnRef idx="1">
-            <a:schemeClr val="dk1"/>
-          </a:lnRef>
-          <a:fillRef idx="0">
-            <a:schemeClr val="dk1"/>
-          </a:fillRef>
-          <a:effectRef idx="0">
-            <a:schemeClr val="dk1"/>
-          </a:effectRef>
-          <a:fontRef idx="minor">
-            <a:schemeClr val="tx1"/>
-          </a:fontRef>
-        </p:style>
-        <p:txBody>
-          <a:bodyPr rtlCol="0" anchor="ctr"/>
-          <a:lstStyle/>
-          <a:p>
-            <a:pPr algn="ctr"/>
-            <a:endParaRPr lang="en-US"/>
-          </a:p>
-        </p:txBody>
-      </p:sp>
-      <p:sp>
-        <p:nvSpPr>
-          <p:cNvPr id="3" name="TextBox 2">
-            <a:extLst>
-              <a:ext uri="{FF2B5EF4-FFF2-40B4-BE49-F238E27FC236}">
-                <a16:creationId xmlns:a16="http://schemas.microsoft.com/office/drawing/2014/main" id="{FAB4FB15-19E2-4133-A4BC-3310B730AD65}"/>
-              </a:ext>
-            </a:extLst>
-          </p:cNvPr>
-          <p:cNvSpPr txBox="1"/>
-          <p:nvPr/>
-        </p:nvSpPr>
-        <p:spPr>
-          <a:xfrm>
-            <a:off x="-50882" y="2272545"/>
-            <a:ext cx="12321002" cy="3754874"/>
+            <a:off x="7096453" y="1690688"/>
+            <a:ext cx="5095547" cy="1754326"/>
           </a:xfrm>
           <a:prstGeom prst="rect">
             <a:avLst/>
@@ -8111,275 +11259,80 @@
           <a:noFill/>
         </p:spPr>
         <p:txBody>
-          <a:bodyPr wrap="none" rtlCol="0">
+          <a:bodyPr wrap="square" rtlCol="0">
             <a:spAutoFit/>
           </a:bodyPr>
           <a:lstStyle/>
           <a:p>
-            <a:r>
-              <a:rPr lang="en-US" sz="1400" dirty="0" err="1">
-                <a:solidFill>
-                  <a:prstClr val="black"/>
-                </a:solidFill>
-                <a:latin typeface="Lucida Console" panose="020B0609040504020204" pitchFamily="49" charset="0"/>
-              </a:rPr>
-              <a:t>site_id</a:t>
-            </a:r>
-            <a:r>
-              <a:rPr lang="en-US" sz="1400" dirty="0">
-                <a:solidFill>
-                  <a:prstClr val="black"/>
-                </a:solidFill>
-                <a:latin typeface="Lucida Console" panose="020B0609040504020204" pitchFamily="49" charset="0"/>
-              </a:rPr>
-              <a:t> 700021824       700033665       700038158       700101366       700111296c      700163628       700164192</a:t>
-            </a:r>
-          </a:p>
-          <a:p>
-            <a:r>
-              <a:rPr lang="en-US" sz="1400" dirty="0">
-                <a:solidFill>
-                  <a:prstClr val="black"/>
-                </a:solidFill>
-                <a:latin typeface="Lucida Console" panose="020B0609040504020204" pitchFamily="49" charset="0"/>
-              </a:rPr>
-              <a:t>NZ_GL830844|162|626939.3.peg.2|2D|R|1   0,13    0,2     0,13    0,3     0,0     0,10    0,9</a:t>
-            </a:r>
-          </a:p>
-          <a:p>
-            <a:r>
-              <a:rPr lang="en-US" sz="1400" dirty="0">
-                <a:solidFill>
-                  <a:prstClr val="black"/>
-                </a:solidFill>
-                <a:latin typeface="Lucida Console" panose="020B0609040504020204" pitchFamily="49" charset="0"/>
-              </a:rPr>
-              <a:t>NZ_GL830844|163|626939.3.peg.2|2D|R|1   0,13    0,2     0,13    0,3     0,0     0,10    0,9</a:t>
-            </a:r>
-          </a:p>
-          <a:p>
-            <a:r>
-              <a:rPr lang="en-US" sz="1400" dirty="0">
-                <a:solidFill>
-                  <a:prstClr val="black"/>
-                </a:solidFill>
-                <a:latin typeface="Lucida Console" panose="020B0609040504020204" pitchFamily="49" charset="0"/>
-              </a:rPr>
-              <a:t>NZ_GL830844|164|626939.3.peg.2|1D|R|1   0,12    0,2     0,14    0,2     0,0     0,9     0,9</a:t>
-            </a:r>
-          </a:p>
-          <a:p>
-            <a:r>
-              <a:rPr lang="en-US" sz="1400" dirty="0">
-                <a:solidFill>
-                  <a:prstClr val="black"/>
-                </a:solidFill>
-                <a:latin typeface="Lucida Console" panose="020B0609040504020204" pitchFamily="49" charset="0"/>
-              </a:rPr>
-              <a:t>NZ_GL830844|165|626939.3.peg.2|2D|R|9.999e-05   0,12    0,2     0,14    0,3     0,0     9,9     0,9</a:t>
-            </a:r>
-          </a:p>
-          <a:p>
-            <a:r>
-              <a:rPr lang="en-US" sz="1400" dirty="0">
-                <a:solidFill>
-                  <a:prstClr val="black"/>
-                </a:solidFill>
-                <a:latin typeface="Lucida Console" panose="020B0609040504020204" pitchFamily="49" charset="0"/>
-              </a:rPr>
-              <a:t>NZ_GL830844|166|626939.3.peg.2|1D|R|1   0,12    0,2     0,14    0,4     0,0     0,9     0,9</a:t>
-            </a:r>
-          </a:p>
-          <a:p>
-            <a:r>
-              <a:rPr lang="en-US" sz="1400" dirty="0">
-                <a:solidFill>
-                  <a:prstClr val="black"/>
-                </a:solidFill>
-                <a:latin typeface="Lucida Console" panose="020B0609040504020204" pitchFamily="49" charset="0"/>
-              </a:rPr>
-              <a:t>NZ_GL830844|167|626939.3.peg.2|1D|R|1   0,12    0,3     0,14    0,4     0,0     0,9     0,10</a:t>
-            </a:r>
-          </a:p>
-          <a:p>
-            <a:r>
-              <a:rPr lang="en-US" sz="1400" dirty="0">
-                <a:solidFill>
-                  <a:prstClr val="black"/>
-                </a:solidFill>
-                <a:latin typeface="Lucida Console" panose="020B0609040504020204" pitchFamily="49" charset="0"/>
-              </a:rPr>
-              <a:t>NZ_GL830844|168|626939.3.peg.2|2D|R|1   0,13    0,2     0,14    0,4     0,0     0,9     0,10</a:t>
-            </a:r>
-          </a:p>
-          <a:p>
-            <a:r>
-              <a:rPr lang="en-US" sz="1400" dirty="0">
-                <a:solidFill>
-                  <a:prstClr val="black"/>
-                </a:solidFill>
-                <a:latin typeface="Lucida Console" panose="020B0609040504020204" pitchFamily="49" charset="0"/>
-              </a:rPr>
-              <a:t>NZ_GL830844|169|626939.3.peg.2|1D|R|1   0,14    0,3     0,15    0,4     0,0     0,8     0,10</a:t>
-            </a:r>
-          </a:p>
-          <a:p>
-            <a:r>
-              <a:rPr lang="en-US" sz="1400" dirty="0">
-                <a:solidFill>
-                  <a:prstClr val="black"/>
-                </a:solidFill>
-                <a:latin typeface="Lucida Console" panose="020B0609040504020204" pitchFamily="49" charset="0"/>
-              </a:rPr>
-              <a:t>NZ_GL830844|170|626939.3.peg.2|1D|R|1   0,14    0,2     1,15    0,4     0,0     0,8     0,9</a:t>
-            </a:r>
-          </a:p>
-          <a:p>
-            <a:endParaRPr lang="en-US" sz="1400" dirty="0">
-              <a:solidFill>
-                <a:prstClr val="black"/>
-              </a:solidFill>
-              <a:latin typeface="Lucida Console" panose="020B0609040504020204" pitchFamily="49" charset="0"/>
-            </a:endParaRPr>
-          </a:p>
-          <a:p>
-            <a:r>
-              <a:rPr lang="en-US" sz="1400" dirty="0">
-                <a:solidFill>
-                  <a:prstClr val="black"/>
-                </a:solidFill>
-                <a:latin typeface="Lucida Console" panose="020B0609040504020204" pitchFamily="49" charset="0"/>
-              </a:rPr>
-              <a:t>…</a:t>
-            </a:r>
-          </a:p>
-          <a:p>
-            <a:r>
-              <a:rPr lang="en-US" sz="1400" dirty="0">
-                <a:solidFill>
-                  <a:prstClr val="black"/>
-                </a:solidFill>
-                <a:latin typeface="Lucida Console" panose="020B0609040504020204" pitchFamily="49" charset="0"/>
-              </a:rPr>
-              <a:t>First row is column titles, where the column corresponds to an individual</a:t>
-            </a:r>
-          </a:p>
-          <a:p>
-            <a:r>
-              <a:rPr lang="en-US" sz="1400" dirty="0">
-                <a:solidFill>
-                  <a:prstClr val="black"/>
-                </a:solidFill>
-                <a:latin typeface="Lucida Console" panose="020B0609040504020204" pitchFamily="49" charset="0"/>
-              </a:rPr>
-              <a:t>`</a:t>
-            </a:r>
-            <a:r>
-              <a:rPr lang="en-US" sz="1400" dirty="0" err="1">
-                <a:solidFill>
-                  <a:prstClr val="black"/>
-                </a:solidFill>
-                <a:latin typeface="Lucida Console" panose="020B0609040504020204" pitchFamily="49" charset="0"/>
-              </a:rPr>
-              <a:t>site_id</a:t>
-            </a:r>
-            <a:r>
-              <a:rPr lang="en-US" sz="1400" dirty="0">
-                <a:solidFill>
-                  <a:prstClr val="black"/>
-                </a:solidFill>
-                <a:latin typeface="Lucida Console" panose="020B0609040504020204" pitchFamily="49" charset="0"/>
-              </a:rPr>
-              <a:t>` is a string of </a:t>
-            </a:r>
-            <a:r>
-              <a:rPr lang="en-US" sz="1400" dirty="0" err="1">
-                <a:solidFill>
-                  <a:prstClr val="black"/>
-                </a:solidFill>
-                <a:latin typeface="Lucida Console" panose="020B0609040504020204" pitchFamily="49" charset="0"/>
-              </a:rPr>
-              <a:t>chromosome|location|gene_name|variant_type|polarization|p-value</a:t>
-            </a:r>
-            <a:endParaRPr lang="en-US" sz="1400" dirty="0">
-              <a:solidFill>
-                <a:prstClr val="black"/>
-              </a:solidFill>
-              <a:latin typeface="Lucida Console" panose="020B0609040504020204" pitchFamily="49" charset="0"/>
-            </a:endParaRPr>
-          </a:p>
-          <a:p>
-            <a:r>
-              <a:rPr lang="en-US" sz="1400" dirty="0">
-                <a:solidFill>
-                  <a:prstClr val="black"/>
-                </a:solidFill>
-                <a:latin typeface="Lucida Console" panose="020B0609040504020204" pitchFamily="49" charset="0"/>
-              </a:rPr>
-              <a:t>Following entries are a pair of </a:t>
-            </a:r>
-            <a:r>
-              <a:rPr lang="en-US" sz="1400" dirty="0" err="1">
-                <a:solidFill>
-                  <a:prstClr val="black"/>
-                </a:solidFill>
-                <a:latin typeface="Lucida Console" panose="020B0609040504020204" pitchFamily="49" charset="0"/>
-              </a:rPr>
-              <a:t>alts|depth</a:t>
-            </a:r>
-            <a:r>
-              <a:rPr lang="en-US" sz="1400" dirty="0">
-                <a:solidFill>
-                  <a:prstClr val="black"/>
-                </a:solidFill>
-                <a:latin typeface="Lucida Console" panose="020B0609040504020204" pitchFamily="49" charset="0"/>
-              </a:rPr>
-              <a:t>, i.e., the number of alternative alleles, and the depth of the read.</a:t>
-            </a:r>
-          </a:p>
-          <a:p>
-            <a:r>
-              <a:rPr lang="en-US" sz="1400" dirty="0">
-                <a:solidFill>
-                  <a:prstClr val="black"/>
-                </a:solidFill>
-                <a:latin typeface="Lucida Console" panose="020B0609040504020204" pitchFamily="49" charset="0"/>
-              </a:rPr>
-              <a:t>I </a:t>
-            </a:r>
-            <a:r>
-              <a:rPr lang="en-US" sz="1400" b="1" dirty="0">
-                <a:solidFill>
-                  <a:prstClr val="black"/>
-                </a:solidFill>
-                <a:latin typeface="Lucida Console" panose="020B0609040504020204" pitchFamily="49" charset="0"/>
-              </a:rPr>
-              <a:t>believe</a:t>
-            </a:r>
-            <a:r>
-              <a:rPr lang="en-US" sz="1400" dirty="0">
-                <a:solidFill>
-                  <a:prstClr val="black"/>
-                </a:solidFill>
-                <a:latin typeface="Lucida Console" panose="020B0609040504020204" pitchFamily="49" charset="0"/>
-              </a:rPr>
-              <a:t> the p-value is the p-value for identifying a SNP (and I proceed with this assumption).</a:t>
-            </a:r>
-          </a:p>
-          <a:p>
-            <a:endParaRPr lang="en-US" sz="1400" dirty="0">
-              <a:solidFill>
-                <a:prstClr val="black"/>
-              </a:solidFill>
-              <a:latin typeface="Lucida Console" panose="020B0609040504020204" pitchFamily="49" charset="0"/>
-            </a:endParaRPr>
+            <a:pPr marL="285750" indent="-285750">
+              <a:buFont typeface="Arial" panose="020B0604020202020204" pitchFamily="34" charset="0"/>
+              <a:buChar char="•"/>
+            </a:pPr>
+            <a:r>
+              <a:rPr lang="en-US" dirty="0" err="1"/>
+              <a:t>Nu_a</a:t>
+            </a:r>
+            <a:r>
+              <a:rPr lang="en-US" dirty="0"/>
+              <a:t>: contemporary population relative to ancestral population before first epoch</a:t>
+            </a:r>
+          </a:p>
+          <a:p>
+            <a:pPr marL="285750" indent="-285750">
+              <a:buFont typeface="Arial" panose="020B0604020202020204" pitchFamily="34" charset="0"/>
+              <a:buChar char="•"/>
+            </a:pPr>
+            <a:r>
+              <a:rPr lang="en-US" dirty="0" err="1"/>
+              <a:t>Nu_b</a:t>
+            </a:r>
+            <a:r>
+              <a:rPr lang="en-US" dirty="0"/>
+              <a:t>: contemporary population relative to ancestral population before second epoch</a:t>
+            </a:r>
+          </a:p>
+          <a:p>
+            <a:pPr marL="285750" indent="-285750">
+              <a:buFont typeface="Arial" panose="020B0604020202020204" pitchFamily="34" charset="0"/>
+              <a:buChar char="•"/>
+            </a:pPr>
+            <a:r>
+              <a:rPr lang="en-US" dirty="0"/>
+              <a:t>T_1: Duration of first epoch (units of 2 * </a:t>
+            </a:r>
+            <a:r>
+              <a:rPr lang="en-US" dirty="0" err="1"/>
+              <a:t>N_a</a:t>
+            </a:r>
+            <a:r>
+              <a:rPr lang="en-US" dirty="0"/>
+              <a:t>)</a:t>
+            </a:r>
+          </a:p>
+          <a:p>
+            <a:pPr marL="285750" indent="-285750">
+              <a:buFont typeface="Arial" panose="020B0604020202020204" pitchFamily="34" charset="0"/>
+              <a:buChar char="•"/>
+            </a:pPr>
+            <a:r>
+              <a:rPr lang="en-US" dirty="0"/>
+              <a:t>T_2: Duration of second epoch (units of 2 * </a:t>
+            </a:r>
+            <a:r>
+              <a:rPr lang="en-US" dirty="0" err="1"/>
+              <a:t>N_a</a:t>
+            </a:r>
+            <a:r>
+              <a:rPr lang="en-US" dirty="0"/>
+              <a:t>)</a:t>
+            </a:r>
           </a:p>
         </p:txBody>
       </p:sp>
     </p:spTree>
     <p:extLst>
       <p:ext uri="{BB962C8B-B14F-4D97-AF65-F5344CB8AC3E}">
-        <p14:creationId xmlns:p14="http://schemas.microsoft.com/office/powerpoint/2010/main" val="1969820736"/>
+        <p14:creationId xmlns:p14="http://schemas.microsoft.com/office/powerpoint/2010/main" val="534063524"/>
       </p:ext>
     </p:extLst>
   </p:cSld>
@@ -8411,7 +11364,7 @@
           <p:cNvPr id="2" name="Title 1">
             <a:extLst>
               <a:ext uri="{FF2B5EF4-FFF2-40B4-BE49-F238E27FC236}">
-                <a16:creationId xmlns:a16="http://schemas.microsoft.com/office/drawing/2014/main" id="{65D628C1-80CE-412C-8D99-87265F8BBF5F}"/>
+                <a16:creationId xmlns:a16="http://schemas.microsoft.com/office/drawing/2014/main" id="{FC0C9624-1DBB-4B7A-B446-0EC6DD7756EB}"/>
               </a:ext>
             </a:extLst>
           </p:cNvPr>
@@ -8428,21 +11381,711 @@
           <a:lstStyle/>
           <a:p>
             <a:r>
-              <a:rPr lang="en-US" dirty="0">
-                <a:latin typeface="Yu Gothic" panose="020B0400000000000000" pitchFamily="34" charset="-128"/>
-                <a:ea typeface="Yu Gothic" panose="020B0400000000000000" pitchFamily="34" charset="-128"/>
-              </a:rPr>
-              <a:t>Implementation plan (for PCA)</a:t>
-            </a:r>
+              <a:rPr lang="en-US" dirty="0" err="1"/>
+              <a:t>Alistipes</a:t>
+            </a:r>
+            <a:r>
+              <a:rPr lang="en-US" dirty="0"/>
+              <a:t> </a:t>
+            </a:r>
+            <a:r>
+              <a:rPr lang="en-US" dirty="0" err="1"/>
+              <a:t>putredinis</a:t>
+            </a:r>
+            <a:endParaRPr lang="en-US" dirty="0"/>
           </a:p>
         </p:txBody>
       </p:sp>
+      <p:pic>
+        <p:nvPicPr>
+          <p:cNvPr id="5" name="Picture 4">
+            <a:extLst>
+              <a:ext uri="{FF2B5EF4-FFF2-40B4-BE49-F238E27FC236}">
+                <a16:creationId xmlns:a16="http://schemas.microsoft.com/office/drawing/2014/main" id="{F3BC6FCC-6644-42E6-95F0-9583E821429C}"/>
+              </a:ext>
+            </a:extLst>
+          </p:cNvPr>
+          <p:cNvPicPr>
+            <a:picLocks noChangeAspect="1"/>
+          </p:cNvPicPr>
+          <p:nvPr/>
+        </p:nvPicPr>
+        <p:blipFill>
+          <a:blip r:embed="rId2"/>
+          <a:stretch>
+            <a:fillRect/>
+          </a:stretch>
+        </p:blipFill>
+        <p:spPr>
+          <a:xfrm>
+            <a:off x="153870" y="1396409"/>
+            <a:ext cx="7272953" cy="3001130"/>
+          </a:xfrm>
+          <a:prstGeom prst="rect">
+            <a:avLst/>
+          </a:prstGeom>
+        </p:spPr>
+      </p:pic>
+      <p:graphicFrame>
+        <p:nvGraphicFramePr>
+          <p:cNvPr id="4" name="Table 4">
+            <a:extLst>
+              <a:ext uri="{FF2B5EF4-FFF2-40B4-BE49-F238E27FC236}">
+                <a16:creationId xmlns:a16="http://schemas.microsoft.com/office/drawing/2014/main" id="{CED22545-7642-43E5-9E8E-C73593CC5F0F}"/>
+              </a:ext>
+            </a:extLst>
+          </p:cNvPr>
+          <p:cNvGraphicFramePr>
+            <a:graphicFrameLocks noGrp="1"/>
+          </p:cNvGraphicFramePr>
+          <p:nvPr>
+            <p:ph idx="1"/>
+            <p:extLst>
+              <p:ext uri="{D42A27DB-BD31-4B8C-83A1-F6EECF244321}">
+                <p14:modId xmlns:p14="http://schemas.microsoft.com/office/powerpoint/2010/main" val="822494882"/>
+              </p:ext>
+            </p:extLst>
+          </p:nvPr>
+        </p:nvGraphicFramePr>
+        <p:xfrm>
+          <a:off x="828368" y="4397539"/>
+          <a:ext cx="10515600" cy="2225040"/>
+        </p:xfrm>
+        <a:graphic>
+          <a:graphicData uri="http://schemas.openxmlformats.org/drawingml/2006/table">
+            <a:tbl>
+              <a:tblPr firstRow="1" bandRow="1">
+                <a:tableStyleId>{073A0DAA-6AF3-43AB-8588-CEC1D06C72B9}</a:tableStyleId>
+              </a:tblPr>
+              <a:tblGrid>
+                <a:gridCol w="2103120">
+                  <a:extLst>
+                    <a:ext uri="{9D8B030D-6E8A-4147-A177-3AD203B41FA5}">
+                      <a16:colId xmlns:a16="http://schemas.microsoft.com/office/drawing/2014/main" val="2900726404"/>
+                    </a:ext>
+                  </a:extLst>
+                </a:gridCol>
+                <a:gridCol w="2103120">
+                  <a:extLst>
+                    <a:ext uri="{9D8B030D-6E8A-4147-A177-3AD203B41FA5}">
+                      <a16:colId xmlns:a16="http://schemas.microsoft.com/office/drawing/2014/main" val="2297780930"/>
+                    </a:ext>
+                  </a:extLst>
+                </a:gridCol>
+                <a:gridCol w="2103120">
+                  <a:extLst>
+                    <a:ext uri="{9D8B030D-6E8A-4147-A177-3AD203B41FA5}">
+                      <a16:colId xmlns:a16="http://schemas.microsoft.com/office/drawing/2014/main" val="1352057416"/>
+                    </a:ext>
+                  </a:extLst>
+                </a:gridCol>
+                <a:gridCol w="2103120">
+                  <a:extLst>
+                    <a:ext uri="{9D8B030D-6E8A-4147-A177-3AD203B41FA5}">
+                      <a16:colId xmlns:a16="http://schemas.microsoft.com/office/drawing/2014/main" val="1457082074"/>
+                    </a:ext>
+                  </a:extLst>
+                </a:gridCol>
+                <a:gridCol w="2103120">
+                  <a:extLst>
+                    <a:ext uri="{9D8B030D-6E8A-4147-A177-3AD203B41FA5}">
+                      <a16:colId xmlns:a16="http://schemas.microsoft.com/office/drawing/2014/main" val="633438695"/>
+                    </a:ext>
+                  </a:extLst>
+                </a:gridCol>
+              </a:tblGrid>
+              <a:tr h="370840">
+                <a:tc>
+                  <a:txBody>
+                    <a:bodyPr/>
+                    <a:lstStyle/>
+                    <a:p>
+                      <a:r>
+                        <a:rPr lang="en-US" dirty="0"/>
+                        <a:t>Model</a:t>
+                      </a:r>
+                    </a:p>
+                  </a:txBody>
+                  <a:tcPr/>
+                </a:tc>
+                <a:tc>
+                  <a:txBody>
+                    <a:bodyPr/>
+                    <a:lstStyle/>
+                    <a:p>
+                      <a:r>
+                        <a:rPr lang="en-US" dirty="0"/>
+                        <a:t>Exponential growth</a:t>
+                      </a:r>
+                    </a:p>
+                  </a:txBody>
+                  <a:tcPr/>
+                </a:tc>
+                <a:tc>
+                  <a:txBody>
+                    <a:bodyPr/>
+                    <a:lstStyle/>
+                    <a:p>
+                      <a:r>
+                        <a:rPr lang="en-US" dirty="0"/>
+                        <a:t>Two-epoch</a:t>
+                      </a:r>
+                    </a:p>
+                  </a:txBody>
+                  <a:tcPr/>
+                </a:tc>
+                <a:tc>
+                  <a:txBody>
+                    <a:bodyPr/>
+                    <a:lstStyle/>
+                    <a:p>
+                      <a:r>
+                        <a:rPr lang="en-US" dirty="0"/>
+                        <a:t>Bottleneck + growth</a:t>
+                      </a:r>
+                    </a:p>
+                  </a:txBody>
+                  <a:tcPr/>
+                </a:tc>
+                <a:tc>
+                  <a:txBody>
+                    <a:bodyPr/>
+                    <a:lstStyle/>
+                    <a:p>
+                      <a:r>
+                        <a:rPr lang="en-US" dirty="0"/>
+                        <a:t>Three-epoch</a:t>
+                      </a:r>
+                    </a:p>
+                  </a:txBody>
+                  <a:tcPr/>
+                </a:tc>
+                <a:extLst>
+                  <a:ext uri="{0D108BD9-81ED-4DB2-BD59-A6C34878D82A}">
+                    <a16:rowId xmlns:a16="http://schemas.microsoft.com/office/drawing/2014/main" val="3143057051"/>
+                  </a:ext>
+                </a:extLst>
+              </a:tr>
+              <a:tr h="370840">
+                <a:tc>
+                  <a:txBody>
+                    <a:bodyPr/>
+                    <a:lstStyle/>
+                    <a:p>
+                      <a:r>
+                        <a:rPr lang="en-US" dirty="0">
+                          <a:solidFill>
+                            <a:schemeClr val="tx1"/>
+                          </a:solidFill>
+                        </a:rPr>
+                        <a:t>Log Likelihood</a:t>
+                      </a:r>
+                    </a:p>
+                  </a:txBody>
+                  <a:tcPr/>
+                </a:tc>
+                <a:tc>
+                  <a:txBody>
+                    <a:bodyPr/>
+                    <a:lstStyle/>
+                    <a:p>
+                      <a:r>
+                        <a:rPr lang="en-US" dirty="0">
+                          <a:solidFill>
+                            <a:schemeClr val="tx1"/>
+                          </a:solidFill>
+                        </a:rPr>
+                        <a:t>-239.595010976</a:t>
+                      </a:r>
+                    </a:p>
+                  </a:txBody>
+                  <a:tcPr/>
+                </a:tc>
+                <a:tc>
+                  <a:txBody>
+                    <a:bodyPr/>
+                    <a:lstStyle/>
+                    <a:p>
+                      <a:r>
+                        <a:rPr lang="en-US" dirty="0">
+                          <a:solidFill>
+                            <a:schemeClr val="tx1"/>
+                          </a:solidFill>
+                        </a:rPr>
+                        <a:t>-283.836375864</a:t>
+                      </a:r>
+                    </a:p>
+                  </a:txBody>
+                  <a:tcPr/>
+                </a:tc>
+                <a:tc>
+                  <a:txBody>
+                    <a:bodyPr/>
+                    <a:lstStyle/>
+                    <a:p>
+                      <a:r>
+                        <a:rPr lang="en-US" dirty="0">
+                          <a:solidFill>
+                            <a:schemeClr val="tx1"/>
+                          </a:solidFill>
+                        </a:rPr>
+                        <a:t>--156.298283062</a:t>
+                      </a:r>
+                    </a:p>
+                  </a:txBody>
+                  <a:tcPr/>
+                </a:tc>
+                <a:tc>
+                  <a:txBody>
+                    <a:bodyPr/>
+                    <a:lstStyle/>
+                    <a:p>
+                      <a:r>
+                        <a:rPr lang="en-US" sz="1800" kern="1200" dirty="0">
+                          <a:solidFill>
+                            <a:schemeClr val="tx1"/>
+                          </a:solidFill>
+                          <a:latin typeface="+mn-lt"/>
+                          <a:ea typeface="+mn-ea"/>
+                          <a:cs typeface="+mn-cs"/>
+                        </a:rPr>
+                        <a:t>--239.803514655</a:t>
+                      </a:r>
+                      <a:endParaRPr lang="en-US" dirty="0">
+                        <a:solidFill>
+                          <a:schemeClr val="tx1"/>
+                        </a:solidFill>
+                      </a:endParaRPr>
+                    </a:p>
+                  </a:txBody>
+                  <a:tcPr/>
+                </a:tc>
+                <a:extLst>
+                  <a:ext uri="{0D108BD9-81ED-4DB2-BD59-A6C34878D82A}">
+                    <a16:rowId xmlns:a16="http://schemas.microsoft.com/office/drawing/2014/main" val="3235037204"/>
+                  </a:ext>
+                </a:extLst>
+              </a:tr>
+              <a:tr h="370840">
+                <a:tc>
+                  <a:txBody>
+                    <a:bodyPr/>
+                    <a:lstStyle/>
+                    <a:p>
+                      <a:r>
+                        <a:rPr lang="en-US" dirty="0" err="1">
+                          <a:solidFill>
+                            <a:schemeClr val="tx1"/>
+                          </a:solidFill>
+                        </a:rPr>
+                        <a:t>Nu_a</a:t>
+                      </a:r>
+                      <a:endParaRPr lang="en-US" dirty="0">
+                        <a:solidFill>
+                          <a:schemeClr val="tx1"/>
+                        </a:solidFill>
+                      </a:endParaRPr>
+                    </a:p>
+                  </a:txBody>
+                  <a:tcPr/>
+                </a:tc>
+                <a:tc>
+                  <a:txBody>
+                    <a:bodyPr/>
+                    <a:lstStyle/>
+                    <a:p>
+                      <a:r>
+                        <a:rPr lang="en-US" dirty="0">
+                          <a:solidFill>
+                            <a:schemeClr val="tx1"/>
+                          </a:solidFill>
+                        </a:rPr>
+                        <a:t>11.61457391</a:t>
+                      </a:r>
+                    </a:p>
+                  </a:txBody>
+                  <a:tcPr/>
+                </a:tc>
+                <a:tc>
+                  <a:txBody>
+                    <a:bodyPr/>
+                    <a:lstStyle/>
+                    <a:p>
+                      <a:r>
+                        <a:rPr lang="en-US" dirty="0">
+                          <a:solidFill>
+                            <a:schemeClr val="tx1"/>
+                          </a:solidFill>
+                        </a:rPr>
+                        <a:t>12.85982032</a:t>
+                      </a:r>
+                    </a:p>
+                  </a:txBody>
+                  <a:tcPr/>
+                </a:tc>
+                <a:tc>
+                  <a:txBody>
+                    <a:bodyPr/>
+                    <a:lstStyle/>
+                    <a:p>
+                      <a:r>
+                        <a:rPr lang="en-US" dirty="0">
+                          <a:solidFill>
+                            <a:schemeClr val="tx1"/>
+                          </a:solidFill>
+                        </a:rPr>
+                        <a:t>59.81554768</a:t>
+                      </a:r>
+                    </a:p>
+                  </a:txBody>
+                  <a:tcPr/>
+                </a:tc>
+                <a:tc>
+                  <a:txBody>
+                    <a:bodyPr/>
+                    <a:lstStyle/>
+                    <a:p>
+                      <a:r>
+                        <a:rPr lang="en-US" sz="1800" kern="1200" dirty="0">
+                          <a:solidFill>
+                            <a:schemeClr val="tx1"/>
+                          </a:solidFill>
+                          <a:latin typeface="+mn-lt"/>
+                          <a:ea typeface="+mn-ea"/>
+                          <a:cs typeface="+mn-cs"/>
+                        </a:rPr>
+                        <a:t>10.31769069</a:t>
+                      </a:r>
+                      <a:endParaRPr lang="en-US" dirty="0">
+                        <a:solidFill>
+                          <a:schemeClr val="tx1"/>
+                        </a:solidFill>
+                      </a:endParaRPr>
+                    </a:p>
+                  </a:txBody>
+                  <a:tcPr/>
+                </a:tc>
+                <a:extLst>
+                  <a:ext uri="{0D108BD9-81ED-4DB2-BD59-A6C34878D82A}">
+                    <a16:rowId xmlns:a16="http://schemas.microsoft.com/office/drawing/2014/main" val="2717148640"/>
+                  </a:ext>
+                </a:extLst>
+              </a:tr>
+              <a:tr h="370840">
+                <a:tc>
+                  <a:txBody>
+                    <a:bodyPr/>
+                    <a:lstStyle/>
+                    <a:p>
+                      <a:r>
+                        <a:rPr lang="en-US" dirty="0" err="1">
+                          <a:solidFill>
+                            <a:schemeClr val="tx1"/>
+                          </a:solidFill>
+                        </a:rPr>
+                        <a:t>Nu_b</a:t>
+                      </a:r>
+                      <a:endParaRPr lang="en-US" dirty="0">
+                        <a:solidFill>
+                          <a:schemeClr val="tx1"/>
+                        </a:solidFill>
+                      </a:endParaRPr>
+                    </a:p>
+                  </a:txBody>
+                  <a:tcPr/>
+                </a:tc>
+                <a:tc>
+                  <a:txBody>
+                    <a:bodyPr/>
+                    <a:lstStyle/>
+                    <a:p>
+                      <a:r>
+                        <a:rPr lang="en-US" dirty="0">
+                          <a:solidFill>
+                            <a:schemeClr val="tx1"/>
+                          </a:solidFill>
+                        </a:rPr>
+                        <a:t>N/A</a:t>
+                      </a:r>
+                    </a:p>
+                  </a:txBody>
+                  <a:tcPr/>
+                </a:tc>
+                <a:tc>
+                  <a:txBody>
+                    <a:bodyPr/>
+                    <a:lstStyle/>
+                    <a:p>
+                      <a:r>
+                        <a:rPr lang="en-US" dirty="0">
+                          <a:solidFill>
+                            <a:schemeClr val="tx1"/>
+                          </a:solidFill>
+                        </a:rPr>
+                        <a:t>N/A</a:t>
+                      </a:r>
+                    </a:p>
+                  </a:txBody>
+                  <a:tcPr/>
+                </a:tc>
+                <a:tc>
+                  <a:txBody>
+                    <a:bodyPr/>
+                    <a:lstStyle/>
+                    <a:p>
+                      <a:r>
+                        <a:rPr lang="en-US" dirty="0">
+                          <a:solidFill>
+                            <a:schemeClr val="tx1"/>
+                          </a:solidFill>
+                        </a:rPr>
+                        <a:t>3.57118932</a:t>
+                      </a:r>
+                    </a:p>
+                  </a:txBody>
+                  <a:tcPr/>
+                </a:tc>
+                <a:tc>
+                  <a:txBody>
+                    <a:bodyPr/>
+                    <a:lstStyle/>
+                    <a:p>
+                      <a:r>
+                        <a:rPr lang="en-US" sz="1800" kern="1200" dirty="0">
+                          <a:solidFill>
+                            <a:schemeClr val="tx1"/>
+                          </a:solidFill>
+                          <a:latin typeface="+mn-lt"/>
+                          <a:ea typeface="+mn-ea"/>
+                          <a:cs typeface="+mn-cs"/>
+                        </a:rPr>
+                        <a:t>12.07534007</a:t>
+                      </a:r>
+                      <a:endParaRPr lang="en-US" dirty="0">
+                        <a:solidFill>
+                          <a:schemeClr val="tx1"/>
+                        </a:solidFill>
+                      </a:endParaRPr>
+                    </a:p>
+                  </a:txBody>
+                  <a:tcPr/>
+                </a:tc>
+                <a:extLst>
+                  <a:ext uri="{0D108BD9-81ED-4DB2-BD59-A6C34878D82A}">
+                    <a16:rowId xmlns:a16="http://schemas.microsoft.com/office/drawing/2014/main" val="3992781458"/>
+                  </a:ext>
+                </a:extLst>
+              </a:tr>
+              <a:tr h="370840">
+                <a:tc>
+                  <a:txBody>
+                    <a:bodyPr/>
+                    <a:lstStyle/>
+                    <a:p>
+                      <a:r>
+                        <a:rPr lang="en-US" dirty="0">
+                          <a:solidFill>
+                            <a:schemeClr val="tx1"/>
+                          </a:solidFill>
+                        </a:rPr>
+                        <a:t>T_12</a:t>
+                      </a:r>
+                    </a:p>
+                  </a:txBody>
+                  <a:tcPr/>
+                </a:tc>
+                <a:tc>
+                  <a:txBody>
+                    <a:bodyPr/>
+                    <a:lstStyle/>
+                    <a:p>
+                      <a:r>
+                        <a:rPr lang="en-US" dirty="0">
+                          <a:solidFill>
+                            <a:schemeClr val="tx1"/>
+                          </a:solidFill>
+                        </a:rPr>
+                        <a:t>4.39995892</a:t>
+                      </a:r>
+                    </a:p>
+                  </a:txBody>
+                  <a:tcPr/>
+                </a:tc>
+                <a:tc>
+                  <a:txBody>
+                    <a:bodyPr/>
+                    <a:lstStyle/>
+                    <a:p>
+                      <a:r>
+                        <a:rPr lang="en-US" dirty="0">
+                          <a:solidFill>
+                            <a:schemeClr val="tx1"/>
+                          </a:solidFill>
+                        </a:rPr>
+                        <a:t>5.26353859</a:t>
+                      </a:r>
+                    </a:p>
+                  </a:txBody>
+                  <a:tcPr/>
+                </a:tc>
+                <a:tc>
+                  <a:txBody>
+                    <a:bodyPr/>
+                    <a:lstStyle/>
+                    <a:p>
+                      <a:r>
+                        <a:rPr lang="en-US" dirty="0">
+                          <a:solidFill>
+                            <a:schemeClr val="tx1"/>
+                          </a:solidFill>
+                        </a:rPr>
+                        <a:t>1.59972168</a:t>
+                      </a:r>
+                    </a:p>
+                  </a:txBody>
+                  <a:tcPr/>
+                </a:tc>
+                <a:tc>
+                  <a:txBody>
+                    <a:bodyPr/>
+                    <a:lstStyle/>
+                    <a:p>
+                      <a:r>
+                        <a:rPr lang="en-US" sz="1800" kern="1200" dirty="0">
+                          <a:solidFill>
+                            <a:schemeClr val="tx1"/>
+                          </a:solidFill>
+                          <a:latin typeface="+mn-lt"/>
+                          <a:ea typeface="+mn-ea"/>
+                          <a:cs typeface="+mn-cs"/>
+                        </a:rPr>
+                        <a:t>0.90845072</a:t>
+                      </a:r>
+                      <a:endParaRPr lang="en-US" dirty="0">
+                        <a:solidFill>
+                          <a:schemeClr val="tx1"/>
+                        </a:solidFill>
+                      </a:endParaRPr>
+                    </a:p>
+                  </a:txBody>
+                  <a:tcPr/>
+                </a:tc>
+                <a:extLst>
+                  <a:ext uri="{0D108BD9-81ED-4DB2-BD59-A6C34878D82A}">
+                    <a16:rowId xmlns:a16="http://schemas.microsoft.com/office/drawing/2014/main" val="3283572519"/>
+                  </a:ext>
+                </a:extLst>
+              </a:tr>
+              <a:tr h="370840">
+                <a:tc>
+                  <a:txBody>
+                    <a:bodyPr/>
+                    <a:lstStyle/>
+                    <a:p>
+                      <a:r>
+                        <a:rPr lang="en-US" dirty="0">
+                          <a:solidFill>
+                            <a:schemeClr val="tx1"/>
+                          </a:solidFill>
+                        </a:rPr>
+                        <a:t>T_23</a:t>
+                      </a:r>
+                    </a:p>
+                  </a:txBody>
+                  <a:tcPr/>
+                </a:tc>
+                <a:tc>
+                  <a:txBody>
+                    <a:bodyPr/>
+                    <a:lstStyle/>
+                    <a:p>
+                      <a:r>
+                        <a:rPr lang="en-US" dirty="0">
+                          <a:solidFill>
+                            <a:schemeClr val="tx1"/>
+                          </a:solidFill>
+                        </a:rPr>
+                        <a:t>N/A</a:t>
+                      </a:r>
+                    </a:p>
+                  </a:txBody>
+                  <a:tcPr/>
+                </a:tc>
+                <a:tc>
+                  <a:txBody>
+                    <a:bodyPr/>
+                    <a:lstStyle/>
+                    <a:p>
+                      <a:r>
+                        <a:rPr lang="en-US" dirty="0">
+                          <a:solidFill>
+                            <a:schemeClr val="tx1"/>
+                          </a:solidFill>
+                        </a:rPr>
+                        <a:t>N/A</a:t>
+                      </a:r>
+                    </a:p>
+                  </a:txBody>
+                  <a:tcPr/>
+                </a:tc>
+                <a:tc>
+                  <a:txBody>
+                    <a:bodyPr/>
+                    <a:lstStyle/>
+                    <a:p>
+                      <a:r>
+                        <a:rPr lang="en-US" dirty="0">
+                          <a:solidFill>
+                            <a:schemeClr val="tx1"/>
+                          </a:solidFill>
+                        </a:rPr>
+                        <a:t>N/A</a:t>
+                      </a:r>
+                    </a:p>
+                  </a:txBody>
+                  <a:tcPr/>
+                </a:tc>
+                <a:tc>
+                  <a:txBody>
+                    <a:bodyPr/>
+                    <a:lstStyle/>
+                    <a:p>
+                      <a:r>
+                        <a:rPr lang="en-US" sz="1800" kern="1200" dirty="0">
+                          <a:solidFill>
+                            <a:schemeClr val="tx1"/>
+                          </a:solidFill>
+                          <a:latin typeface="+mn-lt"/>
+                          <a:ea typeface="+mn-ea"/>
+                          <a:cs typeface="+mn-cs"/>
+                        </a:rPr>
+                        <a:t>3.75907656</a:t>
+                      </a:r>
+                      <a:endParaRPr lang="en-US" dirty="0">
+                        <a:solidFill>
+                          <a:schemeClr val="tx1"/>
+                        </a:solidFill>
+                      </a:endParaRPr>
+                    </a:p>
+                  </a:txBody>
+                  <a:tcPr/>
+                </a:tc>
+                <a:extLst>
+                  <a:ext uri="{0D108BD9-81ED-4DB2-BD59-A6C34878D82A}">
+                    <a16:rowId xmlns:a16="http://schemas.microsoft.com/office/drawing/2014/main" val="2422470866"/>
+                  </a:ext>
+                </a:extLst>
+              </a:tr>
+            </a:tbl>
+          </a:graphicData>
+        </a:graphic>
+      </p:graphicFrame>
       <p:sp>
         <p:nvSpPr>
-          <p:cNvPr id="3" name="TextBox 2">
+          <p:cNvPr id="6" name="TextBox 5">
             <a:extLst>
               <a:ext uri="{FF2B5EF4-FFF2-40B4-BE49-F238E27FC236}">
-                <a16:creationId xmlns:a16="http://schemas.microsoft.com/office/drawing/2014/main" id="{FAB4FB15-19E2-4133-A4BC-3310B730AD65}"/>
+                <a16:creationId xmlns:a16="http://schemas.microsoft.com/office/drawing/2014/main" id="{7419C400-D799-4ACD-BC31-78961011E4A8}"/>
               </a:ext>
             </a:extLst>
           </p:cNvPr>
@@ -8451,8 +12094,8 @@
         </p:nvSpPr>
         <p:spPr>
           <a:xfrm>
-            <a:off x="953728" y="1476134"/>
-            <a:ext cx="10661893" cy="4801314"/>
+            <a:off x="7096453" y="1690688"/>
+            <a:ext cx="5095547" cy="1754326"/>
           </a:xfrm>
           <a:prstGeom prst="rect">
             <a:avLst/>
@@ -8460,227 +12103,72 @@
           <a:noFill/>
         </p:spPr>
         <p:txBody>
-          <a:bodyPr wrap="none" rtlCol="0">
+          <a:bodyPr wrap="square" rtlCol="0">
             <a:spAutoFit/>
           </a:bodyPr>
           <a:lstStyle/>
           <a:p>
-            <a:r>
-              <a:rPr lang="en-US" dirty="0">
-                <a:solidFill>
-                  <a:prstClr val="black"/>
-                </a:solidFill>
-                <a:latin typeface="Lucida Console" panose="020B0609040504020204" pitchFamily="49" charset="0"/>
-              </a:rPr>
-              <a:t>(Pseudocode)</a:t>
-            </a:r>
-          </a:p>
-          <a:p>
-            <a:endParaRPr lang="en-US" dirty="0">
-              <a:solidFill>
-                <a:prstClr val="black"/>
-              </a:solidFill>
-              <a:latin typeface="Lucida Console" panose="020B0609040504020204" pitchFamily="49" charset="0"/>
-            </a:endParaRPr>
-          </a:p>
-          <a:p>
-            <a:r>
-              <a:rPr lang="en-US" dirty="0">
-                <a:solidFill>
-                  <a:prstClr val="black"/>
-                </a:solidFill>
-                <a:latin typeface="Lucida Console" panose="020B0609040504020204" pitchFamily="49" charset="0"/>
-              </a:rPr>
-              <a:t>For first line in input:</a:t>
-            </a:r>
-          </a:p>
-          <a:p>
-            <a:r>
-              <a:rPr lang="en-US" dirty="0">
-                <a:solidFill>
-                  <a:prstClr val="black"/>
-                </a:solidFill>
-                <a:latin typeface="Lucida Console" panose="020B0609040504020204" pitchFamily="49" charset="0"/>
-              </a:rPr>
-              <a:t>	</a:t>
-            </a:r>
-            <a:r>
-              <a:rPr lang="en-US" dirty="0" err="1">
-                <a:solidFill>
-                  <a:prstClr val="black"/>
-                </a:solidFill>
-                <a:latin typeface="Lucida Console" panose="020B0609040504020204" pitchFamily="49" charset="0"/>
-              </a:rPr>
-              <a:t>line.split</a:t>
-            </a:r>
-            <a:r>
-              <a:rPr lang="en-US" dirty="0">
-                <a:solidFill>
-                  <a:prstClr val="black"/>
-                </a:solidFill>
-                <a:latin typeface="Lucida Console" panose="020B0609040504020204" pitchFamily="49" charset="0"/>
-              </a:rPr>
-              <a:t>(1:n) is individuals</a:t>
-            </a:r>
-          </a:p>
-          <a:p>
-            <a:r>
-              <a:rPr lang="en-US" dirty="0">
-                <a:solidFill>
-                  <a:prstClr val="black"/>
-                </a:solidFill>
-                <a:latin typeface="Lucida Console" panose="020B0609040504020204" pitchFamily="49" charset="0"/>
-              </a:rPr>
-              <a:t>for each line in input:</a:t>
-            </a:r>
-          </a:p>
-          <a:p>
-            <a:r>
-              <a:rPr lang="en-US" dirty="0">
-                <a:solidFill>
-                  <a:prstClr val="black"/>
-                </a:solidFill>
-                <a:latin typeface="Lucida Console" panose="020B0609040504020204" pitchFamily="49" charset="0"/>
-              </a:rPr>
-              <a:t>	</a:t>
-            </a:r>
-            <a:r>
-              <a:rPr lang="en-US" dirty="0" err="1">
-                <a:solidFill>
-                  <a:prstClr val="black"/>
-                </a:solidFill>
-                <a:latin typeface="Lucida Console" panose="020B0609040504020204" pitchFamily="49" charset="0"/>
-              </a:rPr>
-              <a:t>line.split</a:t>
-            </a:r>
-            <a:r>
-              <a:rPr lang="en-US" dirty="0">
-                <a:solidFill>
-                  <a:prstClr val="black"/>
-                </a:solidFill>
-                <a:latin typeface="Lucida Console" panose="020B0609040504020204" pitchFamily="49" charset="0"/>
-              </a:rPr>
-              <a:t>(1:n)[0] is alts</a:t>
-            </a:r>
-          </a:p>
-          <a:p>
-            <a:r>
-              <a:rPr lang="en-US" dirty="0">
-                <a:solidFill>
-                  <a:prstClr val="black"/>
-                </a:solidFill>
-                <a:latin typeface="Lucida Console" panose="020B0609040504020204" pitchFamily="49" charset="0"/>
-              </a:rPr>
-              <a:t>	</a:t>
-            </a:r>
-            <a:r>
-              <a:rPr lang="en-US" dirty="0" err="1">
-                <a:solidFill>
-                  <a:prstClr val="black"/>
-                </a:solidFill>
-                <a:latin typeface="Lucida Console" panose="020B0609040504020204" pitchFamily="49" charset="0"/>
-              </a:rPr>
-              <a:t>line.split</a:t>
-            </a:r>
-            <a:r>
-              <a:rPr lang="en-US" dirty="0">
-                <a:solidFill>
-                  <a:prstClr val="black"/>
-                </a:solidFill>
-                <a:latin typeface="Lucida Console" panose="020B0609040504020204" pitchFamily="49" charset="0"/>
-              </a:rPr>
-              <a:t>(1:n)[1] is refs</a:t>
-            </a:r>
-          </a:p>
-          <a:p>
-            <a:r>
-              <a:rPr lang="en-US" dirty="0">
-                <a:solidFill>
-                  <a:prstClr val="black"/>
-                </a:solidFill>
-                <a:latin typeface="Lucida Console" panose="020B0609040504020204" pitchFamily="49" charset="0"/>
-              </a:rPr>
-              <a:t>if alts &gt;= refs / 2 and alts &gt;= 1</a:t>
-            </a:r>
-          </a:p>
-          <a:p>
-            <a:r>
-              <a:rPr lang="en-US" dirty="0">
-                <a:solidFill>
-                  <a:prstClr val="black"/>
-                </a:solidFill>
-                <a:latin typeface="Lucida Console" panose="020B0609040504020204" pitchFamily="49" charset="0"/>
-              </a:rPr>
-              <a:t>	# if more alts than refs</a:t>
-            </a:r>
-          </a:p>
-          <a:p>
-            <a:r>
-              <a:rPr lang="en-US" dirty="0">
-                <a:solidFill>
-                  <a:prstClr val="black"/>
-                </a:solidFill>
-                <a:latin typeface="Lucida Console" panose="020B0609040504020204" pitchFamily="49" charset="0"/>
-              </a:rPr>
-              <a:t>	assign 1</a:t>
-            </a:r>
-          </a:p>
-          <a:p>
-            <a:r>
-              <a:rPr lang="en-US" dirty="0">
-                <a:solidFill>
-                  <a:prstClr val="black"/>
-                </a:solidFill>
-                <a:latin typeface="Lucida Console" panose="020B0609040504020204" pitchFamily="49" charset="0"/>
-              </a:rPr>
-              <a:t>else</a:t>
-            </a:r>
-          </a:p>
-          <a:p>
-            <a:r>
-              <a:rPr lang="en-US" dirty="0">
-                <a:solidFill>
-                  <a:prstClr val="black"/>
-                </a:solidFill>
-                <a:latin typeface="Lucida Console" panose="020B0609040504020204" pitchFamily="49" charset="0"/>
-              </a:rPr>
-              <a:t>	assign 0</a:t>
-            </a:r>
-          </a:p>
-          <a:p>
-            <a:endParaRPr lang="en-US" dirty="0"/>
-          </a:p>
-          <a:p>
-            <a:endParaRPr lang="en-US" dirty="0">
-              <a:latin typeface="Yu Gothic" panose="020B0400000000000000" pitchFamily="34" charset="-128"/>
-              <a:ea typeface="Yu Gothic" panose="020B0400000000000000" pitchFamily="34" charset="-128"/>
-            </a:endParaRPr>
-          </a:p>
-          <a:p>
-            <a:r>
-              <a:rPr lang="en-US" dirty="0">
-                <a:latin typeface="Yu Gothic" panose="020B0400000000000000" pitchFamily="34" charset="-128"/>
-                <a:ea typeface="Yu Gothic" panose="020B0400000000000000" pitchFamily="34" charset="-128"/>
-              </a:rPr>
-              <a:t>Originally, I planned to use 0, 1, 2, 3 as code for the alleles, but I don’t think this will work since</a:t>
-            </a:r>
-          </a:p>
-          <a:p>
-            <a:r>
-              <a:rPr lang="en-US" dirty="0">
-                <a:latin typeface="Yu Gothic" panose="020B0400000000000000" pitchFamily="34" charset="-128"/>
-                <a:ea typeface="Yu Gothic" panose="020B0400000000000000" pitchFamily="34" charset="-128"/>
-              </a:rPr>
-              <a:t>C and G are not between A and T in terms of value, so I decided to go with reference vs alternative</a:t>
-            </a:r>
-          </a:p>
-          <a:p>
-            <a:r>
-              <a:rPr lang="en-US" dirty="0">
-                <a:latin typeface="Yu Gothic" panose="020B0400000000000000" pitchFamily="34" charset="-128"/>
-                <a:ea typeface="Yu Gothic" panose="020B0400000000000000" pitchFamily="34" charset="-128"/>
-              </a:rPr>
-              <a:t>allele, where reference is encoded as 0 and alternative is encoded as 1.</a:t>
+            <a:pPr marL="285750" indent="-285750">
+              <a:buFont typeface="Arial" panose="020B0604020202020204" pitchFamily="34" charset="0"/>
+              <a:buChar char="•"/>
+            </a:pPr>
+            <a:r>
+              <a:rPr lang="en-US" dirty="0" err="1"/>
+              <a:t>Nu_a</a:t>
+            </a:r>
+            <a:r>
+              <a:rPr lang="en-US" dirty="0"/>
+              <a:t>: contemporary population relative to ancestral population before first epoch</a:t>
+            </a:r>
+          </a:p>
+          <a:p>
+            <a:pPr marL="285750" indent="-285750">
+              <a:buFont typeface="Arial" panose="020B0604020202020204" pitchFamily="34" charset="0"/>
+              <a:buChar char="•"/>
+            </a:pPr>
+            <a:r>
+              <a:rPr lang="en-US" dirty="0" err="1"/>
+              <a:t>Nu_b</a:t>
+            </a:r>
+            <a:r>
+              <a:rPr lang="en-US" dirty="0"/>
+              <a:t>: contemporary population relative to ancestral population before second epoch</a:t>
+            </a:r>
+          </a:p>
+          <a:p>
+            <a:pPr marL="285750" indent="-285750">
+              <a:buFont typeface="Arial" panose="020B0604020202020204" pitchFamily="34" charset="0"/>
+              <a:buChar char="•"/>
+            </a:pPr>
+            <a:r>
+              <a:rPr lang="en-US" dirty="0"/>
+              <a:t>T_1: Duration of first epoch (units of 2 * </a:t>
+            </a:r>
+            <a:r>
+              <a:rPr lang="en-US" dirty="0" err="1"/>
+              <a:t>N_a</a:t>
+            </a:r>
+            <a:r>
+              <a:rPr lang="en-US" dirty="0"/>
+              <a:t>)</a:t>
+            </a:r>
+          </a:p>
+          <a:p>
+            <a:pPr marL="285750" indent="-285750">
+              <a:buFont typeface="Arial" panose="020B0604020202020204" pitchFamily="34" charset="0"/>
+              <a:buChar char="•"/>
+            </a:pPr>
+            <a:r>
+              <a:rPr lang="en-US" dirty="0"/>
+              <a:t>T_2: Duration of second epoch (units of 2 * </a:t>
+            </a:r>
+            <a:r>
+              <a:rPr lang="en-US" dirty="0" err="1"/>
+              <a:t>N_a</a:t>
+            </a:r>
+            <a:r>
+              <a:rPr lang="en-US" dirty="0"/>
+              <a:t>)</a:t>
             </a:r>
           </a:p>
         </p:txBody>
@@ -8688,7 +12176,7 @@
     </p:spTree>
     <p:extLst>
       <p:ext uri="{BB962C8B-B14F-4D97-AF65-F5344CB8AC3E}">
-        <p14:creationId xmlns:p14="http://schemas.microsoft.com/office/powerpoint/2010/main" val="3411083281"/>
+        <p14:creationId xmlns:p14="http://schemas.microsoft.com/office/powerpoint/2010/main" val="151847977"/>
       </p:ext>
     </p:extLst>
   </p:cSld>

--- a/Summary/20210217_demo_for_ccgb_rotation_update.pptx
+++ b/Summary/20210217_demo_for_ccgb_rotation_update.pptx
@@ -240,7 +240,7 @@
           <a:p>
             <a:fld id="{2F446724-7A58-4020-9182-8374F0305DD3}" type="datetimeFigureOut">
               <a:rPr lang="en-US" smtClean="0"/>
-              <a:t>2/16/2021</a:t>
+              <a:t>2/17/2021</a:t>
             </a:fld>
             <a:endParaRPr lang="en-US"/>
           </a:p>
@@ -1074,7 +1074,7 @@
           <a:p>
             <a:fld id="{6A6E4237-9E27-40CF-A4D8-1330F92F21DA}" type="datetimeFigureOut">
               <a:rPr lang="en-US" smtClean="0"/>
-              <a:t>2/16/2021</a:t>
+              <a:t>2/17/2021</a:t>
             </a:fld>
             <a:endParaRPr lang="en-US"/>
           </a:p>
@@ -1272,7 +1272,7 @@
           <a:p>
             <a:fld id="{6A6E4237-9E27-40CF-A4D8-1330F92F21DA}" type="datetimeFigureOut">
               <a:rPr lang="en-US" smtClean="0"/>
-              <a:t>2/16/2021</a:t>
+              <a:t>2/17/2021</a:t>
             </a:fld>
             <a:endParaRPr lang="en-US"/>
           </a:p>
@@ -1480,7 +1480,7 @@
           <a:p>
             <a:fld id="{6A6E4237-9E27-40CF-A4D8-1330F92F21DA}" type="datetimeFigureOut">
               <a:rPr lang="en-US" smtClean="0"/>
-              <a:t>2/16/2021</a:t>
+              <a:t>2/17/2021</a:t>
             </a:fld>
             <a:endParaRPr lang="en-US"/>
           </a:p>
@@ -1678,7 +1678,7 @@
           <a:p>
             <a:fld id="{6A6E4237-9E27-40CF-A4D8-1330F92F21DA}" type="datetimeFigureOut">
               <a:rPr lang="en-US" smtClean="0"/>
-              <a:t>2/16/2021</a:t>
+              <a:t>2/17/2021</a:t>
             </a:fld>
             <a:endParaRPr lang="en-US"/>
           </a:p>
@@ -1953,7 +1953,7 @@
           <a:p>
             <a:fld id="{6A6E4237-9E27-40CF-A4D8-1330F92F21DA}" type="datetimeFigureOut">
               <a:rPr lang="en-US" smtClean="0"/>
-              <a:t>2/16/2021</a:t>
+              <a:t>2/17/2021</a:t>
             </a:fld>
             <a:endParaRPr lang="en-US"/>
           </a:p>
@@ -2218,7 +2218,7 @@
           <a:p>
             <a:fld id="{6A6E4237-9E27-40CF-A4D8-1330F92F21DA}" type="datetimeFigureOut">
               <a:rPr lang="en-US" smtClean="0"/>
-              <a:t>2/16/2021</a:t>
+              <a:t>2/17/2021</a:t>
             </a:fld>
             <a:endParaRPr lang="en-US"/>
           </a:p>
@@ -2630,7 +2630,7 @@
           <a:p>
             <a:fld id="{6A6E4237-9E27-40CF-A4D8-1330F92F21DA}" type="datetimeFigureOut">
               <a:rPr lang="en-US" smtClean="0"/>
-              <a:t>2/16/2021</a:t>
+              <a:t>2/17/2021</a:t>
             </a:fld>
             <a:endParaRPr lang="en-US"/>
           </a:p>
@@ -2771,7 +2771,7 @@
           <a:p>
             <a:fld id="{6A6E4237-9E27-40CF-A4D8-1330F92F21DA}" type="datetimeFigureOut">
               <a:rPr lang="en-US" smtClean="0"/>
-              <a:t>2/16/2021</a:t>
+              <a:t>2/17/2021</a:t>
             </a:fld>
             <a:endParaRPr lang="en-US"/>
           </a:p>
@@ -2884,7 +2884,7 @@
           <a:p>
             <a:fld id="{6A6E4237-9E27-40CF-A4D8-1330F92F21DA}" type="datetimeFigureOut">
               <a:rPr lang="en-US" smtClean="0"/>
-              <a:t>2/16/2021</a:t>
+              <a:t>2/17/2021</a:t>
             </a:fld>
             <a:endParaRPr lang="en-US"/>
           </a:p>
@@ -3195,7 +3195,7 @@
           <a:p>
             <a:fld id="{6A6E4237-9E27-40CF-A4D8-1330F92F21DA}" type="datetimeFigureOut">
               <a:rPr lang="en-US" smtClean="0"/>
-              <a:t>2/16/2021</a:t>
+              <a:t>2/17/2021</a:t>
             </a:fld>
             <a:endParaRPr lang="en-US"/>
           </a:p>
@@ -3483,7 +3483,7 @@
           <a:p>
             <a:fld id="{6A6E4237-9E27-40CF-A4D8-1330F92F21DA}" type="datetimeFigureOut">
               <a:rPr lang="en-US" smtClean="0"/>
-              <a:t>2/16/2021</a:t>
+              <a:t>2/17/2021</a:t>
             </a:fld>
             <a:endParaRPr lang="en-US"/>
           </a:p>
@@ -3724,7 +3724,7 @@
           <a:p>
             <a:fld id="{6A6E4237-9E27-40CF-A4D8-1330F92F21DA}" type="datetimeFigureOut">
               <a:rPr lang="en-US" smtClean="0"/>
-              <a:t>2/16/2021</a:t>
+              <a:t>2/17/2021</a:t>
             </a:fld>
             <a:endParaRPr lang="en-US"/>
           </a:p>
@@ -6013,7 +6013,7 @@
             <p:ph idx="1"/>
             <p:extLst>
               <p:ext uri="{D42A27DB-BD31-4B8C-83A1-F6EECF244321}">
-                <p14:modId xmlns:p14="http://schemas.microsoft.com/office/powerpoint/2010/main" val="2011150529"/>
+                <p14:modId xmlns:p14="http://schemas.microsoft.com/office/powerpoint/2010/main" val="1848870478"/>
               </p:ext>
             </p:extLst>
           </p:nvPr>
@@ -6156,16 +6156,23 @@
                     <a:bodyPr/>
                     <a:lstStyle/>
                     <a:p>
-                      <a:endParaRPr lang="en-US" dirty="0"/>
-                    </a:p>
-                  </a:txBody>
-                  <a:tcPr/>
-                </a:tc>
-                <a:tc>
-                  <a:txBody>
-                    <a:bodyPr/>
-                    <a:lstStyle/>
-                    <a:p>
+                      <a:r>
+                        <a:rPr lang="en-US" dirty="0"/>
+                        <a:t>-134.75824907</a:t>
+                      </a:r>
+                    </a:p>
+                  </a:txBody>
+                  <a:tcPr/>
+                </a:tc>
+                <a:tc>
+                  <a:txBody>
+                    <a:bodyPr/>
+                    <a:lstStyle/>
+                    <a:p>
+                      <a:r>
+                        <a:rPr lang="en-US" dirty="0"/>
+                        <a:t>-136.939167057</a:t>
+                      </a:r>
                       <a:endParaRPr lang="en-US" dirty="0">
                         <a:highlight>
                           <a:srgbClr val="FFFF00"/>
@@ -6180,6 +6187,10 @@
                     <a:bodyPr/>
                     <a:lstStyle/>
                     <a:p>
+                      <a:r>
+                        <a:rPr lang="en-US" dirty="0"/>
+                        <a:t>-134.758223864</a:t>
+                      </a:r>
                       <a:endParaRPr lang="en-US" dirty="0">
                         <a:highlight>
                           <a:srgbClr val="FFFF00"/>
@@ -6194,7 +6205,10 @@
                     <a:bodyPr/>
                     <a:lstStyle/>
                     <a:p>
-                      <a:endParaRPr lang="en-US" dirty="0"/>
+                      <a:r>
+                        <a:rPr lang="en-US" dirty="0"/>
+                        <a:t>-133.877889826</a:t>
+                      </a:r>
                     </a:p>
                   </a:txBody>
                   <a:tcPr/>
@@ -6225,37 +6239,49 @@
                     <a:bodyPr/>
                     <a:lstStyle/>
                     <a:p>
-                      <a:endParaRPr lang="en-US" dirty="0"/>
-                    </a:p>
-                  </a:txBody>
-                  <a:tcPr/>
-                </a:tc>
-                <a:tc>
-                  <a:txBody>
-                    <a:bodyPr/>
-                    <a:lstStyle/>
-                    <a:p>
-                      <a:endParaRPr lang="en-US" dirty="0"/>
-                    </a:p>
-                  </a:txBody>
-                  <a:tcPr/>
-                </a:tc>
-                <a:tc>
-                  <a:txBody>
-                    <a:bodyPr/>
-                    <a:lstStyle/>
-                    <a:p>
-                      <a:endParaRPr lang="en-US" dirty="0"/>
-                    </a:p>
-                  </a:txBody>
-                  <a:tcPr/>
-                </a:tc>
-                <a:tc>
-                  <a:txBody>
-                    <a:bodyPr/>
-                    <a:lstStyle/>
-                    <a:p>
-                      <a:endParaRPr lang="en-US" dirty="0"/>
+                      <a:r>
+                        <a:rPr lang="en-US" dirty="0"/>
+                        <a:t>5.52070018</a:t>
+                      </a:r>
+                    </a:p>
+                  </a:txBody>
+                  <a:tcPr/>
+                </a:tc>
+                <a:tc>
+                  <a:txBody>
+                    <a:bodyPr/>
+                    <a:lstStyle/>
+                    <a:p>
+                      <a:r>
+                        <a:rPr lang="en-US" dirty="0"/>
+                        <a:t>3.96928341</a:t>
+                      </a:r>
+                    </a:p>
+                  </a:txBody>
+                  <a:tcPr/>
+                </a:tc>
+                <a:tc>
+                  <a:txBody>
+                    <a:bodyPr/>
+                    <a:lstStyle/>
+                    <a:p>
+                      <a:r>
+                        <a:rPr lang="en-US" dirty="0"/>
+                        <a:t>1.00120516</a:t>
+                      </a:r>
+                    </a:p>
+                  </a:txBody>
+                  <a:tcPr/>
+                </a:tc>
+                <a:tc>
+                  <a:txBody>
+                    <a:bodyPr/>
+                    <a:lstStyle/>
+                    <a:p>
+                      <a:r>
+                        <a:rPr lang="en-US" dirty="0"/>
+                        <a:t>1.69793265</a:t>
+                      </a:r>
                     </a:p>
                   </a:txBody>
                   <a:tcPr/>
@@ -6312,17 +6338,23 @@
                     <a:bodyPr/>
                     <a:lstStyle/>
                     <a:p>
-                      <a:endParaRPr lang="en-US" dirty="0"/>
-                    </a:p>
-                  </a:txBody>
-                  <a:tcPr/>
-                </a:tc>
-                <a:tc>
-                  <a:txBody>
-                    <a:bodyPr/>
-                    <a:lstStyle/>
-                    <a:p>
-                      <a:endParaRPr lang="en-US" dirty="0"/>
+                      <a:r>
+                        <a:rPr lang="en-US" dirty="0"/>
+                        <a:t>5.52035461</a:t>
+                      </a:r>
+                    </a:p>
+                  </a:txBody>
+                  <a:tcPr/>
+                </a:tc>
+                <a:tc>
+                  <a:txBody>
+                    <a:bodyPr/>
+                    <a:lstStyle/>
+                    <a:p>
+                      <a:r>
+                        <a:rPr lang="en-US" dirty="0"/>
+                        <a:t>4.91266537</a:t>
+                      </a:r>
                     </a:p>
                   </a:txBody>
                   <a:tcPr/>
@@ -6352,37 +6384,49 @@
                     <a:bodyPr/>
                     <a:lstStyle/>
                     <a:p>
-                      <a:endParaRPr lang="en-US" dirty="0"/>
-                    </a:p>
-                  </a:txBody>
-                  <a:tcPr/>
-                </a:tc>
-                <a:tc>
-                  <a:txBody>
-                    <a:bodyPr/>
-                    <a:lstStyle/>
-                    <a:p>
-                      <a:endParaRPr lang="en-US" dirty="0"/>
-                    </a:p>
-                  </a:txBody>
-                  <a:tcPr/>
-                </a:tc>
-                <a:tc>
-                  <a:txBody>
-                    <a:bodyPr/>
-                    <a:lstStyle/>
-                    <a:p>
-                      <a:endParaRPr lang="en-US" dirty="0"/>
-                    </a:p>
-                  </a:txBody>
-                  <a:tcPr/>
-                </a:tc>
-                <a:tc>
-                  <a:txBody>
-                    <a:bodyPr/>
-                    <a:lstStyle/>
-                    <a:p>
-                      <a:endParaRPr lang="en-US" dirty="0"/>
+                      <a:r>
+                        <a:rPr lang="en-US" dirty="0"/>
+                        <a:t>0.65275521</a:t>
+                      </a:r>
+                    </a:p>
+                  </a:txBody>
+                  <a:tcPr/>
+                </a:tc>
+                <a:tc>
+                  <a:txBody>
+                    <a:bodyPr/>
+                    <a:lstStyle/>
+                    <a:p>
+                      <a:r>
+                        <a:rPr lang="en-US" dirty="0"/>
+                        <a:t>0.3955718</a:t>
+                      </a:r>
+                    </a:p>
+                  </a:txBody>
+                  <a:tcPr/>
+                </a:tc>
+                <a:tc>
+                  <a:txBody>
+                    <a:bodyPr/>
+                    <a:lstStyle/>
+                    <a:p>
+                      <a:r>
+                        <a:rPr lang="en-US" dirty="0"/>
+                        <a:t>0.65317188</a:t>
+                      </a:r>
+                    </a:p>
+                  </a:txBody>
+                  <a:tcPr/>
+                </a:tc>
+                <a:tc>
+                  <a:txBody>
+                    <a:bodyPr/>
+                    <a:lstStyle/>
+                    <a:p>
+                      <a:r>
+                        <a:rPr lang="en-US" dirty="0"/>
+                        <a:t>0.46533747</a:t>
+                      </a:r>
                     </a:p>
                   </a:txBody>
                   <a:tcPr/>
@@ -6451,7 +6495,10 @@
                     <a:bodyPr/>
                     <a:lstStyle/>
                     <a:p>
-                      <a:endParaRPr lang="en-US" dirty="0"/>
+                      <a:r>
+                        <a:rPr lang="en-US" dirty="0"/>
+                        <a:t>0.27208794</a:t>
+                      </a:r>
                     </a:p>
                   </a:txBody>
                   <a:tcPr/>
@@ -7461,7 +7508,7 @@
             <p:ph idx="1"/>
             <p:extLst>
               <p:ext uri="{D42A27DB-BD31-4B8C-83A1-F6EECF244321}">
-                <p14:modId xmlns:p14="http://schemas.microsoft.com/office/powerpoint/2010/main" val="2954193161"/>
+                <p14:modId xmlns:p14="http://schemas.microsoft.com/office/powerpoint/2010/main" val="262392616"/>
               </p:ext>
             </p:extLst>
           </p:nvPr>
@@ -8239,7 +8286,7 @@
             <p:ph idx="1"/>
             <p:extLst>
               <p:ext uri="{D42A27DB-BD31-4B8C-83A1-F6EECF244321}">
-                <p14:modId xmlns:p14="http://schemas.microsoft.com/office/powerpoint/2010/main" val="1991837065"/>
+                <p14:modId xmlns:p14="http://schemas.microsoft.com/office/powerpoint/2010/main" val="4047319796"/>
               </p:ext>
             </p:extLst>
           </p:nvPr>
@@ -8431,7 +8478,10 @@
                     <a:bodyPr/>
                     <a:lstStyle/>
                     <a:p>
-                      <a:endParaRPr lang="en-US" dirty="0"/>
+                      <a:r>
+                        <a:rPr lang="en-US" dirty="0"/>
+                        <a:t>-25.7139166244</a:t>
+                      </a:r>
                     </a:p>
                   </a:txBody>
                   <a:tcPr/>
@@ -8501,7 +8551,10 @@
                     <a:bodyPr/>
                     <a:lstStyle/>
                     <a:p>
-                      <a:endParaRPr lang="en-US" dirty="0"/>
+                      <a:r>
+                        <a:rPr lang="en-US" dirty="0"/>
+                        <a:t>24.06635808</a:t>
+                      </a:r>
                     </a:p>
                   </a:txBody>
                   <a:tcPr/>
@@ -8571,7 +8624,10 @@
                     <a:bodyPr/>
                     <a:lstStyle/>
                     <a:p>
-                      <a:endParaRPr lang="en-US" dirty="0"/>
+                      <a:r>
+                        <a:rPr lang="en-US" dirty="0"/>
+                        <a:t>4.63164974</a:t>
+                      </a:r>
                     </a:p>
                   </a:txBody>
                   <a:tcPr/>
@@ -8640,7 +8696,10 @@
                     <a:bodyPr/>
                     <a:lstStyle/>
                     <a:p>
-                      <a:endParaRPr lang="en-US" dirty="0"/>
+                      <a:r>
+                        <a:rPr lang="en-US" dirty="0"/>
+                        <a:t>4.14974652</a:t>
+                      </a:r>
                     </a:p>
                   </a:txBody>
                   <a:tcPr/>
@@ -8709,7 +8768,10 @@
                     <a:bodyPr/>
                     <a:lstStyle/>
                     <a:p>
-                      <a:endParaRPr lang="en-US" dirty="0"/>
+                      <a:r>
+                        <a:rPr lang="en-US" dirty="0"/>
+                        <a:t>1.32298356</a:t>
+                      </a:r>
                     </a:p>
                   </a:txBody>
                   <a:tcPr/>
@@ -10064,7 +10126,7 @@
             <p:ph idx="1"/>
             <p:extLst>
               <p:ext uri="{D42A27DB-BD31-4B8C-83A1-F6EECF244321}">
-                <p14:modId xmlns:p14="http://schemas.microsoft.com/office/powerpoint/2010/main" val="626195314"/>
+                <p14:modId xmlns:p14="http://schemas.microsoft.com/office/powerpoint/2010/main" val="2376324388"/>
               </p:ext>
             </p:extLst>
           </p:nvPr>
@@ -10256,7 +10318,10 @@
                     <a:bodyPr/>
                     <a:lstStyle/>
                     <a:p>
-                      <a:endParaRPr lang="en-US" dirty="0"/>
+                      <a:r>
+                        <a:rPr lang="en-US" dirty="0"/>
+                        <a:t>-121.995339345</a:t>
+                      </a:r>
                     </a:p>
                   </a:txBody>
                   <a:tcPr/>
@@ -10326,7 +10391,10 @@
                     <a:bodyPr/>
                     <a:lstStyle/>
                     <a:p>
-                      <a:endParaRPr lang="en-US" dirty="0"/>
+                      <a:r>
+                        <a:rPr lang="en-US" dirty="0"/>
+                        <a:t>2.64925027</a:t>
+                      </a:r>
                     </a:p>
                   </a:txBody>
                   <a:tcPr/>
@@ -10396,7 +10464,10 @@
                     <a:bodyPr/>
                     <a:lstStyle/>
                     <a:p>
-                      <a:endParaRPr lang="en-US" dirty="0"/>
+                      <a:r>
+                        <a:rPr lang="en-US" dirty="0"/>
+                        <a:t>1.49440752</a:t>
+                      </a:r>
                     </a:p>
                   </a:txBody>
                   <a:tcPr/>
@@ -10465,7 +10536,10 @@
                     <a:bodyPr/>
                     <a:lstStyle/>
                     <a:p>
-                      <a:endParaRPr lang="en-US" dirty="0"/>
+                      <a:r>
+                        <a:rPr lang="en-US" dirty="0"/>
+                        <a:t>0.00631432</a:t>
+                      </a:r>
                     </a:p>
                   </a:txBody>
                   <a:tcPr/>
@@ -10534,7 +10608,10 @@
                     <a:bodyPr/>
                     <a:lstStyle/>
                     <a:p>
-                      <a:endParaRPr lang="en-US" dirty="0"/>
+                      <a:r>
+                        <a:rPr lang="en-US" dirty="0"/>
+                        <a:t>0.43254745</a:t>
+                      </a:r>
                     </a:p>
                   </a:txBody>
                   <a:tcPr/>
@@ -10751,7 +10828,7 @@
             <p:ph idx="1"/>
             <p:extLst>
               <p:ext uri="{D42A27DB-BD31-4B8C-83A1-F6EECF244321}">
-                <p14:modId xmlns:p14="http://schemas.microsoft.com/office/powerpoint/2010/main" val="2905816402"/>
+                <p14:modId xmlns:p14="http://schemas.microsoft.com/office/powerpoint/2010/main" val="151831902"/>
               </p:ext>
             </p:extLst>
           </p:nvPr>
@@ -10943,7 +11020,10 @@
                     <a:bodyPr/>
                     <a:lstStyle/>
                     <a:p>
-                      <a:endParaRPr lang="en-US" dirty="0"/>
+                      <a:r>
+                        <a:rPr lang="en-US" dirty="0"/>
+                        <a:t>-141.148031575</a:t>
+                      </a:r>
                     </a:p>
                   </a:txBody>
                   <a:tcPr/>
@@ -11013,7 +11093,10 @@
                     <a:bodyPr/>
                     <a:lstStyle/>
                     <a:p>
-                      <a:endParaRPr lang="en-US" dirty="0"/>
+                      <a:r>
+                        <a:rPr lang="en-US" dirty="0"/>
+                        <a:t>3.24358033</a:t>
+                      </a:r>
                     </a:p>
                   </a:txBody>
                   <a:tcPr/>
@@ -11083,7 +11166,10 @@
                     <a:bodyPr/>
                     <a:lstStyle/>
                     <a:p>
-                      <a:endParaRPr lang="en-US" dirty="0"/>
+                      <a:r>
+                        <a:rPr lang="en-US" dirty="0"/>
+                        <a:t>1.73262388</a:t>
+                      </a:r>
                     </a:p>
                   </a:txBody>
                   <a:tcPr/>
@@ -11152,7 +11238,10 @@
                     <a:bodyPr/>
                     <a:lstStyle/>
                     <a:p>
-                      <a:endParaRPr lang="en-US" dirty="0"/>
+                      <a:r>
+                        <a:rPr lang="en-US" dirty="0"/>
+                        <a:t>0.40179331</a:t>
+                      </a:r>
                     </a:p>
                   </a:txBody>
                   <a:tcPr/>
@@ -11221,7 +11310,10 @@
                     <a:bodyPr/>
                     <a:lstStyle/>
                     <a:p>
-                      <a:endParaRPr lang="en-US" dirty="0"/>
+                      <a:r>
+                        <a:rPr lang="en-US" dirty="0"/>
+                        <a:t>0.54790132</a:t>
+                      </a:r>
                     </a:p>
                   </a:txBody>
                   <a:tcPr/>
